--- a/saga-talks/ecmls11-dare.pptx
+++ b/saga-talks/ecmls11-dare.pptx
@@ -6,29 +6,31 @@
     <p:sldMasterId id="2147483677" r:id="rId2"/>
   </p:sldMasterIdLst>
   <p:notesMasterIdLst>
-    <p:notesMasterId r:id="rId23"/>
+    <p:notesMasterId r:id="rId25"/>
   </p:notesMasterIdLst>
   <p:sldIdLst>
     <p:sldId id="256" r:id="rId3"/>
     <p:sldId id="715" r:id="rId4"/>
     <p:sldId id="787" r:id="rId5"/>
-    <p:sldId id="814" r:id="rId6"/>
-    <p:sldId id="786" r:id="rId7"/>
+    <p:sldId id="822" r:id="rId6"/>
+    <p:sldId id="823" r:id="rId7"/>
     <p:sldId id="788" r:id="rId8"/>
-    <p:sldId id="754" r:id="rId9"/>
-    <p:sldId id="772" r:id="rId10"/>
-    <p:sldId id="478" r:id="rId11"/>
-    <p:sldId id="555" r:id="rId12"/>
-    <p:sldId id="791" r:id="rId13"/>
-    <p:sldId id="773" r:id="rId14"/>
-    <p:sldId id="819" r:id="rId15"/>
-    <p:sldId id="821" r:id="rId16"/>
-    <p:sldId id="820" r:id="rId17"/>
-    <p:sldId id="815" r:id="rId18"/>
-    <p:sldId id="816" r:id="rId19"/>
-    <p:sldId id="817" r:id="rId20"/>
-    <p:sldId id="757" r:id="rId21"/>
-    <p:sldId id="759" r:id="rId22"/>
+    <p:sldId id="786" r:id="rId9"/>
+    <p:sldId id="754" r:id="rId10"/>
+    <p:sldId id="772" r:id="rId11"/>
+    <p:sldId id="478" r:id="rId12"/>
+    <p:sldId id="555" r:id="rId13"/>
+    <p:sldId id="791" r:id="rId14"/>
+    <p:sldId id="773" r:id="rId15"/>
+    <p:sldId id="819" r:id="rId16"/>
+    <p:sldId id="821" r:id="rId17"/>
+    <p:sldId id="820" r:id="rId18"/>
+    <p:sldId id="815" r:id="rId19"/>
+    <p:sldId id="816" r:id="rId20"/>
+    <p:sldId id="817" r:id="rId21"/>
+    <p:sldId id="757" r:id="rId22"/>
+    <p:sldId id="759" r:id="rId23"/>
+    <p:sldId id="824" r:id="rId24"/>
   </p:sldIdLst>
   <p:sldSz cx="9144000" cy="6858000" type="screen4x3"/>
   <p:notesSz cx="6858000" cy="9144000"/>
@@ -213,7 +215,7 @@
             <a:fld id="{8E161E8F-4E15-A840-9658-105F9DD3DE22}" type="datetimeFigureOut">
               <a:rPr lang="en-US" smtClean="0"/>
               <a:pPr/>
-              <a:t>6/5/11</a:t>
+              <a:t>6/7/11</a:t>
             </a:fld>
             <a:endParaRPr lang="en-US"/>
           </a:p>
@@ -667,7 +669,7 @@
             <a:fld id="{8FC6E2D0-3DA8-0A4F-9A90-3E1A8900A569}" type="slidenum">
               <a:rPr lang="en-US" smtClean="0"/>
               <a:pPr/>
-              <a:t>12</a:t>
+              <a:t>13</a:t>
             </a:fld>
             <a:endParaRPr lang="en-US" dirty="0"/>
           </a:p>
@@ -755,7 +757,7 @@
             <a:fld id="{8FC6E2D0-3DA8-0A4F-9A90-3E1A8900A569}" type="slidenum">
               <a:rPr lang="en-US" smtClean="0"/>
               <a:pPr/>
-              <a:t>13</a:t>
+              <a:t>14</a:t>
             </a:fld>
             <a:endParaRPr lang="en-US" dirty="0"/>
           </a:p>
@@ -764,7 +766,7 @@
     </p:spTree>
     <p:extLst>
       <p:ext uri="{BB962C8B-B14F-4D97-AF65-F5344CB8AC3E}">
-        <p14:creationId xmlns="" xmlns:a="http://schemas.openxmlformats.org/drawingml/2006/main" xmlns:r="http://schemas.openxmlformats.org/officeDocument/2006/relationships" xmlns:p="http://schemas.openxmlformats.org/presentationml/2006/main" xmlns:p14="http://schemas.microsoft.com/office/powerpoint/2010/main" xmlns:mv="urn:schemas-microsoft-com:mac:vml" xmlns:mc="http://schemas.openxmlformats.org/markup-compatibility/2006" val="165362159"/>
+        <p14:creationId xmlns:mc="http://schemas.openxmlformats.org/markup-compatibility/2006" xmlns:mv="urn:schemas-microsoft-com:mac:vml" xmlns:p14="http://schemas.microsoft.com/office/powerpoint/2010/main" xmlns:p="http://schemas.openxmlformats.org/presentationml/2006/main" xmlns:r="http://schemas.openxmlformats.org/officeDocument/2006/relationships" xmlns:a="http://schemas.openxmlformats.org/drawingml/2006/main" xmlns="" val="165362159"/>
       </p:ext>
     </p:extLst>
   </p:cSld>
@@ -846,7 +848,7 @@
             <a:fld id="{8FC6E2D0-3DA8-0A4F-9A90-3E1A8900A569}" type="slidenum">
               <a:rPr lang="en-US" smtClean="0"/>
               <a:pPr/>
-              <a:t>14</a:t>
+              <a:t>15</a:t>
             </a:fld>
             <a:endParaRPr lang="en-US" dirty="0"/>
           </a:p>
@@ -952,7 +954,7 @@
             <a:fld id="{D344DA2A-F2F4-D74A-8AEC-1933B33E97E0}" type="slidenum">
               <a:rPr lang="en-US" smtClean="0"/>
               <a:pPr/>
-              <a:t>16</a:t>
+              <a:t>17</a:t>
             </a:fld>
             <a:endParaRPr lang="en-US"/>
           </a:p>
@@ -1192,7 +1194,7 @@
             <a:fld id="{4C4AD4EB-88D0-C141-9474-CCD86A78CB94}" type="datetimeFigureOut">
               <a:rPr lang="en-US" smtClean="0"/>
               <a:pPr/>
-              <a:t>6/5/11</a:t>
+              <a:t>6/7/11</a:t>
             </a:fld>
             <a:endParaRPr lang="en-US" dirty="0"/>
           </a:p>
@@ -1515,7 +1517,7 @@
             <a:fld id="{4C4AD4EB-88D0-C141-9474-CCD86A78CB94}" type="datetimeFigureOut">
               <a:rPr lang="en-US" smtClean="0"/>
               <a:pPr/>
-              <a:t>6/5/11</a:t>
+              <a:t>6/7/11</a:t>
             </a:fld>
             <a:endParaRPr lang="en-US"/>
           </a:p>
@@ -1791,7 +1793,7 @@
             <a:fld id="{4C4AD4EB-88D0-C141-9474-CCD86A78CB94}" type="datetimeFigureOut">
               <a:rPr lang="en-US" smtClean="0"/>
               <a:pPr/>
-              <a:t>6/5/11</a:t>
+              <a:t>6/7/11</a:t>
             </a:fld>
             <a:endParaRPr lang="en-US"/>
           </a:p>
@@ -2083,7 +2085,7 @@
             <a:fld id="{4C4AD4EB-88D0-C141-9474-CCD86A78CB94}" type="datetimeFigureOut">
               <a:rPr lang="en-US" smtClean="0"/>
               <a:pPr/>
-              <a:t>6/5/11</a:t>
+              <a:t>6/7/11</a:t>
             </a:fld>
             <a:endParaRPr lang="en-US"/>
           </a:p>
@@ -2410,7 +2412,7 @@
             <a:fld id="{4C4AD4EB-88D0-C141-9474-CCD86A78CB94}" type="datetimeFigureOut">
               <a:rPr lang="en-US" smtClean="0"/>
               <a:pPr/>
-              <a:t>6/5/11</a:t>
+              <a:t>6/7/11</a:t>
             </a:fld>
             <a:endParaRPr lang="en-US"/>
           </a:p>
@@ -2658,7 +2660,7 @@
             <a:fld id="{4C4AD4EB-88D0-C141-9474-CCD86A78CB94}" type="datetimeFigureOut">
               <a:rPr lang="en-US" smtClean="0"/>
               <a:pPr/>
-              <a:t>6/5/11</a:t>
+              <a:t>6/7/11</a:t>
             </a:fld>
             <a:endParaRPr lang="en-US"/>
           </a:p>
@@ -2835,7 +2837,7 @@
             <a:fld id="{4C4AD4EB-88D0-C141-9474-CCD86A78CB94}" type="datetimeFigureOut">
               <a:rPr lang="en-US" smtClean="0"/>
               <a:pPr/>
-              <a:t>6/5/11</a:t>
+              <a:t>6/7/11</a:t>
             </a:fld>
             <a:endParaRPr lang="en-US"/>
           </a:p>
@@ -3212,7 +3214,7 @@
             <a:fld id="{4C4AD4EB-88D0-C141-9474-CCD86A78CB94}" type="datetimeFigureOut">
               <a:rPr lang="en-US" smtClean="0"/>
               <a:pPr/>
-              <a:t>6/5/11</a:t>
+              <a:t>6/7/11</a:t>
             </a:fld>
             <a:endParaRPr lang="en-US"/>
           </a:p>
@@ -3483,7 +3485,7 @@
             <a:fld id="{4C4AD4EB-88D0-C141-9474-CCD86A78CB94}" type="datetimeFigureOut">
               <a:rPr lang="en-US" smtClean="0"/>
               <a:pPr/>
-              <a:t>6/5/11</a:t>
+              <a:t>6/7/11</a:t>
             </a:fld>
             <a:endParaRPr lang="en-US"/>
           </a:p>
@@ -3791,7 +3793,7 @@
             <a:fld id="{4C4AD4EB-88D0-C141-9474-CCD86A78CB94}" type="datetimeFigureOut">
               <a:rPr lang="en-US" smtClean="0"/>
               <a:pPr/>
-              <a:t>6/5/11</a:t>
+              <a:t>6/7/11</a:t>
             </a:fld>
             <a:endParaRPr lang="en-US"/>
           </a:p>
@@ -4085,7 +4087,7 @@
             <a:fld id="{4C4AD4EB-88D0-C141-9474-CCD86A78CB94}" type="datetimeFigureOut">
               <a:rPr lang="en-US" smtClean="0"/>
               <a:pPr/>
-              <a:t>6/5/11</a:t>
+              <a:t>6/7/11</a:t>
             </a:fld>
             <a:endParaRPr lang="en-US"/>
           </a:p>
@@ -4517,7 +4519,7 @@
             <a:fld id="{4C4AD4EB-88D0-C141-9474-CCD86A78CB94}" type="datetimeFigureOut">
               <a:rPr lang="en-US" smtClean="0"/>
               <a:pPr/>
-              <a:t>6/5/11</a:t>
+              <a:t>6/7/11</a:t>
             </a:fld>
             <a:endParaRPr lang="en-US"/>
           </a:p>
@@ -4865,7 +4867,7 @@
             <a:fld id="{4C4AD4EB-88D0-C141-9474-CCD86A78CB94}" type="datetimeFigureOut">
               <a:rPr lang="en-US" smtClean="0"/>
               <a:pPr/>
-              <a:t>6/5/11</a:t>
+              <a:t>6/7/11</a:t>
             </a:fld>
             <a:endParaRPr lang="en-US"/>
           </a:p>
@@ -4957,7 +4959,7 @@
             <a:fld id="{4C4AD4EB-88D0-C141-9474-CCD86A78CB94}" type="datetimeFigureOut">
               <a:rPr lang="en-US" smtClean="0"/>
               <a:pPr/>
-              <a:t>6/5/11</a:t>
+              <a:t>6/7/11</a:t>
             </a:fld>
             <a:endParaRPr lang="en-US"/>
           </a:p>
@@ -5296,7 +5298,7 @@
             <a:fld id="{4C4AD4EB-88D0-C141-9474-CCD86A78CB94}" type="datetimeFigureOut">
               <a:rPr lang="en-US" smtClean="0"/>
               <a:pPr/>
-              <a:t>6/5/11</a:t>
+              <a:t>6/7/11</a:t>
             </a:fld>
             <a:endParaRPr lang="en-US"/>
           </a:p>
@@ -5510,7 +5512,7 @@
             <a:fld id="{4C4AD4EB-88D0-C141-9474-CCD86A78CB94}" type="datetimeFigureOut">
               <a:rPr lang="en-US" smtClean="0"/>
               <a:pPr/>
-              <a:t>6/5/11</a:t>
+              <a:t>6/7/11</a:t>
             </a:fld>
             <a:endParaRPr lang="en-US"/>
           </a:p>
@@ -6192,7 +6194,7 @@
             <a:fld id="{9CA5C856-D373-2E49-9257-F90004C68B8A}" type="datetimeFigureOut">
               <a:rPr lang="en-US" smtClean="0"/>
               <a:pPr/>
-              <a:t>6/5/11</a:t>
+              <a:t>6/7/11</a:t>
             </a:fld>
             <a:endParaRPr lang="en-US" dirty="0"/>
           </a:p>
@@ -6707,55 +6709,31 @@
           <a:lstStyle/>
           <a:p>
             <a:r>
-              <a:rPr lang="en-US" sz="2400" dirty="0" err="1" smtClean="0"/>
+              <a:rPr lang="en-US" sz="2100" dirty="0" err="1" smtClean="0"/>
               <a:t>Joohyun</a:t>
             </a:r>
             <a:r>
-              <a:rPr lang="en-US" sz="2400" dirty="0" smtClean="0"/>
+              <a:rPr lang="en-US" sz="2100" dirty="0" smtClean="0"/>
               <a:t> Kim, </a:t>
             </a:r>
             <a:r>
-              <a:rPr lang="en-US" sz="2400" dirty="0" err="1" smtClean="0"/>
+              <a:rPr lang="en-US" sz="2100" dirty="0" err="1" smtClean="0"/>
               <a:t>Sharath</a:t>
             </a:r>
             <a:r>
-              <a:rPr lang="en-US" sz="2400" dirty="0" smtClean="0"/>
+              <a:rPr lang="en-US" sz="2100" dirty="0" smtClean="0"/>
               <a:t> </a:t>
             </a:r>
             <a:r>
-              <a:rPr lang="en-US" sz="2400" dirty="0" err="1" smtClean="0"/>
+              <a:rPr lang="en-US" sz="2100" dirty="0" err="1" smtClean="0"/>
               <a:t>Maddineni</a:t>
             </a:r>
             <a:r>
-              <a:rPr lang="en-US" sz="2400" dirty="0" smtClean="0"/>
+              <a:rPr lang="en-US" sz="2100" dirty="0" smtClean="0"/>
               <a:t>, Shantenu Jha</a:t>
             </a:r>
-            <a:endParaRPr lang="en-US" sz="2100" dirty="0" smtClean="0"/>
-          </a:p>
-          <a:p>
-            <a:endParaRPr lang="en-US" sz="2100" dirty="0" smtClean="0">
-              <a:solidFill>
-                <a:srgbClr val="800000"/>
-              </a:solidFill>
-            </a:endParaRPr>
-          </a:p>
-          <a:p>
-            <a:r>
-              <a:rPr lang="en-US" sz="2100" dirty="0" smtClean="0">
-                <a:solidFill>
-                  <a:srgbClr val="800000"/>
-                </a:solidFill>
-              </a:rPr>
-              <a:t>http://</a:t>
-            </a:r>
-            <a:r>
-              <a:rPr lang="en-US" sz="2100" dirty="0" err="1" smtClean="0">
-                <a:solidFill>
-                  <a:srgbClr val="800000"/>
-                </a:solidFill>
-              </a:rPr>
-              <a:t>saga.cct.lsu.edu</a:t>
-            </a:r>
+          </a:p>
+          <a:p>
             <a:endParaRPr lang="en-US" sz="2100" dirty="0" smtClean="0">
               <a:solidFill>
                 <a:srgbClr val="800000"/>
@@ -6770,7 +6748,42 @@
                 </a:solidFill>
                 <a:hlinkClick r:id="rId3"/>
               </a:rPr>
-              <a:t>http://dare.cct.lsu.edu/</a:t>
+              <a:t>http://</a:t>
+            </a:r>
+            <a:r>
+              <a:rPr lang="en-US" sz="2100" dirty="0" smtClean="0">
+                <a:solidFill>
+                  <a:srgbClr val="800000"/>
+                </a:solidFill>
+                <a:hlinkClick r:id="rId3"/>
+              </a:rPr>
+              <a:t>saga.cct.lsu.edu</a:t>
+            </a:r>
+            <a:r>
+              <a:rPr lang="en-US" sz="2100" dirty="0" smtClean="0">
+                <a:solidFill>
+                  <a:srgbClr val="800000"/>
+                </a:solidFill>
+              </a:rPr>
+              <a:t> and </a:t>
+            </a:r>
+            <a:r>
+              <a:rPr lang="en-US" sz="2100" dirty="0" smtClean="0">
+                <a:solidFill>
+                  <a:srgbClr val="800000"/>
+                </a:solidFill>
+                <a:hlinkClick r:id="rId4"/>
+              </a:rPr>
+              <a:t>http</a:t>
+            </a:r>
+            <a:r>
+              <a:rPr lang="en-US" sz="2100" dirty="0" smtClean="0">
+                <a:solidFill>
+                  <a:srgbClr val="800000"/>
+                </a:solidFill>
+                <a:hlinkClick r:id="rId4"/>
+              </a:rPr>
+              <a:t>://dare.cct.lsu.edu/</a:t>
             </a:r>
             <a:endParaRPr lang="en-US" sz="2100" dirty="0" smtClean="0">
               <a:solidFill>
@@ -6871,7 +6884,22 @@
           <a:p>
             <a:r>
               <a:rPr lang="en-US" sz="2400" dirty="0" smtClean="0"/>
-              <a:t>Deployment &amp; Scheduling of  Multiple  Infrastructure Independent Pilot-Jobs</a:t>
+              <a:t>Abstractions for Dynamic Execution </a:t>
+            </a:r>
+            <a:br>
+              <a:rPr lang="en-US" sz="2400" dirty="0" smtClean="0"/>
+            </a:br>
+            <a:r>
+              <a:rPr lang="en-US" sz="2400" dirty="0" smtClean="0"/>
+              <a:t>SAGA Pilot-Job (</a:t>
+            </a:r>
+            <a:r>
+              <a:rPr lang="en-US" sz="2400" dirty="0" err="1" smtClean="0"/>
+              <a:t>BigJob</a:t>
+            </a:r>
+            <a:r>
+              <a:rPr lang="en-US" sz="2400" dirty="0" smtClean="0"/>
+              <a:t>)</a:t>
             </a:r>
             <a:endParaRPr lang="en-US" sz="2400" dirty="0"/>
           </a:p>
@@ -6879,7 +6907,7 @@
       </p:sp>
       <p:pic>
         <p:nvPicPr>
-          <p:cNvPr id="5" name="Content Placeholder 4" descr="distributed_pilot_job.png"/>
+          <p:cNvPr id="4" name="Content Placeholder 3" descr="bigjob.png"/>
           <p:cNvPicPr>
             <a:picLocks noGrp="1" noChangeAspect="1"/>
           </p:cNvPicPr>
@@ -6889,7 +6917,7 @@
         </p:nvPicPr>
         <p:blipFill>
           <a:blip r:embed="rId2"/>
-          <a:srcRect t="-10678" b="-10678"/>
+          <a:srcRect l="-2356" r="-2356"/>
           <a:stretch>
             <a:fillRect/>
           </a:stretch>
@@ -6930,7 +6958,7 @@
       </p:grpSpPr>
       <p:sp>
         <p:nvSpPr>
-          <p:cNvPr id="4" name="Title 3"/>
+          <p:cNvPr id="2" name="Title 1"/>
           <p:cNvSpPr>
             <a:spLocks noGrp="1"/>
           </p:cNvSpPr>
@@ -6939,36 +6967,6 @@
           </p:nvPr>
         </p:nvSpPr>
         <p:spPr/>
-        <p:txBody>
-          <a:bodyPr>
-            <a:normAutofit/>
-          </a:bodyPr>
-          <a:lstStyle/>
-          <a:p>
-            <a:r>
-              <a:rPr lang="en-US" sz="2400" dirty="0" smtClean="0"/>
-              <a:t>What is “unique” about Pilot-Jobs built using the right abstractions?</a:t>
-            </a:r>
-            <a:endParaRPr lang="en-US" sz="2400" dirty="0"/>
-          </a:p>
-        </p:txBody>
-      </p:sp>
-      <p:sp>
-        <p:nvSpPr>
-          <p:cNvPr id="3" name="Content Placeholder 2"/>
-          <p:cNvSpPr>
-            <a:spLocks noGrp="1"/>
-          </p:cNvSpPr>
-          <p:nvPr>
-            <p:ph idx="1"/>
-          </p:nvPr>
-        </p:nvSpPr>
-        <p:spPr>
-          <a:xfrm>
-            <a:off x="745246" y="1250480"/>
-            <a:ext cx="8195553" cy="5023320"/>
-          </a:xfrm>
-        </p:spPr>
         <p:txBody>
           <a:bodyPr>
             <a:noAutofit/>
@@ -6976,134 +6974,33 @@
           <a:lstStyle/>
           <a:p>
             <a:r>
-              <a:rPr lang="en-US" sz="1700" dirty="0" smtClean="0"/>
-              <a:t>Pilot-Jobs: Decouple resource assignment &amp; resource-workload binding</a:t>
-            </a:r>
-          </a:p>
-          <a:p>
-            <a:r>
-              <a:rPr lang="en-US" sz="1700" dirty="0" smtClean="0"/>
-              <a:t>Pilot-Jobs are/have been typically used for:</a:t>
-            </a:r>
-          </a:p>
-          <a:p>
-            <a:pPr lvl="1"/>
-            <a:r>
-              <a:rPr lang="en-US" sz="1700" dirty="0" smtClean="0"/>
-              <a:t>Enhancing resource utilization; Facilitate high-throughput simulation</a:t>
-            </a:r>
-          </a:p>
-          <a:p>
-            <a:pPr lvl="1"/>
-            <a:r>
-              <a:rPr lang="en-US" sz="1700" dirty="0" smtClean="0"/>
-              <a:t>Lowering wait time for multiple jobs (better predictability)</a:t>
-            </a:r>
-          </a:p>
-          <a:p>
-            <a:r>
-              <a:rPr lang="en-US" sz="1700" dirty="0" smtClean="0"/>
-              <a:t>Several unique aspects  about the SAGA-based Pilot-Job</a:t>
-            </a:r>
-          </a:p>
-          <a:p>
-            <a:pPr lvl="1"/>
-            <a:r>
-              <a:rPr lang="en-US" sz="1700" dirty="0" smtClean="0"/>
-              <a:t>Pilot-Jobs have not been used for Science Driven Objectives:</a:t>
-            </a:r>
-          </a:p>
-          <a:p>
-            <a:pPr lvl="2"/>
-            <a:r>
-              <a:rPr lang="en-US" sz="1700" dirty="0" smtClean="0"/>
-              <a:t>First demonstration of multi-physics simulations, REMD simulations </a:t>
-            </a:r>
-          </a:p>
-          <a:p>
-            <a:pPr lvl="2"/>
-            <a:r>
-              <a:rPr lang="en-US" sz="1700" dirty="0" smtClean="0"/>
-              <a:t>Frameworks based upon </a:t>
-            </a:r>
-            <a:r>
-              <a:rPr lang="en-US" sz="1700" dirty="0" err="1" smtClean="0"/>
-              <a:t>PJs</a:t>
-            </a:r>
-            <a:r>
-              <a:rPr lang="en-US" sz="1700" dirty="0" smtClean="0"/>
-              <a:t> (pull model) for specific back-ends</a:t>
-            </a:r>
-          </a:p>
-          <a:p>
-            <a:pPr lvl="1"/>
-            <a:r>
-              <a:rPr lang="en-US" sz="1700" dirty="0" smtClean="0"/>
-              <a:t>Infrastructure Independent and “standard” PJ API to access other </a:t>
-            </a:r>
-            <a:r>
-              <a:rPr lang="en-US" sz="1700" dirty="0" err="1" smtClean="0"/>
-              <a:t>PJs</a:t>
-            </a:r>
-            <a:r>
-              <a:rPr lang="en-US" sz="1700" dirty="0" smtClean="0"/>
-              <a:t> </a:t>
-            </a:r>
-          </a:p>
-          <a:p>
-            <a:pPr lvl="2"/>
-            <a:r>
-              <a:rPr lang="en-US" sz="1700" dirty="0" smtClean="0"/>
-              <a:t>SAGA PJ (</a:t>
-            </a:r>
-            <a:r>
-              <a:rPr lang="en-US" sz="1700" dirty="0" err="1" smtClean="0"/>
-              <a:t>BigJob</a:t>
-            </a:r>
-            <a:r>
-              <a:rPr lang="en-US" sz="1700" dirty="0" smtClean="0"/>
-              <a:t>) API  basis for inter-operable PJ (Azure, DIANE)  </a:t>
-            </a:r>
-          </a:p>
-          <a:p>
-            <a:r>
-              <a:rPr lang="en-US" sz="1700" dirty="0" smtClean="0"/>
-              <a:t>SAGA-based Pilot-Job form the basis for</a:t>
-            </a:r>
-          </a:p>
-          <a:p>
-            <a:pPr lvl="1"/>
-            <a:r>
-              <a:rPr lang="en-US" sz="1700" dirty="0" smtClean="0"/>
-              <a:t>Extension of Pilot-abstraction to other “dimensions”</a:t>
-            </a:r>
-          </a:p>
-          <a:p>
-            <a:pPr lvl="1"/>
-            <a:r>
-              <a:rPr lang="en-US" sz="1700" dirty="0" smtClean="0"/>
-              <a:t>For autonomic scheduling and application-level scheduling</a:t>
-            </a:r>
-          </a:p>
-          <a:p>
-            <a:pPr lvl="1"/>
-            <a:r>
-              <a:rPr lang="en-US" sz="1700" dirty="0" smtClean="0"/>
-              <a:t>Advanced run-time frameworks for load-balancing and FT</a:t>
-            </a:r>
-          </a:p>
-          <a:p>
-            <a:pPr lvl="1"/>
-            <a:endParaRPr lang="en-US" sz="1700" dirty="0" smtClean="0"/>
-          </a:p>
-        </p:txBody>
-      </p:sp>
+              <a:rPr lang="en-US" sz="2400" dirty="0" smtClean="0"/>
+              <a:t>Deployment &amp; Scheduling of  Multiple  Infrastructure Independent Pilot-Jobs</a:t>
+            </a:r>
+            <a:endParaRPr lang="en-US" sz="2400" dirty="0"/>
+          </a:p>
+        </p:txBody>
+      </p:sp>
+      <p:pic>
+        <p:nvPicPr>
+          <p:cNvPr id="5" name="Content Placeholder 4" descr="distributed_pilot_job.png"/>
+          <p:cNvPicPr>
+            <a:picLocks noGrp="1" noChangeAspect="1"/>
+          </p:cNvPicPr>
+          <p:nvPr>
+            <p:ph idx="1"/>
+          </p:nvPr>
+        </p:nvPicPr>
+        <p:blipFill>
+          <a:blip r:embed="rId2"/>
+          <a:srcRect t="-10678" b="-10678"/>
+          <a:stretch>
+            <a:fillRect/>
+          </a:stretch>
+        </p:blipFill>
+        <p:spPr/>
+      </p:pic>
     </p:spTree>
-    <p:extLst>
-      <p:ext uri="{BB962C8B-B14F-4D97-AF65-F5344CB8AC3E}">
-        <p14:creationId xmlns="" xmlns:a="http://schemas.openxmlformats.org/drawingml/2006/main" xmlns:r="http://schemas.openxmlformats.org/officeDocument/2006/relationships" xmlns:p="http://schemas.openxmlformats.org/presentationml/2006/main" xmlns:p14="http://schemas.microsoft.com/office/powerpoint/2010/main" xmlns:mv="urn:schemas-microsoft-com:mac:vml" xmlns:mc="http://schemas.openxmlformats.org/markup-compatibility/2006" val="2144568309"/>
-      </p:ext>
-    </p:extLst>
   </p:cSld>
   <p:clrMapOvr>
     <a:masterClrMapping/>
@@ -7137,7 +7034,7 @@
       </p:grpSpPr>
       <p:sp>
         <p:nvSpPr>
-          <p:cNvPr id="2" name="Title 1"/>
+          <p:cNvPr id="4" name="Title 3"/>
           <p:cNvSpPr>
             <a:spLocks noGrp="1"/>
           </p:cNvSpPr>
@@ -7154,7 +7051,7 @@
           <a:p>
             <a:r>
               <a:rPr lang="en-US" sz="2400" dirty="0" smtClean="0"/>
-              <a:t>DARE-based Science Gateways</a:t>
+              <a:t>What is “unique” about Pilot-Jobs built using the right abstractions?</a:t>
             </a:r>
             <a:endParaRPr lang="en-US" sz="2400" dirty="0"/>
           </a:p>
@@ -7162,7 +7059,7 @@
       </p:sp>
       <p:sp>
         <p:nvSpPr>
-          <p:cNvPr id="8" name="Content Placeholder 7"/>
+          <p:cNvPr id="3" name="Content Placeholder 2"/>
           <p:cNvSpPr>
             <a:spLocks noGrp="1"/>
           </p:cNvSpPr>
@@ -7172,101 +7069,143 @@
         </p:nvSpPr>
         <p:spPr>
           <a:xfrm>
-            <a:off x="546100" y="1595868"/>
-            <a:ext cx="3148357" cy="3910483"/>
+            <a:off x="745246" y="1250480"/>
+            <a:ext cx="8195553" cy="5023320"/>
           </a:xfrm>
         </p:spPr>
         <p:txBody>
           <a:bodyPr>
-            <a:normAutofit/>
+            <a:noAutofit/>
           </a:bodyPr>
           <a:lstStyle/>
           <a:p>
             <a:r>
               <a:rPr lang="en-US" sz="1700" dirty="0" smtClean="0"/>
-              <a:t>Provides fundamental abstractions for Dynamic and Adaptive Execution</a:t>
+              <a:t>Pilot-Jobs: Decouple resource assignment &amp; resource-workload binding</a:t>
+            </a:r>
+          </a:p>
+          <a:p>
+            <a:r>
+              <a:rPr lang="en-US" sz="1700" dirty="0" smtClean="0"/>
+              <a:t>Pilot-Jobs are/have been typically used for:</a:t>
             </a:r>
           </a:p>
           <a:p>
             <a:pPr lvl="1"/>
             <a:r>
               <a:rPr lang="en-US" sz="1700" dirty="0" smtClean="0"/>
-              <a:t>Integrated compute and data </a:t>
-            </a:r>
-          </a:p>
-          <a:p>
+              <a:t>Enhancing resource utilization; Facilitate high-throughput simulation</a:t>
+            </a:r>
+          </a:p>
+          <a:p>
+            <a:pPr lvl="1"/>
             <a:r>
               <a:rPr lang="en-US" sz="1700" dirty="0" smtClean="0"/>
-              <a:t>Efficient and novel runtime environments for Map-Reduce</a:t>
+              <a:t>Lowering wait time for multiple jobs (better predictability)</a:t>
             </a:r>
           </a:p>
           <a:p>
             <a:r>
               <a:rPr lang="en-US" sz="1700" dirty="0" smtClean="0"/>
-              <a:t>Interoperable across DCI</a:t>
-            </a:r>
-          </a:p>
-          <a:p>
+              <a:t>Several unique aspects  about the SAGA-based Pilot-Job</a:t>
+            </a:r>
+          </a:p>
+          <a:p>
+            <a:pPr lvl="1"/>
             <a:r>
               <a:rPr lang="en-US" sz="1700" dirty="0" smtClean="0"/>
-              <a:t>Extensible: new features and abstractions</a:t>
-            </a:r>
-            <a:endParaRPr lang="en-US" sz="1700" dirty="0"/>
-          </a:p>
-        </p:txBody>
-      </p:sp>
-      <p:pic>
-        <p:nvPicPr>
-          <p:cNvPr id="5" name="Picture 4" descr="DAREOutline.png"/>
-          <p:cNvPicPr>
-            <a:picLocks noChangeAspect="1"/>
-          </p:cNvPicPr>
-          <p:nvPr/>
-        </p:nvPicPr>
-        <p:blipFill>
-          <a:blip r:embed="rId3"/>
-          <a:stretch>
-            <a:fillRect/>
-          </a:stretch>
-        </p:blipFill>
-        <p:spPr>
-          <a:xfrm>
-            <a:off x="3694457" y="1595868"/>
-            <a:ext cx="5449543" cy="4601733"/>
-          </a:xfrm>
-          <a:prstGeom prst="rect">
-            <a:avLst/>
-          </a:prstGeom>
-        </p:spPr>
-      </p:pic>
-      <p:pic>
-        <p:nvPicPr>
-          <p:cNvPr id="4" name="Picture 3" descr="windows_azure_small.jpg"/>
-          <p:cNvPicPr>
-            <a:picLocks noChangeAspect="1"/>
-          </p:cNvPicPr>
-          <p:nvPr/>
-        </p:nvPicPr>
-        <p:blipFill>
-          <a:blip r:embed="rId4"/>
-          <a:stretch>
-            <a:fillRect/>
-          </a:stretch>
-        </p:blipFill>
-        <p:spPr>
-          <a:xfrm>
-            <a:off x="4470400" y="5144532"/>
-            <a:ext cx="1233330" cy="843054"/>
-          </a:xfrm>
-          <a:prstGeom prst="rect">
-            <a:avLst/>
-          </a:prstGeom>
-        </p:spPr>
-      </p:pic>
+              <a:t>Pilot-Jobs have not been used for Science Driven Objectives:</a:t>
+            </a:r>
+          </a:p>
+          <a:p>
+            <a:pPr lvl="2"/>
+            <a:r>
+              <a:rPr lang="en-US" sz="1700" dirty="0" smtClean="0"/>
+              <a:t>First demonstration of multi-physics simulations, REMD simulations </a:t>
+            </a:r>
+          </a:p>
+          <a:p>
+            <a:pPr lvl="2"/>
+            <a:r>
+              <a:rPr lang="en-US" sz="1700" dirty="0" smtClean="0"/>
+              <a:t>Frameworks based upon </a:t>
+            </a:r>
+            <a:r>
+              <a:rPr lang="en-US" sz="1700" dirty="0" err="1" smtClean="0"/>
+              <a:t>PJs</a:t>
+            </a:r>
+            <a:r>
+              <a:rPr lang="en-US" sz="1700" dirty="0" smtClean="0"/>
+              <a:t> (pull model) for specific back-ends</a:t>
+            </a:r>
+          </a:p>
+          <a:p>
+            <a:pPr lvl="1"/>
+            <a:r>
+              <a:rPr lang="en-US" sz="1700" dirty="0" smtClean="0"/>
+              <a:t>Infrastructure Independent and “standard” PJ API to access other </a:t>
+            </a:r>
+            <a:r>
+              <a:rPr lang="en-US" sz="1700" dirty="0" err="1" smtClean="0"/>
+              <a:t>PJs</a:t>
+            </a:r>
+            <a:r>
+              <a:rPr lang="en-US" sz="1700" dirty="0" smtClean="0"/>
+              <a:t> </a:t>
+            </a:r>
+          </a:p>
+          <a:p>
+            <a:pPr lvl="2"/>
+            <a:r>
+              <a:rPr lang="en-US" sz="1700" dirty="0" smtClean="0"/>
+              <a:t>SAGA PJ (</a:t>
+            </a:r>
+            <a:r>
+              <a:rPr lang="en-US" sz="1700" dirty="0" err="1" smtClean="0"/>
+              <a:t>BigJob</a:t>
+            </a:r>
+            <a:r>
+              <a:rPr lang="en-US" sz="1700" dirty="0" smtClean="0"/>
+              <a:t>) API  basis for inter-operable PJ (Azure, DIANE)  </a:t>
+            </a:r>
+          </a:p>
+          <a:p>
+            <a:r>
+              <a:rPr lang="en-US" sz="1700" dirty="0" smtClean="0"/>
+              <a:t>SAGA-based Pilot-Job form the basis for</a:t>
+            </a:r>
+          </a:p>
+          <a:p>
+            <a:pPr lvl="1"/>
+            <a:r>
+              <a:rPr lang="en-US" sz="1700" dirty="0" smtClean="0"/>
+              <a:t>Extension of Pilot-abstraction to other “dimensions”</a:t>
+            </a:r>
+          </a:p>
+          <a:p>
+            <a:pPr lvl="1"/>
+            <a:r>
+              <a:rPr lang="en-US" sz="1700" dirty="0" smtClean="0"/>
+              <a:t>For autonomic scheduling and application-level scheduling</a:t>
+            </a:r>
+          </a:p>
+          <a:p>
+            <a:pPr lvl="1"/>
+            <a:r>
+              <a:rPr lang="en-US" sz="1700" dirty="0" smtClean="0"/>
+              <a:t>Advanced run-time frameworks for load-balancing and FT</a:t>
+            </a:r>
+          </a:p>
+          <a:p>
+            <a:pPr lvl="1"/>
+            <a:endParaRPr lang="en-US" sz="1700" dirty="0" smtClean="0"/>
+          </a:p>
+        </p:txBody>
+      </p:sp>
     </p:spTree>
     <p:extLst>
       <p:ext uri="{BB962C8B-B14F-4D97-AF65-F5344CB8AC3E}">
-        <p14:creationId xmlns="" xmlns:a="http://schemas.openxmlformats.org/drawingml/2006/main" xmlns:r="http://schemas.openxmlformats.org/officeDocument/2006/relationships" xmlns:p="http://schemas.openxmlformats.org/presentationml/2006/main" xmlns:p14="http://schemas.microsoft.com/office/powerpoint/2010/main" xmlns:mv="urn:schemas-microsoft-com:mac:vml" xmlns:mc="http://schemas.openxmlformats.org/markup-compatibility/2006" val="647122911"/>
+        <p14:creationId xmlns:mc="http://schemas.openxmlformats.org/markup-compatibility/2006" xmlns:mv="urn:schemas-microsoft-com:mac:vml" xmlns:p14="http://schemas.microsoft.com/office/powerpoint/2010/main" xmlns:p="http://schemas.openxmlformats.org/presentationml/2006/main" xmlns:r="http://schemas.openxmlformats.org/officeDocument/2006/relationships" xmlns:a="http://schemas.openxmlformats.org/drawingml/2006/main" xmlns="" val="2144568309"/>
       </p:ext>
     </p:extLst>
   </p:cSld>
@@ -7313,6 +7252,147 @@
         <p:spPr/>
         <p:txBody>
           <a:bodyPr>
+            <a:normAutofit/>
+          </a:bodyPr>
+          <a:lstStyle/>
+          <a:p>
+            <a:r>
+              <a:rPr lang="en-US" sz="2400" dirty="0" smtClean="0"/>
+              <a:t>DARE-based Science Gateways</a:t>
+            </a:r>
+            <a:endParaRPr lang="en-US" sz="2400" dirty="0"/>
+          </a:p>
+        </p:txBody>
+      </p:sp>
+      <p:sp>
+        <p:nvSpPr>
+          <p:cNvPr id="8" name="Content Placeholder 7"/>
+          <p:cNvSpPr>
+            <a:spLocks noGrp="1"/>
+          </p:cNvSpPr>
+          <p:nvPr>
+            <p:ph idx="1"/>
+          </p:nvPr>
+        </p:nvSpPr>
+        <p:spPr>
+          <a:xfrm>
+            <a:off x="546100" y="1595868"/>
+            <a:ext cx="3148357" cy="3910483"/>
+          </a:xfrm>
+        </p:spPr>
+        <p:txBody>
+          <a:bodyPr>
+            <a:normAutofit/>
+          </a:bodyPr>
+          <a:lstStyle/>
+          <a:p>
+            <a:r>
+              <a:rPr lang="en-US" sz="1700" dirty="0" smtClean="0"/>
+              <a:t>Provides fundamental abstractions for Dynamic and Adaptive Execution</a:t>
+            </a:r>
+          </a:p>
+          <a:p>
+            <a:pPr lvl="1"/>
+            <a:r>
+              <a:rPr lang="en-US" sz="1700" dirty="0" smtClean="0"/>
+              <a:t>Integrated compute and data </a:t>
+            </a:r>
+          </a:p>
+          <a:p>
+            <a:r>
+              <a:rPr lang="en-US" sz="1700" dirty="0" smtClean="0"/>
+              <a:t>Efficient and novel runtime environments for Map-Reduce</a:t>
+            </a:r>
+          </a:p>
+          <a:p>
+            <a:r>
+              <a:rPr lang="en-US" sz="1700" dirty="0" smtClean="0"/>
+              <a:t>Interoperable across DCI</a:t>
+            </a:r>
+          </a:p>
+          <a:p>
+            <a:r>
+              <a:rPr lang="en-US" sz="1700" dirty="0" smtClean="0"/>
+              <a:t>Extensible: new features and abstractions</a:t>
+            </a:r>
+            <a:endParaRPr lang="en-US" sz="1700" dirty="0"/>
+          </a:p>
+        </p:txBody>
+      </p:sp>
+      <p:pic>
+        <p:nvPicPr>
+          <p:cNvPr id="5" name="Picture 4" descr="DAREOutline.png"/>
+          <p:cNvPicPr>
+            <a:picLocks noChangeAspect="1"/>
+          </p:cNvPicPr>
+          <p:nvPr/>
+        </p:nvPicPr>
+        <p:blipFill>
+          <a:blip r:embed="rId3"/>
+          <a:stretch>
+            <a:fillRect/>
+          </a:stretch>
+        </p:blipFill>
+        <p:spPr>
+          <a:xfrm>
+            <a:off x="3694457" y="1595868"/>
+            <a:ext cx="5449543" cy="4601733"/>
+          </a:xfrm>
+          <a:prstGeom prst="rect">
+            <a:avLst/>
+          </a:prstGeom>
+        </p:spPr>
+      </p:pic>
+    </p:spTree>
+    <p:extLst>
+      <p:ext uri="{BB962C8B-B14F-4D97-AF65-F5344CB8AC3E}">
+        <p14:creationId xmlns:mc="http://schemas.openxmlformats.org/markup-compatibility/2006" xmlns:mv="urn:schemas-microsoft-com:mac:vml" xmlns:p14="http://schemas.microsoft.com/office/powerpoint/2010/main" xmlns:p="http://schemas.openxmlformats.org/presentationml/2006/main" xmlns:r="http://schemas.openxmlformats.org/officeDocument/2006/relationships" xmlns:a="http://schemas.openxmlformats.org/drawingml/2006/main" xmlns="" val="647122911"/>
+      </p:ext>
+    </p:extLst>
+  </p:cSld>
+  <p:clrMapOvr>
+    <a:masterClrMapping/>
+  </p:clrMapOvr>
+  <p:timing>
+    <p:tnLst>
+      <p:par>
+        <p:cTn id="1" dur="indefinite" restart="never" nodeType="tmRoot"/>
+      </p:par>
+    </p:tnLst>
+  </p:timing>
+</p:sld>
+</file>
+
+<file path=ppt/slides/slide14.xml><?xml version="1.0" encoding="utf-8"?>
+<p:sld xmlns:a="http://schemas.openxmlformats.org/drawingml/2006/main" xmlns:r="http://schemas.openxmlformats.org/officeDocument/2006/relationships" xmlns:mc="http://schemas.openxmlformats.org/markup-compatibility/2006" xmlns:mv="urn:schemas-microsoft-com:mac:vml" xmlns:p="http://schemas.openxmlformats.org/presentationml/2006/main" mc:Ignorable="mv" mc:PreserveAttributes="mv:*">
+  <p:cSld>
+    <p:spTree>
+      <p:nvGrpSpPr>
+        <p:cNvPr id="1" name=""/>
+        <p:cNvGrpSpPr/>
+        <p:nvPr/>
+      </p:nvGrpSpPr>
+      <p:grpSpPr>
+        <a:xfrm>
+          <a:off x="0" y="0"/>
+          <a:ext cx="0" cy="0"/>
+          <a:chOff x="0" y="0"/>
+          <a:chExt cx="0" cy="0"/>
+        </a:xfrm>
+      </p:grpSpPr>
+      <p:sp>
+        <p:nvSpPr>
+          <p:cNvPr id="2" name="Title 1"/>
+          <p:cNvSpPr>
+            <a:spLocks noGrp="1"/>
+          </p:cNvSpPr>
+          <p:nvPr>
+            <p:ph type="title"/>
+          </p:nvPr>
+        </p:nvSpPr>
+        <p:spPr/>
+        <p:txBody>
+          <a:bodyPr>
             <a:normAutofit fontScale="90000"/>
           </a:bodyPr>
           <a:lstStyle/>
@@ -7391,7 +7471,7 @@
     </p:spTree>
     <p:extLst>
       <p:ext uri="{BB962C8B-B14F-4D97-AF65-F5344CB8AC3E}">
-        <p14:creationId xmlns="" xmlns:a="http://schemas.openxmlformats.org/drawingml/2006/main" xmlns:r="http://schemas.openxmlformats.org/officeDocument/2006/relationships" xmlns:p="http://schemas.openxmlformats.org/presentationml/2006/main" xmlns:p14="http://schemas.microsoft.com/office/powerpoint/2010/main" xmlns:mv="urn:schemas-microsoft-com:mac:vml" xmlns:mc="http://schemas.openxmlformats.org/markup-compatibility/2006" val="3147052436"/>
+        <p14:creationId xmlns:mc="http://schemas.openxmlformats.org/markup-compatibility/2006" xmlns:mv="urn:schemas-microsoft-com:mac:vml" xmlns:p14="http://schemas.microsoft.com/office/powerpoint/2010/main" xmlns:p="http://schemas.openxmlformats.org/presentationml/2006/main" xmlns:r="http://schemas.openxmlformats.org/officeDocument/2006/relationships" xmlns:a="http://schemas.openxmlformats.org/drawingml/2006/main" xmlns="" val="3147052436"/>
       </p:ext>
     </p:extLst>
   </p:cSld>
@@ -7408,7 +7488,7 @@
 </p:sld>
 </file>
 
-<file path=ppt/slides/slide14.xml><?xml version="1.0" encoding="utf-8"?>
+<file path=ppt/slides/slide15.xml><?xml version="1.0" encoding="utf-8"?>
 <p:sld xmlns:a="http://schemas.openxmlformats.org/drawingml/2006/main" xmlns:r="http://schemas.openxmlformats.org/officeDocument/2006/relationships" xmlns:mc="http://schemas.openxmlformats.org/markup-compatibility/2006" xmlns:mv="urn:schemas-microsoft-com:mac:vml" xmlns:p="http://schemas.openxmlformats.org/presentationml/2006/main" mc:Ignorable="mv" mc:PreserveAttributes="mv:*">
   <p:cSld>
     <p:spTree>
@@ -7501,7 +7581,7 @@
     </p:spTree>
     <p:extLst>
       <p:ext uri="{BB962C8B-B14F-4D97-AF65-F5344CB8AC3E}">
-        <p14:creationId xmlns="" xmlns:a="http://schemas.openxmlformats.org/drawingml/2006/main" xmlns:r="http://schemas.openxmlformats.org/officeDocument/2006/relationships" xmlns:p="http://schemas.openxmlformats.org/presentationml/2006/main" xmlns:p14="http://schemas.microsoft.com/office/powerpoint/2010/main" xmlns:mv="urn:schemas-microsoft-com:mac:vml" xmlns:mc="http://schemas.openxmlformats.org/markup-compatibility/2006" val="3440781938"/>
+        <p14:creationId xmlns:mc="http://schemas.openxmlformats.org/markup-compatibility/2006" xmlns:mv="urn:schemas-microsoft-com:mac:vml" xmlns:p14="http://schemas.microsoft.com/office/powerpoint/2010/main" xmlns:p="http://schemas.openxmlformats.org/presentationml/2006/main" xmlns:r="http://schemas.openxmlformats.org/officeDocument/2006/relationships" xmlns:a="http://schemas.openxmlformats.org/drawingml/2006/main" xmlns="" val="3440781938"/>
       </p:ext>
     </p:extLst>
   </p:cSld>
@@ -7518,7 +7598,7 @@
 </p:sld>
 </file>
 
-<file path=ppt/slides/slide15.xml><?xml version="1.0" encoding="utf-8"?>
+<file path=ppt/slides/slide16.xml><?xml version="1.0" encoding="utf-8"?>
 <p:sld xmlns:a="http://schemas.openxmlformats.org/drawingml/2006/main" xmlns:r="http://schemas.openxmlformats.org/officeDocument/2006/relationships" xmlns:mc="http://schemas.openxmlformats.org/markup-compatibility/2006" xmlns:mv="urn:schemas-microsoft-com:mac:vml" xmlns:p="http://schemas.openxmlformats.org/presentationml/2006/main" mc:Ignorable="mv" mc:PreserveAttributes="mv:*">
   <p:cSld>
     <p:spTree>
@@ -7791,7 +7871,7 @@
     </p:spTree>
     <p:extLst>
       <p:ext uri="{BB962C8B-B14F-4D97-AF65-F5344CB8AC3E}">
-        <p14:creationId xmlns="" xmlns:a="http://schemas.openxmlformats.org/drawingml/2006/main" xmlns:r="http://schemas.openxmlformats.org/officeDocument/2006/relationships" xmlns:p="http://schemas.openxmlformats.org/presentationml/2006/main" xmlns:p14="http://schemas.microsoft.com/office/powerpoint/2010/main" xmlns:mv="urn:schemas-microsoft-com:mac:vml" xmlns:mc="http://schemas.openxmlformats.org/markup-compatibility/2006" val="1575295952"/>
+        <p14:creationId xmlns:mc="http://schemas.openxmlformats.org/markup-compatibility/2006" xmlns:mv="urn:schemas-microsoft-com:mac:vml" xmlns:p14="http://schemas.microsoft.com/office/powerpoint/2010/main" xmlns:p="http://schemas.openxmlformats.org/presentationml/2006/main" xmlns:r="http://schemas.openxmlformats.org/officeDocument/2006/relationships" xmlns:a="http://schemas.openxmlformats.org/drawingml/2006/main" xmlns="" val="1575295952"/>
       </p:ext>
     </p:extLst>
   </p:cSld>
@@ -7808,7 +7888,7 @@
 </p:sld>
 </file>
 
-<file path=ppt/slides/slide16.xml><?xml version="1.0" encoding="utf-8"?>
+<file path=ppt/slides/slide17.xml><?xml version="1.0" encoding="utf-8"?>
 <p:sld xmlns:a="http://schemas.openxmlformats.org/drawingml/2006/main" xmlns:r="http://schemas.openxmlformats.org/officeDocument/2006/relationships" xmlns:mc="http://schemas.openxmlformats.org/markup-compatibility/2006" xmlns:mv="urn:schemas-microsoft-com:mac:vml" xmlns:p="http://schemas.openxmlformats.org/presentationml/2006/main" mc:Ignorable="mv" mc:PreserveAttributes="mv:*" show="0">
   <p:cSld>
     <p:spTree>
@@ -7950,234 +8030,6 @@
     <a:masterClrMapping/>
   </p:clrMapOvr>
   <p:transition/>
-  <p:timing>
-    <p:tnLst>
-      <p:par>
-        <p:cTn id="1" dur="indefinite" restart="never" nodeType="tmRoot"/>
-      </p:par>
-    </p:tnLst>
-  </p:timing>
-</p:sld>
-</file>
-
-<file path=ppt/slides/slide17.xml><?xml version="1.0" encoding="utf-8"?>
-<p:sld xmlns:a="http://schemas.openxmlformats.org/drawingml/2006/main" xmlns:r="http://schemas.openxmlformats.org/officeDocument/2006/relationships" xmlns:mc="http://schemas.openxmlformats.org/markup-compatibility/2006" xmlns:mv="urn:schemas-microsoft-com:mac:vml" xmlns:p="http://schemas.openxmlformats.org/presentationml/2006/main" mc:Ignorable="mv" mc:PreserveAttributes="mv:*">
-  <p:cSld>
-    <p:spTree>
-      <p:nvGrpSpPr>
-        <p:cNvPr id="1" name=""/>
-        <p:cNvGrpSpPr/>
-        <p:nvPr/>
-      </p:nvGrpSpPr>
-      <p:grpSpPr>
-        <a:xfrm>
-          <a:off x="0" y="0"/>
-          <a:ext cx="0" cy="0"/>
-          <a:chOff x="0" y="0"/>
-          <a:chExt cx="0" cy="0"/>
-        </a:xfrm>
-      </p:grpSpPr>
-      <p:sp>
-        <p:nvSpPr>
-          <p:cNvPr id="2" name="Title 1"/>
-          <p:cNvSpPr>
-            <a:spLocks noGrp="1"/>
-          </p:cNvSpPr>
-          <p:nvPr>
-            <p:ph type="title"/>
-          </p:nvPr>
-        </p:nvSpPr>
-        <p:spPr/>
-        <p:txBody>
-          <a:bodyPr>
-            <a:normAutofit/>
-          </a:bodyPr>
-          <a:lstStyle/>
-          <a:p>
-            <a:r>
-              <a:rPr lang="en-US" sz="2400" dirty="0" smtClean="0"/>
-              <a:t>What are the Challenges for LS Applications on Clouds?</a:t>
-            </a:r>
-            <a:endParaRPr lang="en-US" sz="2400" dirty="0"/>
-          </a:p>
-        </p:txBody>
-      </p:sp>
-      <p:sp>
-        <p:nvSpPr>
-          <p:cNvPr id="3" name="Content Placeholder 2"/>
-          <p:cNvSpPr>
-            <a:spLocks noGrp="1"/>
-          </p:cNvSpPr>
-          <p:nvPr>
-            <p:ph idx="1"/>
-          </p:nvPr>
-        </p:nvSpPr>
-        <p:spPr/>
-        <p:txBody>
-          <a:bodyPr>
-            <a:noAutofit/>
-          </a:bodyPr>
-          <a:lstStyle/>
-          <a:p>
-            <a:r>
-              <a:rPr lang="en-US" sz="1700" dirty="0" smtClean="0"/>
-              <a:t>LS Applications have</a:t>
-            </a:r>
-          </a:p>
-          <a:p>
-            <a:pPr lvl="1"/>
-            <a:r>
-              <a:rPr lang="en-US" sz="1700" dirty="0" smtClean="0"/>
-              <a:t>Memory </a:t>
-            </a:r>
-            <a:r>
-              <a:rPr lang="en-US" sz="1700" dirty="0" err="1" smtClean="0"/>
-              <a:t>vs</a:t>
-            </a:r>
-            <a:r>
-              <a:rPr lang="en-US" sz="1700" dirty="0" smtClean="0"/>
-              <a:t> I/O </a:t>
-            </a:r>
-            <a:r>
-              <a:rPr lang="en-US" sz="1700" dirty="0" err="1" smtClean="0"/>
-              <a:t>vs</a:t>
-            </a:r>
-            <a:r>
-              <a:rPr lang="en-US" sz="1700" dirty="0" smtClean="0"/>
-              <a:t> CPU </a:t>
-            </a:r>
-            <a:r>
-              <a:rPr lang="en-US" sz="1700" dirty="0" err="1" smtClean="0"/>
-              <a:t>vs</a:t>
-            </a:r>
-            <a:r>
-              <a:rPr lang="en-US" sz="1700" dirty="0" smtClean="0"/>
-              <a:t>  </a:t>
-            </a:r>
-            <a:r>
-              <a:rPr lang="en-US" sz="1700" dirty="0" err="1" smtClean="0"/>
-              <a:t>DoD</a:t>
-            </a:r>
-            <a:r>
-              <a:rPr lang="en-US" sz="1700" dirty="0" smtClean="0"/>
-              <a:t> Tradeoffs</a:t>
-            </a:r>
-          </a:p>
-          <a:p>
-            <a:pPr lvl="2"/>
-            <a:r>
-              <a:rPr lang="en-US" sz="1700" dirty="0" smtClean="0"/>
-              <a:t>Multi-parametric trade-offs exist</a:t>
-            </a:r>
-          </a:p>
-          <a:p>
-            <a:pPr lvl="1"/>
-            <a:r>
-              <a:rPr lang="en-US" sz="1700" dirty="0" smtClean="0"/>
-              <a:t>“Complex” coordination requirements</a:t>
-            </a:r>
-          </a:p>
-          <a:p>
-            <a:r>
-              <a:rPr lang="en-US" sz="1700" dirty="0" smtClean="0"/>
-              <a:t>Distributed Applications Revisited</a:t>
-            </a:r>
-          </a:p>
-          <a:p>
-            <a:pPr lvl="1"/>
-            <a:r>
-              <a:rPr lang="en-US" sz="1700" dirty="0" smtClean="0"/>
-              <a:t>Where, when, how to distribute? How to manage coordination?</a:t>
-            </a:r>
-          </a:p>
-          <a:p>
-            <a:pPr lvl="1"/>
-            <a:r>
-              <a:rPr lang="en-US" sz="1700" dirty="0" smtClean="0"/>
-              <a:t>What is the task decomposition granularity? Mapping to resources?</a:t>
-            </a:r>
-          </a:p>
-          <a:p>
-            <a:pPr lvl="1"/>
-            <a:r>
-              <a:rPr lang="en-US" sz="1700" dirty="0" smtClean="0"/>
-              <a:t>What are the data transfer/access/storage mechanisms</a:t>
-            </a:r>
-          </a:p>
-          <a:p>
-            <a:r>
-              <a:rPr lang="en-US" sz="1900" dirty="0" smtClean="0"/>
-              <a:t>Need to support heterogeneous, distributed, dynamic loads</a:t>
-            </a:r>
-          </a:p>
-          <a:p>
-            <a:pPr lvl="1"/>
-            <a:r>
-              <a:rPr lang="en-US" sz="1700" dirty="0" smtClean="0"/>
-              <a:t>DA challenges need to be addressed dynamically!</a:t>
-            </a:r>
-          </a:p>
-          <a:p>
-            <a:pPr lvl="2"/>
-            <a:r>
-              <a:rPr lang="en-US" sz="1700" dirty="0" smtClean="0"/>
-              <a:t>Resource Elasticity/Cloudburst + Heterogeneous task-resource binding and need to for application configuration trade-offs</a:t>
-            </a:r>
-          </a:p>
-          <a:p>
-            <a:pPr lvl="2"/>
-            <a:r>
-              <a:rPr lang="en-US" sz="1700" dirty="0" smtClean="0"/>
-              <a:t>Models of </a:t>
-            </a:r>
-            <a:r>
-              <a:rPr lang="en-US" sz="1700" dirty="0" err="1" smtClean="0"/>
-              <a:t>localisation</a:t>
-            </a:r>
-            <a:endParaRPr lang="en-US" sz="1700" dirty="0" smtClean="0"/>
-          </a:p>
-          <a:p>
-            <a:pPr lvl="1"/>
-            <a:endParaRPr lang="en-US" sz="1700" dirty="0" smtClean="0"/>
-          </a:p>
-          <a:p>
-            <a:pPr lvl="1"/>
-            <a:endParaRPr lang="en-US" sz="1700" dirty="0" smtClean="0"/>
-          </a:p>
-          <a:p>
-            <a:endParaRPr lang="en-US" sz="1700" dirty="0" smtClean="0"/>
-          </a:p>
-          <a:p>
-            <a:pPr lvl="1"/>
-            <a:endParaRPr lang="en-US" sz="1700" dirty="0" smtClean="0"/>
-          </a:p>
-          <a:p>
-            <a:pPr lvl="1"/>
-            <a:endParaRPr lang="en-US" sz="1700" dirty="0" smtClean="0"/>
-          </a:p>
-          <a:p>
-            <a:pPr lvl="1"/>
-            <a:endParaRPr lang="en-US" sz="1700" dirty="0" smtClean="0"/>
-          </a:p>
-          <a:p>
-            <a:pPr>
-              <a:buNone/>
-            </a:pPr>
-            <a:endParaRPr lang="en-US" sz="1700" dirty="0" smtClean="0"/>
-          </a:p>
-          <a:p>
-            <a:endParaRPr lang="en-US" sz="1700" dirty="0" smtClean="0"/>
-          </a:p>
-          <a:p>
-            <a:endParaRPr lang="en-US" sz="1700" dirty="0" smtClean="0"/>
-          </a:p>
-        </p:txBody>
-      </p:sp>
-    </p:spTree>
-  </p:cSld>
-  <p:clrMapOvr>
-    <a:masterClrMapping/>
-  </p:clrMapOvr>
   <p:timing>
     <p:tnLst>
       <p:par>
@@ -8207,7 +8059,7 @@
       </p:grpSpPr>
       <p:sp>
         <p:nvSpPr>
-          <p:cNvPr id="7" name="Title 6"/>
+          <p:cNvPr id="2" name="Title 1"/>
           <p:cNvSpPr>
             <a:spLocks noGrp="1"/>
           </p:cNvSpPr>
@@ -8232,7 +8084,7 @@
       </p:sp>
       <p:sp>
         <p:nvSpPr>
-          <p:cNvPr id="8" name="Content Placeholder 7"/>
+          <p:cNvPr id="3" name="Content Placeholder 2"/>
           <p:cNvSpPr>
             <a:spLocks noGrp="1"/>
           </p:cNvSpPr>
@@ -8240,88 +8092,146 @@
             <p:ph idx="1"/>
           </p:nvPr>
         </p:nvSpPr>
-        <p:spPr>
-          <a:xfrm>
-            <a:off x="757946" y="1529880"/>
-            <a:ext cx="8386053" cy="4608884"/>
-          </a:xfrm>
-        </p:spPr>
+        <p:spPr/>
         <p:txBody>
           <a:bodyPr>
-            <a:normAutofit/>
+            <a:noAutofit/>
           </a:bodyPr>
           <a:lstStyle/>
           <a:p>
             <a:r>
               <a:rPr lang="en-US" sz="1700" dirty="0" smtClean="0"/>
-              <a:t>What is the Cloud infrastructure configuration?</a:t>
+              <a:t>Data-Intensive Distributed Applications Revisited</a:t>
             </a:r>
           </a:p>
           <a:p>
             <a:pPr lvl="1"/>
             <a:r>
               <a:rPr lang="en-US" sz="1700" dirty="0" smtClean="0"/>
-              <a:t>No well-defined single infrastructure configuration or capabilities</a:t>
+              <a:t>Where, when, how to distribute? How to manage coordination?</a:t>
+            </a:r>
+          </a:p>
+          <a:p>
+            <a:pPr lvl="1"/>
+            <a:r>
+              <a:rPr lang="en-US" sz="1700" dirty="0" smtClean="0"/>
+              <a:t>What is the task decomposition granularity? Mapping to resources?</a:t>
+            </a:r>
+          </a:p>
+          <a:p>
+            <a:pPr lvl="1"/>
+            <a:r>
+              <a:rPr lang="en-US" sz="1700" dirty="0" smtClean="0"/>
+              <a:t>What are the data transfer/access/storage mechanisms</a:t>
+            </a:r>
+          </a:p>
+          <a:p>
+            <a:r>
+              <a:rPr lang="en-US" sz="1700" dirty="0" smtClean="0"/>
+              <a:t>Life-Science Applications have</a:t>
+            </a:r>
+          </a:p>
+          <a:p>
+            <a:pPr lvl="1"/>
+            <a:r>
+              <a:rPr lang="en-US" sz="1700" dirty="0" smtClean="0"/>
+              <a:t>Multi-parametric trade-offs exist: </a:t>
+            </a:r>
+            <a:r>
+              <a:rPr lang="en-US" sz="1700" dirty="0" err="1" smtClean="0"/>
+              <a:t>Mem</a:t>
+            </a:r>
+            <a:r>
+              <a:rPr lang="en-US" sz="1700" dirty="0" smtClean="0"/>
+              <a:t> </a:t>
+            </a:r>
+            <a:r>
+              <a:rPr lang="en-US" sz="1700" dirty="0" err="1" smtClean="0"/>
+              <a:t>vs</a:t>
+            </a:r>
+            <a:r>
+              <a:rPr lang="en-US" sz="1700" dirty="0" smtClean="0"/>
+              <a:t> I/O </a:t>
+            </a:r>
+            <a:r>
+              <a:rPr lang="en-US" sz="1700" dirty="0" err="1" smtClean="0"/>
+              <a:t>vs</a:t>
+            </a:r>
+            <a:r>
+              <a:rPr lang="en-US" sz="1700" dirty="0" smtClean="0"/>
+              <a:t> CPU </a:t>
+            </a:r>
+            <a:r>
+              <a:rPr lang="en-US" sz="1700" dirty="0" err="1" smtClean="0"/>
+              <a:t>vs</a:t>
+            </a:r>
+            <a:r>
+              <a:rPr lang="en-US" sz="1700" dirty="0" smtClean="0"/>
+              <a:t>  </a:t>
+            </a:r>
+            <a:r>
+              <a:rPr lang="en-US" sz="1700" dirty="0" err="1" smtClean="0"/>
+              <a:t>DoD</a:t>
+            </a:r>
+            <a:endParaRPr lang="en-US" sz="1700" dirty="0" smtClean="0"/>
+          </a:p>
+          <a:p>
+            <a:pPr lvl="1"/>
+            <a:r>
+              <a:rPr lang="en-US" sz="1700" dirty="0" smtClean="0"/>
+              <a:t>NGS: Sequence length variation</a:t>
+            </a:r>
+          </a:p>
+          <a:p>
+            <a:r>
+              <a:rPr lang="en-US" sz="1700" dirty="0" smtClean="0"/>
+              <a:t>Need to support  distributed, dynamic loads</a:t>
+            </a:r>
+          </a:p>
+          <a:p>
+            <a:pPr lvl="1"/>
+            <a:r>
+              <a:rPr lang="en-US" sz="1700" dirty="0" smtClean="0"/>
+              <a:t>DA challenges need to be addressed dynamically!</a:t>
             </a:r>
           </a:p>
           <a:p>
             <a:pPr lvl="2"/>
             <a:r>
               <a:rPr lang="en-US" sz="1700" dirty="0" smtClean="0"/>
-              <a:t>Contrast: Astronomy, HEP community</a:t>
+              <a:t>Resource Elasticity/Cloudburst + Heterogeneous task-resource binding and need to for application configuration trade-offs</a:t>
             </a:r>
           </a:p>
           <a:p>
             <a:pPr lvl="1"/>
-            <a:r>
-              <a:rPr lang="en-US" sz="1700" dirty="0" smtClean="0"/>
-              <a:t>“</a:t>
-            </a:r>
-            <a:r>
-              <a:rPr lang="en-US" sz="1700" dirty="0" err="1" smtClean="0"/>
-              <a:t>TeraGrid</a:t>
-            </a:r>
-            <a:r>
-              <a:rPr lang="en-US" sz="1700" dirty="0" smtClean="0"/>
-              <a:t> is not used for data-intensive applications” (Fox)</a:t>
-            </a:r>
-          </a:p>
-          <a:p>
-            <a:r>
-              <a:rPr lang="en-US" sz="1700" dirty="0" smtClean="0"/>
-              <a:t>“Building this infrastructure is not trivial” (Fox) </a:t>
-            </a:r>
+            <a:endParaRPr lang="en-US" sz="1700" dirty="0" smtClean="0"/>
+          </a:p>
+          <a:p>
+            <a:endParaRPr lang="en-US" sz="1700" dirty="0" smtClean="0"/>
           </a:p>
           <a:p>
             <a:pPr lvl="1"/>
-            <a:r>
-              <a:rPr lang="en-US" sz="1700" dirty="0" smtClean="0"/>
-              <a:t>Need Abstractions to Support Dynamic Applications</a:t>
-            </a:r>
-          </a:p>
-          <a:p>
-            <a:pPr lvl="2"/>
-            <a:r>
-              <a:rPr lang="en-US" sz="1700" dirty="0" smtClean="0"/>
-              <a:t>Both Development and  System/Infrastructure level abstractions</a:t>
-            </a:r>
+            <a:endParaRPr lang="en-US" sz="1700" dirty="0" smtClean="0"/>
           </a:p>
           <a:p>
             <a:pPr lvl="1"/>
-            <a:r>
-              <a:rPr lang="en-US" sz="1700" dirty="0" smtClean="0"/>
-              <a:t>There are “hard” parts and tractable parts </a:t>
-            </a:r>
-          </a:p>
-          <a:p>
-            <a:pPr lvl="2"/>
-            <a:r>
-              <a:rPr lang="en-US" sz="1700" dirty="0" smtClean="0"/>
-              <a:t>SAGA handles the hard part, opening up innovation elsewhere</a:t>
-            </a:r>
-          </a:p>
-          <a:p>
-            <a:endParaRPr lang="en-US" sz="1700" dirty="0"/>
+            <a:endParaRPr lang="en-US" sz="1700" dirty="0" smtClean="0"/>
+          </a:p>
+          <a:p>
+            <a:pPr lvl="1"/>
+            <a:endParaRPr lang="en-US" sz="1700" dirty="0" smtClean="0"/>
+          </a:p>
+          <a:p>
+            <a:pPr>
+              <a:buNone/>
+            </a:pPr>
+            <a:endParaRPr lang="en-US" sz="1700" dirty="0" smtClean="0"/>
+          </a:p>
+          <a:p>
+            <a:endParaRPr lang="en-US" sz="1700" dirty="0" smtClean="0"/>
+          </a:p>
+          <a:p>
+            <a:endParaRPr lang="en-US" sz="1700" dirty="0" smtClean="0"/>
           </a:p>
         </p:txBody>
       </p:sp>
@@ -8359,35 +8269,12 @@
       </p:grpSpPr>
       <p:sp>
         <p:nvSpPr>
-          <p:cNvPr id="2" name="Title 1"/>
+          <p:cNvPr id="7" name="Title 6"/>
           <p:cNvSpPr>
             <a:spLocks noGrp="1"/>
           </p:cNvSpPr>
           <p:nvPr>
             <p:ph type="title"/>
-          </p:nvPr>
-        </p:nvSpPr>
-        <p:spPr/>
-        <p:txBody>
-          <a:bodyPr/>
-          <a:lstStyle/>
-          <a:p>
-            <a:r>
-              <a:rPr lang="en-US" dirty="0" smtClean="0"/>
-              <a:t>Conclusions</a:t>
-            </a:r>
-            <a:endParaRPr lang="en-US" dirty="0"/>
-          </a:p>
-        </p:txBody>
-      </p:sp>
-      <p:sp>
-        <p:nvSpPr>
-          <p:cNvPr id="3" name="Content Placeholder 2"/>
-          <p:cNvSpPr>
-            <a:spLocks noGrp="1"/>
-          </p:cNvSpPr>
-          <p:nvPr>
-            <p:ph idx="1"/>
           </p:nvPr>
         </p:nvSpPr>
         <p:spPr/>
@@ -8398,26 +8285,122 @@
           <a:lstStyle/>
           <a:p>
             <a:r>
-              <a:rPr lang="en-US" dirty="0" smtClean="0"/>
-              <a:t>LS Applications – compute and data intensive present broad range of challenges at scale</a:t>
-            </a:r>
-          </a:p>
-          <a:p>
-            <a:r>
-              <a:rPr lang="en-US" dirty="0" smtClean="0"/>
-              <a:t>Ready/Need for community provided solution on XD</a:t>
+              <a:rPr lang="en-US" sz="2400" dirty="0" smtClean="0"/>
+              <a:t>What are the Challenges for LS Applications on Clouds?</a:t>
+            </a:r>
+            <a:endParaRPr lang="en-US" sz="2400" dirty="0"/>
+          </a:p>
+        </p:txBody>
+      </p:sp>
+      <p:sp>
+        <p:nvSpPr>
+          <p:cNvPr id="8" name="Content Placeholder 7"/>
+          <p:cNvSpPr>
+            <a:spLocks noGrp="1"/>
+          </p:cNvSpPr>
+          <p:nvPr>
+            <p:ph idx="1"/>
+          </p:nvPr>
+        </p:nvSpPr>
+        <p:spPr>
+          <a:xfrm>
+            <a:off x="757946" y="1529880"/>
+            <a:ext cx="8386053" cy="4608884"/>
+          </a:xfrm>
+        </p:spPr>
+        <p:txBody>
+          <a:bodyPr>
+            <a:normAutofit/>
+          </a:bodyPr>
+          <a:lstStyle/>
+          <a:p>
+            <a:r>
+              <a:rPr lang="en-US" sz="1700" dirty="0" smtClean="0"/>
+              <a:t>What is the Cloud infrastructure configuration?</a:t>
             </a:r>
           </a:p>
           <a:p>
             <a:pPr lvl="1"/>
             <a:r>
-              <a:rPr lang="en-US" dirty="0" smtClean="0"/>
-              <a:t>Extensions to abstractions for dynamic data</a:t>
+              <a:rPr lang="en-US" sz="1700" dirty="0" smtClean="0"/>
+              <a:t>No well-defined single infrastructure configuration or capabilities</a:t>
+            </a:r>
+          </a:p>
+          <a:p>
+            <a:pPr lvl="2"/>
+            <a:r>
+              <a:rPr lang="en-US" sz="1700" dirty="0" smtClean="0"/>
+              <a:t>Contrast: Astronomy, HEP - Application characteristic better defined</a:t>
             </a:r>
           </a:p>
           <a:p>
             <a:pPr lvl="1"/>
-            <a:endParaRPr lang="en-US" dirty="0"/>
+            <a:r>
+              <a:rPr lang="en-US" sz="1700" dirty="0" smtClean="0"/>
+              <a:t>“Why is the </a:t>
+            </a:r>
+            <a:r>
+              <a:rPr lang="en-US" sz="1700" dirty="0" err="1" smtClean="0"/>
+              <a:t>TeraGrid</a:t>
+            </a:r>
+            <a:r>
+              <a:rPr lang="en-US" sz="1700" dirty="0" smtClean="0"/>
+              <a:t> is not used for data-intensive applications” </a:t>
+            </a:r>
+          </a:p>
+          <a:p>
+            <a:pPr lvl="2"/>
+            <a:r>
+              <a:rPr lang="en-US" sz="1700" dirty="0" smtClean="0"/>
+              <a:t>Is it just about storage? Or is it about data transfer?</a:t>
+            </a:r>
+          </a:p>
+          <a:p>
+            <a:r>
+              <a:rPr lang="en-US" sz="1700" dirty="0" smtClean="0"/>
+              <a:t>“Building this infrastructure is not trivial” (Fox) </a:t>
+            </a:r>
+          </a:p>
+          <a:p>
+            <a:pPr lvl="1"/>
+            <a:r>
+              <a:rPr lang="en-US" sz="1700" dirty="0" smtClean="0"/>
+              <a:t>Need Abstractions to Support Dynamic Applications</a:t>
+            </a:r>
+          </a:p>
+          <a:p>
+            <a:pPr lvl="2"/>
+            <a:r>
+              <a:rPr lang="en-US" sz="1700" dirty="0" smtClean="0"/>
+              <a:t>Both Development and  System/Infrastructure level abstractions</a:t>
+            </a:r>
+          </a:p>
+          <a:p>
+            <a:pPr lvl="1"/>
+            <a:r>
+              <a:rPr lang="en-US" sz="1700" dirty="0" smtClean="0"/>
+              <a:t>There are “hard” parts and tractable parts </a:t>
+            </a:r>
+          </a:p>
+          <a:p>
+            <a:pPr lvl="2"/>
+            <a:r>
+              <a:rPr lang="en-US" sz="1700" dirty="0" smtClean="0"/>
+              <a:t>SAGA handles the hard part, opening up innovation elsewhere</a:t>
+            </a:r>
+          </a:p>
+          <a:p>
+            <a:r>
+              <a:rPr lang="en-US" sz="1700" dirty="0" smtClean="0"/>
+              <a:t>Moving compute to data: Is the data localization model imposed by Clouds scalable and/or sustainable" ?</a:t>
+            </a:r>
+          </a:p>
+          <a:p>
+            <a:pPr lvl="2"/>
+            <a:endParaRPr lang="en-US" sz="1700" dirty="0" smtClean="0"/>
+          </a:p>
+          <a:p>
+            <a:endParaRPr lang="en-US" sz="1700" dirty="0"/>
           </a:p>
         </p:txBody>
       </p:sp>
@@ -8494,129 +8477,177 @@
           <a:lstStyle/>
           <a:p>
             <a:r>
-              <a:rPr lang="en-US" sz="1600" dirty="0" smtClean="0"/>
-              <a:t>Lessons from a decade of Developing Distributed Applications [PAST]</a:t>
+              <a:rPr lang="en-US" sz="1700" dirty="0" smtClean="0"/>
+              <a:t>NGS Analytics</a:t>
             </a:r>
           </a:p>
           <a:p>
             <a:pPr lvl="1"/>
             <a:r>
-              <a:rPr lang="en-US" sz="1600" dirty="0" smtClean="0"/>
-              <a:t>Unique Role for Abstractions for Distributed  “Dynamic” Applications </a:t>
-            </a:r>
-          </a:p>
-          <a:p>
-            <a:r>
-              <a:rPr lang="en-US" sz="1600" dirty="0" smtClean="0"/>
+              <a:rPr lang="en-US" sz="1700" dirty="0" smtClean="0"/>
+              <a:t>BFAST </a:t>
+            </a:r>
+            <a:r>
+              <a:rPr lang="en-US" sz="1700" dirty="0" smtClean="0"/>
+              <a:t>as an </a:t>
+            </a:r>
+            <a:r>
+              <a:rPr lang="en-US" sz="1700" dirty="0" smtClean="0"/>
+              <a:t>example of NGS</a:t>
+            </a:r>
+            <a:r>
+              <a:rPr lang="en-US" sz="1700" dirty="0" smtClean="0"/>
+              <a:t> alignment Analytics</a:t>
+            </a:r>
+          </a:p>
+          <a:p>
+            <a:r>
+              <a:rPr lang="en-US" sz="1700" dirty="0" smtClean="0"/>
+              <a:t>BFAST computational characterization</a:t>
+            </a:r>
+          </a:p>
+          <a:p>
+            <a:pPr lvl="1"/>
+            <a:r>
+              <a:rPr lang="en-US" sz="1700" dirty="0" smtClean="0"/>
+              <a:t>Tradeoffs: Com</a:t>
+            </a:r>
+            <a:r>
+              <a:rPr lang="en-US" sz="1700" dirty="0" smtClean="0"/>
+              <a:t>. </a:t>
+            </a:r>
+            <a:r>
+              <a:rPr lang="en-US" sz="1700" dirty="0" err="1" smtClean="0"/>
+              <a:t>vs</a:t>
+            </a:r>
+            <a:r>
+              <a:rPr lang="en-US" sz="1700" dirty="0" smtClean="0"/>
+              <a:t> </a:t>
+            </a:r>
+            <a:r>
+              <a:rPr lang="en-US" sz="1700" dirty="0" err="1" smtClean="0"/>
+              <a:t>Mem</a:t>
+            </a:r>
+            <a:r>
+              <a:rPr lang="en-US" sz="1700" dirty="0" smtClean="0"/>
+              <a:t>. </a:t>
+            </a:r>
+            <a:r>
+              <a:rPr lang="en-US" sz="1700" dirty="0" err="1" smtClean="0"/>
+              <a:t>vs</a:t>
+            </a:r>
+            <a:r>
+              <a:rPr lang="en-US" sz="1700" dirty="0" smtClean="0"/>
+              <a:t> I/O </a:t>
+            </a:r>
+            <a:r>
+              <a:rPr lang="en-US" sz="1700" dirty="0" err="1" smtClean="0"/>
+              <a:t>vs</a:t>
+            </a:r>
+            <a:r>
+              <a:rPr lang="en-US" sz="1700" dirty="0" smtClean="0"/>
+              <a:t> </a:t>
+            </a:r>
+            <a:r>
+              <a:rPr lang="en-US" sz="1700" dirty="0" err="1" smtClean="0"/>
+              <a:t>DoD</a:t>
+            </a:r>
+            <a:endParaRPr lang="en-US" sz="1700" dirty="0" smtClean="0"/>
+          </a:p>
+          <a:p>
+            <a:pPr lvl="1"/>
+            <a:r>
+              <a:rPr lang="en-US" sz="1700" dirty="0" smtClean="0"/>
+              <a:t>Sensitive to specific data-set </a:t>
+            </a:r>
+            <a:r>
+              <a:rPr lang="en-US" sz="1700" dirty="0" smtClean="0"/>
+              <a:t>size</a:t>
+            </a:r>
+          </a:p>
+          <a:p>
+            <a:pPr lvl="2"/>
+            <a:r>
+              <a:rPr lang="en-US" sz="1700" dirty="0" smtClean="0"/>
+              <a:t>Thus need specific ….</a:t>
+            </a:r>
+          </a:p>
+          <a:p>
+            <a:r>
+              <a:rPr lang="en-US" sz="1700" dirty="0" smtClean="0"/>
+              <a:t>DARE</a:t>
+            </a:r>
+            <a:r>
+              <a:rPr lang="en-US" sz="1700" dirty="0" smtClean="0"/>
+              <a:t>-based </a:t>
+            </a:r>
+            <a:r>
+              <a:rPr lang="en-US" sz="1700" dirty="0" smtClean="0"/>
+              <a:t>Gateway</a:t>
+            </a:r>
+          </a:p>
+          <a:p>
+            <a:pPr lvl="1"/>
+            <a:r>
+              <a:rPr lang="en-US" sz="1700" dirty="0" smtClean="0"/>
+              <a:t>XD/</a:t>
+            </a:r>
+            <a:r>
+              <a:rPr lang="en-US" sz="1700" dirty="0" err="1" smtClean="0"/>
+              <a:t>FutureGrid</a:t>
+            </a:r>
+            <a:r>
+              <a:rPr lang="en-US" sz="1700" dirty="0" smtClean="0"/>
+              <a:t> Solution:  Architecture, Performance and Scalability</a:t>
+            </a:r>
+          </a:p>
+          <a:p>
+            <a:pPr lvl="1"/>
+            <a:r>
+              <a:rPr lang="en-US" sz="1700" dirty="0" smtClean="0"/>
+              <a:t>Towards Lessons and Experience from DARE-based Gateway</a:t>
+            </a:r>
+            <a:r>
+              <a:rPr lang="en-US" sz="1700" dirty="0" smtClean="0"/>
+              <a:t> </a:t>
+            </a:r>
+          </a:p>
+          <a:p>
+            <a:r>
+              <a:rPr lang="en-US" sz="1700" dirty="0" smtClean="0"/>
               <a:t>Understand the present challenges for LS Applications on Cloud</a:t>
             </a:r>
           </a:p>
           <a:p>
             <a:pPr lvl="1"/>
             <a:r>
-              <a:rPr lang="en-US" sz="1600" dirty="0" smtClean="0"/>
+              <a:rPr lang="en-US" sz="1700" dirty="0" smtClean="0"/>
               <a:t>Understanding </a:t>
             </a:r>
             <a:r>
-              <a:rPr lang="en-US" sz="1600" i="1" dirty="0" smtClean="0"/>
+              <a:rPr lang="en-US" sz="1700" i="1" dirty="0" smtClean="0"/>
               <a:t>common</a:t>
             </a:r>
             <a:r>
-              <a:rPr lang="en-US" sz="1600" dirty="0" smtClean="0"/>
-              <a:t> computational characteristics</a:t>
-            </a:r>
+              <a:rPr lang="en-US" sz="1700" dirty="0" smtClean="0"/>
+              <a:t> computational </a:t>
+            </a:r>
+            <a:r>
+              <a:rPr lang="en-US" sz="1700" dirty="0" smtClean="0"/>
+              <a:t>characteristics</a:t>
+            </a:r>
+            <a:endParaRPr lang="en-US" sz="1700" dirty="0" smtClean="0"/>
+          </a:p>
+          <a:p>
+            <a:pPr lvl="2"/>
+            <a:endParaRPr lang="en-US" sz="1700" dirty="0" smtClean="0"/>
           </a:p>
           <a:p>
             <a:pPr lvl="1"/>
-            <a:r>
-              <a:rPr lang="en-US" sz="1600" dirty="0" smtClean="0"/>
-              <a:t>Motivate and Introduce abstractions for dynamic execution</a:t>
-            </a:r>
-          </a:p>
-          <a:p>
-            <a:pPr lvl="2"/>
-            <a:r>
-              <a:rPr lang="en-US" sz="1600" dirty="0" smtClean="0"/>
-              <a:t>“Autonomic” and “</a:t>
-            </a:r>
-            <a:r>
-              <a:rPr lang="en-US" sz="1600" smtClean="0"/>
-              <a:t>Intelligent” Pilot</a:t>
-            </a:r>
-            <a:r>
-              <a:rPr lang="en-US" sz="1600" dirty="0" smtClean="0"/>
-              <a:t>-Job </a:t>
-            </a:r>
-          </a:p>
-          <a:p>
-            <a:r>
-              <a:rPr lang="en-US" sz="1600" dirty="0" smtClean="0"/>
-              <a:t>Compute Intensive:  </a:t>
-            </a:r>
-            <a:r>
-              <a:rPr lang="en-US" sz="1600" dirty="0" err="1" smtClean="0"/>
-              <a:t>EnMD</a:t>
-            </a:r>
-            <a:r>
-              <a:rPr lang="en-US" sz="1600" dirty="0" smtClean="0"/>
-              <a:t> and RE Simulations</a:t>
-            </a:r>
-          </a:p>
-          <a:p>
-            <a:pPr lvl="1"/>
-            <a:r>
-              <a:rPr lang="en-US" sz="1600" dirty="0" smtClean="0"/>
-              <a:t>Azure Solution:  Architecture, Performance and Scalability</a:t>
-            </a:r>
-          </a:p>
-          <a:p>
-            <a:pPr lvl="2"/>
-            <a:r>
-              <a:rPr lang="en-US" sz="1600" dirty="0" smtClean="0"/>
-              <a:t>Azure addresses several of the distributed application challenges</a:t>
-            </a:r>
-          </a:p>
-          <a:p>
-            <a:r>
-              <a:rPr lang="en-US" sz="1600" dirty="0" smtClean="0"/>
-              <a:t>Data Intensive:  NGS Analytics using BFAST [FUTURE]</a:t>
-            </a:r>
-          </a:p>
-          <a:p>
-            <a:pPr lvl="1"/>
-            <a:r>
-              <a:rPr lang="en-US" sz="1600" dirty="0" smtClean="0"/>
-              <a:t>XD/</a:t>
-            </a:r>
-            <a:r>
-              <a:rPr lang="en-US" sz="1600" dirty="0" err="1" smtClean="0"/>
-              <a:t>FutureGrid</a:t>
-            </a:r>
-            <a:r>
-              <a:rPr lang="en-US" sz="1600" dirty="0" smtClean="0"/>
-              <a:t> Solution:  Architecture, Performance and Scalability</a:t>
-            </a:r>
-          </a:p>
-          <a:p>
-            <a:pPr lvl="1"/>
-            <a:r>
-              <a:rPr lang="en-US" sz="1600" dirty="0" smtClean="0"/>
-              <a:t>Lessons and Experience from DARE-based Gateway on XD/FG</a:t>
-            </a:r>
-          </a:p>
-          <a:p>
-            <a:pPr lvl="2"/>
-            <a:r>
-              <a:rPr lang="en-US" sz="1600" dirty="0" smtClean="0"/>
-              <a:t>Towards NGS Analytics as a Service on Azure?</a:t>
-            </a:r>
-          </a:p>
-          <a:p>
-            <a:pPr lvl="1"/>
-            <a:endParaRPr lang="en-US" sz="1600" dirty="0" smtClean="0"/>
-          </a:p>
-          <a:p>
-            <a:endParaRPr lang="en-US" sz="1600" dirty="0" smtClean="0"/>
+            <a:endParaRPr lang="en-US" sz="1700" dirty="0" smtClean="0"/>
+          </a:p>
+          <a:p>
+            <a:endParaRPr lang="en-US" sz="1700" dirty="0" smtClean="0"/>
           </a:p>
         </p:txBody>
       </p:sp>
@@ -8668,8 +8699,8 @@
           <a:lstStyle/>
           <a:p>
             <a:r>
-              <a:rPr lang="en-US" smtClean="0"/>
-              <a:t>Acknowledgements</a:t>
+              <a:rPr lang="en-US" dirty="0" smtClean="0"/>
+              <a:t>Conclusions</a:t>
             </a:r>
             <a:endParaRPr lang="en-US" dirty="0"/>
           </a:p>
@@ -8687,147 +8718,31 @@
         </p:nvSpPr>
         <p:spPr/>
         <p:txBody>
-          <a:bodyPr/>
+          <a:bodyPr>
+            <a:normAutofit/>
+          </a:bodyPr>
           <a:lstStyle/>
           <a:p>
-            <a:pPr>
-              <a:buNone/>
-            </a:pPr>
-            <a:r>
-              <a:rPr lang="en-US" dirty="0" smtClean="0">
-                <a:solidFill>
-                  <a:schemeClr val="tx1"/>
-                </a:solidFill>
-              </a:rPr>
-              <a:t>	SAGA Team and contributors: </a:t>
-            </a:r>
-            <a:r>
-              <a:rPr lang="en-US" dirty="0" smtClean="0">
-                <a:solidFill>
-                  <a:srgbClr val="800000"/>
-                </a:solidFill>
-              </a:rPr>
-              <a:t>http://</a:t>
-            </a:r>
-            <a:r>
-              <a:rPr lang="en-US" dirty="0" err="1" smtClean="0">
-                <a:solidFill>
-                  <a:srgbClr val="800000"/>
-                </a:solidFill>
-              </a:rPr>
-              <a:t>saga.cct.lsu.edu</a:t>
-            </a:r>
-            <a:endParaRPr lang="en-US" dirty="0" smtClean="0">
-              <a:solidFill>
-                <a:srgbClr val="800000"/>
-              </a:solidFill>
-            </a:endParaRPr>
-          </a:p>
-          <a:p>
-            <a:pPr>
-              <a:buNone/>
-            </a:pPr>
             <a:r>
               <a:rPr lang="en-US" dirty="0" smtClean="0"/>
-              <a:t>	</a:t>
-            </a:r>
-            <a:r>
-              <a:rPr lang="en-US" dirty="0" err="1" smtClean="0"/>
-              <a:t>Futuregrid</a:t>
-            </a:r>
+              <a:t>LS Applications – compute and data intensive present broad range of challenges at scale</a:t>
+            </a:r>
+          </a:p>
+          <a:p>
             <a:r>
               <a:rPr lang="en-US" dirty="0" smtClean="0"/>
-              <a:t> Acknowledgement</a:t>
-            </a:r>
-          </a:p>
-          <a:p>
-            <a:pPr>
-              <a:buNone/>
-            </a:pPr>
-            <a:r>
-              <a:rPr lang="en-US" dirty="0" smtClean="0">
-                <a:solidFill>
-                  <a:schemeClr val="tx1"/>
-                </a:solidFill>
-              </a:rPr>
-              <a:t>	This document was developed with support from the National Science Foundation (NSF) under Grant No.0910812 to Indiana University for "</a:t>
-            </a:r>
-            <a:r>
-              <a:rPr lang="en-US" dirty="0" err="1" smtClean="0">
-                <a:solidFill>
-                  <a:schemeClr val="tx1"/>
-                </a:solidFill>
-              </a:rPr>
-              <a:t>FutureGrid</a:t>
-            </a:r>
-            <a:r>
-              <a:rPr lang="en-US" dirty="0" smtClean="0">
-                <a:solidFill>
-                  <a:schemeClr val="tx1"/>
-                </a:solidFill>
-              </a:rPr>
-              <a:t>: An Experimental, High-Performance Grid Test-bed." Any opinions, findings, and conclusions or recommendations expressed in this material are those of the </a:t>
-            </a:r>
-            <a:r>
-              <a:rPr lang="en-US" dirty="0" err="1" smtClean="0">
-                <a:solidFill>
-                  <a:schemeClr val="tx1"/>
-                </a:solidFill>
-              </a:rPr>
-              <a:t>author(s</a:t>
-            </a:r>
-            <a:r>
-              <a:rPr lang="en-US" dirty="0" smtClean="0">
-                <a:solidFill>
-                  <a:schemeClr val="tx1"/>
-                </a:solidFill>
-              </a:rPr>
-              <a:t>) and do not necessarily </a:t>
-            </a:r>
-            <a:r>
-              <a:rPr lang="en-US" dirty="0" err="1" smtClean="0">
-                <a:solidFill>
-                  <a:schemeClr val="tx1"/>
-                </a:solidFill>
-              </a:rPr>
-              <a:t>reaect</a:t>
-            </a:r>
-            <a:r>
-              <a:rPr lang="en-US" dirty="0" smtClean="0">
-                <a:solidFill>
-                  <a:schemeClr val="tx1"/>
-                </a:solidFill>
-              </a:rPr>
-              <a:t> the views </a:t>
-            </a:r>
-          </a:p>
-          <a:p>
-            <a:pPr>
-              <a:buNone/>
-            </a:pPr>
-            <a:r>
-              <a:rPr lang="en-US" i="1" dirty="0" smtClean="0"/>
-              <a:t>     Also Acknowledge useful discussions:</a:t>
-            </a:r>
-          </a:p>
-          <a:p>
-            <a:pPr>
-              <a:buNone/>
-            </a:pPr>
-            <a:r>
-              <a:rPr lang="en-US" i="1" dirty="0" smtClean="0"/>
-              <a:t>		 Geoffrey Fox and Jon </a:t>
-            </a:r>
-            <a:r>
-              <a:rPr lang="en-US" i="1" dirty="0" err="1" smtClean="0"/>
-              <a:t>Weissman</a:t>
-            </a:r>
-            <a:endParaRPr lang="en-US" i="1" dirty="0" smtClean="0"/>
-          </a:p>
-          <a:p>
-            <a:pPr>
-              <a:buNone/>
-            </a:pPr>
+              <a:t>Ready/Need for community provided solution on XD</a:t>
+            </a:r>
+          </a:p>
+          <a:p>
+            <a:pPr lvl="1"/>
+            <a:r>
+              <a:rPr lang="en-US" dirty="0" smtClean="0"/>
+              <a:t>Extensions to abstractions for dynamic data</a:t>
+            </a:r>
+          </a:p>
+          <a:p>
+            <a:pPr lvl="1"/>
             <a:endParaRPr lang="en-US" dirty="0"/>
           </a:p>
         </p:txBody>
@@ -8841,6 +8756,624 @@
     <p:tnLst>
       <p:par>
         <p:cTn id="1" dur="indefinite" restart="never" nodeType="tmRoot"/>
+      </p:par>
+    </p:tnLst>
+  </p:timing>
+</p:sld>
+</file>
+
+<file path=ppt/slides/slide21.xml><?xml version="1.0" encoding="utf-8"?>
+<p:sld xmlns:a="http://schemas.openxmlformats.org/drawingml/2006/main" xmlns:r="http://schemas.openxmlformats.org/officeDocument/2006/relationships" xmlns:mc="http://schemas.openxmlformats.org/markup-compatibility/2006" xmlns:mv="urn:schemas-microsoft-com:mac:vml" xmlns:p="http://schemas.openxmlformats.org/presentationml/2006/main" mc:Ignorable="mv" mc:PreserveAttributes="mv:*">
+  <p:cSld>
+    <p:spTree>
+      <p:nvGrpSpPr>
+        <p:cNvPr id="1" name=""/>
+        <p:cNvGrpSpPr/>
+        <p:nvPr/>
+      </p:nvGrpSpPr>
+      <p:grpSpPr>
+        <a:xfrm>
+          <a:off x="0" y="0"/>
+          <a:ext cx="0" cy="0"/>
+          <a:chOff x="0" y="0"/>
+          <a:chExt cx="0" cy="0"/>
+        </a:xfrm>
+      </p:grpSpPr>
+      <p:sp>
+        <p:nvSpPr>
+          <p:cNvPr id="2" name="Title 1"/>
+          <p:cNvSpPr>
+            <a:spLocks noGrp="1"/>
+          </p:cNvSpPr>
+          <p:nvPr>
+            <p:ph type="title"/>
+          </p:nvPr>
+        </p:nvSpPr>
+        <p:spPr/>
+        <p:txBody>
+          <a:bodyPr/>
+          <a:lstStyle/>
+          <a:p>
+            <a:r>
+              <a:rPr lang="en-US" smtClean="0"/>
+              <a:t>Acknowledgements</a:t>
+            </a:r>
+            <a:endParaRPr lang="en-US" dirty="0"/>
+          </a:p>
+        </p:txBody>
+      </p:sp>
+      <p:sp>
+        <p:nvSpPr>
+          <p:cNvPr id="3" name="Content Placeholder 2"/>
+          <p:cNvSpPr>
+            <a:spLocks noGrp="1"/>
+          </p:cNvSpPr>
+          <p:nvPr>
+            <p:ph idx="1"/>
+          </p:nvPr>
+        </p:nvSpPr>
+        <p:spPr/>
+        <p:txBody>
+          <a:bodyPr/>
+          <a:lstStyle/>
+          <a:p>
+            <a:pPr>
+              <a:buNone/>
+            </a:pPr>
+            <a:r>
+              <a:rPr lang="en-US" dirty="0" smtClean="0">
+                <a:solidFill>
+                  <a:schemeClr val="tx1"/>
+                </a:solidFill>
+              </a:rPr>
+              <a:t>	SAGA Team and contributors: </a:t>
+            </a:r>
+            <a:r>
+              <a:rPr lang="en-US" dirty="0" smtClean="0">
+                <a:solidFill>
+                  <a:srgbClr val="800000"/>
+                </a:solidFill>
+              </a:rPr>
+              <a:t>http://</a:t>
+            </a:r>
+            <a:r>
+              <a:rPr lang="en-US" dirty="0" err="1" smtClean="0">
+                <a:solidFill>
+                  <a:srgbClr val="800000"/>
+                </a:solidFill>
+              </a:rPr>
+              <a:t>saga.cct.lsu.edu</a:t>
+            </a:r>
+            <a:endParaRPr lang="en-US" dirty="0" smtClean="0">
+              <a:solidFill>
+                <a:srgbClr val="800000"/>
+              </a:solidFill>
+            </a:endParaRPr>
+          </a:p>
+          <a:p>
+            <a:pPr>
+              <a:buNone/>
+            </a:pPr>
+            <a:r>
+              <a:rPr lang="en-US" dirty="0" smtClean="0"/>
+              <a:t>	</a:t>
+            </a:r>
+            <a:r>
+              <a:rPr lang="en-US" dirty="0" err="1" smtClean="0"/>
+              <a:t>Futuregrid</a:t>
+            </a:r>
+            <a:r>
+              <a:rPr lang="en-US" dirty="0" smtClean="0"/>
+              <a:t> Acknowledgement</a:t>
+            </a:r>
+          </a:p>
+          <a:p>
+            <a:pPr>
+              <a:buNone/>
+            </a:pPr>
+            <a:r>
+              <a:rPr lang="en-US" dirty="0" smtClean="0">
+                <a:solidFill>
+                  <a:schemeClr val="tx1"/>
+                </a:solidFill>
+              </a:rPr>
+              <a:t>	This document was developed with support from the National Science Foundation (NSF) under Grant No.0910812 to Indiana University for "</a:t>
+            </a:r>
+            <a:r>
+              <a:rPr lang="en-US" dirty="0" err="1" smtClean="0">
+                <a:solidFill>
+                  <a:schemeClr val="tx1"/>
+                </a:solidFill>
+              </a:rPr>
+              <a:t>FutureGrid</a:t>
+            </a:r>
+            <a:r>
+              <a:rPr lang="en-US" dirty="0" smtClean="0">
+                <a:solidFill>
+                  <a:schemeClr val="tx1"/>
+                </a:solidFill>
+              </a:rPr>
+              <a:t>: An Experimental, High-Performance Grid Test-bed." Any opinions, findings, and conclusions or recommendations expressed in this material are those of the </a:t>
+            </a:r>
+            <a:r>
+              <a:rPr lang="en-US" dirty="0" err="1" smtClean="0">
+                <a:solidFill>
+                  <a:schemeClr val="tx1"/>
+                </a:solidFill>
+              </a:rPr>
+              <a:t>author(s</a:t>
+            </a:r>
+            <a:r>
+              <a:rPr lang="en-US" dirty="0" smtClean="0">
+                <a:solidFill>
+                  <a:schemeClr val="tx1"/>
+                </a:solidFill>
+              </a:rPr>
+              <a:t>) and do not necessarily </a:t>
+            </a:r>
+            <a:r>
+              <a:rPr lang="en-US" dirty="0" err="1" smtClean="0">
+                <a:solidFill>
+                  <a:schemeClr val="tx1"/>
+                </a:solidFill>
+              </a:rPr>
+              <a:t>reaect</a:t>
+            </a:r>
+            <a:r>
+              <a:rPr lang="en-US" dirty="0" smtClean="0">
+                <a:solidFill>
+                  <a:schemeClr val="tx1"/>
+                </a:solidFill>
+              </a:rPr>
+              <a:t> the views </a:t>
+            </a:r>
+          </a:p>
+          <a:p>
+            <a:pPr>
+              <a:buNone/>
+            </a:pPr>
+            <a:r>
+              <a:rPr lang="en-US" i="1" dirty="0" smtClean="0"/>
+              <a:t>     Also Acknowledge useful discussions:</a:t>
+            </a:r>
+          </a:p>
+          <a:p>
+            <a:pPr>
+              <a:buNone/>
+            </a:pPr>
+            <a:r>
+              <a:rPr lang="en-US" i="1" dirty="0" smtClean="0"/>
+              <a:t>		 Geoffrey Fox and Jon </a:t>
+            </a:r>
+            <a:r>
+              <a:rPr lang="en-US" i="1" dirty="0" err="1" smtClean="0"/>
+              <a:t>Weissman</a:t>
+            </a:r>
+            <a:endParaRPr lang="en-US" i="1" dirty="0" smtClean="0"/>
+          </a:p>
+          <a:p>
+            <a:pPr>
+              <a:buNone/>
+            </a:pPr>
+            <a:endParaRPr lang="en-US" dirty="0"/>
+          </a:p>
+        </p:txBody>
+      </p:sp>
+    </p:spTree>
+  </p:cSld>
+  <p:clrMapOvr>
+    <a:masterClrMapping/>
+  </p:clrMapOvr>
+  <p:timing>
+    <p:tnLst>
+      <p:par>
+        <p:cTn id="1" dur="indefinite" restart="never" nodeType="tmRoot"/>
+      </p:par>
+    </p:tnLst>
+  </p:timing>
+</p:sld>
+</file>
+
+<file path=ppt/slides/slide22.xml><?xml version="1.0" encoding="utf-8"?>
+<p:sld xmlns:a="http://schemas.openxmlformats.org/drawingml/2006/main" xmlns:r="http://schemas.openxmlformats.org/officeDocument/2006/relationships" xmlns:mc="http://schemas.openxmlformats.org/markup-compatibility/2006" xmlns:mv="urn:schemas-microsoft-com:mac:vml" xmlns:p="http://schemas.openxmlformats.org/presentationml/2006/main" mc:Ignorable="mv" mc:PreserveAttributes="mv:*">
+  <p:cSld>
+    <p:spTree>
+      <p:nvGrpSpPr>
+        <p:cNvPr id="1" name=""/>
+        <p:cNvGrpSpPr/>
+        <p:nvPr/>
+      </p:nvGrpSpPr>
+      <p:grpSpPr>
+        <a:xfrm>
+          <a:off x="0" y="0"/>
+          <a:ext cx="0" cy="0"/>
+          <a:chOff x="0" y="0"/>
+          <a:chExt cx="0" cy="0"/>
+        </a:xfrm>
+      </p:grpSpPr>
+      <p:sp>
+        <p:nvSpPr>
+          <p:cNvPr id="2" name="Title 1"/>
+          <p:cNvSpPr>
+            <a:spLocks noGrp="1"/>
+          </p:cNvSpPr>
+          <p:nvPr>
+            <p:ph type="title"/>
+          </p:nvPr>
+        </p:nvSpPr>
+        <p:spPr/>
+        <p:txBody>
+          <a:bodyPr>
+            <a:normAutofit/>
+          </a:bodyPr>
+          <a:lstStyle/>
+          <a:p>
+            <a:r>
+              <a:rPr lang="en-US" sz="2400" dirty="0" smtClean="0">
+                <a:solidFill>
+                  <a:prstClr val="white"/>
+                </a:solidFill>
+              </a:rPr>
+              <a:t>BFAST: A prototype for NGS Analytics</a:t>
+            </a:r>
+            <a:endParaRPr lang="en-US" dirty="0"/>
+          </a:p>
+        </p:txBody>
+      </p:sp>
+      <p:sp>
+        <p:nvSpPr>
+          <p:cNvPr id="3" name="Content Placeholder 2"/>
+          <p:cNvSpPr>
+            <a:spLocks noGrp="1"/>
+          </p:cNvSpPr>
+          <p:nvPr>
+            <p:ph idx="1"/>
+          </p:nvPr>
+        </p:nvSpPr>
+        <p:spPr>
+          <a:xfrm>
+            <a:off x="300747" y="1346200"/>
+            <a:ext cx="4880853" cy="5328120"/>
+          </a:xfrm>
+        </p:spPr>
+        <p:txBody>
+          <a:bodyPr>
+            <a:normAutofit fontScale="77500" lnSpcReduction="20000"/>
+          </a:bodyPr>
+          <a:lstStyle/>
+          <a:p>
+            <a:r>
+              <a:rPr lang="en-US" sz="1800" dirty="0" smtClean="0"/>
+              <a:t>Classify </a:t>
+            </a:r>
+            <a:r>
+              <a:rPr lang="en-US" sz="1800" dirty="0" smtClean="0"/>
+              <a:t>most alignment software into categories based upon the property of the indexing</a:t>
+            </a:r>
+          </a:p>
+          <a:p>
+            <a:pPr lvl="1"/>
+            <a:r>
+              <a:rPr lang="en-US" sz="1600" dirty="0" smtClean="0"/>
+              <a:t>Hash-based and Tree-based</a:t>
+            </a:r>
+          </a:p>
+          <a:p>
+            <a:r>
+              <a:rPr lang="en-US" sz="1800" dirty="0" smtClean="0"/>
+              <a:t>BFAST Higher </a:t>
+            </a:r>
+            <a:r>
+              <a:rPr lang="en-US" sz="1800" dirty="0" smtClean="0"/>
+              <a:t>sensitivity (CAL finding and gapped Smith-Waterman alignment)</a:t>
+            </a:r>
+          </a:p>
+          <a:p>
+            <a:r>
+              <a:rPr lang="en-US" sz="1800" dirty="0" smtClean="0"/>
+              <a:t>Relatively large memory and disk space</a:t>
+            </a:r>
+          </a:p>
+          <a:p>
+            <a:r>
+              <a:rPr lang="en-US" sz="1800" dirty="0" smtClean="0"/>
+              <a:t>Data types: (</a:t>
+            </a:r>
+            <a:r>
+              <a:rPr lang="en-US" sz="1800" dirty="0" err="1" smtClean="0"/>
+              <a:t>i</a:t>
+            </a:r>
+            <a:r>
+              <a:rPr lang="en-US" sz="1800" dirty="0" smtClean="0"/>
+              <a:t>) Short- Read (ii) Reference (iii) Index data</a:t>
+            </a:r>
+          </a:p>
+          <a:p>
+            <a:r>
+              <a:rPr lang="en-US" sz="1800" dirty="0" smtClean="0"/>
+              <a:t>Supports Advanced features: (</a:t>
+            </a:r>
+            <a:r>
+              <a:rPr lang="en-US" sz="1800" dirty="0" err="1" smtClean="0"/>
+              <a:t>i</a:t>
+            </a:r>
+            <a:r>
+              <a:rPr lang="en-US" sz="1800" dirty="0" smtClean="0"/>
+              <a:t>) Multi-threading support (ii) Low-memory option (index file splitting)</a:t>
+            </a:r>
+          </a:p>
+          <a:p>
+            <a:r>
+              <a:rPr lang="en-US" sz="1800" dirty="0" smtClean="0"/>
+              <a:t>Breaking up short-read data permits task-level concurrency</a:t>
+            </a:r>
+          </a:p>
+          <a:p>
+            <a:pPr lvl="1"/>
+            <a:r>
+              <a:rPr lang="en-US" dirty="0" smtClean="0"/>
+              <a:t>Each Task requires full reference genome –  possible I/O bottleneck</a:t>
+            </a:r>
+          </a:p>
+          <a:p>
+            <a:pPr lvl="1"/>
+            <a:r>
+              <a:rPr lang="en-US" dirty="0" smtClean="0"/>
+              <a:t>Distribute to over I/O bottleneck?</a:t>
+            </a:r>
+          </a:p>
+          <a:p>
+            <a:r>
+              <a:rPr lang="en-US" sz="1800" dirty="0" smtClean="0"/>
+              <a:t>Tradeoffs: Comp. </a:t>
+            </a:r>
+            <a:r>
+              <a:rPr lang="en-US" sz="1800" dirty="0" err="1" smtClean="0"/>
+              <a:t>vs</a:t>
+            </a:r>
+            <a:r>
+              <a:rPr lang="en-US" sz="1800" dirty="0" smtClean="0"/>
+              <a:t> </a:t>
+            </a:r>
+            <a:r>
+              <a:rPr lang="en-US" sz="1800" dirty="0" err="1" smtClean="0"/>
+              <a:t>Mem</a:t>
+            </a:r>
+            <a:r>
+              <a:rPr lang="en-US" sz="1800" dirty="0" smtClean="0"/>
+              <a:t>. </a:t>
+            </a:r>
+            <a:r>
+              <a:rPr lang="en-US" sz="1800" dirty="0" err="1" smtClean="0"/>
+              <a:t>vs</a:t>
+            </a:r>
+            <a:r>
+              <a:rPr lang="en-US" sz="1800" dirty="0" smtClean="0"/>
+              <a:t> I/O </a:t>
+            </a:r>
+            <a:r>
+              <a:rPr lang="en-US" sz="1800" dirty="0" err="1" smtClean="0"/>
+              <a:t>vs</a:t>
+            </a:r>
+            <a:r>
+              <a:rPr lang="en-US" sz="1800" dirty="0" smtClean="0"/>
+              <a:t> </a:t>
+            </a:r>
+            <a:r>
+              <a:rPr lang="en-US" sz="1800" dirty="0" err="1" smtClean="0"/>
+              <a:t>DoD</a:t>
+            </a:r>
+            <a:endParaRPr lang="en-US" sz="1800" dirty="0" smtClean="0"/>
+          </a:p>
+          <a:p>
+            <a:pPr lvl="1"/>
+            <a:r>
+              <a:rPr lang="en-US" dirty="0" smtClean="0"/>
+              <a:t>Sensitive to specific data-set size</a:t>
+            </a:r>
+          </a:p>
+          <a:p>
+            <a:endParaRPr lang="en-US" dirty="0"/>
+          </a:p>
+        </p:txBody>
+      </p:sp>
+      <p:pic>
+        <p:nvPicPr>
+          <p:cNvPr id="12" name="Picture 11" descr="workflow.png"/>
+          <p:cNvPicPr>
+            <a:picLocks noChangeAspect="1"/>
+          </p:cNvPicPr>
+          <p:nvPr/>
+        </p:nvPicPr>
+        <p:blipFill>
+          <a:blip r:embed="rId2">
+            <a:extLst>
+              <a:ext uri="{28A0092B-C50C-407E-A947-70E740481C1C}">
+                <a14:useLocalDpi xmlns:mc="http://schemas.openxmlformats.org/markup-compatibility/2006" xmlns:mv="urn:schemas-microsoft-com:mac:vml" xmlns:a14="http://schemas.microsoft.com/office/drawing/2010/main" xmlns:p="http://schemas.openxmlformats.org/presentationml/2006/main" xmlns:r="http://schemas.openxmlformats.org/officeDocument/2006/relationships" xmlns:a="http://schemas.openxmlformats.org/drawingml/2006/main" xmlns=""/>
+              </a:ext>
+            </a:extLst>
+          </a:blip>
+          <a:stretch>
+            <a:fillRect/>
+          </a:stretch>
+        </p:blipFill>
+        <p:spPr>
+          <a:xfrm>
+            <a:off x="5548843" y="3695700"/>
+            <a:ext cx="3174471" cy="2761820"/>
+          </a:xfrm>
+          <a:prstGeom prst="rect">
+            <a:avLst/>
+          </a:prstGeom>
+          <a:ln/>
+        </p:spPr>
+        <p:style>
+          <a:lnRef idx="2">
+            <a:schemeClr val="accent2">
+              <a:shade val="50000"/>
+            </a:schemeClr>
+          </a:lnRef>
+          <a:fillRef idx="1">
+            <a:schemeClr val="accent2"/>
+          </a:fillRef>
+          <a:effectRef idx="0">
+            <a:schemeClr val="accent2"/>
+          </a:effectRef>
+          <a:fontRef idx="minor">
+            <a:schemeClr val="lt1"/>
+          </a:fontRef>
+        </p:style>
+      </p:pic>
+      <p:pic>
+        <p:nvPicPr>
+          <p:cNvPr id="13" name="Picture 12" descr="ngs-sw-comp.png"/>
+          <p:cNvPicPr>
+            <a:picLocks noChangeAspect="1"/>
+          </p:cNvPicPr>
+          <p:nvPr/>
+        </p:nvPicPr>
+        <p:blipFill>
+          <a:blip r:embed="rId3"/>
+          <a:stretch>
+            <a:fillRect/>
+          </a:stretch>
+        </p:blipFill>
+        <p:spPr>
+          <a:xfrm>
+            <a:off x="5189979" y="1346200"/>
+            <a:ext cx="3828768" cy="1905000"/>
+          </a:xfrm>
+          <a:prstGeom prst="rect">
+            <a:avLst/>
+          </a:prstGeom>
+        </p:spPr>
+      </p:pic>
+    </p:spTree>
+  </p:cSld>
+  <p:clrMapOvr>
+    <a:masterClrMapping/>
+  </p:clrMapOvr>
+  <p:timing>
+    <p:tnLst>
+      <p:par>
+        <p:cTn id="1" dur="indefinite" restart="never" nodeType="tmRoot">
+          <p:childTnLst>
+            <p:seq concurrent="1" nextAc="seek">
+              <p:cTn id="2" dur="indefinite" nodeType="mainSeq">
+                <p:childTnLst>
+                  <p:par>
+                    <p:cTn id="3" fill="hold">
+                      <p:stCondLst>
+                        <p:cond delay="indefinite"/>
+                        <p:cond evt="onBegin" delay="0">
+                          <p:tn val="2"/>
+                        </p:cond>
+                      </p:stCondLst>
+                      <p:childTnLst>
+                        <p:par>
+                          <p:cTn id="4" fill="hold">
+                            <p:stCondLst>
+                              <p:cond delay="0"/>
+                            </p:stCondLst>
+                            <p:childTnLst>
+                              <p:par>
+                                <p:cTn id="5" presetID="2" presetClass="entr" presetSubtype="4" fill="hold" nodeType="withEffect">
+                                  <p:stCondLst>
+                                    <p:cond delay="0"/>
+                                  </p:stCondLst>
+                                  <p:childTnLst>
+                                    <p:set>
+                                      <p:cBhvr>
+                                        <p:cTn id="6" dur="1" fill="hold">
+                                          <p:stCondLst>
+                                            <p:cond delay="0"/>
+                                          </p:stCondLst>
+                                        </p:cTn>
+                                        <p:tgtEl>
+                                          <p:spTgt spid="12"/>
+                                        </p:tgtEl>
+                                        <p:attrNameLst>
+                                          <p:attrName>style.visibility</p:attrName>
+                                        </p:attrNameLst>
+                                      </p:cBhvr>
+                                      <p:to>
+                                        <p:strVal val="visible"/>
+                                      </p:to>
+                                    </p:set>
+                                    <p:anim calcmode="lin" valueType="num">
+                                      <p:cBhvr additive="base">
+                                        <p:cTn id="7" dur="500" fill="hold"/>
+                                        <p:tgtEl>
+                                          <p:spTgt spid="12"/>
+                                        </p:tgtEl>
+                                        <p:attrNameLst>
+                                          <p:attrName>ppt_x</p:attrName>
+                                        </p:attrNameLst>
+                                      </p:cBhvr>
+                                      <p:tavLst>
+                                        <p:tav tm="0">
+                                          <p:val>
+                                            <p:strVal val="#ppt_x"/>
+                                          </p:val>
+                                        </p:tav>
+                                        <p:tav tm="100000">
+                                          <p:val>
+                                            <p:strVal val="#ppt_x"/>
+                                          </p:val>
+                                        </p:tav>
+                                      </p:tavLst>
+                                    </p:anim>
+                                    <p:anim calcmode="lin" valueType="num">
+                                      <p:cBhvr additive="base">
+                                        <p:cTn id="8" dur="500" fill="hold"/>
+                                        <p:tgtEl>
+                                          <p:spTgt spid="12"/>
+                                        </p:tgtEl>
+                                        <p:attrNameLst>
+                                          <p:attrName>ppt_y</p:attrName>
+                                        </p:attrNameLst>
+                                      </p:cBhvr>
+                                      <p:tavLst>
+                                        <p:tav tm="0">
+                                          <p:val>
+                                            <p:strVal val="1+#ppt_h/2"/>
+                                          </p:val>
+                                        </p:tav>
+                                        <p:tav tm="100000">
+                                          <p:val>
+                                            <p:strVal val="#ppt_y"/>
+                                          </p:val>
+                                        </p:tav>
+                                      </p:tavLst>
+                                    </p:anim>
+                                  </p:childTnLst>
+                                </p:cTn>
+                              </p:par>
+                            </p:childTnLst>
+                          </p:cTn>
+                        </p:par>
+                      </p:childTnLst>
+                    </p:cTn>
+                  </p:par>
+                </p:childTnLst>
+              </p:cTn>
+              <p:prevCondLst>
+                <p:cond evt="onPrev" delay="0">
+                  <p:tgtEl>
+                    <p:sldTgt/>
+                  </p:tgtEl>
+                </p:cond>
+              </p:prevCondLst>
+              <p:nextCondLst>
+                <p:cond evt="onNext" delay="0">
+                  <p:tgtEl>
+                    <p:sldTgt/>
+                  </p:tgtEl>
+                </p:cond>
+              </p:nextCondLst>
+            </p:seq>
+          </p:childTnLst>
+        </p:cTn>
       </p:par>
     </p:tnLst>
   </p:timing>
@@ -8963,7 +9496,7 @@
                   <a:prstClr val="white"/>
                 </a:solidFill>
               </a:rPr>
-              <a:t>BFAST: An example of NGS Analytics</a:t>
+              <a:t>BFAST: A prototype for NGS Analytics</a:t>
             </a:r>
             <a:endParaRPr lang="en-US" dirty="0"/>
           </a:p>
@@ -8981,127 +9514,552 @@
         </p:nvSpPr>
         <p:spPr>
           <a:xfrm>
-            <a:off x="440447" y="1346200"/>
-            <a:ext cx="4880853" cy="5328120"/>
+            <a:off x="300747" y="1450974"/>
+            <a:ext cx="8182853" cy="4479925"/>
           </a:xfrm>
         </p:spPr>
         <p:txBody>
           <a:bodyPr>
-            <a:normAutofit fontScale="92500" lnSpcReduction="10000"/>
+            <a:noAutofit/>
           </a:bodyPr>
           <a:lstStyle/>
           <a:p>
             <a:r>
-              <a:rPr lang="en-US" sz="1800" dirty="0" smtClean="0"/>
-              <a:t>Higher sensitivity (CAL finding and gapped Smith-Waterman alignment)</a:t>
-            </a:r>
-          </a:p>
-          <a:p>
-            <a:r>
-              <a:rPr lang="en-US" sz="1800" dirty="0" smtClean="0"/>
-              <a:t>Relatively large memory and disk space</a:t>
-            </a:r>
-          </a:p>
-          <a:p>
-            <a:r>
-              <a:rPr lang="en-US" sz="1800" dirty="0" smtClean="0"/>
-              <a:t>Data types: (</a:t>
-            </a:r>
-            <a:r>
-              <a:rPr lang="en-US" sz="1800" dirty="0" err="1" smtClean="0"/>
-              <a:t>i</a:t>
-            </a:r>
-            <a:r>
-              <a:rPr lang="en-US" sz="1800" dirty="0" smtClean="0"/>
-              <a:t>) Short- Read (ii) Reference (iii) Index data</a:t>
-            </a:r>
-          </a:p>
-          <a:p>
-            <a:r>
-              <a:rPr lang="en-US" sz="1800" dirty="0" smtClean="0"/>
-              <a:t>Advanced features: (</a:t>
-            </a:r>
-            <a:r>
-              <a:rPr lang="en-US" sz="1800" dirty="0" err="1" smtClean="0"/>
-              <a:t>i</a:t>
-            </a:r>
-            <a:r>
-              <a:rPr lang="en-US" sz="1800" dirty="0" smtClean="0"/>
-              <a:t>) Multi-threading support (ii) Low-memory option (index file splitting)</a:t>
-            </a:r>
-          </a:p>
-          <a:p>
-            <a:r>
-              <a:rPr lang="en-US" sz="1800" dirty="0" smtClean="0"/>
-              <a:t>Breaking up short-read data permits task-level concurrency</a:t>
+              <a:rPr lang="en-US" sz="1700" dirty="0" smtClean="0"/>
+              <a:t>Most software is associated with specific sequencing </a:t>
+            </a:r>
+            <a:r>
+              <a:rPr lang="en-US" sz="1700" dirty="0" smtClean="0"/>
+              <a:t>instruments</a:t>
             </a:r>
           </a:p>
           <a:p>
             <a:pPr lvl="1"/>
             <a:r>
-              <a:rPr lang="en-US" dirty="0" smtClean="0"/>
-              <a:t>Each Task requires full reference genome –  possible I/O bottleneck</a:t>
+              <a:rPr lang="en-US" sz="1700" dirty="0" smtClean="0"/>
+              <a:t>Multi-stage, but focus on alignment/mapping</a:t>
+            </a:r>
+          </a:p>
+          <a:p>
+            <a:r>
+              <a:rPr lang="en-US" sz="1700" dirty="0" smtClean="0"/>
+              <a:t>Classify </a:t>
+            </a:r>
+            <a:r>
+              <a:rPr lang="en-US" sz="1700" dirty="0" smtClean="0"/>
+              <a:t>most alignment software into categories 	based upon based upon indexing property</a:t>
             </a:r>
           </a:p>
           <a:p>
             <a:pPr lvl="1"/>
             <a:r>
-              <a:rPr lang="en-US" dirty="0" smtClean="0"/>
-              <a:t>Distribute to over I/O bottleneck?</a:t>
-            </a:r>
-          </a:p>
-          <a:p>
-            <a:r>
-              <a:rPr lang="en-US" sz="1800" dirty="0" smtClean="0"/>
-              <a:t>Tradeoffs: Comp. </a:t>
-            </a:r>
-            <a:r>
-              <a:rPr lang="en-US" sz="1800" dirty="0" err="1" smtClean="0"/>
+              <a:rPr lang="en-US" sz="1700" dirty="0" smtClean="0"/>
+              <a:t>Hash-based and Tree-based</a:t>
+            </a:r>
+          </a:p>
+          <a:p>
+            <a:r>
+              <a:rPr lang="en-US" sz="1700" dirty="0" smtClean="0"/>
+              <a:t>Relative to other alignments programs, 					BFAST has:		</a:t>
+            </a:r>
+            <a:endParaRPr lang="en-US" sz="1700" dirty="0" smtClean="0"/>
+          </a:p>
+          <a:p>
+            <a:pPr lvl="1"/>
+            <a:r>
+              <a:rPr lang="en-US" sz="1700" dirty="0" smtClean="0"/>
+              <a:t>higher sensitivity</a:t>
+            </a:r>
+          </a:p>
+          <a:p>
+            <a:pPr lvl="1"/>
+            <a:r>
+              <a:rPr lang="en-US" sz="1700" dirty="0" smtClean="0"/>
+              <a:t>large </a:t>
+            </a:r>
+            <a:r>
+              <a:rPr lang="en-US" sz="1700" dirty="0" smtClean="0"/>
+              <a:t>memory</a:t>
+            </a:r>
+            <a:r>
+              <a:rPr lang="en-US" sz="1700" dirty="0" smtClean="0"/>
+              <a:t> and </a:t>
+            </a:r>
+            <a:r>
+              <a:rPr lang="en-US" sz="1700" dirty="0" smtClean="0"/>
+              <a:t>disk</a:t>
+            </a:r>
+            <a:r>
+              <a:rPr lang="en-US" sz="1700" dirty="0" smtClean="0"/>
+              <a:t> requirements</a:t>
+            </a:r>
+          </a:p>
+          <a:p>
+            <a:r>
+              <a:rPr lang="en-US" sz="1700" dirty="0" smtClean="0"/>
+              <a:t>Data </a:t>
+            </a:r>
+            <a:r>
+              <a:rPr lang="en-US" sz="1700" dirty="0" smtClean="0"/>
+              <a:t>types:</a:t>
+            </a:r>
+            <a:endParaRPr lang="en-US" sz="1700" dirty="0" smtClean="0"/>
+          </a:p>
+          <a:p>
+            <a:pPr lvl="1"/>
+            <a:r>
+              <a:rPr lang="en-US" sz="1700" dirty="0" smtClean="0"/>
+              <a:t>Short read  data</a:t>
+            </a:r>
+          </a:p>
+          <a:p>
+            <a:pPr lvl="1"/>
+            <a:r>
+              <a:rPr lang="en-US" sz="1700" dirty="0" smtClean="0"/>
+              <a:t>Reference </a:t>
+            </a:r>
+            <a:r>
+              <a:rPr lang="en-US" sz="1700" dirty="0" smtClean="0"/>
+              <a:t>Index data</a:t>
+            </a:r>
+          </a:p>
+          <a:p>
+            <a:endParaRPr lang="en-US" sz="1700" dirty="0" smtClean="0"/>
+          </a:p>
+        </p:txBody>
+      </p:sp>
+      <p:pic>
+        <p:nvPicPr>
+          <p:cNvPr id="13" name="Picture 12" descr="ngs-sw-comp.png"/>
+          <p:cNvPicPr>
+            <a:picLocks noChangeAspect="1"/>
+          </p:cNvPicPr>
+          <p:nvPr/>
+        </p:nvPicPr>
+        <p:blipFill>
+          <a:blip r:embed="rId2"/>
+          <a:stretch>
+            <a:fillRect/>
+          </a:stretch>
+        </p:blipFill>
+        <p:spPr>
+          <a:xfrm>
+            <a:off x="4927600" y="4645585"/>
+            <a:ext cx="4114800" cy="2047315"/>
+          </a:xfrm>
+          <a:prstGeom prst="rect">
+            <a:avLst/>
+          </a:prstGeom>
+        </p:spPr>
+      </p:pic>
+      <p:pic>
+        <p:nvPicPr>
+          <p:cNvPr id="6" name="Picture 5" descr="workflow.png"/>
+          <p:cNvPicPr>
+            <a:picLocks noChangeAspect="1"/>
+          </p:cNvPicPr>
+          <p:nvPr/>
+        </p:nvPicPr>
+        <p:blipFill>
+          <a:blip r:embed="rId3">
+            <a:extLst>
+              <a:ext uri="{28A0092B-C50C-407E-A947-70E740481C1C}">
+                <a14:useLocalDpi xmlns:mc="http://schemas.openxmlformats.org/markup-compatibility/2006" xmlns:mv="urn:schemas-microsoft-com:mac:vml" xmlns:a14="http://schemas.microsoft.com/office/drawing/2010/main" xmlns:p="http://schemas.openxmlformats.org/presentationml/2006/main" xmlns:r="http://schemas.openxmlformats.org/officeDocument/2006/relationships" xmlns:a="http://schemas.openxmlformats.org/drawingml/2006/main" xmlns=""/>
+              </a:ext>
+            </a:extLst>
+          </a:blip>
+          <a:stretch>
+            <a:fillRect/>
+          </a:stretch>
+        </p:blipFill>
+        <p:spPr>
+          <a:xfrm>
+            <a:off x="5992679" y="1866900"/>
+            <a:ext cx="2846521" cy="2476500"/>
+          </a:xfrm>
+          <a:prstGeom prst="rect">
+            <a:avLst/>
+          </a:prstGeom>
+          <a:ln/>
+        </p:spPr>
+        <p:style>
+          <a:lnRef idx="2">
+            <a:schemeClr val="accent2">
+              <a:shade val="50000"/>
+            </a:schemeClr>
+          </a:lnRef>
+          <a:fillRef idx="1">
+            <a:schemeClr val="accent2"/>
+          </a:fillRef>
+          <a:effectRef idx="0">
+            <a:schemeClr val="accent2"/>
+          </a:effectRef>
+          <a:fontRef idx="minor">
+            <a:schemeClr val="lt1"/>
+          </a:fontRef>
+        </p:style>
+      </p:pic>
+    </p:spTree>
+  </p:cSld>
+  <p:clrMapOvr>
+    <a:masterClrMapping/>
+  </p:clrMapOvr>
+  <p:timing>
+    <p:tnLst>
+      <p:par>
+        <p:cTn id="1" dur="indefinite" restart="never" nodeType="tmRoot">
+          <p:childTnLst>
+            <p:seq concurrent="1" nextAc="seek">
+              <p:cTn id="2" dur="indefinite" nodeType="mainSeq">
+                <p:childTnLst>
+                  <p:par>
+                    <p:cTn id="3" fill="hold">
+                      <p:stCondLst>
+                        <p:cond delay="indefinite"/>
+                        <p:cond evt="onBegin" delay="0">
+                          <p:tn val="2"/>
+                        </p:cond>
+                      </p:stCondLst>
+                      <p:childTnLst>
+                        <p:par>
+                          <p:cTn id="4" fill="hold">
+                            <p:stCondLst>
+                              <p:cond delay="0"/>
+                            </p:stCondLst>
+                            <p:childTnLst>
+                              <p:par>
+                                <p:cTn id="5" presetID="2" presetClass="entr" presetSubtype="4" fill="hold" nodeType="withEffect">
+                                  <p:stCondLst>
+                                    <p:cond delay="0"/>
+                                  </p:stCondLst>
+                                  <p:childTnLst>
+                                    <p:set>
+                                      <p:cBhvr>
+                                        <p:cTn id="6" dur="1" fill="hold">
+                                          <p:stCondLst>
+                                            <p:cond delay="0"/>
+                                          </p:stCondLst>
+                                        </p:cTn>
+                                        <p:tgtEl>
+                                          <p:spTgt spid="6"/>
+                                        </p:tgtEl>
+                                        <p:attrNameLst>
+                                          <p:attrName>style.visibility</p:attrName>
+                                        </p:attrNameLst>
+                                      </p:cBhvr>
+                                      <p:to>
+                                        <p:strVal val="visible"/>
+                                      </p:to>
+                                    </p:set>
+                                    <p:anim calcmode="lin" valueType="num">
+                                      <p:cBhvr additive="base">
+                                        <p:cTn id="7" dur="500" fill="hold"/>
+                                        <p:tgtEl>
+                                          <p:spTgt spid="6"/>
+                                        </p:tgtEl>
+                                        <p:attrNameLst>
+                                          <p:attrName>ppt_x</p:attrName>
+                                        </p:attrNameLst>
+                                      </p:cBhvr>
+                                      <p:tavLst>
+                                        <p:tav tm="0">
+                                          <p:val>
+                                            <p:strVal val="#ppt_x"/>
+                                          </p:val>
+                                        </p:tav>
+                                        <p:tav tm="100000">
+                                          <p:val>
+                                            <p:strVal val="#ppt_x"/>
+                                          </p:val>
+                                        </p:tav>
+                                      </p:tavLst>
+                                    </p:anim>
+                                    <p:anim calcmode="lin" valueType="num">
+                                      <p:cBhvr additive="base">
+                                        <p:cTn id="8" dur="500" fill="hold"/>
+                                        <p:tgtEl>
+                                          <p:spTgt spid="6"/>
+                                        </p:tgtEl>
+                                        <p:attrNameLst>
+                                          <p:attrName>ppt_y</p:attrName>
+                                        </p:attrNameLst>
+                                      </p:cBhvr>
+                                      <p:tavLst>
+                                        <p:tav tm="0">
+                                          <p:val>
+                                            <p:strVal val="1+#ppt_h/2"/>
+                                          </p:val>
+                                        </p:tav>
+                                        <p:tav tm="100000">
+                                          <p:val>
+                                            <p:strVal val="#ppt_y"/>
+                                          </p:val>
+                                        </p:tav>
+                                      </p:tavLst>
+                                    </p:anim>
+                                  </p:childTnLst>
+                                </p:cTn>
+                              </p:par>
+                            </p:childTnLst>
+                          </p:cTn>
+                        </p:par>
+                      </p:childTnLst>
+                    </p:cTn>
+                  </p:par>
+                </p:childTnLst>
+              </p:cTn>
+              <p:prevCondLst>
+                <p:cond evt="onPrev" delay="0">
+                  <p:tgtEl>
+                    <p:sldTgt/>
+                  </p:tgtEl>
+                </p:cond>
+              </p:prevCondLst>
+              <p:nextCondLst>
+                <p:cond evt="onNext" delay="0">
+                  <p:tgtEl>
+                    <p:sldTgt/>
+                  </p:tgtEl>
+                </p:cond>
+              </p:nextCondLst>
+            </p:seq>
+          </p:childTnLst>
+        </p:cTn>
+      </p:par>
+    </p:tnLst>
+  </p:timing>
+</p:sld>
+</file>
+
+<file path=ppt/slides/slide5.xml><?xml version="1.0" encoding="utf-8"?>
+<p:sld xmlns:a="http://schemas.openxmlformats.org/drawingml/2006/main" xmlns:r="http://schemas.openxmlformats.org/officeDocument/2006/relationships" xmlns:mc="http://schemas.openxmlformats.org/markup-compatibility/2006" xmlns:mv="urn:schemas-microsoft-com:mac:vml" xmlns:p="http://schemas.openxmlformats.org/presentationml/2006/main" mc:Ignorable="mv" mc:PreserveAttributes="mv:*">
+  <p:cSld>
+    <p:spTree>
+      <p:nvGrpSpPr>
+        <p:cNvPr id="1" name=""/>
+        <p:cNvGrpSpPr/>
+        <p:nvPr/>
+      </p:nvGrpSpPr>
+      <p:grpSpPr>
+        <a:xfrm>
+          <a:off x="0" y="0"/>
+          <a:ext cx="0" cy="0"/>
+          <a:chOff x="0" y="0"/>
+          <a:chExt cx="0" cy="0"/>
+        </a:xfrm>
+      </p:grpSpPr>
+      <p:sp>
+        <p:nvSpPr>
+          <p:cNvPr id="2" name="Title 1"/>
+          <p:cNvSpPr>
+            <a:spLocks noGrp="1"/>
+          </p:cNvSpPr>
+          <p:nvPr>
+            <p:ph type="title"/>
+          </p:nvPr>
+        </p:nvSpPr>
+        <p:spPr/>
+        <p:txBody>
+          <a:bodyPr>
+            <a:normAutofit/>
+          </a:bodyPr>
+          <a:lstStyle/>
+          <a:p>
+            <a:r>
+              <a:rPr lang="en-US" sz="2400" dirty="0" smtClean="0">
+                <a:solidFill>
+                  <a:prstClr val="white"/>
+                </a:solidFill>
+              </a:rPr>
+              <a:t>BFAST: A prototype for NGS Analytics</a:t>
+            </a:r>
+            <a:endParaRPr lang="en-US" dirty="0"/>
+          </a:p>
+        </p:txBody>
+      </p:sp>
+      <p:sp>
+        <p:nvSpPr>
+          <p:cNvPr id="3" name="Content Placeholder 2"/>
+          <p:cNvSpPr>
+            <a:spLocks noGrp="1"/>
+          </p:cNvSpPr>
+          <p:nvPr>
+            <p:ph sz="half" idx="1"/>
+          </p:nvPr>
+        </p:nvSpPr>
+        <p:spPr>
+          <a:xfrm>
+            <a:off x="254000" y="1498600"/>
+            <a:ext cx="4291100" cy="4279900"/>
+          </a:xfrm>
+        </p:spPr>
+        <p:txBody>
+          <a:bodyPr>
+            <a:noAutofit/>
+          </a:bodyPr>
+          <a:lstStyle/>
+          <a:p>
+            <a:r>
+              <a:rPr lang="en-US" sz="1700" dirty="0" smtClean="0"/>
+              <a:t>Supports </a:t>
+            </a:r>
+            <a:r>
+              <a:rPr lang="en-US" sz="1700" dirty="0" smtClean="0"/>
+              <a:t>Advanced features:</a:t>
+            </a:r>
+            <a:r>
+              <a:rPr lang="en-US" sz="1700" dirty="0" smtClean="0"/>
+              <a:t> </a:t>
+            </a:r>
+            <a:endParaRPr lang="en-US" sz="1700" dirty="0" smtClean="0"/>
+          </a:p>
+          <a:p>
+            <a:pPr lvl="1"/>
+            <a:r>
+              <a:rPr lang="en-US" sz="1700" dirty="0" smtClean="0"/>
+              <a:t> </a:t>
+            </a:r>
+            <a:r>
+              <a:rPr lang="en-US" sz="1700" dirty="0" smtClean="0"/>
+              <a:t>Multi-threading support</a:t>
+            </a:r>
+            <a:r>
+              <a:rPr lang="en-US" sz="1700" dirty="0" smtClean="0"/>
+              <a:t> </a:t>
+            </a:r>
+            <a:endParaRPr lang="en-US" sz="1700" dirty="0" smtClean="0"/>
+          </a:p>
+          <a:p>
+            <a:pPr lvl="1"/>
+            <a:r>
+              <a:rPr lang="en-US" sz="1700" dirty="0" smtClean="0"/>
+              <a:t>Low</a:t>
+            </a:r>
+            <a:r>
+              <a:rPr lang="en-US" sz="1700" dirty="0" smtClean="0"/>
+              <a:t>-memory option (index file splitting)</a:t>
+            </a:r>
+            <a:endParaRPr lang="en-US" sz="1700" dirty="0" smtClean="0"/>
+          </a:p>
+          <a:p>
+            <a:r>
+              <a:rPr lang="en-US" sz="1700" dirty="0" smtClean="0"/>
+              <a:t>Breaking </a:t>
+            </a:r>
+            <a:r>
+              <a:rPr lang="en-US" sz="1700" dirty="0" smtClean="0"/>
+              <a:t>up short-read data permits task-level concurrency</a:t>
+            </a:r>
+          </a:p>
+          <a:p>
+            <a:pPr lvl="1"/>
+            <a:r>
+              <a:rPr lang="en-US" sz="1700" dirty="0" smtClean="0"/>
+              <a:t>Each</a:t>
+            </a:r>
+            <a:r>
+              <a:rPr lang="en-US" sz="1700" dirty="0" smtClean="0"/>
+              <a:t> task </a:t>
+            </a:r>
+            <a:r>
+              <a:rPr lang="en-US" sz="1700" dirty="0" smtClean="0"/>
+              <a:t>requires full reference </a:t>
+            </a:r>
+            <a:r>
+              <a:rPr lang="en-US" sz="1700" dirty="0" smtClean="0"/>
+              <a:t>genome</a:t>
+            </a:r>
+            <a:r>
+              <a:rPr lang="en-US" sz="1700" dirty="0" smtClean="0"/>
+              <a:t> </a:t>
+            </a:r>
+            <a:r>
+              <a:rPr lang="en-US" sz="1700" dirty="0" smtClean="0"/>
+              <a:t>possible </a:t>
+            </a:r>
+            <a:r>
+              <a:rPr lang="en-US" sz="1700" dirty="0" smtClean="0"/>
+              <a:t>I/O </a:t>
+            </a:r>
+            <a:r>
+              <a:rPr lang="en-US" sz="1700" dirty="0" smtClean="0"/>
+              <a:t>bottleneck</a:t>
+            </a:r>
+          </a:p>
+          <a:p>
+            <a:pPr lvl="1"/>
+            <a:r>
+              <a:rPr lang="en-US" sz="1700" dirty="0" smtClean="0"/>
+              <a:t>Distribute to overcome I/O bottleneck?</a:t>
+            </a:r>
+            <a:endParaRPr lang="en-US" sz="1700" dirty="0" smtClean="0"/>
+          </a:p>
+          <a:p>
+            <a:r>
+              <a:rPr lang="en-US" sz="1700" dirty="0" smtClean="0"/>
+              <a:t>Tradeoffs:</a:t>
+            </a:r>
+          </a:p>
+          <a:p>
+            <a:pPr lvl="1"/>
+            <a:r>
+              <a:rPr lang="en-US" sz="1700" dirty="0" smtClean="0"/>
+              <a:t>Com. </a:t>
+            </a:r>
+            <a:r>
+              <a:rPr lang="en-US" sz="1700" dirty="0" err="1" smtClean="0"/>
               <a:t>vs</a:t>
             </a:r>
             <a:r>
-              <a:rPr lang="en-US" sz="1800" dirty="0" smtClean="0"/>
+              <a:rPr lang="en-US" sz="1700" dirty="0" smtClean="0"/>
               <a:t> </a:t>
             </a:r>
             <a:r>
-              <a:rPr lang="en-US" sz="1800" dirty="0" err="1" smtClean="0"/>
+              <a:rPr lang="en-US" sz="1700" dirty="0" err="1" smtClean="0"/>
               <a:t>Mem</a:t>
             </a:r>
             <a:r>
-              <a:rPr lang="en-US" sz="1800" dirty="0" smtClean="0"/>
+              <a:rPr lang="en-US" sz="1700" dirty="0" smtClean="0"/>
               <a:t>. </a:t>
             </a:r>
             <a:r>
-              <a:rPr lang="en-US" sz="1800" dirty="0" err="1" smtClean="0"/>
+              <a:rPr lang="en-US" sz="1700" dirty="0" err="1" smtClean="0"/>
               <a:t>vs</a:t>
             </a:r>
             <a:r>
-              <a:rPr lang="en-US" sz="1800" dirty="0" smtClean="0"/>
+              <a:rPr lang="en-US" sz="1700" dirty="0" smtClean="0"/>
               <a:t> I/O </a:t>
             </a:r>
             <a:r>
-              <a:rPr lang="en-US" sz="1800" dirty="0" err="1" smtClean="0"/>
+              <a:rPr lang="en-US" sz="1700" dirty="0" err="1" smtClean="0"/>
               <a:t>vs</a:t>
             </a:r>
             <a:r>
-              <a:rPr lang="en-US" sz="1800" dirty="0" smtClean="0"/>
+              <a:rPr lang="en-US" sz="1700" dirty="0" smtClean="0"/>
               <a:t> </a:t>
             </a:r>
             <a:r>
-              <a:rPr lang="en-US" sz="1800" dirty="0" err="1" smtClean="0"/>
+              <a:rPr lang="en-US" sz="1700" dirty="0" err="1" smtClean="0"/>
               <a:t>DoD</a:t>
             </a:r>
-            <a:endParaRPr lang="en-US" sz="1800" dirty="0" smtClean="0"/>
+            <a:endParaRPr lang="en-US" sz="1700" dirty="0" smtClean="0"/>
           </a:p>
           <a:p>
             <a:pPr lvl="1"/>
             <a:r>
-              <a:rPr lang="en-US" dirty="0" smtClean="0"/>
-              <a:t>Sensitive to specific data-set size</a:t>
-            </a:r>
-          </a:p>
-          <a:p>
-            <a:endParaRPr lang="en-US" dirty="0"/>
+              <a:rPr lang="en-US" sz="1700" dirty="0" smtClean="0"/>
+              <a:t>Sensitive to specific data-set </a:t>
+            </a:r>
+            <a:r>
+              <a:rPr lang="en-US" sz="1700" dirty="0" smtClean="0"/>
+              <a:t>size</a:t>
+            </a:r>
+          </a:p>
+          <a:p>
+            <a:endParaRPr lang="en-US" sz="1700" dirty="0" smtClean="0"/>
+          </a:p>
+          <a:p>
+            <a:endParaRPr lang="en-US" sz="1700" dirty="0"/>
           </a:p>
         </p:txBody>
       </p:sp>
@@ -9113,8 +10071,8 @@
         </p:nvGrpSpPr>
         <p:grpSpPr>
           <a:xfrm>
-            <a:off x="5499100" y="4673064"/>
-            <a:ext cx="3414714" cy="1089200"/>
+            <a:off x="4595900" y="4548381"/>
+            <a:ext cx="4336042" cy="1880418"/>
             <a:chOff x="182607" y="1417638"/>
             <a:chExt cx="8124347" cy="1968855"/>
           </a:xfrm>
@@ -9407,53 +10365,692 @@
           </p:txBody>
         </p:sp>
       </p:grpSp>
-      <p:pic>
-        <p:nvPicPr>
-          <p:cNvPr id="12" name="Picture 11" descr="workflow.png"/>
-          <p:cNvPicPr>
-            <a:picLocks noChangeAspect="1"/>
-          </p:cNvPicPr>
-          <p:nvPr/>
-        </p:nvPicPr>
-        <p:blipFill>
-          <a:blip r:embed="rId2">
-            <a:extLst>
-              <a:ext uri="{28A0092B-C50C-407E-A947-70E740481C1C}">
-                <a14:useLocalDpi xmlns="" xmlns:a="http://schemas.openxmlformats.org/drawingml/2006/main" xmlns:r="http://schemas.openxmlformats.org/officeDocument/2006/relationships" xmlns:p="http://schemas.openxmlformats.org/presentationml/2006/main" xmlns:a14="http://schemas.microsoft.com/office/drawing/2010/main" xmlns:mv="urn:schemas-microsoft-com:mac:vml" xmlns:mc="http://schemas.openxmlformats.org/markup-compatibility/2006"/>
-              </a:ext>
-            </a:extLst>
-          </a:blip>
-          <a:stretch>
-            <a:fillRect/>
-          </a:stretch>
-        </p:blipFill>
-        <p:spPr>
-          <a:xfrm>
-            <a:off x="5739343" y="1485900"/>
-            <a:ext cx="3174471" cy="2761820"/>
-          </a:xfrm>
-          <a:prstGeom prst="rect">
-            <a:avLst/>
-          </a:prstGeom>
-          <a:ln/>
-        </p:spPr>
-        <p:style>
-          <a:lnRef idx="2">
-            <a:schemeClr val="accent2">
-              <a:shade val="50000"/>
-            </a:schemeClr>
-          </a:lnRef>
-          <a:fillRef idx="1">
-            <a:schemeClr val="accent2"/>
-          </a:fillRef>
-          <a:effectRef idx="0">
-            <a:schemeClr val="accent2"/>
-          </a:effectRef>
-          <a:fontRef idx="minor">
-            <a:schemeClr val="lt1"/>
-          </a:fontRef>
-        </p:style>
-      </p:pic>
+      <p:graphicFrame>
+        <p:nvGraphicFramePr>
+          <p:cNvPr id="15" name="Table 14"/>
+          <p:cNvGraphicFramePr>
+            <a:graphicFrameLocks noGrp="1"/>
+          </p:cNvGraphicFramePr>
+          <p:nvPr>
+            <p:extLst>
+              <p:ext uri="{D42A27DB-BD31-4B8C-83A1-F6EECF244321}">
+                <p14:modId xmlns:mc="http://schemas.openxmlformats.org/markup-compatibility/2006" xmlns:mv="urn:schemas-microsoft-com:mac:vml" xmlns:p14="http://schemas.microsoft.com/office/powerpoint/2010/main" xmlns:p="http://schemas.openxmlformats.org/presentationml/2006/main" xmlns:r="http://schemas.openxmlformats.org/officeDocument/2006/relationships" xmlns:a="http://schemas.openxmlformats.org/drawingml/2006/main" xmlns="" val="2007431469"/>
+              </p:ext>
+            </p:extLst>
+          </p:nvPr>
+        </p:nvGraphicFramePr>
+        <p:xfrm>
+          <a:off x="5321300" y="1442717"/>
+          <a:ext cx="3187700" cy="3535680"/>
+        </p:xfrm>
+        <a:graphic>
+          <a:graphicData uri="http://schemas.openxmlformats.org/drawingml/2006/table">
+            <a:tbl>
+              <a:tblPr firstRow="1" bandRow="1">
+                <a:tableStyleId>{F5AB1C69-6EDB-4FF4-983F-18BD219EF322}</a:tableStyleId>
+              </a:tblPr>
+              <a:tblGrid>
+                <a:gridCol w="563596"/>
+                <a:gridCol w="576316"/>
+                <a:gridCol w="624342"/>
+                <a:gridCol w="635014"/>
+                <a:gridCol w="788432"/>
+              </a:tblGrid>
+              <a:tr h="341312">
+                <a:tc>
+                  <a:txBody>
+                    <a:bodyPr/>
+                    <a:lstStyle/>
+                    <a:p>
+                      <a:endParaRPr lang="en-US" sz="800" dirty="0"/>
+                    </a:p>
+                  </a:txBody>
+                  <a:tcPr/>
+                </a:tc>
+                <a:tc>
+                  <a:txBody>
+                    <a:bodyPr/>
+                    <a:lstStyle/>
+                    <a:p>
+                      <a:endParaRPr lang="en-US" sz="800" dirty="0"/>
+                    </a:p>
+                  </a:txBody>
+                  <a:tcPr/>
+                </a:tc>
+                <a:tc>
+                  <a:txBody>
+                    <a:bodyPr/>
+                    <a:lstStyle/>
+                    <a:p>
+                      <a:r>
+                        <a:rPr lang="en-US" sz="800" dirty="0" smtClean="0"/>
+                        <a:t>B. </a:t>
+                      </a:r>
+                      <a:r>
+                        <a:rPr lang="en-US" sz="800" dirty="0" err="1" smtClean="0"/>
+                        <a:t>Glumae</a:t>
+                      </a:r>
+                      <a:r>
+                        <a:rPr lang="en-US" sz="800" dirty="0" smtClean="0"/>
+                        <a:t> (BG)</a:t>
+                      </a:r>
+                      <a:endParaRPr lang="en-US" sz="800" dirty="0"/>
+                    </a:p>
+                  </a:txBody>
+                  <a:tcPr/>
+                </a:tc>
+                <a:tc>
+                  <a:txBody>
+                    <a:bodyPr/>
+                    <a:lstStyle/>
+                    <a:p>
+                      <a:r>
+                        <a:rPr lang="en-US" sz="800" dirty="0" smtClean="0"/>
+                        <a:t>Human</a:t>
+                      </a:r>
+                      <a:r>
+                        <a:rPr lang="en-US" sz="800" baseline="0" dirty="0" smtClean="0"/>
+                        <a:t> Genome (HG)</a:t>
+                      </a:r>
+                      <a:endParaRPr lang="en-US" sz="800" dirty="0"/>
+                    </a:p>
+                  </a:txBody>
+                  <a:tcPr/>
+                </a:tc>
+                <a:tc>
+                  <a:txBody>
+                    <a:bodyPr/>
+                    <a:lstStyle/>
+                    <a:p>
+                      <a:r>
+                        <a:rPr lang="en-US" sz="800" dirty="0" smtClean="0"/>
+                        <a:t>HG</a:t>
+                      </a:r>
+                      <a:r>
+                        <a:rPr lang="en-US" sz="800" baseline="0" dirty="0" smtClean="0"/>
+                        <a:t> - </a:t>
+                      </a:r>
+                      <a:r>
+                        <a:rPr lang="en-US" sz="800" baseline="0" dirty="0" err="1" smtClean="0"/>
+                        <a:t>Chr</a:t>
+                      </a:r>
+                      <a:r>
+                        <a:rPr lang="en-US" sz="800" baseline="0" dirty="0" smtClean="0"/>
+                        <a:t> 21</a:t>
+                      </a:r>
+                      <a:endParaRPr lang="en-US" sz="800" dirty="0"/>
+                    </a:p>
+                  </a:txBody>
+                  <a:tcPr/>
+                </a:tc>
+              </a:tr>
+              <a:tr h="277812">
+                <a:tc>
+                  <a:txBody>
+                    <a:bodyPr/>
+                    <a:lstStyle/>
+                    <a:p>
+                      <a:r>
+                        <a:rPr lang="en-US" sz="800" dirty="0" smtClean="0"/>
+                        <a:t>Genome Size</a:t>
+                      </a:r>
+                      <a:endParaRPr lang="en-US" sz="800" dirty="0"/>
+                    </a:p>
+                  </a:txBody>
+                  <a:tcPr/>
+                </a:tc>
+                <a:tc>
+                  <a:txBody>
+                    <a:bodyPr/>
+                    <a:lstStyle/>
+                    <a:p>
+                      <a:endParaRPr lang="en-US" sz="800" dirty="0"/>
+                    </a:p>
+                  </a:txBody>
+                  <a:tcPr/>
+                </a:tc>
+                <a:tc>
+                  <a:txBody>
+                    <a:bodyPr/>
+                    <a:lstStyle/>
+                    <a:p>
+                      <a:r>
+                        <a:rPr lang="en-US" sz="800" dirty="0" smtClean="0"/>
+                        <a:t>7 Mbp</a:t>
+                      </a:r>
+                      <a:endParaRPr lang="en-US" sz="800" dirty="0"/>
+                    </a:p>
+                  </a:txBody>
+                  <a:tcPr/>
+                </a:tc>
+                <a:tc>
+                  <a:txBody>
+                    <a:bodyPr/>
+                    <a:lstStyle/>
+                    <a:p>
+                      <a:r>
+                        <a:rPr lang="en-US" sz="800" dirty="0" smtClean="0"/>
+                        <a:t>2.8Gbp (hg18)</a:t>
+                      </a:r>
+                      <a:endParaRPr lang="en-US" sz="800" dirty="0"/>
+                    </a:p>
+                  </a:txBody>
+                  <a:tcPr/>
+                </a:tc>
+                <a:tc>
+                  <a:txBody>
+                    <a:bodyPr/>
+                    <a:lstStyle/>
+                    <a:p>
+                      <a:r>
+                        <a:rPr lang="en-US" sz="800" dirty="0" smtClean="0"/>
+                        <a:t>47 Mbp (hg18-chr21)</a:t>
+                      </a:r>
+                      <a:endParaRPr lang="en-US" sz="800" dirty="0"/>
+                    </a:p>
+                  </a:txBody>
+                  <a:tcPr/>
+                </a:tc>
+              </a:tr>
+              <a:tr h="277812">
+                <a:tc>
+                  <a:txBody>
+                    <a:bodyPr/>
+                    <a:lstStyle/>
+                    <a:p>
+                      <a:r>
+                        <a:rPr lang="en-US" sz="800" dirty="0" smtClean="0"/>
+                        <a:t>NGS Type</a:t>
+                      </a:r>
+                      <a:endParaRPr lang="en-US" sz="800" dirty="0"/>
+                    </a:p>
+                  </a:txBody>
+                  <a:tcPr/>
+                </a:tc>
+                <a:tc>
+                  <a:txBody>
+                    <a:bodyPr/>
+                    <a:lstStyle/>
+                    <a:p>
+                      <a:endParaRPr lang="en-US" sz="800" dirty="0"/>
+                    </a:p>
+                  </a:txBody>
+                  <a:tcPr/>
+                </a:tc>
+                <a:tc>
+                  <a:txBody>
+                    <a:bodyPr/>
+                    <a:lstStyle/>
+                    <a:p>
+                      <a:r>
+                        <a:rPr lang="en-US" sz="800" dirty="0" smtClean="0"/>
+                        <a:t>Whole Genome</a:t>
+                      </a:r>
+                      <a:endParaRPr lang="en-US" sz="800" dirty="0"/>
+                    </a:p>
+                  </a:txBody>
+                  <a:tcPr/>
+                </a:tc>
+                <a:tc>
+                  <a:txBody>
+                    <a:bodyPr/>
+                    <a:lstStyle/>
+                    <a:p>
+                      <a:r>
+                        <a:rPr lang="en-US" sz="800" dirty="0" smtClean="0"/>
+                        <a:t>Exome</a:t>
+                      </a:r>
+                      <a:endParaRPr lang="en-US" sz="800" dirty="0"/>
+                    </a:p>
+                  </a:txBody>
+                  <a:tcPr/>
+                </a:tc>
+                <a:tc>
+                  <a:txBody>
+                    <a:bodyPr/>
+                    <a:lstStyle/>
+                    <a:p>
+                      <a:r>
+                        <a:rPr lang="en-US" sz="800" dirty="0" smtClean="0"/>
+                        <a:t>Exome</a:t>
+                      </a:r>
+                      <a:endParaRPr lang="en-US" sz="800" dirty="0"/>
+                    </a:p>
+                  </a:txBody>
+                  <a:tcPr/>
+                </a:tc>
+              </a:tr>
+              <a:tr h="341312">
+                <a:tc>
+                  <a:txBody>
+                    <a:bodyPr/>
+                    <a:lstStyle/>
+                    <a:p>
+                      <a:r>
+                        <a:rPr lang="en-US" sz="800" dirty="0" smtClean="0"/>
+                        <a:t>NGS Data Size</a:t>
+                      </a:r>
+                      <a:endParaRPr lang="en-US" sz="800" dirty="0"/>
+                    </a:p>
+                  </a:txBody>
+                  <a:tcPr/>
+                </a:tc>
+                <a:tc>
+                  <a:txBody>
+                    <a:bodyPr/>
+                    <a:lstStyle/>
+                    <a:p>
+                      <a:endParaRPr lang="en-US" sz="800" dirty="0"/>
+                    </a:p>
+                  </a:txBody>
+                  <a:tcPr/>
+                </a:tc>
+                <a:tc>
+                  <a:txBody>
+                    <a:bodyPr/>
+                    <a:lstStyle/>
+                    <a:p>
+                      <a:r>
+                        <a:rPr lang="en-US" sz="800" dirty="0" smtClean="0"/>
+                        <a:t>12.6 GB</a:t>
+                      </a:r>
+                      <a:endParaRPr lang="en-US" sz="800" dirty="0"/>
+                    </a:p>
+                  </a:txBody>
+                  <a:tcPr/>
+                </a:tc>
+                <a:tc>
+                  <a:txBody>
+                    <a:bodyPr/>
+                    <a:lstStyle/>
+                    <a:p>
+                      <a:r>
+                        <a:rPr lang="en-US" sz="800" dirty="0" smtClean="0"/>
+                        <a:t>5.6 GB</a:t>
+                      </a:r>
+                      <a:endParaRPr lang="en-US" sz="800" dirty="0"/>
+                    </a:p>
+                  </a:txBody>
+                  <a:tcPr/>
+                </a:tc>
+                <a:tc>
+                  <a:txBody>
+                    <a:bodyPr/>
+                    <a:lstStyle/>
+                    <a:p>
+                      <a:r>
+                        <a:rPr lang="en-US" sz="800" dirty="0" smtClean="0"/>
+                        <a:t>5.6 GB</a:t>
+                      </a:r>
+                      <a:endParaRPr lang="en-US" sz="800" dirty="0"/>
+                    </a:p>
+                  </a:txBody>
+                  <a:tcPr/>
+                </a:tc>
+              </a:tr>
+              <a:tr h="277812">
+                <a:tc rowSpan="2">
+                  <a:txBody>
+                    <a:bodyPr/>
+                    <a:lstStyle/>
+                    <a:p>
+                      <a:r>
+                        <a:rPr lang="en-US" sz="800" dirty="0" smtClean="0"/>
+                        <a:t>Ref.</a:t>
+                      </a:r>
+                      <a:r>
+                        <a:rPr lang="en-US" sz="800" baseline="0" dirty="0" smtClean="0"/>
+                        <a:t> Index Data</a:t>
+                      </a:r>
+                      <a:endParaRPr lang="en-US" sz="800" dirty="0"/>
+                    </a:p>
+                  </a:txBody>
+                  <a:tcPr/>
+                </a:tc>
+                <a:tc>
+                  <a:txBody>
+                    <a:bodyPr/>
+                    <a:lstStyle/>
+                    <a:p>
+                      <a:r>
+                        <a:rPr lang="en-US" sz="800" dirty="0" smtClean="0"/>
+                        <a:t>40</a:t>
+                      </a:r>
+                      <a:r>
+                        <a:rPr lang="en-US" sz="800" baseline="0" dirty="0" smtClean="0"/>
+                        <a:t> index files</a:t>
+                      </a:r>
+                      <a:endParaRPr lang="en-US" sz="800" dirty="0"/>
+                    </a:p>
+                  </a:txBody>
+                  <a:tcPr/>
+                </a:tc>
+                <a:tc>
+                  <a:txBody>
+                    <a:bodyPr/>
+                    <a:lstStyle/>
+                    <a:p>
+                      <a:r>
+                        <a:rPr lang="en-US" sz="800" dirty="0" smtClean="0"/>
+                        <a:t>40</a:t>
+                      </a:r>
+                      <a:r>
+                        <a:rPr lang="en-US" sz="800" baseline="0" dirty="0" smtClean="0"/>
+                        <a:t> GB</a:t>
+                      </a:r>
+                      <a:endParaRPr lang="en-US" sz="800" dirty="0"/>
+                    </a:p>
+                  </a:txBody>
+                  <a:tcPr/>
+                </a:tc>
+                <a:tc>
+                  <a:txBody>
+                    <a:bodyPr/>
+                    <a:lstStyle/>
+                    <a:p>
+                      <a:r>
+                        <a:rPr lang="en-US" sz="800" dirty="0" smtClean="0"/>
+                        <a:t>130 GB</a:t>
+                      </a:r>
+                      <a:endParaRPr lang="en-US" sz="800" dirty="0"/>
+                    </a:p>
+                  </a:txBody>
+                  <a:tcPr/>
+                </a:tc>
+                <a:tc>
+                  <a:txBody>
+                    <a:bodyPr/>
+                    <a:lstStyle/>
+                    <a:p>
+                      <a:r>
+                        <a:rPr lang="en-US" sz="800" dirty="0" smtClean="0"/>
+                        <a:t>70 GB</a:t>
+                      </a:r>
+                      <a:endParaRPr lang="en-US" sz="800" dirty="0"/>
+                    </a:p>
+                  </a:txBody>
+                  <a:tcPr/>
+                </a:tc>
+              </a:tr>
+              <a:tr h="277812">
+                <a:tc vMerge="1">
+                  <a:txBody>
+                    <a:bodyPr/>
+                    <a:lstStyle/>
+                    <a:p>
+                      <a:endParaRPr lang="en-US" sz="1600" dirty="0"/>
+                    </a:p>
+                  </a:txBody>
+                  <a:tcPr/>
+                </a:tc>
+                <a:tc>
+                  <a:txBody>
+                    <a:bodyPr/>
+                    <a:lstStyle/>
+                    <a:p>
+                      <a:r>
+                        <a:rPr lang="en-US" sz="800" dirty="0" smtClean="0"/>
+                        <a:t>10 index files</a:t>
+                      </a:r>
+                      <a:endParaRPr lang="en-US" sz="800" dirty="0"/>
+                    </a:p>
+                  </a:txBody>
+                  <a:tcPr/>
+                </a:tc>
+                <a:tc>
+                  <a:txBody>
+                    <a:bodyPr/>
+                    <a:lstStyle/>
+                    <a:p>
+                      <a:endParaRPr lang="en-US" sz="800" dirty="0"/>
+                    </a:p>
+                  </a:txBody>
+                  <a:tcPr/>
+                </a:tc>
+                <a:tc>
+                  <a:txBody>
+                    <a:bodyPr/>
+                    <a:lstStyle/>
+                    <a:p>
+                      <a:endParaRPr lang="en-US" sz="800" dirty="0"/>
+                    </a:p>
+                  </a:txBody>
+                  <a:tcPr/>
+                </a:tc>
+                <a:tc>
+                  <a:txBody>
+                    <a:bodyPr/>
+                    <a:lstStyle/>
+                    <a:p>
+                      <a:endParaRPr lang="en-US" sz="800" dirty="0"/>
+                    </a:p>
+                  </a:txBody>
+                  <a:tcPr/>
+                </a:tc>
+              </a:tr>
+              <a:tr h="277812">
+                <a:tc rowSpan="2">
+                  <a:txBody>
+                    <a:bodyPr/>
+                    <a:lstStyle/>
+                    <a:p>
+                      <a:r>
+                        <a:rPr lang="en-US" sz="800" dirty="0" smtClean="0"/>
+                        <a:t>Minimum</a:t>
+                      </a:r>
+                      <a:r>
+                        <a:rPr lang="en-US" sz="800" baseline="0" dirty="0" smtClean="0"/>
+                        <a:t> Memory</a:t>
+                      </a:r>
+                      <a:endParaRPr lang="en-US" sz="800" dirty="0"/>
+                    </a:p>
+                  </a:txBody>
+                  <a:tcPr/>
+                </a:tc>
+                <a:tc>
+                  <a:txBody>
+                    <a:bodyPr/>
+                    <a:lstStyle/>
+                    <a:p>
+                      <a:r>
+                        <a:rPr lang="en-US" sz="800" dirty="0" smtClean="0"/>
+                        <a:t>40 index files</a:t>
+                      </a:r>
+                      <a:endParaRPr lang="en-US" sz="800" dirty="0"/>
+                    </a:p>
+                  </a:txBody>
+                  <a:tcPr/>
+                </a:tc>
+                <a:tc>
+                  <a:txBody>
+                    <a:bodyPr/>
+                    <a:lstStyle/>
+                    <a:p>
+                      <a:r>
+                        <a:rPr lang="en-US" sz="800" dirty="0" smtClean="0"/>
+                        <a:t>9.5 MB </a:t>
+                      </a:r>
+                      <a:endParaRPr lang="en-US" sz="800" dirty="0"/>
+                    </a:p>
+                  </a:txBody>
+                  <a:tcPr/>
+                </a:tc>
+                <a:tc>
+                  <a:txBody>
+                    <a:bodyPr/>
+                    <a:lstStyle/>
+                    <a:p>
+                      <a:r>
+                        <a:rPr lang="en-US" sz="800" dirty="0" smtClean="0"/>
+                        <a:t>3 GB </a:t>
+                      </a:r>
+                      <a:endParaRPr lang="en-US" sz="800" dirty="0">
+                        <a:latin typeface="Symbol" charset="2"/>
+                        <a:cs typeface="Symbol" charset="2"/>
+                      </a:endParaRPr>
+                    </a:p>
+                  </a:txBody>
+                  <a:tcPr/>
+                </a:tc>
+                <a:tc>
+                  <a:txBody>
+                    <a:bodyPr/>
+                    <a:lstStyle/>
+                    <a:p>
+                      <a:r>
+                        <a:rPr lang="en-US" sz="800" baseline="0" dirty="0" smtClean="0"/>
+                        <a:t>42 MB </a:t>
+                      </a:r>
+                      <a:endParaRPr lang="en-US" sz="800" dirty="0">
+                        <a:latin typeface="Symbol" charset="2"/>
+                        <a:cs typeface="Symbol" charset="2"/>
+                      </a:endParaRPr>
+                    </a:p>
+                  </a:txBody>
+                  <a:tcPr/>
+                </a:tc>
+              </a:tr>
+              <a:tr h="277812">
+                <a:tc vMerge="1">
+                  <a:txBody>
+                    <a:bodyPr/>
+                    <a:lstStyle/>
+                    <a:p>
+                      <a:endParaRPr lang="en-US"/>
+                    </a:p>
+                  </a:txBody>
+                  <a:tcPr/>
+                </a:tc>
+                <a:tc>
+                  <a:txBody>
+                    <a:bodyPr/>
+                    <a:lstStyle/>
+                    <a:p>
+                      <a:r>
+                        <a:rPr lang="en-US" sz="800" dirty="0" smtClean="0"/>
+                        <a:t>10 index files</a:t>
+                      </a:r>
+                      <a:endParaRPr lang="en-US" sz="800" dirty="0"/>
+                    </a:p>
+                  </a:txBody>
+                  <a:tcPr/>
+                </a:tc>
+                <a:tc>
+                  <a:txBody>
+                    <a:bodyPr/>
+                    <a:lstStyle/>
+                    <a:p>
+                      <a:pPr marL="0" marR="0" indent="0" algn="l" defTabSz="914353" rtl="0" eaLnBrk="1" fontAlgn="auto" latinLnBrk="0" hangingPunct="1">
+                        <a:lnSpc>
+                          <a:spcPct val="100000"/>
+                        </a:lnSpc>
+                        <a:spcBef>
+                          <a:spcPts val="0"/>
+                        </a:spcBef>
+                        <a:spcAft>
+                          <a:spcPts val="0"/>
+                        </a:spcAft>
+                        <a:buClrTx/>
+                        <a:buSzTx/>
+                        <a:buFontTx/>
+                        <a:buNone/>
+                        <a:tabLst/>
+                        <a:defRPr/>
+                      </a:pPr>
+                      <a:r>
+                        <a:rPr lang="en-US" sz="800" dirty="0" smtClean="0"/>
+                        <a:t>38 MB </a:t>
+                      </a:r>
+                      <a:endParaRPr lang="en-US" sz="800" dirty="0" smtClean="0">
+                        <a:latin typeface="Symbol" charset="2"/>
+                        <a:cs typeface="Symbol" charset="2"/>
+                      </a:endParaRPr>
+                    </a:p>
+                  </a:txBody>
+                  <a:tcPr/>
+                </a:tc>
+                <a:tc>
+                  <a:txBody>
+                    <a:bodyPr/>
+                    <a:lstStyle/>
+                    <a:p>
+                      <a:pPr marL="0" marR="0" indent="0" algn="l" defTabSz="914353" rtl="0" eaLnBrk="1" fontAlgn="auto" latinLnBrk="0" hangingPunct="1">
+                        <a:lnSpc>
+                          <a:spcPct val="100000"/>
+                        </a:lnSpc>
+                        <a:spcBef>
+                          <a:spcPts val="0"/>
+                        </a:spcBef>
+                        <a:spcAft>
+                          <a:spcPts val="0"/>
+                        </a:spcAft>
+                        <a:buClrTx/>
+                        <a:buSzTx/>
+                        <a:buFontTx/>
+                        <a:buNone/>
+                        <a:tabLst/>
+                        <a:defRPr/>
+                      </a:pPr>
+                      <a:r>
+                        <a:rPr lang="en-US" sz="800" dirty="0" smtClean="0">
+                          <a:latin typeface="Symbol" charset="2"/>
+                          <a:cs typeface="Symbol" charset="2"/>
+                        </a:rPr>
+                        <a:t>12 </a:t>
+                      </a:r>
+                      <a:r>
+                        <a:rPr lang="en-US" sz="800" dirty="0" smtClean="0">
+                          <a:latin typeface="+mj-lt"/>
+                          <a:cs typeface="Symbol" charset="2"/>
+                        </a:rPr>
+                        <a:t>GB </a:t>
+                      </a:r>
+                      <a:endParaRPr lang="en-US" sz="800" dirty="0" smtClean="0">
+                        <a:latin typeface="Symbol" charset="2"/>
+                        <a:cs typeface="Symbol" charset="2"/>
+                      </a:endParaRPr>
+                    </a:p>
+                  </a:txBody>
+                  <a:tcPr/>
+                </a:tc>
+                <a:tc>
+                  <a:txBody>
+                    <a:bodyPr/>
+                    <a:lstStyle/>
+                    <a:p>
+                      <a:pPr marL="0" marR="0" indent="0" algn="l" defTabSz="914353" rtl="0" eaLnBrk="1" fontAlgn="auto" latinLnBrk="0" hangingPunct="1">
+                        <a:lnSpc>
+                          <a:spcPct val="100000"/>
+                        </a:lnSpc>
+                        <a:spcBef>
+                          <a:spcPts val="0"/>
+                        </a:spcBef>
+                        <a:spcAft>
+                          <a:spcPts val="0"/>
+                        </a:spcAft>
+                        <a:buClrTx/>
+                        <a:buSzTx/>
+                        <a:buFontTx/>
+                        <a:buNone/>
+                        <a:tabLst/>
+                        <a:defRPr/>
+                      </a:pPr>
+                      <a:r>
+                        <a:rPr lang="en-US" sz="800" dirty="0" smtClean="0">
+                          <a:latin typeface="Symbol" charset="2"/>
+                          <a:cs typeface="Symbol" charset="2"/>
+                        </a:rPr>
+                        <a:t>164 MB </a:t>
+                      </a:r>
+                    </a:p>
+                  </a:txBody>
+                  <a:tcPr/>
+                </a:tc>
+              </a:tr>
+            </a:tbl>
+          </a:graphicData>
+        </a:graphic>
+      </p:graphicFrame>
     </p:spTree>
   </p:cSld>
   <p:clrMapOvr>
@@ -9514,79 +11111,6 @@
                                   </p:childTnLst>
                                 </p:cTn>
                               </p:par>
-                              <p:par>
-                                <p:cTn id="8" presetID="2" presetClass="entr" presetSubtype="4" fill="hold" nodeType="withEffect">
-                                  <p:stCondLst>
-                                    <p:cond delay="0"/>
-                                  </p:stCondLst>
-                                  <p:childTnLst>
-                                    <p:set>
-                                      <p:cBhvr>
-                                        <p:cTn id="9" dur="1" fill="hold">
-                                          <p:stCondLst>
-                                            <p:cond delay="0"/>
-                                          </p:stCondLst>
-                                        </p:cTn>
-                                        <p:tgtEl>
-                                          <p:spTgt spid="12"/>
-                                        </p:tgtEl>
-                                        <p:attrNameLst>
-                                          <p:attrName>style.visibility</p:attrName>
-                                        </p:attrNameLst>
-                                      </p:cBhvr>
-                                      <p:to>
-                                        <p:strVal val="visible"/>
-                                      </p:to>
-                                    </p:set>
-                                    <p:anim calcmode="lin" valueType="num">
-                                      <p:cBhvr additive="base">
-                                        <p:cTn id="10" dur="500" fill="hold"/>
-                                        <p:tgtEl>
-                                          <p:spTgt spid="12"/>
-                                        </p:tgtEl>
-                                        <p:attrNameLst>
-                                          <p:attrName>ppt_x</p:attrName>
-                                        </p:attrNameLst>
-                                      </p:cBhvr>
-                                      <p:tavLst>
-                                        <p:tav tm="0">
-                                          <p:val>
-                                            <p:strVal val="#ppt_x"/>
-                                          </p:val>
-                                        </p:tav>
-                                        <p:tav tm="100000">
-                                          <p:val>
-                                            <p:strVal val="#ppt_x"/>
-                                          </p:val>
-                                        </p:tav>
-                                      </p:tavLst>
-                                    </p:anim>
-                                    <p:anim calcmode="lin" valueType="num">
-                                      <p:cBhvr additive="base">
-                                        <p:cTn id="11" dur="500" fill="hold"/>
-                                        <p:tgtEl>
-                                          <p:spTgt spid="12"/>
-                                        </p:tgtEl>
-                                        <p:attrNameLst>
-                                          <p:attrName>ppt_y</p:attrName>
-                                        </p:attrNameLst>
-                                      </p:cBhvr>
-                                      <p:tavLst>
-                                        <p:tav tm="0">
-                                          <p:val>
-                                            <p:strVal val="1+#ppt_h/2"/>
-                                          </p:val>
-                                        </p:tav>
-                                        <p:tav tm="100000">
-                                          <p:val>
-                                            <p:strVal val="#ppt_y"/>
-                                          </p:val>
-                                        </p:tav>
-                                      </p:tavLst>
-                                    </p:anim>
-                                  </p:childTnLst>
-                                </p:cTn>
-                              </p:par>
                             </p:childTnLst>
                           </p:cTn>
                         </p:par>
@@ -9618,7 +11142,238 @@
 </p:sld>
 </file>
 
-<file path=ppt/slides/slide5.xml><?xml version="1.0" encoding="utf-8"?>
+<file path=ppt/slides/slide6.xml><?xml version="1.0" encoding="utf-8"?>
+<p:sld xmlns:a="http://schemas.openxmlformats.org/drawingml/2006/main" xmlns:r="http://schemas.openxmlformats.org/officeDocument/2006/relationships" xmlns:mc="http://schemas.openxmlformats.org/markup-compatibility/2006" xmlns:mv="urn:schemas-microsoft-com:mac:vml" xmlns:p="http://schemas.openxmlformats.org/presentationml/2006/main" mc:Ignorable="mv" mc:PreserveAttributes="mv:*">
+  <p:cSld>
+    <p:spTree>
+      <p:nvGrpSpPr>
+        <p:cNvPr id="1" name=""/>
+        <p:cNvGrpSpPr/>
+        <p:nvPr/>
+      </p:nvGrpSpPr>
+      <p:grpSpPr>
+        <a:xfrm>
+          <a:off x="0" y="0"/>
+          <a:ext cx="0" cy="0"/>
+          <a:chOff x="0" y="0"/>
+          <a:chExt cx="0" cy="0"/>
+        </a:xfrm>
+      </p:grpSpPr>
+      <p:sp>
+        <p:nvSpPr>
+          <p:cNvPr id="2" name="Title 1"/>
+          <p:cNvSpPr>
+            <a:spLocks noGrp="1"/>
+          </p:cNvSpPr>
+          <p:nvPr>
+            <p:ph type="title"/>
+          </p:nvPr>
+        </p:nvSpPr>
+        <p:spPr>
+          <a:xfrm>
+            <a:off x="1028700" y="263714"/>
+            <a:ext cx="8115300" cy="914400"/>
+          </a:xfrm>
+        </p:spPr>
+        <p:txBody>
+          <a:bodyPr>
+            <a:noAutofit/>
+          </a:bodyPr>
+          <a:lstStyle/>
+          <a:p>
+            <a:r>
+              <a:rPr lang="en-US" sz="2300" dirty="0" smtClean="0"/>
+              <a:t>BFAST Tradeoffs: Comp. </a:t>
+            </a:r>
+            <a:r>
+              <a:rPr lang="en-US" sz="2300" dirty="0" err="1" smtClean="0"/>
+              <a:t>vs</a:t>
+            </a:r>
+            <a:r>
+              <a:rPr lang="en-US" sz="2300" dirty="0" smtClean="0"/>
+              <a:t> </a:t>
+            </a:r>
+            <a:r>
+              <a:rPr lang="en-US" sz="2300" dirty="0" err="1" smtClean="0"/>
+              <a:t>Mem</a:t>
+            </a:r>
+            <a:r>
+              <a:rPr lang="en-US" sz="2300" dirty="0" smtClean="0"/>
+              <a:t>. </a:t>
+            </a:r>
+            <a:r>
+              <a:rPr lang="en-US" sz="2300" dirty="0" err="1" smtClean="0"/>
+              <a:t>vs</a:t>
+            </a:r>
+            <a:r>
+              <a:rPr lang="en-US" sz="2300" dirty="0" smtClean="0"/>
+              <a:t> I/O </a:t>
+            </a:r>
+            <a:r>
+              <a:rPr lang="en-US" sz="2300" dirty="0" err="1" smtClean="0"/>
+              <a:t>vs</a:t>
+            </a:r>
+            <a:r>
+              <a:rPr lang="en-US" sz="2300" dirty="0" smtClean="0"/>
+              <a:t> </a:t>
+            </a:r>
+            <a:r>
+              <a:rPr lang="en-US" sz="2300" dirty="0" err="1" smtClean="0"/>
+              <a:t>DoD</a:t>
+            </a:r>
+            <a:r>
+              <a:rPr lang="en-US" sz="2300" dirty="0" smtClean="0"/>
+              <a:t/>
+            </a:r>
+            <a:br>
+              <a:rPr lang="en-US" sz="2300" dirty="0" smtClean="0"/>
+            </a:br>
+            <a:endParaRPr lang="en-US" sz="2300" dirty="0"/>
+          </a:p>
+        </p:txBody>
+      </p:sp>
+      <p:pic>
+        <p:nvPicPr>
+          <p:cNvPr id="4" name="Picture 3" descr="readsvstime_hg18.pdf"/>
+          <p:cNvPicPr>
+            <a:picLocks noChangeAspect="1"/>
+          </p:cNvPicPr>
+          <p:nvPr/>
+        </p:nvPicPr>
+        <p:blipFill>
+          <a:blip r:embed="rId2">
+            <a:extLst>
+              <a:ext uri="{28A0092B-C50C-407E-A947-70E740481C1C}">
+                <a14:useLocalDpi xmlns:mc="http://schemas.openxmlformats.org/markup-compatibility/2006" xmlns:mv="urn:schemas-microsoft-com:mac:vml" xmlns:a14="http://schemas.microsoft.com/office/drawing/2010/main" xmlns:p="http://schemas.openxmlformats.org/presentationml/2006/main" xmlns:r="http://schemas.openxmlformats.org/officeDocument/2006/relationships" xmlns:a="http://schemas.openxmlformats.org/drawingml/2006/main" xmlns=""/>
+              </a:ext>
+            </a:extLst>
+          </a:blip>
+          <a:stretch>
+            <a:fillRect/>
+          </a:stretch>
+        </p:blipFill>
+        <p:spPr>
+          <a:xfrm>
+            <a:off x="0" y="1725723"/>
+            <a:ext cx="4356399" cy="3049478"/>
+          </a:xfrm>
+          <a:prstGeom prst="rect">
+            <a:avLst/>
+          </a:prstGeom>
+        </p:spPr>
+      </p:pic>
+      <p:sp>
+        <p:nvSpPr>
+          <p:cNvPr id="11" name="TextBox 10"/>
+          <p:cNvSpPr txBox="1"/>
+          <p:nvPr/>
+        </p:nvSpPr>
+        <p:spPr>
+          <a:xfrm>
+            <a:off x="2209801" y="1178114"/>
+            <a:ext cx="6306888" cy="369332"/>
+          </a:xfrm>
+          <a:prstGeom prst="rect">
+            <a:avLst/>
+          </a:prstGeom>
+        </p:spPr>
+        <p:style>
+          <a:lnRef idx="2">
+            <a:schemeClr val="dk1"/>
+          </a:lnRef>
+          <a:fillRef idx="1">
+            <a:schemeClr val="lt1"/>
+          </a:fillRef>
+          <a:effectRef idx="0">
+            <a:schemeClr val="dk1"/>
+          </a:effectRef>
+          <a:fontRef idx="minor">
+            <a:schemeClr val="dk1"/>
+          </a:fontRef>
+        </p:style>
+        <p:txBody>
+          <a:bodyPr wrap="square" rtlCol="0">
+            <a:spAutoFit/>
+          </a:bodyPr>
+          <a:lstStyle/>
+          <a:p>
+            <a:r>
+              <a:rPr lang="en-US" dirty="0" smtClean="0"/>
+              <a:t>Possible solution: Logical and then physical distribution</a:t>
+            </a:r>
+            <a:endParaRPr lang="en-US" dirty="0"/>
+          </a:p>
+        </p:txBody>
+      </p:sp>
+      <p:pic>
+        <p:nvPicPr>
+          <p:cNvPr id="7" name="Picture 6" descr="table5-ecmls04.png"/>
+          <p:cNvPicPr>
+            <a:picLocks noChangeAspect="1"/>
+          </p:cNvPicPr>
+          <p:nvPr/>
+        </p:nvPicPr>
+        <p:blipFill>
+          <a:blip r:embed="rId3"/>
+          <a:stretch>
+            <a:fillRect/>
+          </a:stretch>
+        </p:blipFill>
+        <p:spPr>
+          <a:xfrm>
+            <a:off x="1895653" y="4940301"/>
+            <a:ext cx="5429491" cy="1688700"/>
+          </a:xfrm>
+          <a:prstGeom prst="rect">
+            <a:avLst/>
+          </a:prstGeom>
+        </p:spPr>
+      </p:pic>
+      <p:pic>
+        <p:nvPicPr>
+          <p:cNvPr id="8" name="Picture 7" descr="threadsvstime.png"/>
+          <p:cNvPicPr>
+            <a:picLocks noChangeAspect="1"/>
+          </p:cNvPicPr>
+          <p:nvPr/>
+        </p:nvPicPr>
+        <p:blipFill>
+          <a:blip r:embed="rId4"/>
+          <a:stretch>
+            <a:fillRect/>
+          </a:stretch>
+        </p:blipFill>
+        <p:spPr>
+          <a:xfrm>
+            <a:off x="4457928" y="1702121"/>
+            <a:ext cx="4571543" cy="3200080"/>
+          </a:xfrm>
+          <a:prstGeom prst="rect">
+            <a:avLst/>
+          </a:prstGeom>
+        </p:spPr>
+      </p:pic>
+    </p:spTree>
+    <p:extLst>
+      <p:ext uri="{BB962C8B-B14F-4D97-AF65-F5344CB8AC3E}">
+        <p14:creationId xmlns:mc="http://schemas.openxmlformats.org/markup-compatibility/2006" xmlns:mv="urn:schemas-microsoft-com:mac:vml" xmlns:p14="http://schemas.microsoft.com/office/powerpoint/2010/main" xmlns:p="http://schemas.openxmlformats.org/presentationml/2006/main" xmlns:r="http://schemas.openxmlformats.org/officeDocument/2006/relationships" xmlns:a="http://schemas.openxmlformats.org/drawingml/2006/main" xmlns="" val="4280363161"/>
+      </p:ext>
+    </p:extLst>
+  </p:cSld>
+  <p:clrMapOvr>
+    <a:masterClrMapping/>
+  </p:clrMapOvr>
+  <p:timing>
+    <p:tnLst>
+      <p:par>
+        <p:cTn id="1" dur="indefinite" restart="never" nodeType="tmRoot"/>
+      </p:par>
+    </p:tnLst>
+  </p:timing>
+</p:sld>
+</file>
+
+<file path=ppt/slides/slide7.xml><?xml version="1.0" encoding="utf-8"?>
 <p:sld xmlns:a="http://schemas.openxmlformats.org/drawingml/2006/main" xmlns:r="http://schemas.openxmlformats.org/officeDocument/2006/relationships" xmlns:mc="http://schemas.openxmlformats.org/markup-compatibility/2006" xmlns:mv="urn:schemas-microsoft-com:mac:vml" xmlns:p="http://schemas.openxmlformats.org/presentationml/2006/main" mc:Ignorable="mv" mc:PreserveAttributes="mv:*">
   <p:cSld>
     <p:spTree>
@@ -9644,13 +11399,13 @@
           <p:nvPr>
             <p:extLst>
               <p:ext uri="{D42A27DB-BD31-4B8C-83A1-F6EECF244321}">
-                <p14:modId xmlns="" xmlns:a="http://schemas.openxmlformats.org/drawingml/2006/main" xmlns:r="http://schemas.openxmlformats.org/officeDocument/2006/relationships" xmlns:p="http://schemas.openxmlformats.org/presentationml/2006/main" xmlns:p14="http://schemas.microsoft.com/office/powerpoint/2010/main" xmlns:mv="urn:schemas-microsoft-com:mac:vml" xmlns:mc="http://schemas.openxmlformats.org/markup-compatibility/2006" val="2007431469"/>
+                <p14:modId xmlns:mc="http://schemas.openxmlformats.org/markup-compatibility/2006" xmlns:mv="urn:schemas-microsoft-com:mac:vml" xmlns:p14="http://schemas.microsoft.com/office/powerpoint/2010/main" xmlns:p="http://schemas.openxmlformats.org/presentationml/2006/main" xmlns:r="http://schemas.openxmlformats.org/officeDocument/2006/relationships" xmlns:a="http://schemas.openxmlformats.org/drawingml/2006/main" xmlns="" val="2007431469"/>
               </p:ext>
             </p:extLst>
           </p:nvPr>
         </p:nvGraphicFramePr>
         <p:xfrm>
-          <a:off x="111643" y="2574283"/>
+          <a:off x="60843" y="3183883"/>
           <a:ext cx="9032357" cy="3032760"/>
         </p:xfrm>
         <a:graphic>
@@ -10429,7 +12184,7 @@
     </p:spTree>
     <p:extLst>
       <p:ext uri="{BB962C8B-B14F-4D97-AF65-F5344CB8AC3E}">
-        <p14:creationId xmlns="" xmlns:a="http://schemas.openxmlformats.org/drawingml/2006/main" xmlns:r="http://schemas.openxmlformats.org/officeDocument/2006/relationships" xmlns:p="http://schemas.openxmlformats.org/presentationml/2006/main" xmlns:p14="http://schemas.microsoft.com/office/powerpoint/2010/main" xmlns:mv="urn:schemas-microsoft-com:mac:vml" xmlns:mc="http://schemas.openxmlformats.org/markup-compatibility/2006" val="2306435090"/>
+        <p14:creationId xmlns:mc="http://schemas.openxmlformats.org/markup-compatibility/2006" xmlns:mv="urn:schemas-microsoft-com:mac:vml" xmlns:p14="http://schemas.microsoft.com/office/powerpoint/2010/main" xmlns:p="http://schemas.openxmlformats.org/presentationml/2006/main" xmlns:r="http://schemas.openxmlformats.org/officeDocument/2006/relationships" xmlns:a="http://schemas.openxmlformats.org/drawingml/2006/main" xmlns="" val="2306435090"/>
       </p:ext>
     </p:extLst>
   </p:cSld>
@@ -10446,244 +12201,7 @@
 </p:sld>
 </file>
 
-<file path=ppt/slides/slide6.xml><?xml version="1.0" encoding="utf-8"?>
-<p:sld xmlns:a="http://schemas.openxmlformats.org/drawingml/2006/main" xmlns:r="http://schemas.openxmlformats.org/officeDocument/2006/relationships" xmlns:mc="http://schemas.openxmlformats.org/markup-compatibility/2006" xmlns:mv="urn:schemas-microsoft-com:mac:vml" xmlns:p="http://schemas.openxmlformats.org/presentationml/2006/main" mc:Ignorable="mv" mc:PreserveAttributes="mv:*">
-  <p:cSld>
-    <p:spTree>
-      <p:nvGrpSpPr>
-        <p:cNvPr id="1" name=""/>
-        <p:cNvGrpSpPr/>
-        <p:nvPr/>
-      </p:nvGrpSpPr>
-      <p:grpSpPr>
-        <a:xfrm>
-          <a:off x="0" y="0"/>
-          <a:ext cx="0" cy="0"/>
-          <a:chOff x="0" y="0"/>
-          <a:chExt cx="0" cy="0"/>
-        </a:xfrm>
-      </p:grpSpPr>
-      <p:sp>
-        <p:nvSpPr>
-          <p:cNvPr id="2" name="Title 1"/>
-          <p:cNvSpPr>
-            <a:spLocks noGrp="1"/>
-          </p:cNvSpPr>
-          <p:nvPr>
-            <p:ph type="title"/>
-          </p:nvPr>
-        </p:nvSpPr>
-        <p:spPr>
-          <a:xfrm>
-            <a:off x="1028700" y="263714"/>
-            <a:ext cx="8115300" cy="914400"/>
-          </a:xfrm>
-        </p:spPr>
-        <p:txBody>
-          <a:bodyPr>
-            <a:noAutofit/>
-          </a:bodyPr>
-          <a:lstStyle/>
-          <a:p>
-            <a:r>
-              <a:rPr lang="en-US" sz="2300" dirty="0" smtClean="0"/>
-              <a:t>BFAST Tradeoffs: Comp. </a:t>
-            </a:r>
-            <a:r>
-              <a:rPr lang="en-US" sz="2300" dirty="0" err="1" smtClean="0"/>
-              <a:t>vs</a:t>
-            </a:r>
-            <a:r>
-              <a:rPr lang="en-US" sz="2300" dirty="0" smtClean="0"/>
-              <a:t> </a:t>
-            </a:r>
-            <a:r>
-              <a:rPr lang="en-US" sz="2300" dirty="0" err="1" smtClean="0"/>
-              <a:t>Mem</a:t>
-            </a:r>
-            <a:r>
-              <a:rPr lang="en-US" sz="2300" dirty="0" smtClean="0"/>
-              <a:t>. </a:t>
-            </a:r>
-            <a:r>
-              <a:rPr lang="en-US" sz="2300" dirty="0" err="1" smtClean="0"/>
-              <a:t>vs</a:t>
-            </a:r>
-            <a:r>
-              <a:rPr lang="en-US" sz="2300" dirty="0" smtClean="0"/>
-              <a:t> I/O </a:t>
-            </a:r>
-            <a:r>
-              <a:rPr lang="en-US" sz="2300" dirty="0" err="1" smtClean="0"/>
-              <a:t>vs</a:t>
-            </a:r>
-            <a:r>
-              <a:rPr lang="en-US" sz="2300" dirty="0" smtClean="0"/>
-              <a:t> </a:t>
-            </a:r>
-            <a:r>
-              <a:rPr lang="en-US" sz="2300" dirty="0" err="1" smtClean="0"/>
-              <a:t>DoD</a:t>
-            </a:r>
-            <a:r>
-              <a:rPr lang="en-US" sz="2300" dirty="0" smtClean="0"/>
-              <a:t/>
-            </a:r>
-            <a:br>
-              <a:rPr lang="en-US" sz="2300" dirty="0" smtClean="0"/>
-            </a:br>
-            <a:endParaRPr lang="en-US" sz="2300" dirty="0"/>
-          </a:p>
-        </p:txBody>
-      </p:sp>
-      <p:pic>
-        <p:nvPicPr>
-          <p:cNvPr id="4" name="Picture 3" descr="readsvstime_hg18.pdf"/>
-          <p:cNvPicPr>
-            <a:picLocks noChangeAspect="1"/>
-          </p:cNvPicPr>
-          <p:nvPr/>
-        </p:nvPicPr>
-        <p:blipFill>
-          <a:blip r:embed="rId2">
-            <a:extLst>
-              <a:ext uri="{28A0092B-C50C-407E-A947-70E740481C1C}">
-                <a14:useLocalDpi xmlns="" xmlns:a="http://schemas.openxmlformats.org/drawingml/2006/main" xmlns:r="http://schemas.openxmlformats.org/officeDocument/2006/relationships" xmlns:p="http://schemas.openxmlformats.org/presentationml/2006/main" xmlns:a14="http://schemas.microsoft.com/office/drawing/2010/main" xmlns:mv="urn:schemas-microsoft-com:mac:vml" xmlns:mc="http://schemas.openxmlformats.org/markup-compatibility/2006"/>
-              </a:ext>
-            </a:extLst>
-          </a:blip>
-          <a:stretch>
-            <a:fillRect/>
-          </a:stretch>
-        </p:blipFill>
-        <p:spPr>
-          <a:xfrm>
-            <a:off x="0" y="1725723"/>
-            <a:ext cx="4356399" cy="3049478"/>
-          </a:xfrm>
-          <a:prstGeom prst="rect">
-            <a:avLst/>
-          </a:prstGeom>
-        </p:spPr>
-      </p:pic>
-      <p:sp>
-        <p:nvSpPr>
-          <p:cNvPr id="11" name="TextBox 10"/>
-          <p:cNvSpPr txBox="1"/>
-          <p:nvPr/>
-        </p:nvSpPr>
-        <p:spPr>
-          <a:xfrm>
-            <a:off x="2209801" y="1178114"/>
-            <a:ext cx="6306888" cy="369332"/>
-          </a:xfrm>
-          <a:prstGeom prst="rect">
-            <a:avLst/>
-          </a:prstGeom>
-        </p:spPr>
-        <p:style>
-          <a:lnRef idx="2">
-            <a:schemeClr val="dk1"/>
-          </a:lnRef>
-          <a:fillRef idx="1">
-            <a:schemeClr val="lt1"/>
-          </a:fillRef>
-          <a:effectRef idx="0">
-            <a:schemeClr val="dk1"/>
-          </a:effectRef>
-          <a:fontRef idx="minor">
-            <a:schemeClr val="dk1"/>
-          </a:fontRef>
-        </p:style>
-        <p:txBody>
-          <a:bodyPr wrap="square" rtlCol="0">
-            <a:spAutoFit/>
-          </a:bodyPr>
-          <a:lstStyle/>
-          <a:p>
-            <a:r>
-              <a:rPr lang="en-US" dirty="0" smtClean="0"/>
-              <a:t>Possible solution: Logical and then physical distribution</a:t>
-            </a:r>
-            <a:endParaRPr lang="en-US" dirty="0"/>
-          </a:p>
-        </p:txBody>
-      </p:sp>
-      <p:pic>
-        <p:nvPicPr>
-          <p:cNvPr id="10" name="Picture 9" descr="threadsvstime.pdf"/>
-          <p:cNvPicPr>
-            <a:picLocks noChangeAspect="1"/>
-          </p:cNvPicPr>
-          <p:nvPr/>
-        </p:nvPicPr>
-        <p:blipFill>
-          <a:blip r:embed="rId3">
-            <a:extLst>
-              <a:ext uri="{28A0092B-C50C-407E-A947-70E740481C1C}">
-                <a14:useLocalDpi xmlns="" xmlns:a="http://schemas.openxmlformats.org/drawingml/2006/main" xmlns:r="http://schemas.openxmlformats.org/officeDocument/2006/relationships" xmlns:p="http://schemas.openxmlformats.org/presentationml/2006/main" xmlns:a14="http://schemas.microsoft.com/office/drawing/2010/main" xmlns:mv="urn:schemas-microsoft-com:mac:vml" xmlns:mc="http://schemas.openxmlformats.org/markup-compatibility/2006"/>
-              </a:ext>
-            </a:extLst>
-          </a:blip>
-          <a:stretch>
-            <a:fillRect/>
-          </a:stretch>
-        </p:blipFill>
-        <p:spPr>
-          <a:xfrm>
-            <a:off x="4288851" y="1435099"/>
-            <a:ext cx="4789719" cy="3352802"/>
-          </a:xfrm>
-          <a:prstGeom prst="rect">
-            <a:avLst/>
-          </a:prstGeom>
-        </p:spPr>
-      </p:pic>
-      <p:pic>
-        <p:nvPicPr>
-          <p:cNvPr id="7" name="Picture 6" descr="table5-ecmls04.png"/>
-          <p:cNvPicPr>
-            <a:picLocks noChangeAspect="1"/>
-          </p:cNvPicPr>
-          <p:nvPr/>
-        </p:nvPicPr>
-        <p:blipFill>
-          <a:blip r:embed="rId4"/>
-          <a:stretch>
-            <a:fillRect/>
-          </a:stretch>
-        </p:blipFill>
-        <p:spPr>
-          <a:xfrm>
-            <a:off x="1895653" y="4940301"/>
-            <a:ext cx="5429491" cy="1688700"/>
-          </a:xfrm>
-          <a:prstGeom prst="rect">
-            <a:avLst/>
-          </a:prstGeom>
-        </p:spPr>
-      </p:pic>
-    </p:spTree>
-    <p:extLst>
-      <p:ext uri="{BB962C8B-B14F-4D97-AF65-F5344CB8AC3E}">
-        <p14:creationId xmlns="" xmlns:a="http://schemas.openxmlformats.org/drawingml/2006/main" xmlns:r="http://schemas.openxmlformats.org/officeDocument/2006/relationships" xmlns:p="http://schemas.openxmlformats.org/presentationml/2006/main" xmlns:p14="http://schemas.microsoft.com/office/powerpoint/2010/main" xmlns:mv="urn:schemas-microsoft-com:mac:vml" xmlns:mc="http://schemas.openxmlformats.org/markup-compatibility/2006" val="4280363161"/>
-      </p:ext>
-    </p:extLst>
-  </p:cSld>
-  <p:clrMapOvr>
-    <a:masterClrMapping/>
-  </p:clrMapOvr>
-  <p:timing>
-    <p:tnLst>
-      <p:par>
-        <p:cTn id="1" dur="indefinite" restart="never" nodeType="tmRoot"/>
-      </p:par>
-    </p:tnLst>
-  </p:timing>
-</p:sld>
-</file>
-
-<file path=ppt/slides/slide7.xml><?xml version="1.0" encoding="utf-8"?>
+<file path=ppt/slides/slide8.xml><?xml version="1.0" encoding="utf-8"?>
 <p:sld xmlns:a="http://schemas.openxmlformats.org/drawingml/2006/main" xmlns:r="http://schemas.openxmlformats.org/officeDocument/2006/relationships" xmlns:mc="http://schemas.openxmlformats.org/markup-compatibility/2006" xmlns:mv="urn:schemas-microsoft-com:mac:vml" xmlns:p="http://schemas.openxmlformats.org/presentationml/2006/main" mc:Ignorable="mv" mc:PreserveAttributes="mv:*">
   <p:cSld>
     <p:spTree>
@@ -10947,87 +12465,6 @@
 </p:sld>
 </file>
 
-<file path=ppt/slides/slide8.xml><?xml version="1.0" encoding="utf-8"?>
-<p:sld xmlns:a="http://schemas.openxmlformats.org/drawingml/2006/main" xmlns:r="http://schemas.openxmlformats.org/officeDocument/2006/relationships" xmlns:mc="http://schemas.openxmlformats.org/markup-compatibility/2006" xmlns:mv="urn:schemas-microsoft-com:mac:vml" xmlns:p="http://schemas.openxmlformats.org/presentationml/2006/main" mc:Ignorable="mv" mc:PreserveAttributes="mv:*">
-  <p:cSld>
-    <p:spTree>
-      <p:nvGrpSpPr>
-        <p:cNvPr id="1" name=""/>
-        <p:cNvGrpSpPr/>
-        <p:nvPr/>
-      </p:nvGrpSpPr>
-      <p:grpSpPr>
-        <a:xfrm>
-          <a:off x="0" y="0"/>
-          <a:ext cx="0" cy="0"/>
-          <a:chOff x="0" y="0"/>
-          <a:chExt cx="0" cy="0"/>
-        </a:xfrm>
-      </p:grpSpPr>
-      <p:sp>
-        <p:nvSpPr>
-          <p:cNvPr id="2" name="Title 1"/>
-          <p:cNvSpPr>
-            <a:spLocks noGrp="1"/>
-          </p:cNvSpPr>
-          <p:nvPr>
-            <p:ph type="title"/>
-          </p:nvPr>
-        </p:nvSpPr>
-        <p:spPr/>
-        <p:txBody>
-          <a:bodyPr>
-            <a:normAutofit/>
-          </a:bodyPr>
-          <a:lstStyle/>
-          <a:p>
-            <a:r>
-              <a:rPr lang="en-US" sz="2400" dirty="0" smtClean="0"/>
-              <a:t>SAGA – An Overview</a:t>
-            </a:r>
-            <a:endParaRPr lang="en-US" sz="2400" dirty="0"/>
-          </a:p>
-        </p:txBody>
-      </p:sp>
-      <p:pic>
-        <p:nvPicPr>
-          <p:cNvPr id="4" name="Content Placeholder 3" descr="bigpicture.png"/>
-          <p:cNvPicPr>
-            <a:picLocks noGrp="1" noChangeAspect="1"/>
-          </p:cNvPicPr>
-          <p:nvPr>
-            <p:ph idx="1"/>
-          </p:nvPr>
-        </p:nvPicPr>
-        <p:blipFill>
-          <a:blip r:embed="rId2"/>
-          <a:srcRect t="-46344" b="-46344"/>
-          <a:stretch>
-            <a:fillRect/>
-          </a:stretch>
-        </p:blipFill>
-        <p:spPr>
-          <a:xfrm>
-            <a:off x="63503" y="1529880"/>
-            <a:ext cx="8661398" cy="5010620"/>
-          </a:xfrm>
-        </p:spPr>
-      </p:pic>
-    </p:spTree>
-  </p:cSld>
-  <p:clrMapOvr>
-    <a:masterClrMapping/>
-  </p:clrMapOvr>
-  <p:timing>
-    <p:tnLst>
-      <p:par>
-        <p:cTn id="1" dur="indefinite" restart="never" nodeType="tmRoot"/>
-      </p:par>
-    </p:tnLst>
-  </p:timing>
-</p:sld>
-</file>
-
 <file path=ppt/slides/slide9.xml><?xml version="1.0" encoding="utf-8"?>
 <p:sld xmlns:a="http://schemas.openxmlformats.org/drawingml/2006/main" xmlns:r="http://schemas.openxmlformats.org/officeDocument/2006/relationships" xmlns:mc="http://schemas.openxmlformats.org/markup-compatibility/2006" xmlns:mv="urn:schemas-microsoft-com:mac:vml" xmlns:p="http://schemas.openxmlformats.org/presentationml/2006/main" mc:Ignorable="mv" mc:PreserveAttributes="mv:*">
   <p:cSld>
@@ -11058,28 +12495,13 @@
         <p:spPr/>
         <p:txBody>
           <a:bodyPr>
-            <a:noAutofit/>
+            <a:normAutofit/>
           </a:bodyPr>
           <a:lstStyle/>
           <a:p>
             <a:r>
               <a:rPr lang="en-US" sz="2400" dirty="0" smtClean="0"/>
-              <a:t>Abstractions for Dynamic Execution </a:t>
-            </a:r>
-            <a:br>
-              <a:rPr lang="en-US" sz="2400" dirty="0" smtClean="0"/>
-            </a:br>
-            <a:r>
-              <a:rPr lang="en-US" sz="2400" dirty="0" smtClean="0"/>
-              <a:t>SAGA Pilot-Job (</a:t>
-            </a:r>
-            <a:r>
-              <a:rPr lang="en-US" sz="2400" dirty="0" err="1" smtClean="0"/>
-              <a:t>BigJob</a:t>
-            </a:r>
-            <a:r>
-              <a:rPr lang="en-US" sz="2400" dirty="0" smtClean="0"/>
-              <a:t>)</a:t>
+              <a:t>SAGA – An Overview</a:t>
             </a:r>
             <a:endParaRPr lang="en-US" sz="2400" dirty="0"/>
           </a:p>
@@ -11087,7 +12509,7 @@
       </p:sp>
       <p:pic>
         <p:nvPicPr>
-          <p:cNvPr id="4" name="Content Placeholder 3" descr="bigjob.png"/>
+          <p:cNvPr id="4" name="Content Placeholder 3" descr="bigpicture.png"/>
           <p:cNvPicPr>
             <a:picLocks noGrp="1" noChangeAspect="1"/>
           </p:cNvPicPr>
@@ -11097,12 +12519,17 @@
         </p:nvPicPr>
         <p:blipFill>
           <a:blip r:embed="rId2"/>
-          <a:srcRect l="-2356" r="-2356"/>
+          <a:srcRect t="-46344" b="-46344"/>
           <a:stretch>
             <a:fillRect/>
           </a:stretch>
         </p:blipFill>
-        <p:spPr/>
+        <p:spPr>
+          <a:xfrm>
+            <a:off x="63503" y="1529880"/>
+            <a:ext cx="8661398" cy="5010620"/>
+          </a:xfrm>
+        </p:spPr>
       </p:pic>
     </p:spTree>
   </p:cSld>

--- a/saga-talks/ecmls11-dare.pptx
+++ b/saga-talks/ecmls11-dare.pptx
@@ -6,7 +6,7 @@
     <p:sldMasterId id="2147483677" r:id="rId2"/>
   </p:sldMasterIdLst>
   <p:notesMasterIdLst>
-    <p:notesMasterId r:id="rId25"/>
+    <p:notesMasterId r:id="rId27"/>
   </p:notesMasterIdLst>
   <p:sldIdLst>
     <p:sldId id="256" r:id="rId3"/>
@@ -15,15 +15,15 @@
     <p:sldId id="822" r:id="rId6"/>
     <p:sldId id="823" r:id="rId7"/>
     <p:sldId id="788" r:id="rId8"/>
-    <p:sldId id="786" r:id="rId9"/>
-    <p:sldId id="754" r:id="rId10"/>
-    <p:sldId id="772" r:id="rId11"/>
-    <p:sldId id="478" r:id="rId12"/>
-    <p:sldId id="555" r:id="rId13"/>
-    <p:sldId id="791" r:id="rId14"/>
-    <p:sldId id="773" r:id="rId15"/>
-    <p:sldId id="819" r:id="rId16"/>
-    <p:sldId id="821" r:id="rId17"/>
+    <p:sldId id="826" r:id="rId9"/>
+    <p:sldId id="825" r:id="rId10"/>
+    <p:sldId id="829" r:id="rId11"/>
+    <p:sldId id="754" r:id="rId12"/>
+    <p:sldId id="772" r:id="rId13"/>
+    <p:sldId id="478" r:id="rId14"/>
+    <p:sldId id="555" r:id="rId15"/>
+    <p:sldId id="791" r:id="rId16"/>
+    <p:sldId id="773" r:id="rId17"/>
     <p:sldId id="820" r:id="rId18"/>
     <p:sldId id="815" r:id="rId19"/>
     <p:sldId id="816" r:id="rId20"/>
@@ -31,6 +31,8 @@
     <p:sldId id="757" r:id="rId22"/>
     <p:sldId id="759" r:id="rId23"/>
     <p:sldId id="824" r:id="rId24"/>
+    <p:sldId id="827" r:id="rId25"/>
+    <p:sldId id="828" r:id="rId26"/>
   </p:sldIdLst>
   <p:sldSz cx="9144000" cy="6858000" type="screen4x3"/>
   <p:notesSz cx="6858000" cy="9144000"/>
@@ -633,19 +635,7 @@
           <a:p>
             <a:r>
               <a:rPr lang="en-US" dirty="0" smtClean="0"/>
-              <a:t>Fixed the diagram.. Please</a:t>
-            </a:r>
-            <a:r>
-              <a:rPr lang="en-US" baseline="0" dirty="0" smtClean="0"/>
-              <a:t> </a:t>
-            </a:r>
-            <a:r>
-              <a:rPr lang="en-US" dirty="0" smtClean="0"/>
-              <a:t>remove next slide if you are OK</a:t>
-            </a:r>
-            <a:r>
-              <a:rPr lang="en-US" baseline="0" dirty="0" smtClean="0"/>
-              <a:t> with this</a:t>
+              <a:t>This will be very hard to read!   </a:t>
             </a:r>
             <a:endParaRPr lang="en-US" dirty="0"/>
           </a:p>
@@ -669,7 +659,7 @@
             <a:fld id="{8FC6E2D0-3DA8-0A4F-9A90-3E1A8900A569}" type="slidenum">
               <a:rPr lang="en-US" smtClean="0"/>
               <a:pPr/>
-              <a:t>13</a:t>
+              <a:t>7</a:t>
             </a:fld>
             <a:endParaRPr lang="en-US" dirty="0"/>
           </a:p>
@@ -757,7 +747,7 @@
             <a:fld id="{8FC6E2D0-3DA8-0A4F-9A90-3E1A8900A569}" type="slidenum">
               <a:rPr lang="en-US" smtClean="0"/>
               <a:pPr/>
-              <a:t>14</a:t>
+              <a:t>8</a:t>
             </a:fld>
             <a:endParaRPr lang="en-US" dirty="0"/>
           </a:p>
@@ -824,7 +814,19 @@
           <a:p>
             <a:r>
               <a:rPr lang="en-US" dirty="0" smtClean="0"/>
-              <a:t>This will be very hard to read!   </a:t>
+              <a:t>Fixed the diagram.. Please</a:t>
+            </a:r>
+            <a:r>
+              <a:rPr lang="en-US" baseline="0" dirty="0" smtClean="0"/>
+              <a:t> </a:t>
+            </a:r>
+            <a:r>
+              <a:rPr lang="en-US" dirty="0" smtClean="0"/>
+              <a:t>remove next slide if you are OK</a:t>
+            </a:r>
+            <a:r>
+              <a:rPr lang="en-US" baseline="0" dirty="0" smtClean="0"/>
+              <a:t> with this</a:t>
             </a:r>
             <a:endParaRPr lang="en-US" dirty="0"/>
           </a:p>
@@ -6865,70 +6867,243 @@
           <a:chExt cx="0" cy="0"/>
         </a:xfrm>
       </p:grpSpPr>
-      <p:sp>
-        <p:nvSpPr>
-          <p:cNvPr id="2" name="Title 1"/>
-          <p:cNvSpPr>
-            <a:spLocks noGrp="1"/>
-          </p:cNvSpPr>
-          <p:nvPr>
-            <p:ph type="title"/>
-          </p:nvPr>
-        </p:nvSpPr>
-        <p:spPr/>
-        <p:txBody>
-          <a:bodyPr>
-            <a:noAutofit/>
-          </a:bodyPr>
-          <a:lstStyle/>
-          <a:p>
-            <a:r>
-              <a:rPr lang="en-US" sz="2400" dirty="0" smtClean="0"/>
-              <a:t>Abstractions for Dynamic Execution </a:t>
-            </a:r>
-            <a:br>
-              <a:rPr lang="en-US" sz="2400" dirty="0" smtClean="0"/>
-            </a:br>
-            <a:r>
-              <a:rPr lang="en-US" sz="2400" dirty="0" smtClean="0"/>
-              <a:t>SAGA Pilot-Job (</a:t>
-            </a:r>
-            <a:r>
-              <a:rPr lang="en-US" sz="2400" dirty="0" err="1" smtClean="0"/>
-              <a:t>BigJob</a:t>
-            </a:r>
-            <a:r>
-              <a:rPr lang="en-US" sz="2400" dirty="0" smtClean="0"/>
-              <a:t>)</a:t>
-            </a:r>
-            <a:endParaRPr lang="en-US" sz="2400" dirty="0"/>
-          </a:p>
-        </p:txBody>
-      </p:sp>
       <p:pic>
         <p:nvPicPr>
-          <p:cNvPr id="4" name="Content Placeholder 3" descr="bigjob.png"/>
+          <p:cNvPr id="26627" name="Picture 2"/>
           <p:cNvPicPr>
-            <a:picLocks noGrp="1" noChangeAspect="1"/>
+            <a:picLocks noChangeArrowheads="1"/>
           </p:cNvPicPr>
-          <p:nvPr>
-            <p:ph idx="1"/>
-          </p:nvPr>
+          <p:nvPr/>
         </p:nvPicPr>
         <p:blipFill>
           <a:blip r:embed="rId2"/>
-          <a:srcRect l="-2356" r="-2356"/>
+          <a:srcRect/>
           <a:stretch>
             <a:fillRect/>
           </a:stretch>
         </p:blipFill>
+        <p:spPr bwMode="auto">
+          <a:xfrm>
+            <a:off x="7567613" y="36513"/>
+            <a:ext cx="1576387" cy="954087"/>
+          </a:xfrm>
+          <a:prstGeom prst="rect">
+            <a:avLst/>
+          </a:prstGeom>
+          <a:noFill/>
+          <a:ln w="12700">
+            <a:noFill/>
+            <a:miter lim="800000"/>
+            <a:headEnd/>
+            <a:tailEnd/>
+          </a:ln>
+        </p:spPr>
+      </p:pic>
+      <p:sp>
+        <p:nvSpPr>
+          <p:cNvPr id="26629" name="Rectangle 4"/>
+          <p:cNvSpPr>
+            <a:spLocks noGrp="1" noChangeArrowheads="1"/>
+          </p:cNvSpPr>
+          <p:nvPr>
+            <p:ph type="title"/>
+          </p:nvPr>
+        </p:nvSpPr>
         <p:spPr/>
-      </p:pic>
+        <p:txBody>
+          <a:bodyPr>
+            <a:normAutofit/>
+          </a:bodyPr>
+          <a:lstStyle/>
+          <a:p>
+            <a:r>
+              <a:rPr lang="en-US" sz="2400" dirty="0" smtClean="0"/>
+              <a:t>SAGA: In a nutshell</a:t>
+            </a:r>
+            <a:endParaRPr lang="en-US" sz="2400" dirty="0"/>
+          </a:p>
+        </p:txBody>
+      </p:sp>
+      <p:sp>
+        <p:nvSpPr>
+          <p:cNvPr id="6" name="Content Placeholder 5"/>
+          <p:cNvSpPr>
+            <a:spLocks noGrp="1"/>
+          </p:cNvSpPr>
+          <p:nvPr>
+            <p:ph idx="1"/>
+          </p:nvPr>
+        </p:nvSpPr>
+        <p:spPr/>
+        <p:txBody>
+          <a:bodyPr>
+            <a:normAutofit fontScale="92500" lnSpcReduction="10000"/>
+          </a:bodyPr>
+          <a:lstStyle/>
+          <a:p>
+            <a:pPr lvl="0"/>
+            <a:r>
+              <a:rPr lang="en-US" dirty="0" smtClean="0"/>
+              <a:t>There exists a lack of Programmatic approaches that:</a:t>
+            </a:r>
+          </a:p>
+          <a:p>
+            <a:pPr lvl="1"/>
+            <a:r>
+              <a:rPr lang="en-US" dirty="0" smtClean="0"/>
+              <a:t>Provide general-purpose, basic &amp; common distributed functionality for applications; hide underlying complexity, varying semantics..</a:t>
+            </a:r>
+          </a:p>
+          <a:p>
+            <a:pPr lvl="1"/>
+            <a:r>
+              <a:rPr lang="en-US" dirty="0" smtClean="0"/>
+              <a:t>The building blocks upon which to construct “consistent” higher-levels of functionality and abstractions</a:t>
+            </a:r>
+          </a:p>
+          <a:p>
+            <a:pPr lvl="1"/>
+            <a:r>
+              <a:rPr lang="en-US" dirty="0" smtClean="0"/>
+              <a:t>Meets the need for a Broad Spectrum of Applications </a:t>
+            </a:r>
+          </a:p>
+          <a:p>
+            <a:pPr lvl="2"/>
+            <a:r>
+              <a:rPr lang="en-US" dirty="0" smtClean="0"/>
+              <a:t>Simple scripts, Gateways,  Tooling, Workflow…</a:t>
+            </a:r>
+          </a:p>
+          <a:p>
+            <a:pPr lvl="0"/>
+            <a:r>
+              <a:rPr lang="en-US" dirty="0" smtClean="0"/>
+              <a:t>Simple, integrated, stable, uniform and community-standard </a:t>
+            </a:r>
+          </a:p>
+          <a:p>
+            <a:pPr lvl="1"/>
+            <a:r>
+              <a:rPr lang="en-US" dirty="0" smtClean="0"/>
+              <a:t>Simple and Stable: 80:20 restricted scope</a:t>
+            </a:r>
+          </a:p>
+          <a:p>
+            <a:pPr lvl="1"/>
+            <a:r>
+              <a:rPr lang="en-US" dirty="0" smtClean="0"/>
+              <a:t>Integrated: Similar semantics &amp; style across primary functional areas</a:t>
+            </a:r>
+          </a:p>
+          <a:p>
+            <a:pPr lvl="1"/>
+            <a:r>
+              <a:rPr lang="en-US" dirty="0" smtClean="0"/>
+              <a:t>Uniform: Same interface for different distributed systems</a:t>
+            </a:r>
+          </a:p>
+          <a:p>
+            <a:pPr lvl="1"/>
+            <a:r>
+              <a:rPr lang="en-US" dirty="0" smtClean="0">
+                <a:solidFill>
+                  <a:srgbClr val="800000"/>
+                </a:solidFill>
+              </a:rPr>
+              <a:t>OGF-standard, “official” Access  Layer/API of EGI, NSF-XD</a:t>
+            </a:r>
+            <a:endParaRPr lang="en-US" b="1" dirty="0" smtClean="0">
+              <a:solidFill>
+                <a:schemeClr val="tx1">
+                  <a:lumMod val="85000"/>
+                  <a:lumOff val="15000"/>
+                </a:schemeClr>
+              </a:solidFill>
+            </a:endParaRPr>
+          </a:p>
+          <a:p>
+            <a:r>
+              <a:rPr lang="en-US" dirty="0" smtClean="0"/>
+              <a:t>Standards-based approach: A Technical and an Economic  (Moral?) imperative &amp; case:</a:t>
+            </a:r>
+          </a:p>
+          <a:p>
+            <a:endParaRPr lang="en-US" dirty="0"/>
+          </a:p>
+        </p:txBody>
+      </p:sp>
+      <p:sp>
+        <p:nvSpPr>
+          <p:cNvPr id="12" name="Rectangle 5"/>
+          <p:cNvSpPr txBox="1">
+            <a:spLocks noChangeArrowheads="1"/>
+          </p:cNvSpPr>
+          <p:nvPr/>
+        </p:nvSpPr>
+        <p:spPr>
+          <a:xfrm>
+            <a:off x="757947" y="1178114"/>
+            <a:ext cx="7966954" cy="5033310"/>
+          </a:xfrm>
+          <a:prstGeom prst="rect">
+            <a:avLst/>
+          </a:prstGeom>
+        </p:spPr>
+        <p:txBody>
+          <a:bodyPr vert="horz" lIns="91440" tIns="45720" rIns="91440" bIns="45720" rtlCol="0">
+            <a:noAutofit/>
+          </a:bodyPr>
+          <a:lstStyle/>
+          <a:p>
+            <a:pPr marL="342900" marR="0" lvl="0" indent="-342900" algn="l" defTabSz="914400" rtl="0" eaLnBrk="1" fontAlgn="auto" latinLnBrk="0" hangingPunct="1">
+              <a:lnSpc>
+                <a:spcPct val="100000"/>
+              </a:lnSpc>
+              <a:spcBef>
+                <a:spcPts val="2000"/>
+              </a:spcBef>
+              <a:spcAft>
+                <a:spcPts val="0"/>
+              </a:spcAft>
+              <a:buClr>
+                <a:schemeClr val="tx1">
+                  <a:lumMod val="75000"/>
+                  <a:lumOff val="25000"/>
+                </a:schemeClr>
+              </a:buClr>
+              <a:buSzTx/>
+              <a:buFont typeface="Wingdings 2" pitchFamily="18" charset="2"/>
+              <a:buChar char=""/>
+              <a:tabLst/>
+              <a:defRPr/>
+            </a:pPr>
+            <a:endParaRPr kumimoji="0" lang="en-US" sz="1700" b="0" i="0" u="none" strike="noStrike" kern="1200" cap="none" spc="0" normalizeH="0" baseline="0" noProof="0" dirty="0" smtClean="0">
+              <a:ln>
+                <a:noFill/>
+              </a:ln>
+              <a:solidFill>
+                <a:schemeClr val="tx1">
+                  <a:lumMod val="65000"/>
+                  <a:lumOff val="35000"/>
+                </a:schemeClr>
+              </a:solidFill>
+              <a:effectLst/>
+              <a:uLnTx/>
+              <a:uFillTx/>
+              <a:latin typeface="+mn-lt"/>
+              <a:ea typeface="+mn-ea"/>
+              <a:cs typeface="+mn-cs"/>
+            </a:endParaRPr>
+          </a:p>
+        </p:txBody>
+      </p:sp>
     </p:spTree>
   </p:cSld>
   <p:clrMapOvr>
     <a:masterClrMapping/>
   </p:clrMapOvr>
+  <p:transition/>
   <p:timing>
     <p:tnLst>
       <p:par>
@@ -6969,13 +7144,13 @@
         <p:spPr/>
         <p:txBody>
           <a:bodyPr>
-            <a:noAutofit/>
+            <a:normAutofit/>
           </a:bodyPr>
           <a:lstStyle/>
           <a:p>
             <a:r>
               <a:rPr lang="en-US" sz="2400" dirty="0" smtClean="0"/>
-              <a:t>Deployment &amp; Scheduling of  Multiple  Infrastructure Independent Pilot-Jobs</a:t>
+              <a:t>SAGA – An Overview</a:t>
             </a:r>
             <a:endParaRPr lang="en-US" sz="2400" dirty="0"/>
           </a:p>
@@ -6983,7 +7158,7 @@
       </p:sp>
       <p:pic>
         <p:nvPicPr>
-          <p:cNvPr id="5" name="Content Placeholder 4" descr="distributed_pilot_job.png"/>
+          <p:cNvPr id="4" name="Content Placeholder 3" descr="bigpicture.png"/>
           <p:cNvPicPr>
             <a:picLocks noGrp="1" noChangeAspect="1"/>
           </p:cNvPicPr>
@@ -6993,12 +7168,17 @@
         </p:nvPicPr>
         <p:blipFill>
           <a:blip r:embed="rId2"/>
-          <a:srcRect t="-10678" b="-10678"/>
+          <a:srcRect t="-46344" b="-46344"/>
           <a:stretch>
             <a:fillRect/>
           </a:stretch>
         </p:blipFill>
-        <p:spPr/>
+        <p:spPr>
+          <a:xfrm>
+            <a:off x="63503" y="1529880"/>
+            <a:ext cx="8661398" cy="5010620"/>
+          </a:xfrm>
+        </p:spPr>
       </p:pic>
     </p:spTree>
   </p:cSld>
@@ -7034,7 +7214,7 @@
       </p:grpSpPr>
       <p:sp>
         <p:nvSpPr>
-          <p:cNvPr id="4" name="Title 3"/>
+          <p:cNvPr id="2" name="Title 1"/>
           <p:cNvSpPr>
             <a:spLocks noGrp="1"/>
           </p:cNvSpPr>
@@ -7043,36 +7223,6 @@
           </p:nvPr>
         </p:nvSpPr>
         <p:spPr/>
-        <p:txBody>
-          <a:bodyPr>
-            <a:normAutofit/>
-          </a:bodyPr>
-          <a:lstStyle/>
-          <a:p>
-            <a:r>
-              <a:rPr lang="en-US" sz="2400" dirty="0" smtClean="0"/>
-              <a:t>What is “unique” about Pilot-Jobs built using the right abstractions?</a:t>
-            </a:r>
-            <a:endParaRPr lang="en-US" sz="2400" dirty="0"/>
-          </a:p>
-        </p:txBody>
-      </p:sp>
-      <p:sp>
-        <p:nvSpPr>
-          <p:cNvPr id="3" name="Content Placeholder 2"/>
-          <p:cNvSpPr>
-            <a:spLocks noGrp="1"/>
-          </p:cNvSpPr>
-          <p:nvPr>
-            <p:ph idx="1"/>
-          </p:nvPr>
-        </p:nvSpPr>
-        <p:spPr>
-          <a:xfrm>
-            <a:off x="745246" y="1250480"/>
-            <a:ext cx="8195553" cy="5023320"/>
-          </a:xfrm>
-        </p:spPr>
         <p:txBody>
           <a:bodyPr>
             <a:noAutofit/>
@@ -7080,134 +7230,48 @@
           <a:lstStyle/>
           <a:p>
             <a:r>
-              <a:rPr lang="en-US" sz="1700" dirty="0" smtClean="0"/>
-              <a:t>Pilot-Jobs: Decouple resource assignment &amp; resource-workload binding</a:t>
-            </a:r>
-          </a:p>
-          <a:p>
-            <a:r>
-              <a:rPr lang="en-US" sz="1700" dirty="0" smtClean="0"/>
-              <a:t>Pilot-Jobs are/have been typically used for:</a:t>
-            </a:r>
-          </a:p>
-          <a:p>
-            <a:pPr lvl="1"/>
-            <a:r>
-              <a:rPr lang="en-US" sz="1700" dirty="0" smtClean="0"/>
-              <a:t>Enhancing resource utilization; Facilitate high-throughput simulation</a:t>
-            </a:r>
-          </a:p>
-          <a:p>
-            <a:pPr lvl="1"/>
-            <a:r>
-              <a:rPr lang="en-US" sz="1700" dirty="0" smtClean="0"/>
-              <a:t>Lowering wait time for multiple jobs (better predictability)</a:t>
-            </a:r>
-          </a:p>
-          <a:p>
-            <a:r>
-              <a:rPr lang="en-US" sz="1700" dirty="0" smtClean="0"/>
-              <a:t>Several unique aspects  about the SAGA-based Pilot-Job</a:t>
-            </a:r>
-          </a:p>
-          <a:p>
-            <a:pPr lvl="1"/>
-            <a:r>
-              <a:rPr lang="en-US" sz="1700" dirty="0" smtClean="0"/>
-              <a:t>Pilot-Jobs have not been used for Science Driven Objectives:</a:t>
-            </a:r>
-          </a:p>
-          <a:p>
-            <a:pPr lvl="2"/>
-            <a:r>
-              <a:rPr lang="en-US" sz="1700" dirty="0" smtClean="0"/>
-              <a:t>First demonstration of multi-physics simulations, REMD simulations </a:t>
-            </a:r>
-          </a:p>
-          <a:p>
-            <a:pPr lvl="2"/>
-            <a:r>
-              <a:rPr lang="en-US" sz="1700" dirty="0" smtClean="0"/>
-              <a:t>Frameworks based upon </a:t>
-            </a:r>
-            <a:r>
-              <a:rPr lang="en-US" sz="1700" dirty="0" err="1" smtClean="0"/>
-              <a:t>PJs</a:t>
-            </a:r>
-            <a:r>
-              <a:rPr lang="en-US" sz="1700" dirty="0" smtClean="0"/>
-              <a:t> (pull model) for specific back-ends</a:t>
-            </a:r>
-          </a:p>
-          <a:p>
-            <a:pPr lvl="1"/>
-            <a:r>
-              <a:rPr lang="en-US" sz="1700" dirty="0" smtClean="0"/>
-              <a:t>Infrastructure Independent and “standard” PJ API to access other </a:t>
-            </a:r>
-            <a:r>
-              <a:rPr lang="en-US" sz="1700" dirty="0" err="1" smtClean="0"/>
-              <a:t>PJs</a:t>
-            </a:r>
-            <a:r>
-              <a:rPr lang="en-US" sz="1700" dirty="0" smtClean="0"/>
-              <a:t> </a:t>
-            </a:r>
-          </a:p>
-          <a:p>
-            <a:pPr lvl="2"/>
-            <a:r>
-              <a:rPr lang="en-US" sz="1700" dirty="0" smtClean="0"/>
-              <a:t>SAGA PJ (</a:t>
-            </a:r>
-            <a:r>
-              <a:rPr lang="en-US" sz="1700" dirty="0" err="1" smtClean="0"/>
+              <a:rPr lang="en-US" sz="2400" dirty="0" smtClean="0"/>
+              <a:t>Abstractions for Dynamic Execution </a:t>
+            </a:r>
+            <a:br>
+              <a:rPr lang="en-US" sz="2400" dirty="0" smtClean="0"/>
+            </a:br>
+            <a:r>
+              <a:rPr lang="en-US" sz="2400" dirty="0" smtClean="0"/>
+              <a:t>SAGA Pilot-Job (</a:t>
+            </a:r>
+            <a:r>
+              <a:rPr lang="en-US" sz="2400" dirty="0" err="1" smtClean="0"/>
               <a:t>BigJob</a:t>
             </a:r>
             <a:r>
-              <a:rPr lang="en-US" sz="1700" dirty="0" smtClean="0"/>
-              <a:t>) API  basis for inter-operable PJ (Azure, DIANE)  </a:t>
-            </a:r>
-          </a:p>
-          <a:p>
-            <a:r>
-              <a:rPr lang="en-US" sz="1700" dirty="0" smtClean="0"/>
-              <a:t>SAGA-based Pilot-Job form the basis for</a:t>
-            </a:r>
-          </a:p>
-          <a:p>
-            <a:pPr lvl="1"/>
-            <a:r>
-              <a:rPr lang="en-US" sz="1700" dirty="0" smtClean="0"/>
-              <a:t>Extension of Pilot-abstraction to other “dimensions”</a:t>
-            </a:r>
-          </a:p>
-          <a:p>
-            <a:pPr lvl="1"/>
-            <a:r>
-              <a:rPr lang="en-US" sz="1700" dirty="0" smtClean="0"/>
-              <a:t>For autonomic scheduling and application-level scheduling</a:t>
-            </a:r>
-          </a:p>
-          <a:p>
-            <a:pPr lvl="1"/>
-            <a:r>
-              <a:rPr lang="en-US" sz="1700" dirty="0" smtClean="0"/>
-              <a:t>Advanced run-time frameworks for load-balancing and FT</a:t>
-            </a:r>
-          </a:p>
-          <a:p>
-            <a:pPr lvl="1"/>
-            <a:endParaRPr lang="en-US" sz="1700" dirty="0" smtClean="0"/>
-          </a:p>
-        </p:txBody>
-      </p:sp>
+              <a:rPr lang="en-US" sz="2400" dirty="0" smtClean="0"/>
+              <a:t>)</a:t>
+            </a:r>
+            <a:endParaRPr lang="en-US" sz="2400" dirty="0"/>
+          </a:p>
+        </p:txBody>
+      </p:sp>
+      <p:pic>
+        <p:nvPicPr>
+          <p:cNvPr id="4" name="Content Placeholder 3" descr="bigjob.png"/>
+          <p:cNvPicPr>
+            <a:picLocks noGrp="1" noChangeAspect="1"/>
+          </p:cNvPicPr>
+          <p:nvPr>
+            <p:ph idx="1"/>
+          </p:nvPr>
+        </p:nvPicPr>
+        <p:blipFill>
+          <a:blip r:embed="rId2"/>
+          <a:srcRect l="-2356" r="-2356"/>
+          <a:stretch>
+            <a:fillRect/>
+          </a:stretch>
+        </p:blipFill>
+        <p:spPr/>
+      </p:pic>
     </p:spTree>
-    <p:extLst>
-      <p:ext uri="{BB962C8B-B14F-4D97-AF65-F5344CB8AC3E}">
-        <p14:creationId xmlns:mc="http://schemas.openxmlformats.org/markup-compatibility/2006" xmlns:mv="urn:schemas-microsoft-com:mac:vml" xmlns:p14="http://schemas.microsoft.com/office/powerpoint/2010/main" xmlns:p="http://schemas.openxmlformats.org/presentationml/2006/main" xmlns:r="http://schemas.openxmlformats.org/officeDocument/2006/relationships" xmlns:a="http://schemas.openxmlformats.org/drawingml/2006/main" xmlns="" val="2144568309"/>
-      </p:ext>
-    </p:extLst>
   </p:cSld>
   <p:clrMapOvr>
     <a:masterClrMapping/>
@@ -7252,103 +7316,38 @@
         <p:spPr/>
         <p:txBody>
           <a:bodyPr>
-            <a:normAutofit/>
+            <a:noAutofit/>
           </a:bodyPr>
           <a:lstStyle/>
           <a:p>
             <a:r>
               <a:rPr lang="en-US" sz="2400" dirty="0" smtClean="0"/>
-              <a:t>DARE-based Science Gateways</a:t>
+              <a:t>Deployment &amp; Scheduling of  Multiple  Infrastructure Independent Pilot-Jobs</a:t>
             </a:r>
             <a:endParaRPr lang="en-US" sz="2400" dirty="0"/>
-          </a:p>
-        </p:txBody>
-      </p:sp>
-      <p:sp>
-        <p:nvSpPr>
-          <p:cNvPr id="8" name="Content Placeholder 7"/>
-          <p:cNvSpPr>
-            <a:spLocks noGrp="1"/>
-          </p:cNvSpPr>
-          <p:nvPr>
-            <p:ph idx="1"/>
-          </p:nvPr>
-        </p:nvSpPr>
-        <p:spPr>
-          <a:xfrm>
-            <a:off x="546100" y="1595868"/>
-            <a:ext cx="3148357" cy="3910483"/>
-          </a:xfrm>
-        </p:spPr>
-        <p:txBody>
-          <a:bodyPr>
-            <a:normAutofit/>
-          </a:bodyPr>
-          <a:lstStyle/>
-          <a:p>
-            <a:r>
-              <a:rPr lang="en-US" sz="1700" dirty="0" smtClean="0"/>
-              <a:t>Provides fundamental abstractions for Dynamic and Adaptive Execution</a:t>
-            </a:r>
-          </a:p>
-          <a:p>
-            <a:pPr lvl="1"/>
-            <a:r>
-              <a:rPr lang="en-US" sz="1700" dirty="0" smtClean="0"/>
-              <a:t>Integrated compute and data </a:t>
-            </a:r>
-          </a:p>
-          <a:p>
-            <a:r>
-              <a:rPr lang="en-US" sz="1700" dirty="0" smtClean="0"/>
-              <a:t>Efficient and novel runtime environments for Map-Reduce</a:t>
-            </a:r>
-          </a:p>
-          <a:p>
-            <a:r>
-              <a:rPr lang="en-US" sz="1700" dirty="0" smtClean="0"/>
-              <a:t>Interoperable across DCI</a:t>
-            </a:r>
-          </a:p>
-          <a:p>
-            <a:r>
-              <a:rPr lang="en-US" sz="1700" dirty="0" smtClean="0"/>
-              <a:t>Extensible: new features and abstractions</a:t>
-            </a:r>
-            <a:endParaRPr lang="en-US" sz="1700" dirty="0"/>
           </a:p>
         </p:txBody>
       </p:sp>
       <p:pic>
         <p:nvPicPr>
-          <p:cNvPr id="5" name="Picture 4" descr="DAREOutline.png"/>
+          <p:cNvPr id="5" name="Content Placeholder 4" descr="distributed_pilot_job.png"/>
           <p:cNvPicPr>
-            <a:picLocks noChangeAspect="1"/>
+            <a:picLocks noGrp="1" noChangeAspect="1"/>
           </p:cNvPicPr>
-          <p:nvPr/>
+          <p:nvPr>
+            <p:ph idx="1"/>
+          </p:nvPr>
         </p:nvPicPr>
         <p:blipFill>
-          <a:blip r:embed="rId3"/>
+          <a:blip r:embed="rId2"/>
+          <a:srcRect t="-10678" b="-10678"/>
           <a:stretch>
             <a:fillRect/>
           </a:stretch>
         </p:blipFill>
-        <p:spPr>
-          <a:xfrm>
-            <a:off x="3694457" y="1595868"/>
-            <a:ext cx="5449543" cy="4601733"/>
-          </a:xfrm>
-          <a:prstGeom prst="rect">
-            <a:avLst/>
-          </a:prstGeom>
-        </p:spPr>
+        <p:spPr/>
       </p:pic>
     </p:spTree>
-    <p:extLst>
-      <p:ext uri="{BB962C8B-B14F-4D97-AF65-F5344CB8AC3E}">
-        <p14:creationId xmlns:mc="http://schemas.openxmlformats.org/markup-compatibility/2006" xmlns:mv="urn:schemas-microsoft-com:mac:vml" xmlns:p14="http://schemas.microsoft.com/office/powerpoint/2010/main" xmlns:p="http://schemas.openxmlformats.org/presentationml/2006/main" xmlns:r="http://schemas.openxmlformats.org/officeDocument/2006/relationships" xmlns:a="http://schemas.openxmlformats.org/drawingml/2006/main" xmlns="" val="647122911"/>
-      </p:ext>
-    </p:extLst>
   </p:cSld>
   <p:clrMapOvr>
     <a:masterClrMapping/>
@@ -7382,7 +7381,7 @@
       </p:grpSpPr>
       <p:sp>
         <p:nvSpPr>
-          <p:cNvPr id="2" name="Title 1"/>
+          <p:cNvPr id="4" name="Title 3"/>
           <p:cNvSpPr>
             <a:spLocks noGrp="1"/>
           </p:cNvSpPr>
@@ -7393,85 +7392,167 @@
         <p:spPr/>
         <p:txBody>
           <a:bodyPr>
-            <a:normAutofit fontScale="90000"/>
+            <a:normAutofit/>
           </a:bodyPr>
           <a:lstStyle/>
           <a:p>
             <a:r>
-              <a:rPr lang="en-US" sz="2800" dirty="0" smtClean="0"/>
-              <a:t>Tradeoffs: Comp. </a:t>
-            </a:r>
-            <a:r>
-              <a:rPr lang="en-US" sz="2800" dirty="0" err="1" smtClean="0"/>
-              <a:t>vs</a:t>
-            </a:r>
-            <a:r>
-              <a:rPr lang="en-US" sz="2800" dirty="0" smtClean="0"/>
-              <a:t> </a:t>
-            </a:r>
-            <a:r>
-              <a:rPr lang="en-US" sz="2800" dirty="0" err="1" smtClean="0"/>
-              <a:t>Mem</a:t>
-            </a:r>
-            <a:r>
-              <a:rPr lang="en-US" sz="2800" dirty="0" smtClean="0"/>
-              <a:t>. </a:t>
-            </a:r>
-            <a:r>
-              <a:rPr lang="en-US" sz="2800" dirty="0" err="1" smtClean="0"/>
-              <a:t>vs</a:t>
-            </a:r>
-            <a:r>
-              <a:rPr lang="en-US" sz="2800" dirty="0" smtClean="0"/>
-              <a:t> I/O </a:t>
-            </a:r>
-            <a:r>
-              <a:rPr lang="en-US" sz="2800" dirty="0" err="1" smtClean="0"/>
-              <a:t>vs</a:t>
-            </a:r>
-            <a:r>
-              <a:rPr lang="en-US" sz="2800" dirty="0" smtClean="0"/>
-              <a:t> </a:t>
-            </a:r>
-            <a:r>
-              <a:rPr lang="en-US" sz="2800" dirty="0" err="1" smtClean="0"/>
-              <a:t>DoD</a:t>
-            </a:r>
-            <a:endParaRPr lang="en-US" sz="2800" dirty="0">
-              <a:latin typeface="Arial"/>
-              <a:cs typeface="Arial"/>
-            </a:endParaRPr>
-          </a:p>
-        </p:txBody>
-      </p:sp>
-      <p:pic>
-        <p:nvPicPr>
-          <p:cNvPr id="22" name="Picture 21" descr="bfast-dare-scaleout.png"/>
-          <p:cNvPicPr>
-            <a:picLocks noChangeAspect="1"/>
-          </p:cNvPicPr>
-          <p:nvPr/>
-        </p:nvPicPr>
-        <p:blipFill>
-          <a:blip r:embed="rId3"/>
-          <a:stretch>
-            <a:fillRect/>
-          </a:stretch>
-        </p:blipFill>
+              <a:rPr lang="en-US" sz="2400" dirty="0" smtClean="0"/>
+              <a:t>What is “unique” about Pilot-Jobs built using the right abstractions?</a:t>
+            </a:r>
+            <a:endParaRPr lang="en-US" sz="2400" dirty="0"/>
+          </a:p>
+        </p:txBody>
+      </p:sp>
+      <p:sp>
+        <p:nvSpPr>
+          <p:cNvPr id="3" name="Content Placeholder 2"/>
+          <p:cNvSpPr>
+            <a:spLocks noGrp="1"/>
+          </p:cNvSpPr>
+          <p:nvPr>
+            <p:ph idx="1"/>
+          </p:nvPr>
+        </p:nvSpPr>
         <p:spPr>
           <a:xfrm>
-            <a:off x="25400" y="1223319"/>
-            <a:ext cx="9144000" cy="4411362"/>
+            <a:off x="745246" y="1250480"/>
+            <a:ext cx="8195553" cy="5023320"/>
           </a:xfrm>
-          <a:prstGeom prst="rect">
-            <a:avLst/>
-          </a:prstGeom>
         </p:spPr>
-      </p:pic>
+        <p:txBody>
+          <a:bodyPr>
+            <a:noAutofit/>
+          </a:bodyPr>
+          <a:lstStyle/>
+          <a:p>
+            <a:r>
+              <a:rPr lang="en-US" sz="1700" dirty="0" smtClean="0"/>
+              <a:t>Pilot-Jobs: Decouple resource assignment &amp; resource-workload binding</a:t>
+            </a:r>
+          </a:p>
+          <a:p>
+            <a:r>
+              <a:rPr lang="en-US" sz="1700" dirty="0" smtClean="0"/>
+              <a:t>Pilot-Jobs are/have been typically used for:</a:t>
+            </a:r>
+          </a:p>
+          <a:p>
+            <a:pPr lvl="1"/>
+            <a:r>
+              <a:rPr lang="en-US" sz="1700" dirty="0" smtClean="0"/>
+              <a:t>Enhancing resource utilization; Facilitate high-throughput simulation</a:t>
+            </a:r>
+          </a:p>
+          <a:p>
+            <a:pPr lvl="1"/>
+            <a:r>
+              <a:rPr lang="en-US" sz="1700" dirty="0" smtClean="0"/>
+              <a:t>Lowering wait time for multiple jobs (better predictability)</a:t>
+            </a:r>
+          </a:p>
+          <a:p>
+            <a:r>
+              <a:rPr lang="en-US" sz="1700" dirty="0" smtClean="0"/>
+              <a:t>Several unique aspects  about the SAGA-based Pilot-Job</a:t>
+            </a:r>
+          </a:p>
+          <a:p>
+            <a:pPr lvl="1"/>
+            <a:r>
+              <a:rPr lang="en-US" sz="1700" dirty="0" smtClean="0"/>
+              <a:t>Pilot-Jobs have not been used for Science Driven Objectives:</a:t>
+            </a:r>
+          </a:p>
+          <a:p>
+            <a:pPr lvl="2"/>
+            <a:r>
+              <a:rPr lang="en-US" sz="1700" dirty="0" smtClean="0"/>
+              <a:t>First demonstration of multi-physics simulations, REMD simulations </a:t>
+            </a:r>
+          </a:p>
+          <a:p>
+            <a:pPr lvl="2"/>
+            <a:r>
+              <a:rPr lang="en-US" sz="1700" dirty="0" smtClean="0"/>
+              <a:t>Frameworks based upon </a:t>
+            </a:r>
+            <a:r>
+              <a:rPr lang="en-US" sz="1700" dirty="0" err="1" smtClean="0"/>
+              <a:t>PJs</a:t>
+            </a:r>
+            <a:r>
+              <a:rPr lang="en-US" sz="1700" dirty="0" smtClean="0"/>
+              <a:t> (pull model) for specific back-ends</a:t>
+            </a:r>
+          </a:p>
+          <a:p>
+            <a:pPr lvl="1"/>
+            <a:r>
+              <a:rPr lang="en-US" sz="1700" dirty="0" smtClean="0"/>
+              <a:t>Infrastructure Independent and “standard” PJ API to access other </a:t>
+            </a:r>
+            <a:r>
+              <a:rPr lang="en-US" sz="1700" dirty="0" err="1" smtClean="0"/>
+              <a:t>PJs</a:t>
+            </a:r>
+            <a:r>
+              <a:rPr lang="en-US" sz="1700" dirty="0" smtClean="0"/>
+              <a:t> </a:t>
+            </a:r>
+          </a:p>
+          <a:p>
+            <a:pPr lvl="2"/>
+            <a:r>
+              <a:rPr lang="en-US" sz="1700" dirty="0" smtClean="0"/>
+              <a:t>SAGA PJ (</a:t>
+            </a:r>
+            <a:r>
+              <a:rPr lang="en-US" sz="1700" dirty="0" err="1" smtClean="0"/>
+              <a:t>BigJob</a:t>
+            </a:r>
+            <a:r>
+              <a:rPr lang="en-US" sz="1700" dirty="0" smtClean="0"/>
+              <a:t>) API  basis for inter-operable PJ (Azure, DIANE)  </a:t>
+            </a:r>
+          </a:p>
+          <a:p>
+            <a:r>
+              <a:rPr lang="en-US" sz="1700" dirty="0" smtClean="0"/>
+              <a:t>SAGA-based Pilot-Job form the basis for</a:t>
+            </a:r>
+          </a:p>
+          <a:p>
+            <a:pPr lvl="1"/>
+            <a:r>
+              <a:rPr lang="en-US" sz="1700" dirty="0" smtClean="0"/>
+              <a:t>Extension of Pilot-abstraction to other “dimensions”</a:t>
+            </a:r>
+          </a:p>
+          <a:p>
+            <a:pPr lvl="1"/>
+            <a:r>
+              <a:rPr lang="en-US" sz="1700" dirty="0" smtClean="0"/>
+              <a:t>For autonomic scheduling and application-level scheduling</a:t>
+            </a:r>
+          </a:p>
+          <a:p>
+            <a:pPr lvl="1"/>
+            <a:r>
+              <a:rPr lang="en-US" sz="1700" dirty="0" smtClean="0"/>
+              <a:t>Advanced run-time frameworks for load-balancing and FT</a:t>
+            </a:r>
+          </a:p>
+          <a:p>
+            <a:pPr lvl="1"/>
+            <a:endParaRPr lang="en-US" sz="1700" dirty="0" smtClean="0"/>
+          </a:p>
+        </p:txBody>
+      </p:sp>
     </p:spTree>
     <p:extLst>
       <p:ext uri="{BB962C8B-B14F-4D97-AF65-F5344CB8AC3E}">
-        <p14:creationId xmlns:mc="http://schemas.openxmlformats.org/markup-compatibility/2006" xmlns:mv="urn:schemas-microsoft-com:mac:vml" xmlns:p14="http://schemas.microsoft.com/office/powerpoint/2010/main" xmlns:p="http://schemas.openxmlformats.org/presentationml/2006/main" xmlns:r="http://schemas.openxmlformats.org/officeDocument/2006/relationships" xmlns:a="http://schemas.openxmlformats.org/drawingml/2006/main" xmlns="" val="3147052436"/>
+        <p14:creationId xmlns:mc="http://schemas.openxmlformats.org/markup-compatibility/2006" xmlns:mv="urn:schemas-microsoft-com:mac:vml" xmlns:p14="http://schemas.microsoft.com/office/powerpoint/2010/main" xmlns:p="http://schemas.openxmlformats.org/presentationml/2006/main" xmlns:r="http://schemas.openxmlformats.org/officeDocument/2006/relationships" xmlns:a="http://schemas.openxmlformats.org/drawingml/2006/main" xmlns="" val="2144568309"/>
       </p:ext>
     </p:extLst>
   </p:cSld>
@@ -7522,17 +7603,72 @@
           </a:bodyPr>
           <a:lstStyle/>
           <a:p>
-            <a:pPr algn="ctr"/>
-            <a:r>
-              <a:rPr lang="en-US" sz="2400" dirty="0"/>
-              <a:t>DARE-NGS : Mapping on Scalable Distributed HPC resources</a:t>
-            </a:r>
+            <a:r>
+              <a:rPr lang="en-US" sz="2400" dirty="0" smtClean="0"/>
+              <a:t>DARE-based Science Gateways</a:t>
+            </a:r>
+            <a:endParaRPr lang="en-US" sz="2400" dirty="0"/>
+          </a:p>
+        </p:txBody>
+      </p:sp>
+      <p:sp>
+        <p:nvSpPr>
+          <p:cNvPr id="8" name="Content Placeholder 7"/>
+          <p:cNvSpPr>
+            <a:spLocks noGrp="1"/>
+          </p:cNvSpPr>
+          <p:nvPr>
+            <p:ph idx="1"/>
+          </p:nvPr>
+        </p:nvSpPr>
+        <p:spPr>
+          <a:xfrm>
+            <a:off x="546100" y="1595868"/>
+            <a:ext cx="3148357" cy="3910483"/>
+          </a:xfrm>
+        </p:spPr>
+        <p:txBody>
+          <a:bodyPr>
+            <a:normAutofit/>
+          </a:bodyPr>
+          <a:lstStyle/>
+          <a:p>
+            <a:r>
+              <a:rPr lang="en-US" sz="1700" dirty="0" smtClean="0"/>
+              <a:t>Provides fundamental abstractions for Dynamic and Adaptive Execution</a:t>
+            </a:r>
+          </a:p>
+          <a:p>
+            <a:pPr lvl="1"/>
+            <a:r>
+              <a:rPr lang="en-US" sz="1700" dirty="0" smtClean="0"/>
+              <a:t>Integrated compute and data </a:t>
+            </a:r>
+          </a:p>
+          <a:p>
+            <a:r>
+              <a:rPr lang="en-US" sz="1700" dirty="0" smtClean="0"/>
+              <a:t>Efficient and novel runtime environments for Map-Reduce</a:t>
+            </a:r>
+          </a:p>
+          <a:p>
+            <a:r>
+              <a:rPr lang="en-US" sz="1700" dirty="0" smtClean="0"/>
+              <a:t>Interoperable across DCI</a:t>
+            </a:r>
+          </a:p>
+          <a:p>
+            <a:r>
+              <a:rPr lang="en-US" sz="1700" dirty="0" smtClean="0"/>
+              <a:t>Extensible: new features and abstractions</a:t>
+            </a:r>
+            <a:endParaRPr lang="en-US" sz="1700" dirty="0"/>
           </a:p>
         </p:txBody>
       </p:sp>
       <p:pic>
         <p:nvPicPr>
-          <p:cNvPr id="10" name="Picture 9" descr="table6-ecmls04.png"/>
+          <p:cNvPr id="5" name="Picture 4" descr="DAREOutline.png"/>
           <p:cNvPicPr>
             <a:picLocks noChangeAspect="1"/>
           </p:cNvPicPr>
@@ -7546,32 +7682,8 @@
         </p:blipFill>
         <p:spPr>
           <a:xfrm>
-            <a:off x="419100" y="1511300"/>
-            <a:ext cx="7988300" cy="2750958"/>
-          </a:xfrm>
-          <a:prstGeom prst="rect">
-            <a:avLst/>
-          </a:prstGeom>
-        </p:spPr>
-      </p:pic>
-      <p:pic>
-        <p:nvPicPr>
-          <p:cNvPr id="5" name="Picture 4" descr="table7-ecmls04.png"/>
-          <p:cNvPicPr>
-            <a:picLocks noChangeAspect="1"/>
-          </p:cNvPicPr>
-          <p:nvPr/>
-        </p:nvPicPr>
-        <p:blipFill>
-          <a:blip r:embed="rId4"/>
-          <a:stretch>
-            <a:fillRect/>
-          </a:stretch>
-        </p:blipFill>
-        <p:spPr>
-          <a:xfrm>
-            <a:off x="444500" y="4262258"/>
-            <a:ext cx="7988300" cy="2311400"/>
+            <a:off x="3694457" y="1595868"/>
+            <a:ext cx="5449543" cy="4601733"/>
           </a:xfrm>
           <a:prstGeom prst="rect">
             <a:avLst/>
@@ -7581,7 +7693,7 @@
     </p:spTree>
     <p:extLst>
       <p:ext uri="{BB962C8B-B14F-4D97-AF65-F5344CB8AC3E}">
-        <p14:creationId xmlns:mc="http://schemas.openxmlformats.org/markup-compatibility/2006" xmlns:mv="urn:schemas-microsoft-com:mac:vml" xmlns:p14="http://schemas.microsoft.com/office/powerpoint/2010/main" xmlns:p="http://schemas.openxmlformats.org/presentationml/2006/main" xmlns:r="http://schemas.openxmlformats.org/officeDocument/2006/relationships" xmlns:a="http://schemas.openxmlformats.org/drawingml/2006/main" xmlns="" val="3440781938"/>
+        <p14:creationId xmlns:mc="http://schemas.openxmlformats.org/markup-compatibility/2006" xmlns:mv="urn:schemas-microsoft-com:mac:vml" xmlns:p14="http://schemas.microsoft.com/office/powerpoint/2010/main" xmlns:p="http://schemas.openxmlformats.org/presentationml/2006/main" xmlns:r="http://schemas.openxmlformats.org/officeDocument/2006/relationships" xmlns:a="http://schemas.openxmlformats.org/drawingml/2006/main" xmlns="" val="647122911"/>
       </p:ext>
     </p:extLst>
   </p:cSld>
@@ -8199,8 +8311,20 @@
             <a:pPr lvl="2"/>
             <a:r>
               <a:rPr lang="en-US" sz="1700" dirty="0" smtClean="0"/>
-              <a:t>Resource Elasticity/Cloudburst + Heterogeneous task-resource binding and need to for application configuration trade-offs</a:t>
-            </a:r>
+              <a:t>Resource Elasticity/Cloudburst + Heterogeneous task-resource binding and need to for application configuration trade-</a:t>
+            </a:r>
+            <a:r>
+              <a:rPr lang="en-US" sz="1700" dirty="0" smtClean="0"/>
+              <a:t>offs</a:t>
+            </a:r>
+          </a:p>
+          <a:p>
+            <a:pPr lvl="2"/>
+            <a:r>
+              <a:rPr lang="en-US" sz="1700" dirty="0" smtClean="0"/>
+              <a:t>When to move data to compute, compute to data?</a:t>
+            </a:r>
+            <a:endParaRPr lang="en-US" sz="1700" dirty="0" smtClean="0"/>
           </a:p>
           <a:p>
             <a:pPr lvl="1"/>
@@ -8563,13 +8687,6 @@
             <a:r>
               <a:rPr lang="en-US" sz="1700" dirty="0" smtClean="0"/>
               <a:t>size</a:t>
-            </a:r>
-          </a:p>
-          <a:p>
-            <a:pPr lvl="2"/>
-            <a:r>
-              <a:rPr lang="en-US" sz="1700" dirty="0" smtClean="0"/>
-              <a:t>Thus need specific ….</a:t>
             </a:r>
           </a:p>
           <a:p>
@@ -9380,2000 +9497,7 @@
 </p:sld>
 </file>
 
-<file path=ppt/slides/slide3.xml><?xml version="1.0" encoding="utf-8"?>
-<p:sld xmlns:a="http://schemas.openxmlformats.org/drawingml/2006/main" xmlns:r="http://schemas.openxmlformats.org/officeDocument/2006/relationships" xmlns:mc="http://schemas.openxmlformats.org/markup-compatibility/2006" xmlns:mv="urn:schemas-microsoft-com:mac:vml" xmlns:p="http://schemas.openxmlformats.org/presentationml/2006/main" mc:Ignorable="mv" mc:PreserveAttributes="mv:*">
-  <p:cSld>
-    <p:spTree>
-      <p:nvGrpSpPr>
-        <p:cNvPr id="1" name=""/>
-        <p:cNvGrpSpPr/>
-        <p:nvPr/>
-      </p:nvGrpSpPr>
-      <p:grpSpPr>
-        <a:xfrm>
-          <a:off x="0" y="0"/>
-          <a:ext cx="0" cy="0"/>
-          <a:chOff x="0" y="0"/>
-          <a:chExt cx="0" cy="0"/>
-        </a:xfrm>
-      </p:grpSpPr>
-      <p:sp>
-        <p:nvSpPr>
-          <p:cNvPr id="2" name="Title 1"/>
-          <p:cNvSpPr>
-            <a:spLocks noGrp="1"/>
-          </p:cNvSpPr>
-          <p:nvPr>
-            <p:ph type="title"/>
-          </p:nvPr>
-        </p:nvSpPr>
-        <p:spPr/>
-        <p:txBody>
-          <a:bodyPr>
-            <a:normAutofit/>
-          </a:bodyPr>
-          <a:lstStyle/>
-          <a:p>
-            <a:r>
-              <a:rPr lang="en-US" sz="2400" dirty="0" smtClean="0"/>
-              <a:t>NGS Analytics</a:t>
-            </a:r>
-            <a:endParaRPr lang="en-US" sz="2400" dirty="0"/>
-          </a:p>
-        </p:txBody>
-      </p:sp>
-      <p:pic>
-        <p:nvPicPr>
-          <p:cNvPr id="6" name="Content Placeholder 5" descr="nih_cost_per_genome.jpg"/>
-          <p:cNvPicPr>
-            <a:picLocks noGrp="1" noChangeAspect="1"/>
-          </p:cNvPicPr>
-          <p:nvPr>
-            <p:ph idx="1"/>
-          </p:nvPr>
-        </p:nvPicPr>
-        <p:blipFill>
-          <a:blip r:embed="rId2"/>
-          <a:srcRect l="-14834" r="-14834"/>
-          <a:stretch>
-            <a:fillRect/>
-          </a:stretch>
-        </p:blipFill>
-        <p:spPr/>
-      </p:pic>
-    </p:spTree>
-  </p:cSld>
-  <p:clrMapOvr>
-    <a:masterClrMapping/>
-  </p:clrMapOvr>
-  <p:timing>
-    <p:tnLst>
-      <p:par>
-        <p:cTn id="1" dur="indefinite" restart="never" nodeType="tmRoot"/>
-      </p:par>
-    </p:tnLst>
-  </p:timing>
-</p:sld>
-</file>
-
-<file path=ppt/slides/slide4.xml><?xml version="1.0" encoding="utf-8"?>
-<p:sld xmlns:a="http://schemas.openxmlformats.org/drawingml/2006/main" xmlns:r="http://schemas.openxmlformats.org/officeDocument/2006/relationships" xmlns:mc="http://schemas.openxmlformats.org/markup-compatibility/2006" xmlns:mv="urn:schemas-microsoft-com:mac:vml" xmlns:p="http://schemas.openxmlformats.org/presentationml/2006/main" mc:Ignorable="mv" mc:PreserveAttributes="mv:*">
-  <p:cSld>
-    <p:spTree>
-      <p:nvGrpSpPr>
-        <p:cNvPr id="1" name=""/>
-        <p:cNvGrpSpPr/>
-        <p:nvPr/>
-      </p:nvGrpSpPr>
-      <p:grpSpPr>
-        <a:xfrm>
-          <a:off x="0" y="0"/>
-          <a:ext cx="0" cy="0"/>
-          <a:chOff x="0" y="0"/>
-          <a:chExt cx="0" cy="0"/>
-        </a:xfrm>
-      </p:grpSpPr>
-      <p:sp>
-        <p:nvSpPr>
-          <p:cNvPr id="2" name="Title 1"/>
-          <p:cNvSpPr>
-            <a:spLocks noGrp="1"/>
-          </p:cNvSpPr>
-          <p:nvPr>
-            <p:ph type="title"/>
-          </p:nvPr>
-        </p:nvSpPr>
-        <p:spPr/>
-        <p:txBody>
-          <a:bodyPr>
-            <a:normAutofit/>
-          </a:bodyPr>
-          <a:lstStyle/>
-          <a:p>
-            <a:r>
-              <a:rPr lang="en-US" sz="2400" dirty="0" smtClean="0">
-                <a:solidFill>
-                  <a:prstClr val="white"/>
-                </a:solidFill>
-              </a:rPr>
-              <a:t>BFAST: A prototype for NGS Analytics</a:t>
-            </a:r>
-            <a:endParaRPr lang="en-US" dirty="0"/>
-          </a:p>
-        </p:txBody>
-      </p:sp>
-      <p:sp>
-        <p:nvSpPr>
-          <p:cNvPr id="3" name="Content Placeholder 2"/>
-          <p:cNvSpPr>
-            <a:spLocks noGrp="1"/>
-          </p:cNvSpPr>
-          <p:nvPr>
-            <p:ph idx="1"/>
-          </p:nvPr>
-        </p:nvSpPr>
-        <p:spPr>
-          <a:xfrm>
-            <a:off x="300747" y="1450974"/>
-            <a:ext cx="8182853" cy="4479925"/>
-          </a:xfrm>
-        </p:spPr>
-        <p:txBody>
-          <a:bodyPr>
-            <a:noAutofit/>
-          </a:bodyPr>
-          <a:lstStyle/>
-          <a:p>
-            <a:r>
-              <a:rPr lang="en-US" sz="1700" dirty="0" smtClean="0"/>
-              <a:t>Most software is associated with specific sequencing </a:t>
-            </a:r>
-            <a:r>
-              <a:rPr lang="en-US" sz="1700" dirty="0" smtClean="0"/>
-              <a:t>instruments</a:t>
-            </a:r>
-          </a:p>
-          <a:p>
-            <a:pPr lvl="1"/>
-            <a:r>
-              <a:rPr lang="en-US" sz="1700" dirty="0" smtClean="0"/>
-              <a:t>Multi-stage, but focus on alignment/mapping</a:t>
-            </a:r>
-          </a:p>
-          <a:p>
-            <a:r>
-              <a:rPr lang="en-US" sz="1700" dirty="0" smtClean="0"/>
-              <a:t>Classify </a:t>
-            </a:r>
-            <a:r>
-              <a:rPr lang="en-US" sz="1700" dirty="0" smtClean="0"/>
-              <a:t>most alignment software into categories 	based upon based upon indexing property</a:t>
-            </a:r>
-          </a:p>
-          <a:p>
-            <a:pPr lvl="1"/>
-            <a:r>
-              <a:rPr lang="en-US" sz="1700" dirty="0" smtClean="0"/>
-              <a:t>Hash-based and Tree-based</a:t>
-            </a:r>
-          </a:p>
-          <a:p>
-            <a:r>
-              <a:rPr lang="en-US" sz="1700" dirty="0" smtClean="0"/>
-              <a:t>Relative to other alignments programs, 					BFAST has:		</a:t>
-            </a:r>
-            <a:endParaRPr lang="en-US" sz="1700" dirty="0" smtClean="0"/>
-          </a:p>
-          <a:p>
-            <a:pPr lvl="1"/>
-            <a:r>
-              <a:rPr lang="en-US" sz="1700" dirty="0" smtClean="0"/>
-              <a:t>higher sensitivity</a:t>
-            </a:r>
-          </a:p>
-          <a:p>
-            <a:pPr lvl="1"/>
-            <a:r>
-              <a:rPr lang="en-US" sz="1700" dirty="0" smtClean="0"/>
-              <a:t>large </a:t>
-            </a:r>
-            <a:r>
-              <a:rPr lang="en-US" sz="1700" dirty="0" smtClean="0"/>
-              <a:t>memory</a:t>
-            </a:r>
-            <a:r>
-              <a:rPr lang="en-US" sz="1700" dirty="0" smtClean="0"/>
-              <a:t> and </a:t>
-            </a:r>
-            <a:r>
-              <a:rPr lang="en-US" sz="1700" dirty="0" smtClean="0"/>
-              <a:t>disk</a:t>
-            </a:r>
-            <a:r>
-              <a:rPr lang="en-US" sz="1700" dirty="0" smtClean="0"/>
-              <a:t> requirements</a:t>
-            </a:r>
-          </a:p>
-          <a:p>
-            <a:r>
-              <a:rPr lang="en-US" sz="1700" dirty="0" smtClean="0"/>
-              <a:t>Data </a:t>
-            </a:r>
-            <a:r>
-              <a:rPr lang="en-US" sz="1700" dirty="0" smtClean="0"/>
-              <a:t>types:</a:t>
-            </a:r>
-            <a:endParaRPr lang="en-US" sz="1700" dirty="0" smtClean="0"/>
-          </a:p>
-          <a:p>
-            <a:pPr lvl="1"/>
-            <a:r>
-              <a:rPr lang="en-US" sz="1700" dirty="0" smtClean="0"/>
-              <a:t>Short read  data</a:t>
-            </a:r>
-          </a:p>
-          <a:p>
-            <a:pPr lvl="1"/>
-            <a:r>
-              <a:rPr lang="en-US" sz="1700" dirty="0" smtClean="0"/>
-              <a:t>Reference </a:t>
-            </a:r>
-            <a:r>
-              <a:rPr lang="en-US" sz="1700" dirty="0" smtClean="0"/>
-              <a:t>Index data</a:t>
-            </a:r>
-          </a:p>
-          <a:p>
-            <a:endParaRPr lang="en-US" sz="1700" dirty="0" smtClean="0"/>
-          </a:p>
-        </p:txBody>
-      </p:sp>
-      <p:pic>
-        <p:nvPicPr>
-          <p:cNvPr id="13" name="Picture 12" descr="ngs-sw-comp.png"/>
-          <p:cNvPicPr>
-            <a:picLocks noChangeAspect="1"/>
-          </p:cNvPicPr>
-          <p:nvPr/>
-        </p:nvPicPr>
-        <p:blipFill>
-          <a:blip r:embed="rId2"/>
-          <a:stretch>
-            <a:fillRect/>
-          </a:stretch>
-        </p:blipFill>
-        <p:spPr>
-          <a:xfrm>
-            <a:off x="4927600" y="4645585"/>
-            <a:ext cx="4114800" cy="2047315"/>
-          </a:xfrm>
-          <a:prstGeom prst="rect">
-            <a:avLst/>
-          </a:prstGeom>
-        </p:spPr>
-      </p:pic>
-      <p:pic>
-        <p:nvPicPr>
-          <p:cNvPr id="6" name="Picture 5" descr="workflow.png"/>
-          <p:cNvPicPr>
-            <a:picLocks noChangeAspect="1"/>
-          </p:cNvPicPr>
-          <p:nvPr/>
-        </p:nvPicPr>
-        <p:blipFill>
-          <a:blip r:embed="rId3">
-            <a:extLst>
-              <a:ext uri="{28A0092B-C50C-407E-A947-70E740481C1C}">
-                <a14:useLocalDpi xmlns:mc="http://schemas.openxmlformats.org/markup-compatibility/2006" xmlns:mv="urn:schemas-microsoft-com:mac:vml" xmlns:a14="http://schemas.microsoft.com/office/drawing/2010/main" xmlns:p="http://schemas.openxmlformats.org/presentationml/2006/main" xmlns:r="http://schemas.openxmlformats.org/officeDocument/2006/relationships" xmlns:a="http://schemas.openxmlformats.org/drawingml/2006/main" xmlns=""/>
-              </a:ext>
-            </a:extLst>
-          </a:blip>
-          <a:stretch>
-            <a:fillRect/>
-          </a:stretch>
-        </p:blipFill>
-        <p:spPr>
-          <a:xfrm>
-            <a:off x="5992679" y="1866900"/>
-            <a:ext cx="2846521" cy="2476500"/>
-          </a:xfrm>
-          <a:prstGeom prst="rect">
-            <a:avLst/>
-          </a:prstGeom>
-          <a:ln/>
-        </p:spPr>
-        <p:style>
-          <a:lnRef idx="2">
-            <a:schemeClr val="accent2">
-              <a:shade val="50000"/>
-            </a:schemeClr>
-          </a:lnRef>
-          <a:fillRef idx="1">
-            <a:schemeClr val="accent2"/>
-          </a:fillRef>
-          <a:effectRef idx="0">
-            <a:schemeClr val="accent2"/>
-          </a:effectRef>
-          <a:fontRef idx="minor">
-            <a:schemeClr val="lt1"/>
-          </a:fontRef>
-        </p:style>
-      </p:pic>
-    </p:spTree>
-  </p:cSld>
-  <p:clrMapOvr>
-    <a:masterClrMapping/>
-  </p:clrMapOvr>
-  <p:timing>
-    <p:tnLst>
-      <p:par>
-        <p:cTn id="1" dur="indefinite" restart="never" nodeType="tmRoot">
-          <p:childTnLst>
-            <p:seq concurrent="1" nextAc="seek">
-              <p:cTn id="2" dur="indefinite" nodeType="mainSeq">
-                <p:childTnLst>
-                  <p:par>
-                    <p:cTn id="3" fill="hold">
-                      <p:stCondLst>
-                        <p:cond delay="indefinite"/>
-                        <p:cond evt="onBegin" delay="0">
-                          <p:tn val="2"/>
-                        </p:cond>
-                      </p:stCondLst>
-                      <p:childTnLst>
-                        <p:par>
-                          <p:cTn id="4" fill="hold">
-                            <p:stCondLst>
-                              <p:cond delay="0"/>
-                            </p:stCondLst>
-                            <p:childTnLst>
-                              <p:par>
-                                <p:cTn id="5" presetID="2" presetClass="entr" presetSubtype="4" fill="hold" nodeType="withEffect">
-                                  <p:stCondLst>
-                                    <p:cond delay="0"/>
-                                  </p:stCondLst>
-                                  <p:childTnLst>
-                                    <p:set>
-                                      <p:cBhvr>
-                                        <p:cTn id="6" dur="1" fill="hold">
-                                          <p:stCondLst>
-                                            <p:cond delay="0"/>
-                                          </p:stCondLst>
-                                        </p:cTn>
-                                        <p:tgtEl>
-                                          <p:spTgt spid="6"/>
-                                        </p:tgtEl>
-                                        <p:attrNameLst>
-                                          <p:attrName>style.visibility</p:attrName>
-                                        </p:attrNameLst>
-                                      </p:cBhvr>
-                                      <p:to>
-                                        <p:strVal val="visible"/>
-                                      </p:to>
-                                    </p:set>
-                                    <p:anim calcmode="lin" valueType="num">
-                                      <p:cBhvr additive="base">
-                                        <p:cTn id="7" dur="500" fill="hold"/>
-                                        <p:tgtEl>
-                                          <p:spTgt spid="6"/>
-                                        </p:tgtEl>
-                                        <p:attrNameLst>
-                                          <p:attrName>ppt_x</p:attrName>
-                                        </p:attrNameLst>
-                                      </p:cBhvr>
-                                      <p:tavLst>
-                                        <p:tav tm="0">
-                                          <p:val>
-                                            <p:strVal val="#ppt_x"/>
-                                          </p:val>
-                                        </p:tav>
-                                        <p:tav tm="100000">
-                                          <p:val>
-                                            <p:strVal val="#ppt_x"/>
-                                          </p:val>
-                                        </p:tav>
-                                      </p:tavLst>
-                                    </p:anim>
-                                    <p:anim calcmode="lin" valueType="num">
-                                      <p:cBhvr additive="base">
-                                        <p:cTn id="8" dur="500" fill="hold"/>
-                                        <p:tgtEl>
-                                          <p:spTgt spid="6"/>
-                                        </p:tgtEl>
-                                        <p:attrNameLst>
-                                          <p:attrName>ppt_y</p:attrName>
-                                        </p:attrNameLst>
-                                      </p:cBhvr>
-                                      <p:tavLst>
-                                        <p:tav tm="0">
-                                          <p:val>
-                                            <p:strVal val="1+#ppt_h/2"/>
-                                          </p:val>
-                                        </p:tav>
-                                        <p:tav tm="100000">
-                                          <p:val>
-                                            <p:strVal val="#ppt_y"/>
-                                          </p:val>
-                                        </p:tav>
-                                      </p:tavLst>
-                                    </p:anim>
-                                  </p:childTnLst>
-                                </p:cTn>
-                              </p:par>
-                            </p:childTnLst>
-                          </p:cTn>
-                        </p:par>
-                      </p:childTnLst>
-                    </p:cTn>
-                  </p:par>
-                </p:childTnLst>
-              </p:cTn>
-              <p:prevCondLst>
-                <p:cond evt="onPrev" delay="0">
-                  <p:tgtEl>
-                    <p:sldTgt/>
-                  </p:tgtEl>
-                </p:cond>
-              </p:prevCondLst>
-              <p:nextCondLst>
-                <p:cond evt="onNext" delay="0">
-                  <p:tgtEl>
-                    <p:sldTgt/>
-                  </p:tgtEl>
-                </p:cond>
-              </p:nextCondLst>
-            </p:seq>
-          </p:childTnLst>
-        </p:cTn>
-      </p:par>
-    </p:tnLst>
-  </p:timing>
-</p:sld>
-</file>
-
-<file path=ppt/slides/slide5.xml><?xml version="1.0" encoding="utf-8"?>
-<p:sld xmlns:a="http://schemas.openxmlformats.org/drawingml/2006/main" xmlns:r="http://schemas.openxmlformats.org/officeDocument/2006/relationships" xmlns:mc="http://schemas.openxmlformats.org/markup-compatibility/2006" xmlns:mv="urn:schemas-microsoft-com:mac:vml" xmlns:p="http://schemas.openxmlformats.org/presentationml/2006/main" mc:Ignorable="mv" mc:PreserveAttributes="mv:*">
-  <p:cSld>
-    <p:spTree>
-      <p:nvGrpSpPr>
-        <p:cNvPr id="1" name=""/>
-        <p:cNvGrpSpPr/>
-        <p:nvPr/>
-      </p:nvGrpSpPr>
-      <p:grpSpPr>
-        <a:xfrm>
-          <a:off x="0" y="0"/>
-          <a:ext cx="0" cy="0"/>
-          <a:chOff x="0" y="0"/>
-          <a:chExt cx="0" cy="0"/>
-        </a:xfrm>
-      </p:grpSpPr>
-      <p:sp>
-        <p:nvSpPr>
-          <p:cNvPr id="2" name="Title 1"/>
-          <p:cNvSpPr>
-            <a:spLocks noGrp="1"/>
-          </p:cNvSpPr>
-          <p:nvPr>
-            <p:ph type="title"/>
-          </p:nvPr>
-        </p:nvSpPr>
-        <p:spPr/>
-        <p:txBody>
-          <a:bodyPr>
-            <a:normAutofit/>
-          </a:bodyPr>
-          <a:lstStyle/>
-          <a:p>
-            <a:r>
-              <a:rPr lang="en-US" sz="2400" dirty="0" smtClean="0">
-                <a:solidFill>
-                  <a:prstClr val="white"/>
-                </a:solidFill>
-              </a:rPr>
-              <a:t>BFAST: A prototype for NGS Analytics</a:t>
-            </a:r>
-            <a:endParaRPr lang="en-US" dirty="0"/>
-          </a:p>
-        </p:txBody>
-      </p:sp>
-      <p:sp>
-        <p:nvSpPr>
-          <p:cNvPr id="3" name="Content Placeholder 2"/>
-          <p:cNvSpPr>
-            <a:spLocks noGrp="1"/>
-          </p:cNvSpPr>
-          <p:nvPr>
-            <p:ph sz="half" idx="1"/>
-          </p:nvPr>
-        </p:nvSpPr>
-        <p:spPr>
-          <a:xfrm>
-            <a:off x="254000" y="1498600"/>
-            <a:ext cx="4291100" cy="4279900"/>
-          </a:xfrm>
-        </p:spPr>
-        <p:txBody>
-          <a:bodyPr>
-            <a:noAutofit/>
-          </a:bodyPr>
-          <a:lstStyle/>
-          <a:p>
-            <a:r>
-              <a:rPr lang="en-US" sz="1700" dirty="0" smtClean="0"/>
-              <a:t>Supports </a:t>
-            </a:r>
-            <a:r>
-              <a:rPr lang="en-US" sz="1700" dirty="0" smtClean="0"/>
-              <a:t>Advanced features:</a:t>
-            </a:r>
-            <a:r>
-              <a:rPr lang="en-US" sz="1700" dirty="0" smtClean="0"/>
-              <a:t> </a:t>
-            </a:r>
-            <a:endParaRPr lang="en-US" sz="1700" dirty="0" smtClean="0"/>
-          </a:p>
-          <a:p>
-            <a:pPr lvl="1"/>
-            <a:r>
-              <a:rPr lang="en-US" sz="1700" dirty="0" smtClean="0"/>
-              <a:t> </a:t>
-            </a:r>
-            <a:r>
-              <a:rPr lang="en-US" sz="1700" dirty="0" smtClean="0"/>
-              <a:t>Multi-threading support</a:t>
-            </a:r>
-            <a:r>
-              <a:rPr lang="en-US" sz="1700" dirty="0" smtClean="0"/>
-              <a:t> </a:t>
-            </a:r>
-            <a:endParaRPr lang="en-US" sz="1700" dirty="0" smtClean="0"/>
-          </a:p>
-          <a:p>
-            <a:pPr lvl="1"/>
-            <a:r>
-              <a:rPr lang="en-US" sz="1700" dirty="0" smtClean="0"/>
-              <a:t>Low</a:t>
-            </a:r>
-            <a:r>
-              <a:rPr lang="en-US" sz="1700" dirty="0" smtClean="0"/>
-              <a:t>-memory option (index file splitting)</a:t>
-            </a:r>
-            <a:endParaRPr lang="en-US" sz="1700" dirty="0" smtClean="0"/>
-          </a:p>
-          <a:p>
-            <a:r>
-              <a:rPr lang="en-US" sz="1700" dirty="0" smtClean="0"/>
-              <a:t>Breaking </a:t>
-            </a:r>
-            <a:r>
-              <a:rPr lang="en-US" sz="1700" dirty="0" smtClean="0"/>
-              <a:t>up short-read data permits task-level concurrency</a:t>
-            </a:r>
-          </a:p>
-          <a:p>
-            <a:pPr lvl="1"/>
-            <a:r>
-              <a:rPr lang="en-US" sz="1700" dirty="0" smtClean="0"/>
-              <a:t>Each</a:t>
-            </a:r>
-            <a:r>
-              <a:rPr lang="en-US" sz="1700" dirty="0" smtClean="0"/>
-              <a:t> task </a:t>
-            </a:r>
-            <a:r>
-              <a:rPr lang="en-US" sz="1700" dirty="0" smtClean="0"/>
-              <a:t>requires full reference </a:t>
-            </a:r>
-            <a:r>
-              <a:rPr lang="en-US" sz="1700" dirty="0" smtClean="0"/>
-              <a:t>genome</a:t>
-            </a:r>
-            <a:r>
-              <a:rPr lang="en-US" sz="1700" dirty="0" smtClean="0"/>
-              <a:t> </a:t>
-            </a:r>
-            <a:r>
-              <a:rPr lang="en-US" sz="1700" dirty="0" smtClean="0"/>
-              <a:t>possible </a:t>
-            </a:r>
-            <a:r>
-              <a:rPr lang="en-US" sz="1700" dirty="0" smtClean="0"/>
-              <a:t>I/O </a:t>
-            </a:r>
-            <a:r>
-              <a:rPr lang="en-US" sz="1700" dirty="0" smtClean="0"/>
-              <a:t>bottleneck</a:t>
-            </a:r>
-          </a:p>
-          <a:p>
-            <a:pPr lvl="1"/>
-            <a:r>
-              <a:rPr lang="en-US" sz="1700" dirty="0" smtClean="0"/>
-              <a:t>Distribute to overcome I/O bottleneck?</a:t>
-            </a:r>
-            <a:endParaRPr lang="en-US" sz="1700" dirty="0" smtClean="0"/>
-          </a:p>
-          <a:p>
-            <a:r>
-              <a:rPr lang="en-US" sz="1700" dirty="0" smtClean="0"/>
-              <a:t>Tradeoffs:</a:t>
-            </a:r>
-          </a:p>
-          <a:p>
-            <a:pPr lvl="1"/>
-            <a:r>
-              <a:rPr lang="en-US" sz="1700" dirty="0" smtClean="0"/>
-              <a:t>Com. </a:t>
-            </a:r>
-            <a:r>
-              <a:rPr lang="en-US" sz="1700" dirty="0" err="1" smtClean="0"/>
-              <a:t>vs</a:t>
-            </a:r>
-            <a:r>
-              <a:rPr lang="en-US" sz="1700" dirty="0" smtClean="0"/>
-              <a:t> </a:t>
-            </a:r>
-            <a:r>
-              <a:rPr lang="en-US" sz="1700" dirty="0" err="1" smtClean="0"/>
-              <a:t>Mem</a:t>
-            </a:r>
-            <a:r>
-              <a:rPr lang="en-US" sz="1700" dirty="0" smtClean="0"/>
-              <a:t>. </a:t>
-            </a:r>
-            <a:r>
-              <a:rPr lang="en-US" sz="1700" dirty="0" err="1" smtClean="0"/>
-              <a:t>vs</a:t>
-            </a:r>
-            <a:r>
-              <a:rPr lang="en-US" sz="1700" dirty="0" smtClean="0"/>
-              <a:t> I/O </a:t>
-            </a:r>
-            <a:r>
-              <a:rPr lang="en-US" sz="1700" dirty="0" err="1" smtClean="0"/>
-              <a:t>vs</a:t>
-            </a:r>
-            <a:r>
-              <a:rPr lang="en-US" sz="1700" dirty="0" smtClean="0"/>
-              <a:t> </a:t>
-            </a:r>
-            <a:r>
-              <a:rPr lang="en-US" sz="1700" dirty="0" err="1" smtClean="0"/>
-              <a:t>DoD</a:t>
-            </a:r>
-            <a:endParaRPr lang="en-US" sz="1700" dirty="0" smtClean="0"/>
-          </a:p>
-          <a:p>
-            <a:pPr lvl="1"/>
-            <a:r>
-              <a:rPr lang="en-US" sz="1700" dirty="0" smtClean="0"/>
-              <a:t>Sensitive to specific data-set </a:t>
-            </a:r>
-            <a:r>
-              <a:rPr lang="en-US" sz="1700" dirty="0" smtClean="0"/>
-              <a:t>size</a:t>
-            </a:r>
-          </a:p>
-          <a:p>
-            <a:endParaRPr lang="en-US" sz="1700" dirty="0" smtClean="0"/>
-          </a:p>
-          <a:p>
-            <a:endParaRPr lang="en-US" sz="1700" dirty="0"/>
-          </a:p>
-        </p:txBody>
-      </p:sp>
-      <p:grpSp>
-        <p:nvGrpSpPr>
-          <p:cNvPr id="5" name="Group 24"/>
-          <p:cNvGrpSpPr/>
-          <p:nvPr/>
-        </p:nvGrpSpPr>
-        <p:grpSpPr>
-          <a:xfrm>
-            <a:off x="4595900" y="4548381"/>
-            <a:ext cx="4336042" cy="1880418"/>
-            <a:chOff x="182607" y="1417638"/>
-            <a:chExt cx="8124347" cy="1968855"/>
-          </a:xfrm>
-        </p:grpSpPr>
-        <p:sp>
-          <p:nvSpPr>
-            <p:cNvPr id="6" name="Right Arrow Callout 5"/>
-            <p:cNvSpPr/>
-            <p:nvPr/>
-          </p:nvSpPr>
-          <p:spPr>
-            <a:xfrm>
-              <a:off x="3445432" y="1658871"/>
-              <a:ext cx="3181658" cy="1443182"/>
-            </a:xfrm>
-            <a:prstGeom prst="rightArrowCallout">
-              <a:avLst>
-                <a:gd name="adj1" fmla="val 25000"/>
-                <a:gd name="adj2" fmla="val 25000"/>
-                <a:gd name="adj3" fmla="val 25000"/>
-                <a:gd name="adj4" fmla="val 52961"/>
-              </a:avLst>
-            </a:prstGeom>
-          </p:spPr>
-          <p:style>
-            <a:lnRef idx="2">
-              <a:schemeClr val="accent3">
-                <a:shade val="50000"/>
-              </a:schemeClr>
-            </a:lnRef>
-            <a:fillRef idx="1">
-              <a:schemeClr val="accent3"/>
-            </a:fillRef>
-            <a:effectRef idx="0">
-              <a:schemeClr val="accent3"/>
-            </a:effectRef>
-            <a:fontRef idx="minor">
-              <a:schemeClr val="lt1"/>
-            </a:fontRef>
-          </p:style>
-          <p:txBody>
-            <a:bodyPr rtlCol="0" anchor="ctr"/>
-            <a:lstStyle/>
-            <a:p>
-              <a:pPr algn="ctr"/>
-              <a:r>
-                <a:rPr lang="en-US" sz="1200" dirty="0" smtClean="0"/>
-                <a:t>Mapping </a:t>
-              </a:r>
-            </a:p>
-            <a:p>
-              <a:pPr algn="ctr"/>
-              <a:r>
-                <a:rPr lang="en-US" sz="1200" dirty="0" smtClean="0"/>
-                <a:t>(Bfast)</a:t>
-              </a:r>
-              <a:endParaRPr lang="en-US" sz="1200" dirty="0"/>
-            </a:p>
-          </p:txBody>
-        </p:sp>
-        <p:sp>
-          <p:nvSpPr>
-            <p:cNvPr id="7" name="Rectangle 6"/>
-            <p:cNvSpPr/>
-            <p:nvPr/>
-          </p:nvSpPr>
-          <p:spPr>
-            <a:xfrm>
-              <a:off x="6794499" y="1658871"/>
-              <a:ext cx="1512455" cy="1443182"/>
-            </a:xfrm>
-            <a:prstGeom prst="rect">
-              <a:avLst/>
-            </a:prstGeom>
-          </p:spPr>
-          <p:style>
-            <a:lnRef idx="2">
-              <a:schemeClr val="accent3">
-                <a:shade val="50000"/>
-              </a:schemeClr>
-            </a:lnRef>
-            <a:fillRef idx="1">
-              <a:schemeClr val="accent3"/>
-            </a:fillRef>
-            <a:effectRef idx="0">
-              <a:schemeClr val="accent3"/>
-            </a:effectRef>
-            <a:fontRef idx="minor">
-              <a:schemeClr val="lt1"/>
-            </a:fontRef>
-          </p:style>
-          <p:txBody>
-            <a:bodyPr rtlCol="0" anchor="ctr"/>
-            <a:lstStyle/>
-            <a:p>
-              <a:pPr algn="ctr"/>
-              <a:r>
-                <a:rPr lang="en-US" sz="1200" dirty="0" smtClean="0"/>
-                <a:t>SNP finding</a:t>
-              </a:r>
-            </a:p>
-          </p:txBody>
-        </p:sp>
-        <p:sp>
-          <p:nvSpPr>
-            <p:cNvPr id="8" name="Vertical Scroll 7"/>
-            <p:cNvSpPr/>
-            <p:nvPr/>
-          </p:nvSpPr>
-          <p:spPr>
-            <a:xfrm>
-              <a:off x="182607" y="1417638"/>
-              <a:ext cx="2182217" cy="881129"/>
-            </a:xfrm>
-            <a:prstGeom prst="verticalScroll">
-              <a:avLst/>
-            </a:prstGeom>
-            <a:solidFill>
-              <a:schemeClr val="bg2">
-                <a:lumMod val="75000"/>
-              </a:schemeClr>
-            </a:solidFill>
-          </p:spPr>
-          <p:style>
-            <a:lnRef idx="1">
-              <a:schemeClr val="accent1"/>
-            </a:lnRef>
-            <a:fillRef idx="3">
-              <a:schemeClr val="accent1"/>
-            </a:fillRef>
-            <a:effectRef idx="2">
-              <a:schemeClr val="accent1"/>
-            </a:effectRef>
-            <a:fontRef idx="minor">
-              <a:schemeClr val="lt1"/>
-            </a:fontRef>
-          </p:style>
-          <p:txBody>
-            <a:bodyPr rtlCol="0" anchor="ctr"/>
-            <a:lstStyle/>
-            <a:p>
-              <a:pPr algn="ctr"/>
-              <a:r>
-                <a:rPr lang="en-US" sz="1200" dirty="0" smtClean="0"/>
-                <a:t>Ref. Genome</a:t>
-              </a:r>
-            </a:p>
-          </p:txBody>
-        </p:sp>
-        <p:sp>
-          <p:nvSpPr>
-            <p:cNvPr id="9" name="Vertical Scroll 8"/>
-            <p:cNvSpPr/>
-            <p:nvPr/>
-          </p:nvSpPr>
-          <p:spPr>
-            <a:xfrm>
-              <a:off x="182607" y="2505364"/>
-              <a:ext cx="2461299" cy="881129"/>
-            </a:xfrm>
-            <a:prstGeom prst="verticalScroll">
-              <a:avLst/>
-            </a:prstGeom>
-            <a:solidFill>
-              <a:schemeClr val="bg2">
-                <a:lumMod val="75000"/>
-              </a:schemeClr>
-            </a:solidFill>
-          </p:spPr>
-          <p:style>
-            <a:lnRef idx="1">
-              <a:schemeClr val="accent1"/>
-            </a:lnRef>
-            <a:fillRef idx="3">
-              <a:schemeClr val="accent1"/>
-            </a:fillRef>
-            <a:effectRef idx="2">
-              <a:schemeClr val="accent1"/>
-            </a:effectRef>
-            <a:fontRef idx="minor">
-              <a:schemeClr val="lt1"/>
-            </a:fontRef>
-          </p:style>
-          <p:txBody>
-            <a:bodyPr rtlCol="0" anchor="ctr"/>
-            <a:lstStyle/>
-            <a:p>
-              <a:pPr algn="ctr"/>
-              <a:r>
-                <a:rPr lang="en-US" sz="1200" dirty="0" smtClean="0"/>
-                <a:t>NGS short reads</a:t>
-              </a:r>
-            </a:p>
-          </p:txBody>
-        </p:sp>
-        <p:sp>
-          <p:nvSpPr>
-            <p:cNvPr id="10" name="Right Bracket 9"/>
-            <p:cNvSpPr/>
-            <p:nvPr/>
-          </p:nvSpPr>
-          <p:spPr>
-            <a:xfrm>
-              <a:off x="2544886" y="1934489"/>
-              <a:ext cx="323272" cy="900545"/>
-            </a:xfrm>
-            <a:prstGeom prst="rightBracket">
-              <a:avLst/>
-            </a:prstGeom>
-            <a:noFill/>
-            <a:ln w="63500">
-              <a:solidFill>
-                <a:schemeClr val="bg1">
-                  <a:lumMod val="50000"/>
-                </a:schemeClr>
-              </a:solidFill>
-            </a:ln>
-          </p:spPr>
-          <p:style>
-            <a:lnRef idx="2">
-              <a:schemeClr val="accent1"/>
-            </a:lnRef>
-            <a:fillRef idx="0">
-              <a:schemeClr val="accent1"/>
-            </a:fillRef>
-            <a:effectRef idx="1">
-              <a:schemeClr val="accent1"/>
-            </a:effectRef>
-            <a:fontRef idx="minor">
-              <a:schemeClr val="tx1"/>
-            </a:fontRef>
-          </p:style>
-          <p:txBody>
-            <a:bodyPr rtlCol="0" anchor="ctr"/>
-            <a:lstStyle/>
-            <a:p>
-              <a:pPr algn="ctr"/>
-              <a:endParaRPr lang="en-US" sz="1200" dirty="0"/>
-            </a:p>
-          </p:txBody>
-        </p:sp>
-        <p:sp>
-          <p:nvSpPr>
-            <p:cNvPr id="11" name="Right Arrow 10"/>
-            <p:cNvSpPr/>
-            <p:nvPr/>
-          </p:nvSpPr>
-          <p:spPr>
-            <a:xfrm>
-              <a:off x="2914338" y="2298767"/>
-              <a:ext cx="531092" cy="206597"/>
-            </a:xfrm>
-            <a:prstGeom prst="rightArrow">
-              <a:avLst/>
-            </a:prstGeom>
-            <a:solidFill>
-              <a:schemeClr val="bg1">
-                <a:lumMod val="50000"/>
-              </a:schemeClr>
-            </a:solidFill>
-            <a:ln>
-              <a:solidFill>
-                <a:schemeClr val="bg1">
-                  <a:lumMod val="50000"/>
-                </a:schemeClr>
-              </a:solidFill>
-            </a:ln>
-          </p:spPr>
-          <p:style>
-            <a:lnRef idx="1">
-              <a:schemeClr val="accent1"/>
-            </a:lnRef>
-            <a:fillRef idx="3">
-              <a:schemeClr val="accent1"/>
-            </a:fillRef>
-            <a:effectRef idx="2">
-              <a:schemeClr val="accent1"/>
-            </a:effectRef>
-            <a:fontRef idx="minor">
-              <a:schemeClr val="lt1"/>
-            </a:fontRef>
-          </p:style>
-          <p:txBody>
-            <a:bodyPr rtlCol="0" anchor="ctr"/>
-            <a:lstStyle/>
-            <a:p>
-              <a:pPr algn="ctr"/>
-              <a:endParaRPr lang="en-US" sz="1200" dirty="0"/>
-            </a:p>
-          </p:txBody>
-        </p:sp>
-      </p:grpSp>
-      <p:graphicFrame>
-        <p:nvGraphicFramePr>
-          <p:cNvPr id="15" name="Table 14"/>
-          <p:cNvGraphicFramePr>
-            <a:graphicFrameLocks noGrp="1"/>
-          </p:cNvGraphicFramePr>
-          <p:nvPr>
-            <p:extLst>
-              <p:ext uri="{D42A27DB-BD31-4B8C-83A1-F6EECF244321}">
-                <p14:modId xmlns:mc="http://schemas.openxmlformats.org/markup-compatibility/2006" xmlns:mv="urn:schemas-microsoft-com:mac:vml" xmlns:p14="http://schemas.microsoft.com/office/powerpoint/2010/main" xmlns:p="http://schemas.openxmlformats.org/presentationml/2006/main" xmlns:r="http://schemas.openxmlformats.org/officeDocument/2006/relationships" xmlns:a="http://schemas.openxmlformats.org/drawingml/2006/main" xmlns="" val="2007431469"/>
-              </p:ext>
-            </p:extLst>
-          </p:nvPr>
-        </p:nvGraphicFramePr>
-        <p:xfrm>
-          <a:off x="5321300" y="1442717"/>
-          <a:ext cx="3187700" cy="3535680"/>
-        </p:xfrm>
-        <a:graphic>
-          <a:graphicData uri="http://schemas.openxmlformats.org/drawingml/2006/table">
-            <a:tbl>
-              <a:tblPr firstRow="1" bandRow="1">
-                <a:tableStyleId>{F5AB1C69-6EDB-4FF4-983F-18BD219EF322}</a:tableStyleId>
-              </a:tblPr>
-              <a:tblGrid>
-                <a:gridCol w="563596"/>
-                <a:gridCol w="576316"/>
-                <a:gridCol w="624342"/>
-                <a:gridCol w="635014"/>
-                <a:gridCol w="788432"/>
-              </a:tblGrid>
-              <a:tr h="341312">
-                <a:tc>
-                  <a:txBody>
-                    <a:bodyPr/>
-                    <a:lstStyle/>
-                    <a:p>
-                      <a:endParaRPr lang="en-US" sz="800" dirty="0"/>
-                    </a:p>
-                  </a:txBody>
-                  <a:tcPr/>
-                </a:tc>
-                <a:tc>
-                  <a:txBody>
-                    <a:bodyPr/>
-                    <a:lstStyle/>
-                    <a:p>
-                      <a:endParaRPr lang="en-US" sz="800" dirty="0"/>
-                    </a:p>
-                  </a:txBody>
-                  <a:tcPr/>
-                </a:tc>
-                <a:tc>
-                  <a:txBody>
-                    <a:bodyPr/>
-                    <a:lstStyle/>
-                    <a:p>
-                      <a:r>
-                        <a:rPr lang="en-US" sz="800" dirty="0" smtClean="0"/>
-                        <a:t>B. </a:t>
-                      </a:r>
-                      <a:r>
-                        <a:rPr lang="en-US" sz="800" dirty="0" err="1" smtClean="0"/>
-                        <a:t>Glumae</a:t>
-                      </a:r>
-                      <a:r>
-                        <a:rPr lang="en-US" sz="800" dirty="0" smtClean="0"/>
-                        <a:t> (BG)</a:t>
-                      </a:r>
-                      <a:endParaRPr lang="en-US" sz="800" dirty="0"/>
-                    </a:p>
-                  </a:txBody>
-                  <a:tcPr/>
-                </a:tc>
-                <a:tc>
-                  <a:txBody>
-                    <a:bodyPr/>
-                    <a:lstStyle/>
-                    <a:p>
-                      <a:r>
-                        <a:rPr lang="en-US" sz="800" dirty="0" smtClean="0"/>
-                        <a:t>Human</a:t>
-                      </a:r>
-                      <a:r>
-                        <a:rPr lang="en-US" sz="800" baseline="0" dirty="0" smtClean="0"/>
-                        <a:t> Genome (HG)</a:t>
-                      </a:r>
-                      <a:endParaRPr lang="en-US" sz="800" dirty="0"/>
-                    </a:p>
-                  </a:txBody>
-                  <a:tcPr/>
-                </a:tc>
-                <a:tc>
-                  <a:txBody>
-                    <a:bodyPr/>
-                    <a:lstStyle/>
-                    <a:p>
-                      <a:r>
-                        <a:rPr lang="en-US" sz="800" dirty="0" smtClean="0"/>
-                        <a:t>HG</a:t>
-                      </a:r>
-                      <a:r>
-                        <a:rPr lang="en-US" sz="800" baseline="0" dirty="0" smtClean="0"/>
-                        <a:t> - </a:t>
-                      </a:r>
-                      <a:r>
-                        <a:rPr lang="en-US" sz="800" baseline="0" dirty="0" err="1" smtClean="0"/>
-                        <a:t>Chr</a:t>
-                      </a:r>
-                      <a:r>
-                        <a:rPr lang="en-US" sz="800" baseline="0" dirty="0" smtClean="0"/>
-                        <a:t> 21</a:t>
-                      </a:r>
-                      <a:endParaRPr lang="en-US" sz="800" dirty="0"/>
-                    </a:p>
-                  </a:txBody>
-                  <a:tcPr/>
-                </a:tc>
-              </a:tr>
-              <a:tr h="277812">
-                <a:tc>
-                  <a:txBody>
-                    <a:bodyPr/>
-                    <a:lstStyle/>
-                    <a:p>
-                      <a:r>
-                        <a:rPr lang="en-US" sz="800" dirty="0" smtClean="0"/>
-                        <a:t>Genome Size</a:t>
-                      </a:r>
-                      <a:endParaRPr lang="en-US" sz="800" dirty="0"/>
-                    </a:p>
-                  </a:txBody>
-                  <a:tcPr/>
-                </a:tc>
-                <a:tc>
-                  <a:txBody>
-                    <a:bodyPr/>
-                    <a:lstStyle/>
-                    <a:p>
-                      <a:endParaRPr lang="en-US" sz="800" dirty="0"/>
-                    </a:p>
-                  </a:txBody>
-                  <a:tcPr/>
-                </a:tc>
-                <a:tc>
-                  <a:txBody>
-                    <a:bodyPr/>
-                    <a:lstStyle/>
-                    <a:p>
-                      <a:r>
-                        <a:rPr lang="en-US" sz="800" dirty="0" smtClean="0"/>
-                        <a:t>7 Mbp</a:t>
-                      </a:r>
-                      <a:endParaRPr lang="en-US" sz="800" dirty="0"/>
-                    </a:p>
-                  </a:txBody>
-                  <a:tcPr/>
-                </a:tc>
-                <a:tc>
-                  <a:txBody>
-                    <a:bodyPr/>
-                    <a:lstStyle/>
-                    <a:p>
-                      <a:r>
-                        <a:rPr lang="en-US" sz="800" dirty="0" smtClean="0"/>
-                        <a:t>2.8Gbp (hg18)</a:t>
-                      </a:r>
-                      <a:endParaRPr lang="en-US" sz="800" dirty="0"/>
-                    </a:p>
-                  </a:txBody>
-                  <a:tcPr/>
-                </a:tc>
-                <a:tc>
-                  <a:txBody>
-                    <a:bodyPr/>
-                    <a:lstStyle/>
-                    <a:p>
-                      <a:r>
-                        <a:rPr lang="en-US" sz="800" dirty="0" smtClean="0"/>
-                        <a:t>47 Mbp (hg18-chr21)</a:t>
-                      </a:r>
-                      <a:endParaRPr lang="en-US" sz="800" dirty="0"/>
-                    </a:p>
-                  </a:txBody>
-                  <a:tcPr/>
-                </a:tc>
-              </a:tr>
-              <a:tr h="277812">
-                <a:tc>
-                  <a:txBody>
-                    <a:bodyPr/>
-                    <a:lstStyle/>
-                    <a:p>
-                      <a:r>
-                        <a:rPr lang="en-US" sz="800" dirty="0" smtClean="0"/>
-                        <a:t>NGS Type</a:t>
-                      </a:r>
-                      <a:endParaRPr lang="en-US" sz="800" dirty="0"/>
-                    </a:p>
-                  </a:txBody>
-                  <a:tcPr/>
-                </a:tc>
-                <a:tc>
-                  <a:txBody>
-                    <a:bodyPr/>
-                    <a:lstStyle/>
-                    <a:p>
-                      <a:endParaRPr lang="en-US" sz="800" dirty="0"/>
-                    </a:p>
-                  </a:txBody>
-                  <a:tcPr/>
-                </a:tc>
-                <a:tc>
-                  <a:txBody>
-                    <a:bodyPr/>
-                    <a:lstStyle/>
-                    <a:p>
-                      <a:r>
-                        <a:rPr lang="en-US" sz="800" dirty="0" smtClean="0"/>
-                        <a:t>Whole Genome</a:t>
-                      </a:r>
-                      <a:endParaRPr lang="en-US" sz="800" dirty="0"/>
-                    </a:p>
-                  </a:txBody>
-                  <a:tcPr/>
-                </a:tc>
-                <a:tc>
-                  <a:txBody>
-                    <a:bodyPr/>
-                    <a:lstStyle/>
-                    <a:p>
-                      <a:r>
-                        <a:rPr lang="en-US" sz="800" dirty="0" smtClean="0"/>
-                        <a:t>Exome</a:t>
-                      </a:r>
-                      <a:endParaRPr lang="en-US" sz="800" dirty="0"/>
-                    </a:p>
-                  </a:txBody>
-                  <a:tcPr/>
-                </a:tc>
-                <a:tc>
-                  <a:txBody>
-                    <a:bodyPr/>
-                    <a:lstStyle/>
-                    <a:p>
-                      <a:r>
-                        <a:rPr lang="en-US" sz="800" dirty="0" smtClean="0"/>
-                        <a:t>Exome</a:t>
-                      </a:r>
-                      <a:endParaRPr lang="en-US" sz="800" dirty="0"/>
-                    </a:p>
-                  </a:txBody>
-                  <a:tcPr/>
-                </a:tc>
-              </a:tr>
-              <a:tr h="341312">
-                <a:tc>
-                  <a:txBody>
-                    <a:bodyPr/>
-                    <a:lstStyle/>
-                    <a:p>
-                      <a:r>
-                        <a:rPr lang="en-US" sz="800" dirty="0" smtClean="0"/>
-                        <a:t>NGS Data Size</a:t>
-                      </a:r>
-                      <a:endParaRPr lang="en-US" sz="800" dirty="0"/>
-                    </a:p>
-                  </a:txBody>
-                  <a:tcPr/>
-                </a:tc>
-                <a:tc>
-                  <a:txBody>
-                    <a:bodyPr/>
-                    <a:lstStyle/>
-                    <a:p>
-                      <a:endParaRPr lang="en-US" sz="800" dirty="0"/>
-                    </a:p>
-                  </a:txBody>
-                  <a:tcPr/>
-                </a:tc>
-                <a:tc>
-                  <a:txBody>
-                    <a:bodyPr/>
-                    <a:lstStyle/>
-                    <a:p>
-                      <a:r>
-                        <a:rPr lang="en-US" sz="800" dirty="0" smtClean="0"/>
-                        <a:t>12.6 GB</a:t>
-                      </a:r>
-                      <a:endParaRPr lang="en-US" sz="800" dirty="0"/>
-                    </a:p>
-                  </a:txBody>
-                  <a:tcPr/>
-                </a:tc>
-                <a:tc>
-                  <a:txBody>
-                    <a:bodyPr/>
-                    <a:lstStyle/>
-                    <a:p>
-                      <a:r>
-                        <a:rPr lang="en-US" sz="800" dirty="0" smtClean="0"/>
-                        <a:t>5.6 GB</a:t>
-                      </a:r>
-                      <a:endParaRPr lang="en-US" sz="800" dirty="0"/>
-                    </a:p>
-                  </a:txBody>
-                  <a:tcPr/>
-                </a:tc>
-                <a:tc>
-                  <a:txBody>
-                    <a:bodyPr/>
-                    <a:lstStyle/>
-                    <a:p>
-                      <a:r>
-                        <a:rPr lang="en-US" sz="800" dirty="0" smtClean="0"/>
-                        <a:t>5.6 GB</a:t>
-                      </a:r>
-                      <a:endParaRPr lang="en-US" sz="800" dirty="0"/>
-                    </a:p>
-                  </a:txBody>
-                  <a:tcPr/>
-                </a:tc>
-              </a:tr>
-              <a:tr h="277812">
-                <a:tc rowSpan="2">
-                  <a:txBody>
-                    <a:bodyPr/>
-                    <a:lstStyle/>
-                    <a:p>
-                      <a:r>
-                        <a:rPr lang="en-US" sz="800" dirty="0" smtClean="0"/>
-                        <a:t>Ref.</a:t>
-                      </a:r>
-                      <a:r>
-                        <a:rPr lang="en-US" sz="800" baseline="0" dirty="0" smtClean="0"/>
-                        <a:t> Index Data</a:t>
-                      </a:r>
-                      <a:endParaRPr lang="en-US" sz="800" dirty="0"/>
-                    </a:p>
-                  </a:txBody>
-                  <a:tcPr/>
-                </a:tc>
-                <a:tc>
-                  <a:txBody>
-                    <a:bodyPr/>
-                    <a:lstStyle/>
-                    <a:p>
-                      <a:r>
-                        <a:rPr lang="en-US" sz="800" dirty="0" smtClean="0"/>
-                        <a:t>40</a:t>
-                      </a:r>
-                      <a:r>
-                        <a:rPr lang="en-US" sz="800" baseline="0" dirty="0" smtClean="0"/>
-                        <a:t> index files</a:t>
-                      </a:r>
-                      <a:endParaRPr lang="en-US" sz="800" dirty="0"/>
-                    </a:p>
-                  </a:txBody>
-                  <a:tcPr/>
-                </a:tc>
-                <a:tc>
-                  <a:txBody>
-                    <a:bodyPr/>
-                    <a:lstStyle/>
-                    <a:p>
-                      <a:r>
-                        <a:rPr lang="en-US" sz="800" dirty="0" smtClean="0"/>
-                        <a:t>40</a:t>
-                      </a:r>
-                      <a:r>
-                        <a:rPr lang="en-US" sz="800" baseline="0" dirty="0" smtClean="0"/>
-                        <a:t> GB</a:t>
-                      </a:r>
-                      <a:endParaRPr lang="en-US" sz="800" dirty="0"/>
-                    </a:p>
-                  </a:txBody>
-                  <a:tcPr/>
-                </a:tc>
-                <a:tc>
-                  <a:txBody>
-                    <a:bodyPr/>
-                    <a:lstStyle/>
-                    <a:p>
-                      <a:r>
-                        <a:rPr lang="en-US" sz="800" dirty="0" smtClean="0"/>
-                        <a:t>130 GB</a:t>
-                      </a:r>
-                      <a:endParaRPr lang="en-US" sz="800" dirty="0"/>
-                    </a:p>
-                  </a:txBody>
-                  <a:tcPr/>
-                </a:tc>
-                <a:tc>
-                  <a:txBody>
-                    <a:bodyPr/>
-                    <a:lstStyle/>
-                    <a:p>
-                      <a:r>
-                        <a:rPr lang="en-US" sz="800" dirty="0" smtClean="0"/>
-                        <a:t>70 GB</a:t>
-                      </a:r>
-                      <a:endParaRPr lang="en-US" sz="800" dirty="0"/>
-                    </a:p>
-                  </a:txBody>
-                  <a:tcPr/>
-                </a:tc>
-              </a:tr>
-              <a:tr h="277812">
-                <a:tc vMerge="1">
-                  <a:txBody>
-                    <a:bodyPr/>
-                    <a:lstStyle/>
-                    <a:p>
-                      <a:endParaRPr lang="en-US" sz="1600" dirty="0"/>
-                    </a:p>
-                  </a:txBody>
-                  <a:tcPr/>
-                </a:tc>
-                <a:tc>
-                  <a:txBody>
-                    <a:bodyPr/>
-                    <a:lstStyle/>
-                    <a:p>
-                      <a:r>
-                        <a:rPr lang="en-US" sz="800" dirty="0" smtClean="0"/>
-                        <a:t>10 index files</a:t>
-                      </a:r>
-                      <a:endParaRPr lang="en-US" sz="800" dirty="0"/>
-                    </a:p>
-                  </a:txBody>
-                  <a:tcPr/>
-                </a:tc>
-                <a:tc>
-                  <a:txBody>
-                    <a:bodyPr/>
-                    <a:lstStyle/>
-                    <a:p>
-                      <a:endParaRPr lang="en-US" sz="800" dirty="0"/>
-                    </a:p>
-                  </a:txBody>
-                  <a:tcPr/>
-                </a:tc>
-                <a:tc>
-                  <a:txBody>
-                    <a:bodyPr/>
-                    <a:lstStyle/>
-                    <a:p>
-                      <a:endParaRPr lang="en-US" sz="800" dirty="0"/>
-                    </a:p>
-                  </a:txBody>
-                  <a:tcPr/>
-                </a:tc>
-                <a:tc>
-                  <a:txBody>
-                    <a:bodyPr/>
-                    <a:lstStyle/>
-                    <a:p>
-                      <a:endParaRPr lang="en-US" sz="800" dirty="0"/>
-                    </a:p>
-                  </a:txBody>
-                  <a:tcPr/>
-                </a:tc>
-              </a:tr>
-              <a:tr h="277812">
-                <a:tc rowSpan="2">
-                  <a:txBody>
-                    <a:bodyPr/>
-                    <a:lstStyle/>
-                    <a:p>
-                      <a:r>
-                        <a:rPr lang="en-US" sz="800" dirty="0" smtClean="0"/>
-                        <a:t>Minimum</a:t>
-                      </a:r>
-                      <a:r>
-                        <a:rPr lang="en-US" sz="800" baseline="0" dirty="0" smtClean="0"/>
-                        <a:t> Memory</a:t>
-                      </a:r>
-                      <a:endParaRPr lang="en-US" sz="800" dirty="0"/>
-                    </a:p>
-                  </a:txBody>
-                  <a:tcPr/>
-                </a:tc>
-                <a:tc>
-                  <a:txBody>
-                    <a:bodyPr/>
-                    <a:lstStyle/>
-                    <a:p>
-                      <a:r>
-                        <a:rPr lang="en-US" sz="800" dirty="0" smtClean="0"/>
-                        <a:t>40 index files</a:t>
-                      </a:r>
-                      <a:endParaRPr lang="en-US" sz="800" dirty="0"/>
-                    </a:p>
-                  </a:txBody>
-                  <a:tcPr/>
-                </a:tc>
-                <a:tc>
-                  <a:txBody>
-                    <a:bodyPr/>
-                    <a:lstStyle/>
-                    <a:p>
-                      <a:r>
-                        <a:rPr lang="en-US" sz="800" dirty="0" smtClean="0"/>
-                        <a:t>9.5 MB </a:t>
-                      </a:r>
-                      <a:endParaRPr lang="en-US" sz="800" dirty="0"/>
-                    </a:p>
-                  </a:txBody>
-                  <a:tcPr/>
-                </a:tc>
-                <a:tc>
-                  <a:txBody>
-                    <a:bodyPr/>
-                    <a:lstStyle/>
-                    <a:p>
-                      <a:r>
-                        <a:rPr lang="en-US" sz="800" dirty="0" smtClean="0"/>
-                        <a:t>3 GB </a:t>
-                      </a:r>
-                      <a:endParaRPr lang="en-US" sz="800" dirty="0">
-                        <a:latin typeface="Symbol" charset="2"/>
-                        <a:cs typeface="Symbol" charset="2"/>
-                      </a:endParaRPr>
-                    </a:p>
-                  </a:txBody>
-                  <a:tcPr/>
-                </a:tc>
-                <a:tc>
-                  <a:txBody>
-                    <a:bodyPr/>
-                    <a:lstStyle/>
-                    <a:p>
-                      <a:r>
-                        <a:rPr lang="en-US" sz="800" baseline="0" dirty="0" smtClean="0"/>
-                        <a:t>42 MB </a:t>
-                      </a:r>
-                      <a:endParaRPr lang="en-US" sz="800" dirty="0">
-                        <a:latin typeface="Symbol" charset="2"/>
-                        <a:cs typeface="Symbol" charset="2"/>
-                      </a:endParaRPr>
-                    </a:p>
-                  </a:txBody>
-                  <a:tcPr/>
-                </a:tc>
-              </a:tr>
-              <a:tr h="277812">
-                <a:tc vMerge="1">
-                  <a:txBody>
-                    <a:bodyPr/>
-                    <a:lstStyle/>
-                    <a:p>
-                      <a:endParaRPr lang="en-US"/>
-                    </a:p>
-                  </a:txBody>
-                  <a:tcPr/>
-                </a:tc>
-                <a:tc>
-                  <a:txBody>
-                    <a:bodyPr/>
-                    <a:lstStyle/>
-                    <a:p>
-                      <a:r>
-                        <a:rPr lang="en-US" sz="800" dirty="0" smtClean="0"/>
-                        <a:t>10 index files</a:t>
-                      </a:r>
-                      <a:endParaRPr lang="en-US" sz="800" dirty="0"/>
-                    </a:p>
-                  </a:txBody>
-                  <a:tcPr/>
-                </a:tc>
-                <a:tc>
-                  <a:txBody>
-                    <a:bodyPr/>
-                    <a:lstStyle/>
-                    <a:p>
-                      <a:pPr marL="0" marR="0" indent="0" algn="l" defTabSz="914353" rtl="0" eaLnBrk="1" fontAlgn="auto" latinLnBrk="0" hangingPunct="1">
-                        <a:lnSpc>
-                          <a:spcPct val="100000"/>
-                        </a:lnSpc>
-                        <a:spcBef>
-                          <a:spcPts val="0"/>
-                        </a:spcBef>
-                        <a:spcAft>
-                          <a:spcPts val="0"/>
-                        </a:spcAft>
-                        <a:buClrTx/>
-                        <a:buSzTx/>
-                        <a:buFontTx/>
-                        <a:buNone/>
-                        <a:tabLst/>
-                        <a:defRPr/>
-                      </a:pPr>
-                      <a:r>
-                        <a:rPr lang="en-US" sz="800" dirty="0" smtClean="0"/>
-                        <a:t>38 MB </a:t>
-                      </a:r>
-                      <a:endParaRPr lang="en-US" sz="800" dirty="0" smtClean="0">
-                        <a:latin typeface="Symbol" charset="2"/>
-                        <a:cs typeface="Symbol" charset="2"/>
-                      </a:endParaRPr>
-                    </a:p>
-                  </a:txBody>
-                  <a:tcPr/>
-                </a:tc>
-                <a:tc>
-                  <a:txBody>
-                    <a:bodyPr/>
-                    <a:lstStyle/>
-                    <a:p>
-                      <a:pPr marL="0" marR="0" indent="0" algn="l" defTabSz="914353" rtl="0" eaLnBrk="1" fontAlgn="auto" latinLnBrk="0" hangingPunct="1">
-                        <a:lnSpc>
-                          <a:spcPct val="100000"/>
-                        </a:lnSpc>
-                        <a:spcBef>
-                          <a:spcPts val="0"/>
-                        </a:spcBef>
-                        <a:spcAft>
-                          <a:spcPts val="0"/>
-                        </a:spcAft>
-                        <a:buClrTx/>
-                        <a:buSzTx/>
-                        <a:buFontTx/>
-                        <a:buNone/>
-                        <a:tabLst/>
-                        <a:defRPr/>
-                      </a:pPr>
-                      <a:r>
-                        <a:rPr lang="en-US" sz="800" dirty="0" smtClean="0">
-                          <a:latin typeface="Symbol" charset="2"/>
-                          <a:cs typeface="Symbol" charset="2"/>
-                        </a:rPr>
-                        <a:t>12 </a:t>
-                      </a:r>
-                      <a:r>
-                        <a:rPr lang="en-US" sz="800" dirty="0" smtClean="0">
-                          <a:latin typeface="+mj-lt"/>
-                          <a:cs typeface="Symbol" charset="2"/>
-                        </a:rPr>
-                        <a:t>GB </a:t>
-                      </a:r>
-                      <a:endParaRPr lang="en-US" sz="800" dirty="0" smtClean="0">
-                        <a:latin typeface="Symbol" charset="2"/>
-                        <a:cs typeface="Symbol" charset="2"/>
-                      </a:endParaRPr>
-                    </a:p>
-                  </a:txBody>
-                  <a:tcPr/>
-                </a:tc>
-                <a:tc>
-                  <a:txBody>
-                    <a:bodyPr/>
-                    <a:lstStyle/>
-                    <a:p>
-                      <a:pPr marL="0" marR="0" indent="0" algn="l" defTabSz="914353" rtl="0" eaLnBrk="1" fontAlgn="auto" latinLnBrk="0" hangingPunct="1">
-                        <a:lnSpc>
-                          <a:spcPct val="100000"/>
-                        </a:lnSpc>
-                        <a:spcBef>
-                          <a:spcPts val="0"/>
-                        </a:spcBef>
-                        <a:spcAft>
-                          <a:spcPts val="0"/>
-                        </a:spcAft>
-                        <a:buClrTx/>
-                        <a:buSzTx/>
-                        <a:buFontTx/>
-                        <a:buNone/>
-                        <a:tabLst/>
-                        <a:defRPr/>
-                      </a:pPr>
-                      <a:r>
-                        <a:rPr lang="en-US" sz="800" dirty="0" smtClean="0">
-                          <a:latin typeface="Symbol" charset="2"/>
-                          <a:cs typeface="Symbol" charset="2"/>
-                        </a:rPr>
-                        <a:t>164 MB </a:t>
-                      </a:r>
-                    </a:p>
-                  </a:txBody>
-                  <a:tcPr/>
-                </a:tc>
-              </a:tr>
-            </a:tbl>
-          </a:graphicData>
-        </a:graphic>
-      </p:graphicFrame>
-    </p:spTree>
-  </p:cSld>
-  <p:clrMapOvr>
-    <a:masterClrMapping/>
-  </p:clrMapOvr>
-  <p:timing>
-    <p:tnLst>
-      <p:par>
-        <p:cTn id="1" dur="indefinite" restart="never" nodeType="tmRoot">
-          <p:childTnLst>
-            <p:seq concurrent="1" nextAc="seek">
-              <p:cTn id="2" dur="indefinite" nodeType="mainSeq">
-                <p:childTnLst>
-                  <p:par>
-                    <p:cTn id="3" fill="hold">
-                      <p:stCondLst>
-                        <p:cond delay="indefinite"/>
-                      </p:stCondLst>
-                      <p:childTnLst>
-                        <p:par>
-                          <p:cTn id="4" fill="hold">
-                            <p:stCondLst>
-                              <p:cond delay="0"/>
-                            </p:stCondLst>
-                            <p:childTnLst>
-                              <p:par>
-                                <p:cTn id="5" presetID="9" presetClass="entr" presetSubtype="0" fill="hold" nodeType="clickEffect">
-                                  <p:stCondLst>
-                                    <p:cond delay="0"/>
-                                  </p:stCondLst>
-                                  <p:childTnLst>
-                                    <p:set>
-                                      <p:cBhvr>
-                                        <p:cTn id="6" dur="1" fill="hold">
-                                          <p:stCondLst>
-                                            <p:cond delay="0"/>
-                                          </p:stCondLst>
-                                        </p:cTn>
-                                        <p:tgtEl>
-                                          <p:spTgt spid="5"/>
-                                        </p:tgtEl>
-                                        <p:attrNameLst>
-                                          <p:attrName>style.visibility</p:attrName>
-                                        </p:attrNameLst>
-                                      </p:cBhvr>
-                                      <p:to>
-                                        <p:strVal val="visible"/>
-                                      </p:to>
-                                    </p:set>
-                                    <p:animEffect transition="in" filter="dissolve">
-                                      <p:cBhvr>
-                                        <p:cTn id="7" dur="500"/>
-                                        <p:tgtEl>
-                                          <p:spTgt spid="5"/>
-                                        </p:tgtEl>
-                                      </p:cBhvr>
-                                    </p:animEffect>
-                                  </p:childTnLst>
-                                </p:cTn>
-                              </p:par>
-                            </p:childTnLst>
-                          </p:cTn>
-                        </p:par>
-                      </p:childTnLst>
-                    </p:cTn>
-                  </p:par>
-                </p:childTnLst>
-              </p:cTn>
-              <p:prevCondLst>
-                <p:cond evt="onPrev" delay="0">
-                  <p:tgtEl>
-                    <p:sldTgt/>
-                  </p:tgtEl>
-                </p:cond>
-              </p:prevCondLst>
-              <p:nextCondLst>
-                <p:cond evt="onNext" delay="0">
-                  <p:tgtEl>
-                    <p:sldTgt/>
-                  </p:tgtEl>
-                </p:cond>
-              </p:nextCondLst>
-            </p:seq>
-          </p:childTnLst>
-        </p:cTn>
-      </p:par>
-    </p:tnLst>
-  </p:timing>
-</p:sld>
-</file>
-
-<file path=ppt/slides/slide6.xml><?xml version="1.0" encoding="utf-8"?>
-<p:sld xmlns:a="http://schemas.openxmlformats.org/drawingml/2006/main" xmlns:r="http://schemas.openxmlformats.org/officeDocument/2006/relationships" xmlns:mc="http://schemas.openxmlformats.org/markup-compatibility/2006" xmlns:mv="urn:schemas-microsoft-com:mac:vml" xmlns:p="http://schemas.openxmlformats.org/presentationml/2006/main" mc:Ignorable="mv" mc:PreserveAttributes="mv:*">
-  <p:cSld>
-    <p:spTree>
-      <p:nvGrpSpPr>
-        <p:cNvPr id="1" name=""/>
-        <p:cNvGrpSpPr/>
-        <p:nvPr/>
-      </p:nvGrpSpPr>
-      <p:grpSpPr>
-        <a:xfrm>
-          <a:off x="0" y="0"/>
-          <a:ext cx="0" cy="0"/>
-          <a:chOff x="0" y="0"/>
-          <a:chExt cx="0" cy="0"/>
-        </a:xfrm>
-      </p:grpSpPr>
-      <p:sp>
-        <p:nvSpPr>
-          <p:cNvPr id="2" name="Title 1"/>
-          <p:cNvSpPr>
-            <a:spLocks noGrp="1"/>
-          </p:cNvSpPr>
-          <p:nvPr>
-            <p:ph type="title"/>
-          </p:nvPr>
-        </p:nvSpPr>
-        <p:spPr>
-          <a:xfrm>
-            <a:off x="1028700" y="263714"/>
-            <a:ext cx="8115300" cy="914400"/>
-          </a:xfrm>
-        </p:spPr>
-        <p:txBody>
-          <a:bodyPr>
-            <a:noAutofit/>
-          </a:bodyPr>
-          <a:lstStyle/>
-          <a:p>
-            <a:r>
-              <a:rPr lang="en-US" sz="2300" dirty="0" smtClean="0"/>
-              <a:t>BFAST Tradeoffs: Comp. </a:t>
-            </a:r>
-            <a:r>
-              <a:rPr lang="en-US" sz="2300" dirty="0" err="1" smtClean="0"/>
-              <a:t>vs</a:t>
-            </a:r>
-            <a:r>
-              <a:rPr lang="en-US" sz="2300" dirty="0" smtClean="0"/>
-              <a:t> </a:t>
-            </a:r>
-            <a:r>
-              <a:rPr lang="en-US" sz="2300" dirty="0" err="1" smtClean="0"/>
-              <a:t>Mem</a:t>
-            </a:r>
-            <a:r>
-              <a:rPr lang="en-US" sz="2300" dirty="0" smtClean="0"/>
-              <a:t>. </a:t>
-            </a:r>
-            <a:r>
-              <a:rPr lang="en-US" sz="2300" dirty="0" err="1" smtClean="0"/>
-              <a:t>vs</a:t>
-            </a:r>
-            <a:r>
-              <a:rPr lang="en-US" sz="2300" dirty="0" smtClean="0"/>
-              <a:t> I/O </a:t>
-            </a:r>
-            <a:r>
-              <a:rPr lang="en-US" sz="2300" dirty="0" err="1" smtClean="0"/>
-              <a:t>vs</a:t>
-            </a:r>
-            <a:r>
-              <a:rPr lang="en-US" sz="2300" dirty="0" smtClean="0"/>
-              <a:t> </a:t>
-            </a:r>
-            <a:r>
-              <a:rPr lang="en-US" sz="2300" dirty="0" err="1" smtClean="0"/>
-              <a:t>DoD</a:t>
-            </a:r>
-            <a:r>
-              <a:rPr lang="en-US" sz="2300" dirty="0" smtClean="0"/>
-              <a:t/>
-            </a:r>
-            <a:br>
-              <a:rPr lang="en-US" sz="2300" dirty="0" smtClean="0"/>
-            </a:br>
-            <a:endParaRPr lang="en-US" sz="2300" dirty="0"/>
-          </a:p>
-        </p:txBody>
-      </p:sp>
-      <p:pic>
-        <p:nvPicPr>
-          <p:cNvPr id="4" name="Picture 3" descr="readsvstime_hg18.pdf"/>
-          <p:cNvPicPr>
-            <a:picLocks noChangeAspect="1"/>
-          </p:cNvPicPr>
-          <p:nvPr/>
-        </p:nvPicPr>
-        <p:blipFill>
-          <a:blip r:embed="rId2">
-            <a:extLst>
-              <a:ext uri="{28A0092B-C50C-407E-A947-70E740481C1C}">
-                <a14:useLocalDpi xmlns:mc="http://schemas.openxmlformats.org/markup-compatibility/2006" xmlns:mv="urn:schemas-microsoft-com:mac:vml" xmlns:a14="http://schemas.microsoft.com/office/drawing/2010/main" xmlns:p="http://schemas.openxmlformats.org/presentationml/2006/main" xmlns:r="http://schemas.openxmlformats.org/officeDocument/2006/relationships" xmlns:a="http://schemas.openxmlformats.org/drawingml/2006/main" xmlns=""/>
-              </a:ext>
-            </a:extLst>
-          </a:blip>
-          <a:stretch>
-            <a:fillRect/>
-          </a:stretch>
-        </p:blipFill>
-        <p:spPr>
-          <a:xfrm>
-            <a:off x="0" y="1725723"/>
-            <a:ext cx="4356399" cy="3049478"/>
-          </a:xfrm>
-          <a:prstGeom prst="rect">
-            <a:avLst/>
-          </a:prstGeom>
-        </p:spPr>
-      </p:pic>
-      <p:sp>
-        <p:nvSpPr>
-          <p:cNvPr id="11" name="TextBox 10"/>
-          <p:cNvSpPr txBox="1"/>
-          <p:nvPr/>
-        </p:nvSpPr>
-        <p:spPr>
-          <a:xfrm>
-            <a:off x="2209801" y="1178114"/>
-            <a:ext cx="6306888" cy="369332"/>
-          </a:xfrm>
-          <a:prstGeom prst="rect">
-            <a:avLst/>
-          </a:prstGeom>
-        </p:spPr>
-        <p:style>
-          <a:lnRef idx="2">
-            <a:schemeClr val="dk1"/>
-          </a:lnRef>
-          <a:fillRef idx="1">
-            <a:schemeClr val="lt1"/>
-          </a:fillRef>
-          <a:effectRef idx="0">
-            <a:schemeClr val="dk1"/>
-          </a:effectRef>
-          <a:fontRef idx="minor">
-            <a:schemeClr val="dk1"/>
-          </a:fontRef>
-        </p:style>
-        <p:txBody>
-          <a:bodyPr wrap="square" rtlCol="0">
-            <a:spAutoFit/>
-          </a:bodyPr>
-          <a:lstStyle/>
-          <a:p>
-            <a:r>
-              <a:rPr lang="en-US" dirty="0" smtClean="0"/>
-              <a:t>Possible solution: Logical and then physical distribution</a:t>
-            </a:r>
-            <a:endParaRPr lang="en-US" dirty="0"/>
-          </a:p>
-        </p:txBody>
-      </p:sp>
-      <p:pic>
-        <p:nvPicPr>
-          <p:cNvPr id="7" name="Picture 6" descr="table5-ecmls04.png"/>
-          <p:cNvPicPr>
-            <a:picLocks noChangeAspect="1"/>
-          </p:cNvPicPr>
-          <p:nvPr/>
-        </p:nvPicPr>
-        <p:blipFill>
-          <a:blip r:embed="rId3"/>
-          <a:stretch>
-            <a:fillRect/>
-          </a:stretch>
-        </p:blipFill>
-        <p:spPr>
-          <a:xfrm>
-            <a:off x="1895653" y="4940301"/>
-            <a:ext cx="5429491" cy="1688700"/>
-          </a:xfrm>
-          <a:prstGeom prst="rect">
-            <a:avLst/>
-          </a:prstGeom>
-        </p:spPr>
-      </p:pic>
-      <p:pic>
-        <p:nvPicPr>
-          <p:cNvPr id="8" name="Picture 7" descr="threadsvstime.png"/>
-          <p:cNvPicPr>
-            <a:picLocks noChangeAspect="1"/>
-          </p:cNvPicPr>
-          <p:nvPr/>
-        </p:nvPicPr>
-        <p:blipFill>
-          <a:blip r:embed="rId4"/>
-          <a:stretch>
-            <a:fillRect/>
-          </a:stretch>
-        </p:blipFill>
-        <p:spPr>
-          <a:xfrm>
-            <a:off x="4457928" y="1702121"/>
-            <a:ext cx="4571543" cy="3200080"/>
-          </a:xfrm>
-          <a:prstGeom prst="rect">
-            <a:avLst/>
-          </a:prstGeom>
-        </p:spPr>
-      </p:pic>
-    </p:spTree>
-    <p:extLst>
-      <p:ext uri="{BB962C8B-B14F-4D97-AF65-F5344CB8AC3E}">
-        <p14:creationId xmlns:mc="http://schemas.openxmlformats.org/markup-compatibility/2006" xmlns:mv="urn:schemas-microsoft-com:mac:vml" xmlns:p14="http://schemas.microsoft.com/office/powerpoint/2010/main" xmlns:p="http://schemas.openxmlformats.org/presentationml/2006/main" xmlns:r="http://schemas.openxmlformats.org/officeDocument/2006/relationships" xmlns:a="http://schemas.openxmlformats.org/drawingml/2006/main" xmlns="" val="4280363161"/>
-      </p:ext>
-    </p:extLst>
-  </p:cSld>
-  <p:clrMapOvr>
-    <a:masterClrMapping/>
-  </p:clrMapOvr>
-  <p:timing>
-    <p:tnLst>
-      <p:par>
-        <p:cTn id="1" dur="indefinite" restart="never" nodeType="tmRoot"/>
-      </p:par>
-    </p:tnLst>
-  </p:timing>
-</p:sld>
-</file>
-
-<file path=ppt/slides/slide7.xml><?xml version="1.0" encoding="utf-8"?>
+<file path=ppt/slides/slide23.xml><?xml version="1.0" encoding="utf-8"?>
 <p:sld xmlns:a="http://schemas.openxmlformats.org/drawingml/2006/main" xmlns:r="http://schemas.openxmlformats.org/officeDocument/2006/relationships" xmlns:mc="http://schemas.openxmlformats.org/markup-compatibility/2006" xmlns:mv="urn:schemas-microsoft-com:mac:vml" xmlns:p="http://schemas.openxmlformats.org/presentationml/2006/main" mc:Ignorable="mv" mc:PreserveAttributes="mv:*">
   <p:cSld>
     <p:spTree>
@@ -12201,6 +10325,1613 @@
 </p:sld>
 </file>
 
+<file path=ppt/slides/slide24.xml><?xml version="1.0" encoding="utf-8"?>
+<p:sld xmlns:a="http://schemas.openxmlformats.org/drawingml/2006/main" xmlns:r="http://schemas.openxmlformats.org/officeDocument/2006/relationships" xmlns:mc="http://schemas.openxmlformats.org/markup-compatibility/2006" xmlns:mv="urn:schemas-microsoft-com:mac:vml" xmlns:p="http://schemas.openxmlformats.org/presentationml/2006/main" mc:Ignorable="mv" mc:PreserveAttributes="mv:*">
+  <p:cSld>
+    <p:spTree>
+      <p:nvGrpSpPr>
+        <p:cNvPr id="1" name=""/>
+        <p:cNvGrpSpPr/>
+        <p:nvPr/>
+      </p:nvGrpSpPr>
+      <p:grpSpPr>
+        <a:xfrm>
+          <a:off x="0" y="0"/>
+          <a:ext cx="0" cy="0"/>
+          <a:chOff x="0" y="0"/>
+          <a:chExt cx="0" cy="0"/>
+        </a:xfrm>
+      </p:grpSpPr>
+      <p:sp>
+        <p:nvSpPr>
+          <p:cNvPr id="7" name="Title 1"/>
+          <p:cNvSpPr txBox="1">
+            <a:spLocks/>
+          </p:cNvSpPr>
+          <p:nvPr/>
+        </p:nvSpPr>
+        <p:spPr>
+          <a:xfrm>
+            <a:off x="1114424" y="266700"/>
+            <a:ext cx="8029576" cy="914400"/>
+          </a:xfrm>
+          <a:prstGeom prst="rect">
+            <a:avLst/>
+          </a:prstGeom>
+          <a:solidFill>
+            <a:schemeClr val="tx2"/>
+          </a:solidFill>
+        </p:spPr>
+        <p:txBody>
+          <a:bodyPr vert="horz" lIns="1188720" tIns="45720" rIns="274320" bIns="45720" rtlCol="0" anchor="ctr">
+            <a:normAutofit fontScale="97500"/>
+          </a:bodyPr>
+          <a:lstStyle/>
+          <a:p>
+            <a:pPr marL="0" marR="0" lvl="0" indent="0" algn="ctr" defTabSz="914400" rtl="0" eaLnBrk="1" fontAlgn="auto" latinLnBrk="0" hangingPunct="1">
+              <a:lnSpc>
+                <a:spcPct val="100000"/>
+              </a:lnSpc>
+              <a:spcBef>
+                <a:spcPct val="0"/>
+              </a:spcBef>
+              <a:spcAft>
+                <a:spcPts val="0"/>
+              </a:spcAft>
+              <a:buClrTx/>
+              <a:buSzTx/>
+              <a:buFontTx/>
+              <a:buNone/>
+              <a:tabLst/>
+              <a:defRPr/>
+            </a:pPr>
+            <a:r>
+              <a:rPr kumimoji="0" lang="en-US" sz="2400" b="0" i="0" u="none" strike="noStrike" kern="1200" cap="none" spc="0" normalizeH="0" baseline="0" noProof="0" dirty="0" smtClean="0">
+                <a:ln>
+                  <a:noFill/>
+                </a:ln>
+                <a:solidFill>
+                  <a:schemeClr val="bg1"/>
+                </a:solidFill>
+                <a:effectLst/>
+                <a:uLnTx/>
+                <a:uFillTx/>
+                <a:latin typeface="+mj-lt"/>
+                <a:ea typeface="+mj-ea"/>
+                <a:cs typeface="+mj-cs"/>
+              </a:rPr>
+              <a:t>BFAST: </a:t>
+            </a:r>
+            <a:r>
+              <a:rPr lang="en-US" sz="2400" dirty="0" smtClean="0">
+                <a:solidFill>
+                  <a:schemeClr val="bg1"/>
+                </a:solidFill>
+                <a:latin typeface="+mj-lt"/>
+                <a:ea typeface="+mj-ea"/>
+                <a:cs typeface="+mj-cs"/>
+              </a:rPr>
+              <a:t>Configuration values for </a:t>
+            </a:r>
+            <a:r>
+              <a:rPr kumimoji="0" lang="en-US" sz="2400" b="0" i="0" u="none" strike="noStrike" kern="1200" cap="none" spc="0" normalizeH="0" noProof="0" dirty="0" smtClean="0">
+                <a:ln>
+                  <a:noFill/>
+                </a:ln>
+                <a:solidFill>
+                  <a:schemeClr val="bg1"/>
+                </a:solidFill>
+                <a:effectLst/>
+                <a:uLnTx/>
+                <a:uFillTx/>
+                <a:latin typeface="+mj-lt"/>
+                <a:ea typeface="+mj-ea"/>
+                <a:cs typeface="+mj-cs"/>
+              </a:rPr>
+              <a:t>problem sizes</a:t>
+            </a:r>
+            <a:endParaRPr kumimoji="0" lang="en-US" sz="2400" b="0" i="0" u="none" strike="noStrike" kern="1200" cap="none" spc="0" normalizeH="0" baseline="0" noProof="0" dirty="0">
+              <a:ln>
+                <a:noFill/>
+              </a:ln>
+              <a:solidFill>
+                <a:schemeClr val="bg1"/>
+              </a:solidFill>
+              <a:effectLst/>
+              <a:uLnTx/>
+              <a:uFillTx/>
+              <a:latin typeface="+mj-lt"/>
+              <a:ea typeface="+mj-ea"/>
+              <a:cs typeface="+mj-cs"/>
+            </a:endParaRPr>
+          </a:p>
+        </p:txBody>
+      </p:sp>
+      <p:pic>
+        <p:nvPicPr>
+          <p:cNvPr id="14" name="Picture 13" descr="bfast-expm-confg-data.png"/>
+          <p:cNvPicPr>
+            <a:picLocks noChangeAspect="1"/>
+          </p:cNvPicPr>
+          <p:nvPr/>
+        </p:nvPicPr>
+        <p:blipFill>
+          <a:blip r:embed="rId2"/>
+          <a:stretch>
+            <a:fillRect/>
+          </a:stretch>
+        </p:blipFill>
+        <p:spPr>
+          <a:xfrm>
+            <a:off x="31750" y="1257300"/>
+            <a:ext cx="9080500" cy="4800600"/>
+          </a:xfrm>
+          <a:prstGeom prst="rect">
+            <a:avLst/>
+          </a:prstGeom>
+        </p:spPr>
+      </p:pic>
+    </p:spTree>
+    <p:extLst>
+      <p:ext uri="{BB962C8B-B14F-4D97-AF65-F5344CB8AC3E}">
+        <p14:creationId xmlns:mc="http://schemas.openxmlformats.org/markup-compatibility/2006" xmlns:mv="urn:schemas-microsoft-com:mac:vml" xmlns:p14="http://schemas.microsoft.com/office/powerpoint/2010/main" xmlns:p="http://schemas.openxmlformats.org/presentationml/2006/main" xmlns:r="http://schemas.openxmlformats.org/officeDocument/2006/relationships" xmlns:a="http://schemas.openxmlformats.org/drawingml/2006/main" xmlns="" val="2306435090"/>
+      </p:ext>
+    </p:extLst>
+  </p:cSld>
+  <p:clrMapOvr>
+    <a:masterClrMapping/>
+  </p:clrMapOvr>
+  <p:timing>
+    <p:tnLst>
+      <p:par>
+        <p:cTn id="1" dur="indefinite" restart="never" nodeType="tmRoot"/>
+      </p:par>
+    </p:tnLst>
+  </p:timing>
+</p:sld>
+</file>
+
+<file path=ppt/slides/slide3.xml><?xml version="1.0" encoding="utf-8"?>
+<p:sld xmlns:a="http://schemas.openxmlformats.org/drawingml/2006/main" xmlns:r="http://schemas.openxmlformats.org/officeDocument/2006/relationships" xmlns:mc="http://schemas.openxmlformats.org/markup-compatibility/2006" xmlns:mv="urn:schemas-microsoft-com:mac:vml" xmlns:p="http://schemas.openxmlformats.org/presentationml/2006/main" mc:Ignorable="mv" mc:PreserveAttributes="mv:*">
+  <p:cSld>
+    <p:spTree>
+      <p:nvGrpSpPr>
+        <p:cNvPr id="1" name=""/>
+        <p:cNvGrpSpPr/>
+        <p:nvPr/>
+      </p:nvGrpSpPr>
+      <p:grpSpPr>
+        <a:xfrm>
+          <a:off x="0" y="0"/>
+          <a:ext cx="0" cy="0"/>
+          <a:chOff x="0" y="0"/>
+          <a:chExt cx="0" cy="0"/>
+        </a:xfrm>
+      </p:grpSpPr>
+      <p:sp>
+        <p:nvSpPr>
+          <p:cNvPr id="2" name="Title 1"/>
+          <p:cNvSpPr>
+            <a:spLocks noGrp="1"/>
+          </p:cNvSpPr>
+          <p:nvPr>
+            <p:ph type="title"/>
+          </p:nvPr>
+        </p:nvSpPr>
+        <p:spPr/>
+        <p:txBody>
+          <a:bodyPr>
+            <a:normAutofit/>
+          </a:bodyPr>
+          <a:lstStyle/>
+          <a:p>
+            <a:r>
+              <a:rPr lang="en-US" sz="2400" dirty="0" smtClean="0"/>
+              <a:t>NGS Analytics</a:t>
+            </a:r>
+            <a:endParaRPr lang="en-US" sz="2400" dirty="0"/>
+          </a:p>
+        </p:txBody>
+      </p:sp>
+      <p:pic>
+        <p:nvPicPr>
+          <p:cNvPr id="6" name="Content Placeholder 5" descr="nih_cost_per_genome.jpg"/>
+          <p:cNvPicPr>
+            <a:picLocks noGrp="1" noChangeAspect="1"/>
+          </p:cNvPicPr>
+          <p:nvPr>
+            <p:ph idx="1"/>
+          </p:nvPr>
+        </p:nvPicPr>
+        <p:blipFill>
+          <a:blip r:embed="rId2"/>
+          <a:srcRect l="-14834" r="-14834"/>
+          <a:stretch>
+            <a:fillRect/>
+          </a:stretch>
+        </p:blipFill>
+        <p:spPr/>
+      </p:pic>
+    </p:spTree>
+  </p:cSld>
+  <p:clrMapOvr>
+    <a:masterClrMapping/>
+  </p:clrMapOvr>
+  <p:timing>
+    <p:tnLst>
+      <p:par>
+        <p:cTn id="1" dur="indefinite" restart="never" nodeType="tmRoot"/>
+      </p:par>
+    </p:tnLst>
+  </p:timing>
+</p:sld>
+</file>
+
+<file path=ppt/slides/slide4.xml><?xml version="1.0" encoding="utf-8"?>
+<p:sld xmlns:a="http://schemas.openxmlformats.org/drawingml/2006/main" xmlns:r="http://schemas.openxmlformats.org/officeDocument/2006/relationships" xmlns:mc="http://schemas.openxmlformats.org/markup-compatibility/2006" xmlns:mv="urn:schemas-microsoft-com:mac:vml" xmlns:p="http://schemas.openxmlformats.org/presentationml/2006/main" mc:Ignorable="mv" mc:PreserveAttributes="mv:*">
+  <p:cSld>
+    <p:spTree>
+      <p:nvGrpSpPr>
+        <p:cNvPr id="1" name=""/>
+        <p:cNvGrpSpPr/>
+        <p:nvPr/>
+      </p:nvGrpSpPr>
+      <p:grpSpPr>
+        <a:xfrm>
+          <a:off x="0" y="0"/>
+          <a:ext cx="0" cy="0"/>
+          <a:chOff x="0" y="0"/>
+          <a:chExt cx="0" cy="0"/>
+        </a:xfrm>
+      </p:grpSpPr>
+      <p:sp>
+        <p:nvSpPr>
+          <p:cNvPr id="2" name="Title 1"/>
+          <p:cNvSpPr>
+            <a:spLocks noGrp="1"/>
+          </p:cNvSpPr>
+          <p:nvPr>
+            <p:ph type="title"/>
+          </p:nvPr>
+        </p:nvSpPr>
+        <p:spPr/>
+        <p:txBody>
+          <a:bodyPr>
+            <a:normAutofit/>
+          </a:bodyPr>
+          <a:lstStyle/>
+          <a:p>
+            <a:r>
+              <a:rPr lang="en-US" sz="2400" dirty="0" smtClean="0">
+                <a:solidFill>
+                  <a:prstClr val="white"/>
+                </a:solidFill>
+              </a:rPr>
+              <a:t>BFAST: A prototype for NGS Analytics</a:t>
+            </a:r>
+            <a:endParaRPr lang="en-US" dirty="0"/>
+          </a:p>
+        </p:txBody>
+      </p:sp>
+      <p:sp>
+        <p:nvSpPr>
+          <p:cNvPr id="3" name="Content Placeholder 2"/>
+          <p:cNvSpPr>
+            <a:spLocks noGrp="1"/>
+          </p:cNvSpPr>
+          <p:nvPr>
+            <p:ph idx="1"/>
+          </p:nvPr>
+        </p:nvSpPr>
+        <p:spPr>
+          <a:xfrm>
+            <a:off x="300747" y="1450974"/>
+            <a:ext cx="8182853" cy="4479925"/>
+          </a:xfrm>
+        </p:spPr>
+        <p:txBody>
+          <a:bodyPr>
+            <a:noAutofit/>
+          </a:bodyPr>
+          <a:lstStyle/>
+          <a:p>
+            <a:r>
+              <a:rPr lang="en-US" sz="1700" dirty="0" smtClean="0"/>
+              <a:t>Most software is associated with specific sequencing </a:t>
+            </a:r>
+            <a:r>
+              <a:rPr lang="en-US" sz="1700" dirty="0" smtClean="0"/>
+              <a:t>instruments</a:t>
+            </a:r>
+          </a:p>
+          <a:p>
+            <a:pPr lvl="1"/>
+            <a:r>
+              <a:rPr lang="en-US" sz="1700" dirty="0" smtClean="0"/>
+              <a:t>Multi-stage, but focus on alignment/mapping</a:t>
+            </a:r>
+          </a:p>
+          <a:p>
+            <a:r>
+              <a:rPr lang="en-US" sz="1700" dirty="0" smtClean="0"/>
+              <a:t>Classify </a:t>
+            </a:r>
+            <a:r>
+              <a:rPr lang="en-US" sz="1700" dirty="0" smtClean="0"/>
+              <a:t>most alignment software into categories 	based upon based upon indexing property</a:t>
+            </a:r>
+          </a:p>
+          <a:p>
+            <a:pPr lvl="1"/>
+            <a:r>
+              <a:rPr lang="en-US" sz="1700" dirty="0" smtClean="0"/>
+              <a:t>Hash-based and Tree-based</a:t>
+            </a:r>
+          </a:p>
+          <a:p>
+            <a:r>
+              <a:rPr lang="en-US" sz="1700" dirty="0" smtClean="0"/>
+              <a:t>Relative to other alignments programs, 					BFAST has:		</a:t>
+            </a:r>
+            <a:endParaRPr lang="en-US" sz="1700" dirty="0" smtClean="0"/>
+          </a:p>
+          <a:p>
+            <a:pPr lvl="1"/>
+            <a:r>
+              <a:rPr lang="en-US" sz="1700" dirty="0" smtClean="0"/>
+              <a:t>higher sensitivity</a:t>
+            </a:r>
+          </a:p>
+          <a:p>
+            <a:pPr lvl="1"/>
+            <a:r>
+              <a:rPr lang="en-US" sz="1700" dirty="0" smtClean="0"/>
+              <a:t>large </a:t>
+            </a:r>
+            <a:r>
+              <a:rPr lang="en-US" sz="1700" dirty="0" smtClean="0"/>
+              <a:t>memory</a:t>
+            </a:r>
+            <a:r>
+              <a:rPr lang="en-US" sz="1700" dirty="0" smtClean="0"/>
+              <a:t> and </a:t>
+            </a:r>
+            <a:r>
+              <a:rPr lang="en-US" sz="1700" dirty="0" smtClean="0"/>
+              <a:t>disk</a:t>
+            </a:r>
+            <a:r>
+              <a:rPr lang="en-US" sz="1700" dirty="0" smtClean="0"/>
+              <a:t> requirements</a:t>
+            </a:r>
+          </a:p>
+          <a:p>
+            <a:r>
+              <a:rPr lang="en-US" sz="1700" dirty="0" smtClean="0"/>
+              <a:t>Data </a:t>
+            </a:r>
+            <a:r>
+              <a:rPr lang="en-US" sz="1700" dirty="0" smtClean="0"/>
+              <a:t>types:</a:t>
+            </a:r>
+            <a:endParaRPr lang="en-US" sz="1700" dirty="0" smtClean="0"/>
+          </a:p>
+          <a:p>
+            <a:pPr lvl="1"/>
+            <a:r>
+              <a:rPr lang="en-US" sz="1700" dirty="0" smtClean="0"/>
+              <a:t>Short read  data</a:t>
+            </a:r>
+          </a:p>
+          <a:p>
+            <a:pPr lvl="1"/>
+            <a:r>
+              <a:rPr lang="en-US" sz="1700" dirty="0" smtClean="0"/>
+              <a:t>Reference </a:t>
+            </a:r>
+            <a:r>
+              <a:rPr lang="en-US" sz="1700" dirty="0" smtClean="0"/>
+              <a:t>Index data</a:t>
+            </a:r>
+          </a:p>
+          <a:p>
+            <a:endParaRPr lang="en-US" sz="1700" dirty="0" smtClean="0"/>
+          </a:p>
+        </p:txBody>
+      </p:sp>
+      <p:pic>
+        <p:nvPicPr>
+          <p:cNvPr id="13" name="Picture 12" descr="ngs-sw-comp.png"/>
+          <p:cNvPicPr>
+            <a:picLocks noChangeAspect="1"/>
+          </p:cNvPicPr>
+          <p:nvPr/>
+        </p:nvPicPr>
+        <p:blipFill>
+          <a:blip r:embed="rId2"/>
+          <a:stretch>
+            <a:fillRect/>
+          </a:stretch>
+        </p:blipFill>
+        <p:spPr>
+          <a:xfrm>
+            <a:off x="4927600" y="4645585"/>
+            <a:ext cx="4114800" cy="2047315"/>
+          </a:xfrm>
+          <a:prstGeom prst="rect">
+            <a:avLst/>
+          </a:prstGeom>
+        </p:spPr>
+      </p:pic>
+      <p:pic>
+        <p:nvPicPr>
+          <p:cNvPr id="6" name="Picture 5" descr="workflow.png"/>
+          <p:cNvPicPr>
+            <a:picLocks noChangeAspect="1"/>
+          </p:cNvPicPr>
+          <p:nvPr/>
+        </p:nvPicPr>
+        <p:blipFill>
+          <a:blip r:embed="rId3">
+            <a:extLst>
+              <a:ext uri="{28A0092B-C50C-407E-A947-70E740481C1C}">
+                <a14:useLocalDpi xmlns:mc="http://schemas.openxmlformats.org/markup-compatibility/2006" xmlns:mv="urn:schemas-microsoft-com:mac:vml" xmlns:a14="http://schemas.microsoft.com/office/drawing/2010/main" xmlns:p="http://schemas.openxmlformats.org/presentationml/2006/main" xmlns:r="http://schemas.openxmlformats.org/officeDocument/2006/relationships" xmlns:a="http://schemas.openxmlformats.org/drawingml/2006/main" xmlns=""/>
+              </a:ext>
+            </a:extLst>
+          </a:blip>
+          <a:stretch>
+            <a:fillRect/>
+          </a:stretch>
+        </p:blipFill>
+        <p:spPr>
+          <a:xfrm>
+            <a:off x="5992679" y="1866900"/>
+            <a:ext cx="2846521" cy="2476500"/>
+          </a:xfrm>
+          <a:prstGeom prst="rect">
+            <a:avLst/>
+          </a:prstGeom>
+          <a:ln/>
+        </p:spPr>
+        <p:style>
+          <a:lnRef idx="2">
+            <a:schemeClr val="accent2">
+              <a:shade val="50000"/>
+            </a:schemeClr>
+          </a:lnRef>
+          <a:fillRef idx="1">
+            <a:schemeClr val="accent2"/>
+          </a:fillRef>
+          <a:effectRef idx="0">
+            <a:schemeClr val="accent2"/>
+          </a:effectRef>
+          <a:fontRef idx="minor">
+            <a:schemeClr val="lt1"/>
+          </a:fontRef>
+        </p:style>
+      </p:pic>
+    </p:spTree>
+  </p:cSld>
+  <p:clrMapOvr>
+    <a:masterClrMapping/>
+  </p:clrMapOvr>
+  <p:timing>
+    <p:tnLst>
+      <p:par>
+        <p:cTn id="1" dur="indefinite" restart="never" nodeType="tmRoot">
+          <p:childTnLst>
+            <p:seq concurrent="1" nextAc="seek">
+              <p:cTn id="2" dur="indefinite" nodeType="mainSeq">
+                <p:childTnLst>
+                  <p:par>
+                    <p:cTn id="3" fill="hold">
+                      <p:stCondLst>
+                        <p:cond delay="indefinite"/>
+                        <p:cond evt="onBegin" delay="0">
+                          <p:tn val="2"/>
+                        </p:cond>
+                      </p:stCondLst>
+                      <p:childTnLst>
+                        <p:par>
+                          <p:cTn id="4" fill="hold">
+                            <p:stCondLst>
+                              <p:cond delay="0"/>
+                            </p:stCondLst>
+                            <p:childTnLst>
+                              <p:par>
+                                <p:cTn id="5" presetID="2" presetClass="entr" presetSubtype="4" fill="hold" nodeType="withEffect">
+                                  <p:stCondLst>
+                                    <p:cond delay="0"/>
+                                  </p:stCondLst>
+                                  <p:childTnLst>
+                                    <p:set>
+                                      <p:cBhvr>
+                                        <p:cTn id="6" dur="1" fill="hold">
+                                          <p:stCondLst>
+                                            <p:cond delay="0"/>
+                                          </p:stCondLst>
+                                        </p:cTn>
+                                        <p:tgtEl>
+                                          <p:spTgt spid="6"/>
+                                        </p:tgtEl>
+                                        <p:attrNameLst>
+                                          <p:attrName>style.visibility</p:attrName>
+                                        </p:attrNameLst>
+                                      </p:cBhvr>
+                                      <p:to>
+                                        <p:strVal val="visible"/>
+                                      </p:to>
+                                    </p:set>
+                                    <p:anim calcmode="lin" valueType="num">
+                                      <p:cBhvr additive="base">
+                                        <p:cTn id="7" dur="500" fill="hold"/>
+                                        <p:tgtEl>
+                                          <p:spTgt spid="6"/>
+                                        </p:tgtEl>
+                                        <p:attrNameLst>
+                                          <p:attrName>ppt_x</p:attrName>
+                                        </p:attrNameLst>
+                                      </p:cBhvr>
+                                      <p:tavLst>
+                                        <p:tav tm="0">
+                                          <p:val>
+                                            <p:strVal val="#ppt_x"/>
+                                          </p:val>
+                                        </p:tav>
+                                        <p:tav tm="100000">
+                                          <p:val>
+                                            <p:strVal val="#ppt_x"/>
+                                          </p:val>
+                                        </p:tav>
+                                      </p:tavLst>
+                                    </p:anim>
+                                    <p:anim calcmode="lin" valueType="num">
+                                      <p:cBhvr additive="base">
+                                        <p:cTn id="8" dur="500" fill="hold"/>
+                                        <p:tgtEl>
+                                          <p:spTgt spid="6"/>
+                                        </p:tgtEl>
+                                        <p:attrNameLst>
+                                          <p:attrName>ppt_y</p:attrName>
+                                        </p:attrNameLst>
+                                      </p:cBhvr>
+                                      <p:tavLst>
+                                        <p:tav tm="0">
+                                          <p:val>
+                                            <p:strVal val="1+#ppt_h/2"/>
+                                          </p:val>
+                                        </p:tav>
+                                        <p:tav tm="100000">
+                                          <p:val>
+                                            <p:strVal val="#ppt_y"/>
+                                          </p:val>
+                                        </p:tav>
+                                      </p:tavLst>
+                                    </p:anim>
+                                  </p:childTnLst>
+                                </p:cTn>
+                              </p:par>
+                            </p:childTnLst>
+                          </p:cTn>
+                        </p:par>
+                      </p:childTnLst>
+                    </p:cTn>
+                  </p:par>
+                </p:childTnLst>
+              </p:cTn>
+              <p:prevCondLst>
+                <p:cond evt="onPrev" delay="0">
+                  <p:tgtEl>
+                    <p:sldTgt/>
+                  </p:tgtEl>
+                </p:cond>
+              </p:prevCondLst>
+              <p:nextCondLst>
+                <p:cond evt="onNext" delay="0">
+                  <p:tgtEl>
+                    <p:sldTgt/>
+                  </p:tgtEl>
+                </p:cond>
+              </p:nextCondLst>
+            </p:seq>
+          </p:childTnLst>
+        </p:cTn>
+      </p:par>
+    </p:tnLst>
+  </p:timing>
+</p:sld>
+</file>
+
+<file path=ppt/slides/slide5.xml><?xml version="1.0" encoding="utf-8"?>
+<p:sld xmlns:a="http://schemas.openxmlformats.org/drawingml/2006/main" xmlns:r="http://schemas.openxmlformats.org/officeDocument/2006/relationships" xmlns:mc="http://schemas.openxmlformats.org/markup-compatibility/2006" xmlns:mv="urn:schemas-microsoft-com:mac:vml" xmlns:p="http://schemas.openxmlformats.org/presentationml/2006/main" mc:Ignorable="mv" mc:PreserveAttributes="mv:*">
+  <p:cSld>
+    <p:spTree>
+      <p:nvGrpSpPr>
+        <p:cNvPr id="1" name=""/>
+        <p:cNvGrpSpPr/>
+        <p:nvPr/>
+      </p:nvGrpSpPr>
+      <p:grpSpPr>
+        <a:xfrm>
+          <a:off x="0" y="0"/>
+          <a:ext cx="0" cy="0"/>
+          <a:chOff x="0" y="0"/>
+          <a:chExt cx="0" cy="0"/>
+        </a:xfrm>
+      </p:grpSpPr>
+      <p:sp>
+        <p:nvSpPr>
+          <p:cNvPr id="2" name="Title 1"/>
+          <p:cNvSpPr>
+            <a:spLocks noGrp="1"/>
+          </p:cNvSpPr>
+          <p:nvPr>
+            <p:ph type="title"/>
+          </p:nvPr>
+        </p:nvSpPr>
+        <p:spPr/>
+        <p:txBody>
+          <a:bodyPr>
+            <a:normAutofit/>
+          </a:bodyPr>
+          <a:lstStyle/>
+          <a:p>
+            <a:r>
+              <a:rPr lang="en-US" sz="2400" dirty="0" smtClean="0">
+                <a:solidFill>
+                  <a:prstClr val="white"/>
+                </a:solidFill>
+              </a:rPr>
+              <a:t>BFAST: A prototype for NGS Analytics</a:t>
+            </a:r>
+            <a:endParaRPr lang="en-US" dirty="0"/>
+          </a:p>
+        </p:txBody>
+      </p:sp>
+      <p:sp>
+        <p:nvSpPr>
+          <p:cNvPr id="3" name="Content Placeholder 2"/>
+          <p:cNvSpPr>
+            <a:spLocks noGrp="1"/>
+          </p:cNvSpPr>
+          <p:nvPr>
+            <p:ph sz="half" idx="1"/>
+          </p:nvPr>
+        </p:nvSpPr>
+        <p:spPr>
+          <a:xfrm>
+            <a:off x="254000" y="1498600"/>
+            <a:ext cx="4291100" cy="4279900"/>
+          </a:xfrm>
+        </p:spPr>
+        <p:txBody>
+          <a:bodyPr>
+            <a:noAutofit/>
+          </a:bodyPr>
+          <a:lstStyle/>
+          <a:p>
+            <a:r>
+              <a:rPr lang="en-US" sz="1700" dirty="0" smtClean="0"/>
+              <a:t>Supports </a:t>
+            </a:r>
+            <a:r>
+              <a:rPr lang="en-US" sz="1700" dirty="0" smtClean="0"/>
+              <a:t>Advanced features:</a:t>
+            </a:r>
+            <a:r>
+              <a:rPr lang="en-US" sz="1700" dirty="0" smtClean="0"/>
+              <a:t> </a:t>
+            </a:r>
+            <a:endParaRPr lang="en-US" sz="1700" dirty="0" smtClean="0"/>
+          </a:p>
+          <a:p>
+            <a:pPr lvl="1"/>
+            <a:r>
+              <a:rPr lang="en-US" sz="1700" dirty="0" smtClean="0"/>
+              <a:t> </a:t>
+            </a:r>
+            <a:r>
+              <a:rPr lang="en-US" sz="1700" dirty="0" smtClean="0"/>
+              <a:t>Multi-threading support</a:t>
+            </a:r>
+            <a:r>
+              <a:rPr lang="en-US" sz="1700" dirty="0" smtClean="0"/>
+              <a:t> </a:t>
+            </a:r>
+            <a:endParaRPr lang="en-US" sz="1700" dirty="0" smtClean="0"/>
+          </a:p>
+          <a:p>
+            <a:pPr lvl="1"/>
+            <a:r>
+              <a:rPr lang="en-US" sz="1700" dirty="0" smtClean="0"/>
+              <a:t>Low</a:t>
+            </a:r>
+            <a:r>
+              <a:rPr lang="en-US" sz="1700" dirty="0" smtClean="0"/>
+              <a:t>-memory option (index file splitting)</a:t>
+            </a:r>
+            <a:endParaRPr lang="en-US" sz="1700" dirty="0" smtClean="0"/>
+          </a:p>
+          <a:p>
+            <a:r>
+              <a:rPr lang="en-US" sz="1700" dirty="0" smtClean="0"/>
+              <a:t>Breaking </a:t>
+            </a:r>
+            <a:r>
+              <a:rPr lang="en-US" sz="1700" dirty="0" smtClean="0"/>
+              <a:t>up short-read data permits task-level concurrency</a:t>
+            </a:r>
+          </a:p>
+          <a:p>
+            <a:pPr lvl="1"/>
+            <a:r>
+              <a:rPr lang="en-US" sz="1700" dirty="0" smtClean="0"/>
+              <a:t>Each</a:t>
+            </a:r>
+            <a:r>
+              <a:rPr lang="en-US" sz="1700" dirty="0" smtClean="0"/>
+              <a:t> task </a:t>
+            </a:r>
+            <a:r>
+              <a:rPr lang="en-US" sz="1700" dirty="0" smtClean="0"/>
+              <a:t>requires full reference </a:t>
+            </a:r>
+            <a:r>
+              <a:rPr lang="en-US" sz="1700" dirty="0" smtClean="0"/>
+              <a:t>genome</a:t>
+            </a:r>
+            <a:r>
+              <a:rPr lang="en-US" sz="1700" dirty="0" smtClean="0"/>
+              <a:t> </a:t>
+            </a:r>
+            <a:r>
+              <a:rPr lang="en-US" sz="1700" dirty="0" smtClean="0"/>
+              <a:t>possible </a:t>
+            </a:r>
+            <a:r>
+              <a:rPr lang="en-US" sz="1700" dirty="0" smtClean="0"/>
+              <a:t>I/O </a:t>
+            </a:r>
+            <a:r>
+              <a:rPr lang="en-US" sz="1700" dirty="0" smtClean="0"/>
+              <a:t>bottleneck</a:t>
+            </a:r>
+          </a:p>
+          <a:p>
+            <a:pPr lvl="1"/>
+            <a:r>
+              <a:rPr lang="en-US" sz="1700" dirty="0" smtClean="0"/>
+              <a:t>Distribute to overcome I/O bottleneck?</a:t>
+            </a:r>
+            <a:endParaRPr lang="en-US" sz="1700" dirty="0" smtClean="0"/>
+          </a:p>
+          <a:p>
+            <a:r>
+              <a:rPr lang="en-US" sz="1700" dirty="0" smtClean="0"/>
+              <a:t>Tradeoffs:</a:t>
+            </a:r>
+          </a:p>
+          <a:p>
+            <a:pPr lvl="1"/>
+            <a:r>
+              <a:rPr lang="en-US" sz="1700" dirty="0" smtClean="0"/>
+              <a:t>Com. </a:t>
+            </a:r>
+            <a:r>
+              <a:rPr lang="en-US" sz="1700" dirty="0" err="1" smtClean="0"/>
+              <a:t>vs</a:t>
+            </a:r>
+            <a:r>
+              <a:rPr lang="en-US" sz="1700" dirty="0" smtClean="0"/>
+              <a:t> </a:t>
+            </a:r>
+            <a:r>
+              <a:rPr lang="en-US" sz="1700" dirty="0" err="1" smtClean="0"/>
+              <a:t>Mem</a:t>
+            </a:r>
+            <a:r>
+              <a:rPr lang="en-US" sz="1700" dirty="0" smtClean="0"/>
+              <a:t>. </a:t>
+            </a:r>
+            <a:r>
+              <a:rPr lang="en-US" sz="1700" dirty="0" err="1" smtClean="0"/>
+              <a:t>vs</a:t>
+            </a:r>
+            <a:r>
+              <a:rPr lang="en-US" sz="1700" dirty="0" smtClean="0"/>
+              <a:t> I/O </a:t>
+            </a:r>
+            <a:r>
+              <a:rPr lang="en-US" sz="1700" dirty="0" err="1" smtClean="0"/>
+              <a:t>vs</a:t>
+            </a:r>
+            <a:r>
+              <a:rPr lang="en-US" sz="1700" dirty="0" smtClean="0"/>
+              <a:t> </a:t>
+            </a:r>
+            <a:r>
+              <a:rPr lang="en-US" sz="1700" dirty="0" err="1" smtClean="0"/>
+              <a:t>DoD</a:t>
+            </a:r>
+            <a:endParaRPr lang="en-US" sz="1700" dirty="0" smtClean="0"/>
+          </a:p>
+          <a:p>
+            <a:pPr lvl="1"/>
+            <a:r>
+              <a:rPr lang="en-US" sz="1700" dirty="0" smtClean="0"/>
+              <a:t>Sensitive to specific data-set </a:t>
+            </a:r>
+            <a:r>
+              <a:rPr lang="en-US" sz="1700" dirty="0" smtClean="0"/>
+              <a:t>size</a:t>
+            </a:r>
+          </a:p>
+          <a:p>
+            <a:endParaRPr lang="en-US" sz="1700" dirty="0" smtClean="0"/>
+          </a:p>
+          <a:p>
+            <a:endParaRPr lang="en-US" sz="1700" dirty="0"/>
+          </a:p>
+        </p:txBody>
+      </p:sp>
+      <p:grpSp>
+        <p:nvGrpSpPr>
+          <p:cNvPr id="5" name="Group 24"/>
+          <p:cNvGrpSpPr/>
+          <p:nvPr/>
+        </p:nvGrpSpPr>
+        <p:grpSpPr>
+          <a:xfrm>
+            <a:off x="4595900" y="4548381"/>
+            <a:ext cx="4336042" cy="1880418"/>
+            <a:chOff x="182607" y="1417638"/>
+            <a:chExt cx="8124347" cy="1968855"/>
+          </a:xfrm>
+        </p:grpSpPr>
+        <p:sp>
+          <p:nvSpPr>
+            <p:cNvPr id="6" name="Right Arrow Callout 5"/>
+            <p:cNvSpPr/>
+            <p:nvPr/>
+          </p:nvSpPr>
+          <p:spPr>
+            <a:xfrm>
+              <a:off x="3445432" y="1658871"/>
+              <a:ext cx="3181658" cy="1443182"/>
+            </a:xfrm>
+            <a:prstGeom prst="rightArrowCallout">
+              <a:avLst>
+                <a:gd name="adj1" fmla="val 25000"/>
+                <a:gd name="adj2" fmla="val 25000"/>
+                <a:gd name="adj3" fmla="val 25000"/>
+                <a:gd name="adj4" fmla="val 52961"/>
+              </a:avLst>
+            </a:prstGeom>
+          </p:spPr>
+          <p:style>
+            <a:lnRef idx="2">
+              <a:schemeClr val="accent3">
+                <a:shade val="50000"/>
+              </a:schemeClr>
+            </a:lnRef>
+            <a:fillRef idx="1">
+              <a:schemeClr val="accent3"/>
+            </a:fillRef>
+            <a:effectRef idx="0">
+              <a:schemeClr val="accent3"/>
+            </a:effectRef>
+            <a:fontRef idx="minor">
+              <a:schemeClr val="lt1"/>
+            </a:fontRef>
+          </p:style>
+          <p:txBody>
+            <a:bodyPr rtlCol="0" anchor="ctr"/>
+            <a:lstStyle/>
+            <a:p>
+              <a:pPr algn="ctr"/>
+              <a:r>
+                <a:rPr lang="en-US" sz="1200" dirty="0" smtClean="0"/>
+                <a:t>Mapping </a:t>
+              </a:r>
+            </a:p>
+            <a:p>
+              <a:pPr algn="ctr"/>
+              <a:r>
+                <a:rPr lang="en-US" sz="1200" dirty="0" smtClean="0"/>
+                <a:t>(Bfast)</a:t>
+              </a:r>
+              <a:endParaRPr lang="en-US" sz="1200" dirty="0"/>
+            </a:p>
+          </p:txBody>
+        </p:sp>
+        <p:sp>
+          <p:nvSpPr>
+            <p:cNvPr id="7" name="Rectangle 6"/>
+            <p:cNvSpPr/>
+            <p:nvPr/>
+          </p:nvSpPr>
+          <p:spPr>
+            <a:xfrm>
+              <a:off x="6794499" y="1658871"/>
+              <a:ext cx="1512455" cy="1443182"/>
+            </a:xfrm>
+            <a:prstGeom prst="rect">
+              <a:avLst/>
+            </a:prstGeom>
+          </p:spPr>
+          <p:style>
+            <a:lnRef idx="2">
+              <a:schemeClr val="accent3">
+                <a:shade val="50000"/>
+              </a:schemeClr>
+            </a:lnRef>
+            <a:fillRef idx="1">
+              <a:schemeClr val="accent3"/>
+            </a:fillRef>
+            <a:effectRef idx="0">
+              <a:schemeClr val="accent3"/>
+            </a:effectRef>
+            <a:fontRef idx="minor">
+              <a:schemeClr val="lt1"/>
+            </a:fontRef>
+          </p:style>
+          <p:txBody>
+            <a:bodyPr rtlCol="0" anchor="ctr"/>
+            <a:lstStyle/>
+            <a:p>
+              <a:pPr algn="ctr"/>
+              <a:r>
+                <a:rPr lang="en-US" sz="1200" dirty="0" smtClean="0"/>
+                <a:t>SNP finding</a:t>
+              </a:r>
+            </a:p>
+          </p:txBody>
+        </p:sp>
+        <p:sp>
+          <p:nvSpPr>
+            <p:cNvPr id="8" name="Vertical Scroll 7"/>
+            <p:cNvSpPr/>
+            <p:nvPr/>
+          </p:nvSpPr>
+          <p:spPr>
+            <a:xfrm>
+              <a:off x="182607" y="1417638"/>
+              <a:ext cx="2182217" cy="881129"/>
+            </a:xfrm>
+            <a:prstGeom prst="verticalScroll">
+              <a:avLst/>
+            </a:prstGeom>
+            <a:solidFill>
+              <a:schemeClr val="bg2">
+                <a:lumMod val="75000"/>
+              </a:schemeClr>
+            </a:solidFill>
+          </p:spPr>
+          <p:style>
+            <a:lnRef idx="1">
+              <a:schemeClr val="accent1"/>
+            </a:lnRef>
+            <a:fillRef idx="3">
+              <a:schemeClr val="accent1"/>
+            </a:fillRef>
+            <a:effectRef idx="2">
+              <a:schemeClr val="accent1"/>
+            </a:effectRef>
+            <a:fontRef idx="minor">
+              <a:schemeClr val="lt1"/>
+            </a:fontRef>
+          </p:style>
+          <p:txBody>
+            <a:bodyPr rtlCol="0" anchor="ctr"/>
+            <a:lstStyle/>
+            <a:p>
+              <a:pPr algn="ctr"/>
+              <a:r>
+                <a:rPr lang="en-US" sz="1200" dirty="0" smtClean="0"/>
+                <a:t>Ref. Genome</a:t>
+              </a:r>
+            </a:p>
+          </p:txBody>
+        </p:sp>
+        <p:sp>
+          <p:nvSpPr>
+            <p:cNvPr id="9" name="Vertical Scroll 8"/>
+            <p:cNvSpPr/>
+            <p:nvPr/>
+          </p:nvSpPr>
+          <p:spPr>
+            <a:xfrm>
+              <a:off x="182607" y="2505364"/>
+              <a:ext cx="2461299" cy="881129"/>
+            </a:xfrm>
+            <a:prstGeom prst="verticalScroll">
+              <a:avLst/>
+            </a:prstGeom>
+            <a:solidFill>
+              <a:schemeClr val="bg2">
+                <a:lumMod val="75000"/>
+              </a:schemeClr>
+            </a:solidFill>
+          </p:spPr>
+          <p:style>
+            <a:lnRef idx="1">
+              <a:schemeClr val="accent1"/>
+            </a:lnRef>
+            <a:fillRef idx="3">
+              <a:schemeClr val="accent1"/>
+            </a:fillRef>
+            <a:effectRef idx="2">
+              <a:schemeClr val="accent1"/>
+            </a:effectRef>
+            <a:fontRef idx="minor">
+              <a:schemeClr val="lt1"/>
+            </a:fontRef>
+          </p:style>
+          <p:txBody>
+            <a:bodyPr rtlCol="0" anchor="ctr"/>
+            <a:lstStyle/>
+            <a:p>
+              <a:pPr algn="ctr"/>
+              <a:r>
+                <a:rPr lang="en-US" sz="1200" dirty="0" smtClean="0"/>
+                <a:t>NGS short reads</a:t>
+              </a:r>
+            </a:p>
+          </p:txBody>
+        </p:sp>
+        <p:sp>
+          <p:nvSpPr>
+            <p:cNvPr id="10" name="Right Bracket 9"/>
+            <p:cNvSpPr/>
+            <p:nvPr/>
+          </p:nvSpPr>
+          <p:spPr>
+            <a:xfrm>
+              <a:off x="2544886" y="1934489"/>
+              <a:ext cx="323272" cy="900545"/>
+            </a:xfrm>
+            <a:prstGeom prst="rightBracket">
+              <a:avLst/>
+            </a:prstGeom>
+            <a:noFill/>
+            <a:ln w="63500">
+              <a:solidFill>
+                <a:schemeClr val="bg1">
+                  <a:lumMod val="50000"/>
+                </a:schemeClr>
+              </a:solidFill>
+            </a:ln>
+          </p:spPr>
+          <p:style>
+            <a:lnRef idx="2">
+              <a:schemeClr val="accent1"/>
+            </a:lnRef>
+            <a:fillRef idx="0">
+              <a:schemeClr val="accent1"/>
+            </a:fillRef>
+            <a:effectRef idx="1">
+              <a:schemeClr val="accent1"/>
+            </a:effectRef>
+            <a:fontRef idx="minor">
+              <a:schemeClr val="tx1"/>
+            </a:fontRef>
+          </p:style>
+          <p:txBody>
+            <a:bodyPr rtlCol="0" anchor="ctr"/>
+            <a:lstStyle/>
+            <a:p>
+              <a:pPr algn="ctr"/>
+              <a:endParaRPr lang="en-US" sz="1200" dirty="0"/>
+            </a:p>
+          </p:txBody>
+        </p:sp>
+        <p:sp>
+          <p:nvSpPr>
+            <p:cNvPr id="11" name="Right Arrow 10"/>
+            <p:cNvSpPr/>
+            <p:nvPr/>
+          </p:nvSpPr>
+          <p:spPr>
+            <a:xfrm>
+              <a:off x="2914338" y="2298767"/>
+              <a:ext cx="531092" cy="206597"/>
+            </a:xfrm>
+            <a:prstGeom prst="rightArrow">
+              <a:avLst/>
+            </a:prstGeom>
+            <a:solidFill>
+              <a:schemeClr val="bg1">
+                <a:lumMod val="50000"/>
+              </a:schemeClr>
+            </a:solidFill>
+            <a:ln>
+              <a:solidFill>
+                <a:schemeClr val="bg1">
+                  <a:lumMod val="50000"/>
+                </a:schemeClr>
+              </a:solidFill>
+            </a:ln>
+          </p:spPr>
+          <p:style>
+            <a:lnRef idx="1">
+              <a:schemeClr val="accent1"/>
+            </a:lnRef>
+            <a:fillRef idx="3">
+              <a:schemeClr val="accent1"/>
+            </a:fillRef>
+            <a:effectRef idx="2">
+              <a:schemeClr val="accent1"/>
+            </a:effectRef>
+            <a:fontRef idx="minor">
+              <a:schemeClr val="lt1"/>
+            </a:fontRef>
+          </p:style>
+          <p:txBody>
+            <a:bodyPr rtlCol="0" anchor="ctr"/>
+            <a:lstStyle/>
+            <a:p>
+              <a:pPr algn="ctr"/>
+              <a:endParaRPr lang="en-US" sz="1200" dirty="0"/>
+            </a:p>
+          </p:txBody>
+        </p:sp>
+      </p:grpSp>
+      <p:pic>
+        <p:nvPicPr>
+          <p:cNvPr id="16" name="Picture 15" descr="bfast-expm-confg-data.png"/>
+          <p:cNvPicPr>
+            <a:picLocks noChangeAspect="1"/>
+          </p:cNvPicPr>
+          <p:nvPr/>
+        </p:nvPicPr>
+        <p:blipFill>
+          <a:blip r:embed="rId2"/>
+          <a:stretch>
+            <a:fillRect/>
+          </a:stretch>
+        </p:blipFill>
+        <p:spPr>
+          <a:xfrm>
+            <a:off x="4608600" y="1651000"/>
+            <a:ext cx="4535400" cy="2397736"/>
+          </a:xfrm>
+          <a:prstGeom prst="rect">
+            <a:avLst/>
+          </a:prstGeom>
+        </p:spPr>
+      </p:pic>
+    </p:spTree>
+  </p:cSld>
+  <p:clrMapOvr>
+    <a:masterClrMapping/>
+  </p:clrMapOvr>
+  <p:timing>
+    <p:tnLst>
+      <p:par>
+        <p:cTn id="1" dur="indefinite" restart="never" nodeType="tmRoot">
+          <p:childTnLst>
+            <p:seq concurrent="1" nextAc="seek">
+              <p:cTn id="2" dur="indefinite" nodeType="mainSeq">
+                <p:childTnLst>
+                  <p:par>
+                    <p:cTn id="3" fill="hold">
+                      <p:stCondLst>
+                        <p:cond delay="indefinite"/>
+                      </p:stCondLst>
+                      <p:childTnLst>
+                        <p:par>
+                          <p:cTn id="4" fill="hold">
+                            <p:stCondLst>
+                              <p:cond delay="0"/>
+                            </p:stCondLst>
+                            <p:childTnLst>
+                              <p:par>
+                                <p:cTn id="5" presetID="9" presetClass="entr" presetSubtype="0" fill="hold" nodeType="clickEffect">
+                                  <p:stCondLst>
+                                    <p:cond delay="0"/>
+                                  </p:stCondLst>
+                                  <p:childTnLst>
+                                    <p:set>
+                                      <p:cBhvr>
+                                        <p:cTn id="6" dur="1" fill="hold">
+                                          <p:stCondLst>
+                                            <p:cond delay="0"/>
+                                          </p:stCondLst>
+                                        </p:cTn>
+                                        <p:tgtEl>
+                                          <p:spTgt spid="5"/>
+                                        </p:tgtEl>
+                                        <p:attrNameLst>
+                                          <p:attrName>style.visibility</p:attrName>
+                                        </p:attrNameLst>
+                                      </p:cBhvr>
+                                      <p:to>
+                                        <p:strVal val="visible"/>
+                                      </p:to>
+                                    </p:set>
+                                    <p:animEffect transition="in" filter="dissolve">
+                                      <p:cBhvr>
+                                        <p:cTn id="7" dur="500"/>
+                                        <p:tgtEl>
+                                          <p:spTgt spid="5"/>
+                                        </p:tgtEl>
+                                      </p:cBhvr>
+                                    </p:animEffect>
+                                  </p:childTnLst>
+                                </p:cTn>
+                              </p:par>
+                            </p:childTnLst>
+                          </p:cTn>
+                        </p:par>
+                      </p:childTnLst>
+                    </p:cTn>
+                  </p:par>
+                </p:childTnLst>
+              </p:cTn>
+              <p:prevCondLst>
+                <p:cond evt="onPrev" delay="0">
+                  <p:tgtEl>
+                    <p:sldTgt/>
+                  </p:tgtEl>
+                </p:cond>
+              </p:prevCondLst>
+              <p:nextCondLst>
+                <p:cond evt="onNext" delay="0">
+                  <p:tgtEl>
+                    <p:sldTgt/>
+                  </p:tgtEl>
+                </p:cond>
+              </p:nextCondLst>
+            </p:seq>
+          </p:childTnLst>
+        </p:cTn>
+      </p:par>
+    </p:tnLst>
+  </p:timing>
+</p:sld>
+</file>
+
+<file path=ppt/slides/slide6.xml><?xml version="1.0" encoding="utf-8"?>
+<p:sld xmlns:a="http://schemas.openxmlformats.org/drawingml/2006/main" xmlns:r="http://schemas.openxmlformats.org/officeDocument/2006/relationships" xmlns:mc="http://schemas.openxmlformats.org/markup-compatibility/2006" xmlns:mv="urn:schemas-microsoft-com:mac:vml" xmlns:p="http://schemas.openxmlformats.org/presentationml/2006/main" mc:Ignorable="mv" mc:PreserveAttributes="mv:*">
+  <p:cSld>
+    <p:spTree>
+      <p:nvGrpSpPr>
+        <p:cNvPr id="1" name=""/>
+        <p:cNvGrpSpPr/>
+        <p:nvPr/>
+      </p:nvGrpSpPr>
+      <p:grpSpPr>
+        <a:xfrm>
+          <a:off x="0" y="0"/>
+          <a:ext cx="0" cy="0"/>
+          <a:chOff x="0" y="0"/>
+          <a:chExt cx="0" cy="0"/>
+        </a:xfrm>
+      </p:grpSpPr>
+      <p:sp>
+        <p:nvSpPr>
+          <p:cNvPr id="2" name="Title 1"/>
+          <p:cNvSpPr>
+            <a:spLocks noGrp="1"/>
+          </p:cNvSpPr>
+          <p:nvPr>
+            <p:ph type="title"/>
+          </p:nvPr>
+        </p:nvSpPr>
+        <p:spPr>
+          <a:xfrm>
+            <a:off x="1028700" y="263714"/>
+            <a:ext cx="8115300" cy="914400"/>
+          </a:xfrm>
+        </p:spPr>
+        <p:txBody>
+          <a:bodyPr>
+            <a:noAutofit/>
+          </a:bodyPr>
+          <a:lstStyle/>
+          <a:p>
+            <a:r>
+              <a:rPr lang="en-US" sz="2300" dirty="0" smtClean="0"/>
+              <a:t>BFAST Tradeoffs: Comp. </a:t>
+            </a:r>
+            <a:r>
+              <a:rPr lang="en-US" sz="2300" dirty="0" err="1" smtClean="0"/>
+              <a:t>vs</a:t>
+            </a:r>
+            <a:r>
+              <a:rPr lang="en-US" sz="2300" dirty="0" smtClean="0"/>
+              <a:t> </a:t>
+            </a:r>
+            <a:r>
+              <a:rPr lang="en-US" sz="2300" dirty="0" err="1" smtClean="0"/>
+              <a:t>Mem</a:t>
+            </a:r>
+            <a:r>
+              <a:rPr lang="en-US" sz="2300" dirty="0" smtClean="0"/>
+              <a:t>. </a:t>
+            </a:r>
+            <a:r>
+              <a:rPr lang="en-US" sz="2300" dirty="0" err="1" smtClean="0"/>
+              <a:t>vs</a:t>
+            </a:r>
+            <a:r>
+              <a:rPr lang="en-US" sz="2300" dirty="0" smtClean="0"/>
+              <a:t> I/O </a:t>
+            </a:r>
+            <a:r>
+              <a:rPr lang="en-US" sz="2300" dirty="0" err="1" smtClean="0"/>
+              <a:t>vs</a:t>
+            </a:r>
+            <a:r>
+              <a:rPr lang="en-US" sz="2300" dirty="0" smtClean="0"/>
+              <a:t> </a:t>
+            </a:r>
+            <a:r>
+              <a:rPr lang="en-US" sz="2300" dirty="0" err="1" smtClean="0"/>
+              <a:t>DoD</a:t>
+            </a:r>
+            <a:r>
+              <a:rPr lang="en-US" sz="2300" dirty="0" smtClean="0"/>
+              <a:t/>
+            </a:r>
+            <a:br>
+              <a:rPr lang="en-US" sz="2300" dirty="0" smtClean="0"/>
+            </a:br>
+            <a:endParaRPr lang="en-US" sz="2300" dirty="0"/>
+          </a:p>
+        </p:txBody>
+      </p:sp>
+      <p:pic>
+        <p:nvPicPr>
+          <p:cNvPr id="4" name="Picture 3" descr="readsvstime_hg18.pdf"/>
+          <p:cNvPicPr>
+            <a:picLocks noChangeAspect="1"/>
+          </p:cNvPicPr>
+          <p:nvPr/>
+        </p:nvPicPr>
+        <p:blipFill>
+          <a:blip r:embed="rId2">
+            <a:extLst>
+              <a:ext uri="{28A0092B-C50C-407E-A947-70E740481C1C}">
+                <a14:useLocalDpi xmlns:mc="http://schemas.openxmlformats.org/markup-compatibility/2006" xmlns:mv="urn:schemas-microsoft-com:mac:vml" xmlns:a14="http://schemas.microsoft.com/office/drawing/2010/main" xmlns:p="http://schemas.openxmlformats.org/presentationml/2006/main" xmlns:r="http://schemas.openxmlformats.org/officeDocument/2006/relationships" xmlns:a="http://schemas.openxmlformats.org/drawingml/2006/main" xmlns=""/>
+              </a:ext>
+            </a:extLst>
+          </a:blip>
+          <a:stretch>
+            <a:fillRect/>
+          </a:stretch>
+        </p:blipFill>
+        <p:spPr>
+          <a:xfrm>
+            <a:off x="0" y="1725723"/>
+            <a:ext cx="4356399" cy="3049478"/>
+          </a:xfrm>
+          <a:prstGeom prst="rect">
+            <a:avLst/>
+          </a:prstGeom>
+        </p:spPr>
+      </p:pic>
+      <p:sp>
+        <p:nvSpPr>
+          <p:cNvPr id="11" name="TextBox 10"/>
+          <p:cNvSpPr txBox="1"/>
+          <p:nvPr/>
+        </p:nvSpPr>
+        <p:spPr>
+          <a:xfrm>
+            <a:off x="2209801" y="1178114"/>
+            <a:ext cx="6306888" cy="369332"/>
+          </a:xfrm>
+          <a:prstGeom prst="rect">
+            <a:avLst/>
+          </a:prstGeom>
+        </p:spPr>
+        <p:style>
+          <a:lnRef idx="2">
+            <a:schemeClr val="dk1"/>
+          </a:lnRef>
+          <a:fillRef idx="1">
+            <a:schemeClr val="lt1"/>
+          </a:fillRef>
+          <a:effectRef idx="0">
+            <a:schemeClr val="dk1"/>
+          </a:effectRef>
+          <a:fontRef idx="minor">
+            <a:schemeClr val="dk1"/>
+          </a:fontRef>
+        </p:style>
+        <p:txBody>
+          <a:bodyPr wrap="square" rtlCol="0">
+            <a:spAutoFit/>
+          </a:bodyPr>
+          <a:lstStyle/>
+          <a:p>
+            <a:r>
+              <a:rPr lang="en-US" dirty="0" smtClean="0"/>
+              <a:t>Possible solution: Logical and then physical distribution</a:t>
+            </a:r>
+            <a:endParaRPr lang="en-US" dirty="0"/>
+          </a:p>
+        </p:txBody>
+      </p:sp>
+      <p:pic>
+        <p:nvPicPr>
+          <p:cNvPr id="7" name="Picture 6" descr="table5-ecmls04.png"/>
+          <p:cNvPicPr>
+            <a:picLocks noChangeAspect="1"/>
+          </p:cNvPicPr>
+          <p:nvPr/>
+        </p:nvPicPr>
+        <p:blipFill>
+          <a:blip r:embed="rId3"/>
+          <a:stretch>
+            <a:fillRect/>
+          </a:stretch>
+        </p:blipFill>
+        <p:spPr>
+          <a:xfrm>
+            <a:off x="1895653" y="4940301"/>
+            <a:ext cx="5429491" cy="1688700"/>
+          </a:xfrm>
+          <a:prstGeom prst="rect">
+            <a:avLst/>
+          </a:prstGeom>
+        </p:spPr>
+      </p:pic>
+      <p:pic>
+        <p:nvPicPr>
+          <p:cNvPr id="8" name="Picture 7" descr="threadsvstime.png"/>
+          <p:cNvPicPr>
+            <a:picLocks noChangeAspect="1"/>
+          </p:cNvPicPr>
+          <p:nvPr/>
+        </p:nvPicPr>
+        <p:blipFill>
+          <a:blip r:embed="rId4"/>
+          <a:stretch>
+            <a:fillRect/>
+          </a:stretch>
+        </p:blipFill>
+        <p:spPr>
+          <a:xfrm>
+            <a:off x="4457928" y="1702121"/>
+            <a:ext cx="4571543" cy="3200080"/>
+          </a:xfrm>
+          <a:prstGeom prst="rect">
+            <a:avLst/>
+          </a:prstGeom>
+        </p:spPr>
+      </p:pic>
+    </p:spTree>
+    <p:extLst>
+      <p:ext uri="{BB962C8B-B14F-4D97-AF65-F5344CB8AC3E}">
+        <p14:creationId xmlns:mc="http://schemas.openxmlformats.org/markup-compatibility/2006" xmlns:mv="urn:schemas-microsoft-com:mac:vml" xmlns:p14="http://schemas.microsoft.com/office/powerpoint/2010/main" xmlns:p="http://schemas.openxmlformats.org/presentationml/2006/main" xmlns:r="http://schemas.openxmlformats.org/officeDocument/2006/relationships" xmlns:a="http://schemas.openxmlformats.org/drawingml/2006/main" xmlns="" val="4280363161"/>
+      </p:ext>
+    </p:extLst>
+  </p:cSld>
+  <p:clrMapOvr>
+    <a:masterClrMapping/>
+  </p:clrMapOvr>
+  <p:timing>
+    <p:tnLst>
+      <p:par>
+        <p:cTn id="1" dur="indefinite" restart="never" nodeType="tmRoot"/>
+      </p:par>
+    </p:tnLst>
+  </p:timing>
+</p:sld>
+</file>
+
+<file path=ppt/slides/slide7.xml><?xml version="1.0" encoding="utf-8"?>
+<p:sld xmlns:a="http://schemas.openxmlformats.org/drawingml/2006/main" xmlns:r="http://schemas.openxmlformats.org/officeDocument/2006/relationships" xmlns:mc="http://schemas.openxmlformats.org/markup-compatibility/2006" xmlns:mv="urn:schemas-microsoft-com:mac:vml" xmlns:p="http://schemas.openxmlformats.org/presentationml/2006/main" mc:Ignorable="mv" mc:PreserveAttributes="mv:*">
+  <p:cSld>
+    <p:spTree>
+      <p:nvGrpSpPr>
+        <p:cNvPr id="1" name=""/>
+        <p:cNvGrpSpPr/>
+        <p:nvPr/>
+      </p:nvGrpSpPr>
+      <p:grpSpPr>
+        <a:xfrm>
+          <a:off x="0" y="0"/>
+          <a:ext cx="0" cy="0"/>
+          <a:chOff x="0" y="0"/>
+          <a:chExt cx="0" cy="0"/>
+        </a:xfrm>
+      </p:grpSpPr>
+      <p:sp>
+        <p:nvSpPr>
+          <p:cNvPr id="2" name="Title 1"/>
+          <p:cNvSpPr>
+            <a:spLocks noGrp="1"/>
+          </p:cNvSpPr>
+          <p:nvPr>
+            <p:ph type="title"/>
+          </p:nvPr>
+        </p:nvSpPr>
+        <p:spPr/>
+        <p:txBody>
+          <a:bodyPr>
+            <a:normAutofit/>
+          </a:bodyPr>
+          <a:lstStyle/>
+          <a:p>
+            <a:pPr algn="ctr"/>
+            <a:r>
+              <a:rPr lang="en-US" sz="2400" dirty="0"/>
+              <a:t>DARE-NGS : Mapping on Scalable Distributed HPC resources</a:t>
+            </a:r>
+          </a:p>
+        </p:txBody>
+      </p:sp>
+      <p:pic>
+        <p:nvPicPr>
+          <p:cNvPr id="10" name="Picture 9" descr="table6-ecmls04.png"/>
+          <p:cNvPicPr>
+            <a:picLocks noChangeAspect="1"/>
+          </p:cNvPicPr>
+          <p:nvPr/>
+        </p:nvPicPr>
+        <p:blipFill>
+          <a:blip r:embed="rId3"/>
+          <a:stretch>
+            <a:fillRect/>
+          </a:stretch>
+        </p:blipFill>
+        <p:spPr>
+          <a:xfrm>
+            <a:off x="1016000" y="1178114"/>
+            <a:ext cx="7988300" cy="2750958"/>
+          </a:xfrm>
+          <a:prstGeom prst="rect">
+            <a:avLst/>
+          </a:prstGeom>
+        </p:spPr>
+      </p:pic>
+      <p:pic>
+        <p:nvPicPr>
+          <p:cNvPr id="7" name="Picture 6" descr="table7-ecmls04.png"/>
+          <p:cNvPicPr>
+            <a:picLocks noChangeAspect="1"/>
+          </p:cNvPicPr>
+          <p:nvPr/>
+        </p:nvPicPr>
+        <p:blipFill>
+          <a:blip r:embed="rId4"/>
+          <a:stretch>
+            <a:fillRect/>
+          </a:stretch>
+        </p:blipFill>
+        <p:spPr>
+          <a:xfrm>
+            <a:off x="990600" y="4059058"/>
+            <a:ext cx="7988300" cy="2311400"/>
+          </a:xfrm>
+          <a:prstGeom prst="rect">
+            <a:avLst/>
+          </a:prstGeom>
+        </p:spPr>
+      </p:pic>
+    </p:spTree>
+    <p:extLst>
+      <p:ext uri="{BB962C8B-B14F-4D97-AF65-F5344CB8AC3E}">
+        <p14:creationId xmlns:mc="http://schemas.openxmlformats.org/markup-compatibility/2006" xmlns:mv="urn:schemas-microsoft-com:mac:vml" xmlns:p14="http://schemas.microsoft.com/office/powerpoint/2010/main" xmlns:p="http://schemas.openxmlformats.org/presentationml/2006/main" xmlns:r="http://schemas.openxmlformats.org/officeDocument/2006/relationships" xmlns:a="http://schemas.openxmlformats.org/drawingml/2006/main" xmlns="" val="3440781938"/>
+      </p:ext>
+    </p:extLst>
+  </p:cSld>
+  <p:clrMapOvr>
+    <a:masterClrMapping/>
+  </p:clrMapOvr>
+  <p:timing>
+    <p:tnLst>
+      <p:par>
+        <p:cTn id="1" dur="indefinite" restart="never" nodeType="tmRoot"/>
+      </p:par>
+    </p:tnLst>
+  </p:timing>
+</p:sld>
+</file>
+
 <file path=ppt/slides/slide8.xml><?xml version="1.0" encoding="utf-8"?>
 <p:sld xmlns:a="http://schemas.openxmlformats.org/drawingml/2006/main" xmlns:r="http://schemas.openxmlformats.org/officeDocument/2006/relationships" xmlns:mc="http://schemas.openxmlformats.org/markup-compatibility/2006" xmlns:mv="urn:schemas-microsoft-com:mac:vml" xmlns:p="http://schemas.openxmlformats.org/presentationml/2006/main" mc:Ignorable="mv" mc:PreserveAttributes="mv:*">
   <p:cSld>
@@ -12218,243 +11949,128 @@
           <a:chExt cx="0" cy="0"/>
         </a:xfrm>
       </p:grpSpPr>
+      <p:sp>
+        <p:nvSpPr>
+          <p:cNvPr id="2" name="Title 1"/>
+          <p:cNvSpPr>
+            <a:spLocks noGrp="1"/>
+          </p:cNvSpPr>
+          <p:nvPr>
+            <p:ph type="title"/>
+          </p:nvPr>
+        </p:nvSpPr>
+        <p:spPr/>
+        <p:txBody>
+          <a:bodyPr>
+            <a:normAutofit fontScale="90000"/>
+          </a:bodyPr>
+          <a:lstStyle/>
+          <a:p>
+            <a:r>
+              <a:rPr lang="en-US" sz="2800" dirty="0" smtClean="0"/>
+              <a:t>Tradeoffs: Comp. </a:t>
+            </a:r>
+            <a:r>
+              <a:rPr lang="en-US" sz="2800" dirty="0" err="1" smtClean="0"/>
+              <a:t>vs</a:t>
+            </a:r>
+            <a:r>
+              <a:rPr lang="en-US" sz="2800" dirty="0" smtClean="0"/>
+              <a:t> </a:t>
+            </a:r>
+            <a:r>
+              <a:rPr lang="en-US" sz="2800" dirty="0" err="1" smtClean="0"/>
+              <a:t>Mem</a:t>
+            </a:r>
+            <a:r>
+              <a:rPr lang="en-US" sz="2800" dirty="0" smtClean="0"/>
+              <a:t>. </a:t>
+            </a:r>
+            <a:r>
+              <a:rPr lang="en-US" sz="2800" dirty="0" err="1" smtClean="0"/>
+              <a:t>vs</a:t>
+            </a:r>
+            <a:r>
+              <a:rPr lang="en-US" sz="2800" dirty="0" smtClean="0"/>
+              <a:t> I/O </a:t>
+            </a:r>
+            <a:r>
+              <a:rPr lang="en-US" sz="2800" dirty="0" err="1" smtClean="0"/>
+              <a:t>vs</a:t>
+            </a:r>
+            <a:r>
+              <a:rPr lang="en-US" sz="2800" dirty="0" smtClean="0"/>
+              <a:t> </a:t>
+            </a:r>
+            <a:r>
+              <a:rPr lang="en-US" sz="2800" dirty="0" err="1" smtClean="0"/>
+              <a:t>DoD</a:t>
+            </a:r>
+            <a:endParaRPr lang="en-US" sz="2800" dirty="0">
+              <a:latin typeface="Arial"/>
+              <a:cs typeface="Arial"/>
+            </a:endParaRPr>
+          </a:p>
+        </p:txBody>
+      </p:sp>
       <p:pic>
         <p:nvPicPr>
-          <p:cNvPr id="26627" name="Picture 2"/>
+          <p:cNvPr id="22" name="Picture 21" descr="bfast-dare-scaleout.png"/>
           <p:cNvPicPr>
-            <a:picLocks noChangeArrowheads="1"/>
+            <a:picLocks noChangeAspect="1"/>
           </p:cNvPicPr>
           <p:nvPr/>
         </p:nvPicPr>
         <p:blipFill>
-          <a:blip r:embed="rId2"/>
-          <a:srcRect/>
+          <a:blip r:embed="rId3"/>
           <a:stretch>
             <a:fillRect/>
           </a:stretch>
         </p:blipFill>
-        <p:spPr bwMode="auto">
-          <a:xfrm>
-            <a:off x="7567613" y="36513"/>
-            <a:ext cx="1576387" cy="954087"/>
-          </a:xfrm>
-          <a:prstGeom prst="rect">
-            <a:avLst/>
-          </a:prstGeom>
-          <a:noFill/>
-          <a:ln w="12700">
-            <a:noFill/>
-            <a:miter lim="800000"/>
-            <a:headEnd/>
-            <a:tailEnd/>
-          </a:ln>
-        </p:spPr>
-      </p:pic>
-      <p:sp>
-        <p:nvSpPr>
-          <p:cNvPr id="26629" name="Rectangle 4"/>
-          <p:cNvSpPr>
-            <a:spLocks noGrp="1" noChangeArrowheads="1"/>
-          </p:cNvSpPr>
-          <p:nvPr>
-            <p:ph type="title"/>
-          </p:nvPr>
-        </p:nvSpPr>
-        <p:spPr/>
-        <p:txBody>
-          <a:bodyPr>
-            <a:normAutofit/>
-          </a:bodyPr>
-          <a:lstStyle/>
-          <a:p>
-            <a:r>
-              <a:rPr lang="en-US" sz="2400" dirty="0" smtClean="0"/>
-              <a:t>SAGA: In a nutshell</a:t>
-            </a:r>
-            <a:endParaRPr lang="en-US" sz="2400" dirty="0"/>
-          </a:p>
-        </p:txBody>
-      </p:sp>
-      <p:sp>
-        <p:nvSpPr>
-          <p:cNvPr id="6" name="Content Placeholder 5"/>
-          <p:cNvSpPr>
-            <a:spLocks noGrp="1"/>
-          </p:cNvSpPr>
-          <p:nvPr>
-            <p:ph idx="1"/>
-          </p:nvPr>
-        </p:nvSpPr>
-        <p:spPr/>
-        <p:txBody>
-          <a:bodyPr>
-            <a:normAutofit fontScale="92500" lnSpcReduction="10000"/>
-          </a:bodyPr>
-          <a:lstStyle/>
-          <a:p>
-            <a:pPr lvl="0"/>
-            <a:r>
-              <a:rPr lang="en-US" dirty="0" smtClean="0"/>
-              <a:t>There exists a lack of Programmatic approaches that:</a:t>
-            </a:r>
-          </a:p>
-          <a:p>
-            <a:pPr lvl="1"/>
-            <a:r>
-              <a:rPr lang="en-US" dirty="0" smtClean="0"/>
-              <a:t>Provide general-purpose, basic &amp; common distributed functionality for applications; hide underlying complexity, varying semantics..</a:t>
-            </a:r>
-          </a:p>
-          <a:p>
-            <a:pPr lvl="1"/>
-            <a:r>
-              <a:rPr lang="en-US" dirty="0" smtClean="0"/>
-              <a:t>The building blocks upon which to construct “consistent” higher-levels of functionality and abstractions</a:t>
-            </a:r>
-          </a:p>
-          <a:p>
-            <a:pPr lvl="1"/>
-            <a:r>
-              <a:rPr lang="en-US" dirty="0" smtClean="0"/>
-              <a:t>Meets the need for a Broad Spectrum of Applications </a:t>
-            </a:r>
-          </a:p>
-          <a:p>
-            <a:pPr lvl="2"/>
-            <a:r>
-              <a:rPr lang="en-US" dirty="0" smtClean="0"/>
-              <a:t>Simple scripts, Gateways,  Tooling, Workflow…</a:t>
-            </a:r>
-          </a:p>
-          <a:p>
-            <a:pPr lvl="0"/>
-            <a:r>
-              <a:rPr lang="en-US" dirty="0" smtClean="0"/>
-              <a:t>Simple, integrated, stable, uniform and community-standard </a:t>
-            </a:r>
-          </a:p>
-          <a:p>
-            <a:pPr lvl="1"/>
-            <a:r>
-              <a:rPr lang="en-US" dirty="0" smtClean="0"/>
-              <a:t>Simple and Stable: 80:20 restricted scope</a:t>
-            </a:r>
-          </a:p>
-          <a:p>
-            <a:pPr lvl="1"/>
-            <a:r>
-              <a:rPr lang="en-US" dirty="0" smtClean="0"/>
-              <a:t>Integrated: Similar semantics &amp; style across primary functional areas</a:t>
-            </a:r>
-          </a:p>
-          <a:p>
-            <a:pPr lvl="1"/>
-            <a:r>
-              <a:rPr lang="en-US" dirty="0" smtClean="0"/>
-              <a:t>Uniform: Same interface for different distributed systems</a:t>
-            </a:r>
-          </a:p>
-          <a:p>
-            <a:pPr lvl="1"/>
-            <a:r>
-              <a:rPr lang="en-US" dirty="0" smtClean="0">
-                <a:solidFill>
-                  <a:srgbClr val="800000"/>
-                </a:solidFill>
-              </a:rPr>
-              <a:t>OGF-standard, “official” Access  Layer/API of EGI, NSF-XD</a:t>
-            </a:r>
-            <a:endParaRPr lang="en-US" b="1" dirty="0" smtClean="0">
-              <a:solidFill>
-                <a:schemeClr val="tx1">
-                  <a:lumMod val="85000"/>
-                  <a:lumOff val="15000"/>
-                </a:schemeClr>
-              </a:solidFill>
-            </a:endParaRPr>
-          </a:p>
-          <a:p>
-            <a:r>
-              <a:rPr lang="en-US" dirty="0" smtClean="0"/>
-              <a:t>Standards-based approach: A Technical and an Economic  (Moral?) imperative &amp; case:</a:t>
-            </a:r>
-          </a:p>
-          <a:p>
-            <a:endParaRPr lang="en-US" dirty="0"/>
-          </a:p>
-        </p:txBody>
-      </p:sp>
-      <p:sp>
-        <p:nvSpPr>
-          <p:cNvPr id="12" name="Rectangle 5"/>
-          <p:cNvSpPr txBox="1">
-            <a:spLocks noChangeArrowheads="1"/>
-          </p:cNvSpPr>
-          <p:nvPr/>
-        </p:nvSpPr>
         <p:spPr>
           <a:xfrm>
-            <a:off x="757947" y="1178114"/>
-            <a:ext cx="7966954" cy="5033310"/>
+            <a:off x="1082274" y="1172519"/>
+            <a:ext cx="7809967" cy="3767781"/>
           </a:xfrm>
           <a:prstGeom prst="rect">
             <a:avLst/>
           </a:prstGeom>
         </p:spPr>
-        <p:txBody>
-          <a:bodyPr vert="horz" lIns="91440" tIns="45720" rIns="91440" bIns="45720" rtlCol="0">
-            <a:noAutofit/>
-          </a:bodyPr>
-          <a:lstStyle/>
-          <a:p>
-            <a:pPr marL="342900" marR="0" lvl="0" indent="-342900" algn="l" defTabSz="914400" rtl="0" eaLnBrk="1" fontAlgn="auto" latinLnBrk="0" hangingPunct="1">
-              <a:lnSpc>
-                <a:spcPct val="100000"/>
-              </a:lnSpc>
-              <a:spcBef>
-                <a:spcPts val="2000"/>
-              </a:spcBef>
-              <a:spcAft>
-                <a:spcPts val="0"/>
-              </a:spcAft>
-              <a:buClr>
-                <a:schemeClr val="tx1">
-                  <a:lumMod val="75000"/>
-                  <a:lumOff val="25000"/>
-                </a:schemeClr>
-              </a:buClr>
-              <a:buSzTx/>
-              <a:buFont typeface="Wingdings 2" pitchFamily="18" charset="2"/>
-              <a:buChar char=""/>
-              <a:tabLst/>
-              <a:defRPr/>
-            </a:pPr>
-            <a:endParaRPr kumimoji="0" lang="en-US" sz="1700" b="0" i="0" u="none" strike="noStrike" kern="1200" cap="none" spc="0" normalizeH="0" baseline="0" noProof="0" dirty="0" smtClean="0">
-              <a:ln>
-                <a:noFill/>
-              </a:ln>
-              <a:solidFill>
-                <a:schemeClr val="tx1">
-                  <a:lumMod val="65000"/>
-                  <a:lumOff val="35000"/>
-                </a:schemeClr>
-              </a:solidFill>
-              <a:effectLst/>
-              <a:uLnTx/>
-              <a:uFillTx/>
-              <a:latin typeface="+mn-lt"/>
-              <a:ea typeface="+mn-ea"/>
-              <a:cs typeface="+mn-cs"/>
-            </a:endParaRPr>
-          </a:p>
-        </p:txBody>
-      </p:sp>
+      </p:pic>
+      <p:pic>
+        <p:nvPicPr>
+          <p:cNvPr id="5" name="Picture 4" descr="file-tx.png"/>
+          <p:cNvPicPr>
+            <a:picLocks noChangeAspect="1"/>
+          </p:cNvPicPr>
+          <p:nvPr/>
+        </p:nvPicPr>
+        <p:blipFill>
+          <a:blip r:embed="rId4"/>
+          <a:stretch>
+            <a:fillRect/>
+          </a:stretch>
+        </p:blipFill>
+        <p:spPr>
+          <a:xfrm>
+            <a:off x="1333499" y="4787900"/>
+            <a:ext cx="5168901" cy="1980845"/>
+          </a:xfrm>
+          <a:prstGeom prst="rect">
+            <a:avLst/>
+          </a:prstGeom>
+        </p:spPr>
+      </p:pic>
     </p:spTree>
+    <p:extLst>
+      <p:ext uri="{BB962C8B-B14F-4D97-AF65-F5344CB8AC3E}">
+        <p14:creationId xmlns:mc="http://schemas.openxmlformats.org/markup-compatibility/2006" xmlns:mv="urn:schemas-microsoft-com:mac:vml" xmlns:p14="http://schemas.microsoft.com/office/powerpoint/2010/main" xmlns:p="http://schemas.openxmlformats.org/presentationml/2006/main" xmlns:r="http://schemas.openxmlformats.org/officeDocument/2006/relationships" xmlns:a="http://schemas.openxmlformats.org/drawingml/2006/main" xmlns="" val="3147052436"/>
+      </p:ext>
+    </p:extLst>
   </p:cSld>
   <p:clrMapOvr>
     <a:masterClrMapping/>
   </p:clrMapOvr>
-  <p:transition/>
   <p:timing>
     <p:tnLst>
       <p:par>
@@ -12500,16 +12116,20 @@
           <a:lstStyle/>
           <a:p>
             <a:r>
-              <a:rPr lang="en-US" sz="2400" dirty="0" smtClean="0"/>
-              <a:t>SAGA – An Overview</a:t>
-            </a:r>
-            <a:endParaRPr lang="en-US" sz="2400" dirty="0"/>
+              <a:rPr lang="en-US" sz="2800" dirty="0" smtClean="0"/>
+              <a:t>BFAST: </a:t>
+            </a:r>
+            <a:r>
+              <a:rPr lang="en-US" sz="2800" dirty="0" err="1" smtClean="0"/>
+              <a:t>Characterisation</a:t>
+            </a:r>
+            <a:endParaRPr lang="en-US" sz="2800" dirty="0"/>
           </a:p>
         </p:txBody>
       </p:sp>
       <p:pic>
         <p:nvPicPr>
-          <p:cNvPr id="4" name="Content Placeholder 3" descr="bigpicture.png"/>
+          <p:cNvPr id="4" name="Content Placeholder 3" descr="io-bound.png"/>
           <p:cNvPicPr>
             <a:picLocks noGrp="1" noChangeAspect="1"/>
           </p:cNvPicPr>
@@ -12519,15 +12139,15 @@
         </p:nvPicPr>
         <p:blipFill>
           <a:blip r:embed="rId2"/>
-          <a:srcRect t="-46344" b="-46344"/>
+          <a:srcRect t="-76372" b="-76372"/>
           <a:stretch>
             <a:fillRect/>
           </a:stretch>
         </p:blipFill>
         <p:spPr>
           <a:xfrm>
-            <a:off x="63503" y="1529880"/>
-            <a:ext cx="8661398" cy="5010620"/>
+            <a:off x="745247" y="2566616"/>
+            <a:ext cx="7966954" cy="4608884"/>
           </a:xfrm>
         </p:spPr>
       </p:pic>
@@ -12536,13 +12156,6 @@
   <p:clrMapOvr>
     <a:masterClrMapping/>
   </p:clrMapOvr>
-  <p:timing>
-    <p:tnLst>
-      <p:par>
-        <p:cTn id="1" dur="indefinite" restart="never" nodeType="tmRoot"/>
-      </p:par>
-    </p:tnLst>
-  </p:timing>
 </p:sld>
 </file>
 

--- a/saga-talks/ecmls11-dare.pptx
+++ b/saga-talks/ecmls11-dare.pptx
@@ -6,33 +6,30 @@
     <p:sldMasterId id="2147483677" r:id="rId2"/>
   </p:sldMasterIdLst>
   <p:notesMasterIdLst>
-    <p:notesMasterId r:id="rId27"/>
+    <p:notesMasterId r:id="rId24"/>
   </p:notesMasterIdLst>
   <p:sldIdLst>
     <p:sldId id="256" r:id="rId3"/>
-    <p:sldId id="715" r:id="rId4"/>
+    <p:sldId id="832" r:id="rId4"/>
     <p:sldId id="787" r:id="rId5"/>
     <p:sldId id="822" r:id="rId6"/>
     <p:sldId id="823" r:id="rId7"/>
     <p:sldId id="788" r:id="rId8"/>
-    <p:sldId id="826" r:id="rId9"/>
-    <p:sldId id="825" r:id="rId10"/>
-    <p:sldId id="829" r:id="rId11"/>
-    <p:sldId id="754" r:id="rId12"/>
-    <p:sldId id="772" r:id="rId13"/>
-    <p:sldId id="478" r:id="rId14"/>
-    <p:sldId id="555" r:id="rId15"/>
-    <p:sldId id="791" r:id="rId16"/>
-    <p:sldId id="773" r:id="rId17"/>
-    <p:sldId id="820" r:id="rId18"/>
-    <p:sldId id="815" r:id="rId19"/>
-    <p:sldId id="816" r:id="rId20"/>
-    <p:sldId id="817" r:id="rId21"/>
+    <p:sldId id="834" r:id="rId9"/>
+    <p:sldId id="837" r:id="rId10"/>
+    <p:sldId id="835" r:id="rId11"/>
+    <p:sldId id="478" r:id="rId12"/>
+    <p:sldId id="555" r:id="rId13"/>
+    <p:sldId id="791" r:id="rId14"/>
+    <p:sldId id="773" r:id="rId15"/>
+    <p:sldId id="830" r:id="rId16"/>
+    <p:sldId id="831" r:id="rId17"/>
+    <p:sldId id="817" r:id="rId18"/>
+    <p:sldId id="820" r:id="rId19"/>
+    <p:sldId id="815" r:id="rId20"/>
+    <p:sldId id="816" r:id="rId21"/>
     <p:sldId id="757" r:id="rId22"/>
     <p:sldId id="759" r:id="rId23"/>
-    <p:sldId id="824" r:id="rId24"/>
-    <p:sldId id="827" r:id="rId25"/>
-    <p:sldId id="828" r:id="rId26"/>
   </p:sldIdLst>
   <p:sldSz cx="9144000" cy="6858000" type="screen4x3"/>
   <p:notesSz cx="6858000" cy="9144000"/>
@@ -217,7 +214,7 @@
             <a:fld id="{8E161E8F-4E15-A840-9658-105F9DD3DE22}" type="datetimeFigureOut">
               <a:rPr lang="en-US" smtClean="0"/>
               <a:pPr/>
-              <a:t>6/7/11</a:t>
+              <a:t>6/8/11</a:t>
             </a:fld>
             <a:endParaRPr lang="en-US"/>
           </a:p>
@@ -635,7 +632,19 @@
           <a:p>
             <a:r>
               <a:rPr lang="en-US" dirty="0" smtClean="0"/>
-              <a:t>This will be very hard to read!   </a:t>
+              <a:t>Fixed the diagram.. Please</a:t>
+            </a:r>
+            <a:r>
+              <a:rPr lang="en-US" baseline="0" dirty="0" smtClean="0"/>
+              <a:t> </a:t>
+            </a:r>
+            <a:r>
+              <a:rPr lang="en-US" dirty="0" smtClean="0"/>
+              <a:t>remove next slide if you are OK</a:t>
+            </a:r>
+            <a:r>
+              <a:rPr lang="en-US" baseline="0" dirty="0" smtClean="0"/>
+              <a:t> with this</a:t>
             </a:r>
             <a:endParaRPr lang="en-US" dirty="0"/>
           </a:p>
@@ -659,7 +668,7 @@
             <a:fld id="{8FC6E2D0-3DA8-0A4F-9A90-3E1A8900A569}" type="slidenum">
               <a:rPr lang="en-US" smtClean="0"/>
               <a:pPr/>
-              <a:t>7</a:t>
+              <a:t>13</a:t>
             </a:fld>
             <a:endParaRPr lang="en-US" dirty="0"/>
           </a:p>
@@ -714,16 +723,14 @@
         </p:nvSpPr>
         <p:spPr/>
         <p:txBody>
-          <a:bodyPr/>
+          <a:bodyPr>
+            <a:normAutofit/>
+          </a:bodyPr>
           <a:lstStyle/>
           <a:p>
             <a:r>
               <a:rPr lang="en-US" dirty="0" smtClean="0"/>
-              <a:t>(JK) Here,</a:t>
-            </a:r>
-            <a:r>
-              <a:rPr lang="en-US" baseline="0" dirty="0" smtClean="0"/>
-              <a:t> upper two tables represent the benefits of task level concurrency and scale-out strategy</a:t>
+              <a:t>This will be very hard to read!   </a:t>
             </a:r>
             <a:endParaRPr lang="en-US" dirty="0"/>
           </a:p>
@@ -747,18 +754,13 @@
             <a:fld id="{8FC6E2D0-3DA8-0A4F-9A90-3E1A8900A569}" type="slidenum">
               <a:rPr lang="en-US" smtClean="0"/>
               <a:pPr/>
-              <a:t>8</a:t>
+              <a:t>14</a:t>
             </a:fld>
             <a:endParaRPr lang="en-US" dirty="0"/>
           </a:p>
         </p:txBody>
       </p:sp>
     </p:spTree>
-    <p:extLst>
-      <p:ext uri="{BB962C8B-B14F-4D97-AF65-F5344CB8AC3E}">
-        <p14:creationId xmlns:mc="http://schemas.openxmlformats.org/markup-compatibility/2006" xmlns:mv="urn:schemas-microsoft-com:mac:vml" xmlns:p14="http://schemas.microsoft.com/office/powerpoint/2010/main" xmlns:p="http://schemas.openxmlformats.org/presentationml/2006/main" xmlns:r="http://schemas.openxmlformats.org/officeDocument/2006/relationships" xmlns:a="http://schemas.openxmlformats.org/drawingml/2006/main" xmlns="" val="165362159"/>
-      </p:ext>
-    </p:extLst>
   </p:cSld>
   <p:clrMapOvr>
     <a:masterClrMapping/>
@@ -807,26 +809,16 @@
         </p:nvSpPr>
         <p:spPr/>
         <p:txBody>
-          <a:bodyPr>
-            <a:normAutofit/>
-          </a:bodyPr>
+          <a:bodyPr/>
           <a:lstStyle/>
           <a:p>
             <a:r>
               <a:rPr lang="en-US" dirty="0" smtClean="0"/>
-              <a:t>Fixed the diagram.. Please</a:t>
+              <a:t>(JK) Here,</a:t>
             </a:r>
             <a:r>
               <a:rPr lang="en-US" baseline="0" dirty="0" smtClean="0"/>
-              <a:t> </a:t>
-            </a:r>
-            <a:r>
-              <a:rPr lang="en-US" dirty="0" smtClean="0"/>
-              <a:t>remove next slide if you are OK</a:t>
-            </a:r>
-            <a:r>
-              <a:rPr lang="en-US" baseline="0" dirty="0" smtClean="0"/>
-              <a:t> with this</a:t>
+              <a:t> upper two tables represent the benefits of task level concurrency and scale-out strategy</a:t>
             </a:r>
             <a:endParaRPr lang="en-US" dirty="0"/>
           </a:p>
@@ -857,6 +849,11 @@
         </p:txBody>
       </p:sp>
     </p:spTree>
+    <p:extLst>
+      <p:ext uri="{BB962C8B-B14F-4D97-AF65-F5344CB8AC3E}">
+        <p14:creationId xmlns="" xmlns:a="http://schemas.openxmlformats.org/drawingml/2006/main" xmlns:r="http://schemas.openxmlformats.org/officeDocument/2006/relationships" xmlns:p="http://schemas.openxmlformats.org/presentationml/2006/main" xmlns:p14="http://schemas.microsoft.com/office/powerpoint/2010/main" xmlns:mv="urn:schemas-microsoft-com:mac:vml" xmlns:mc="http://schemas.openxmlformats.org/markup-compatibility/2006" val="165362159"/>
+      </p:ext>
+    </p:extLst>
   </p:cSld>
   <p:clrMapOvr>
     <a:masterClrMapping/>
@@ -956,7 +953,7 @@
             <a:fld id="{D344DA2A-F2F4-D74A-8AEC-1933B33E97E0}" type="slidenum">
               <a:rPr lang="en-US" smtClean="0"/>
               <a:pPr/>
-              <a:t>17</a:t>
+              <a:t>18</a:t>
             </a:fld>
             <a:endParaRPr lang="en-US"/>
           </a:p>
@@ -1196,7 +1193,7 @@
             <a:fld id="{4C4AD4EB-88D0-C141-9474-CCD86A78CB94}" type="datetimeFigureOut">
               <a:rPr lang="en-US" smtClean="0"/>
               <a:pPr/>
-              <a:t>6/7/11</a:t>
+              <a:t>6/8/11</a:t>
             </a:fld>
             <a:endParaRPr lang="en-US" dirty="0"/>
           </a:p>
@@ -1519,7 +1516,7 @@
             <a:fld id="{4C4AD4EB-88D0-C141-9474-CCD86A78CB94}" type="datetimeFigureOut">
               <a:rPr lang="en-US" smtClean="0"/>
               <a:pPr/>
-              <a:t>6/7/11</a:t>
+              <a:t>6/8/11</a:t>
             </a:fld>
             <a:endParaRPr lang="en-US"/>
           </a:p>
@@ -1795,7 +1792,7 @@
             <a:fld id="{4C4AD4EB-88D0-C141-9474-CCD86A78CB94}" type="datetimeFigureOut">
               <a:rPr lang="en-US" smtClean="0"/>
               <a:pPr/>
-              <a:t>6/7/11</a:t>
+              <a:t>6/8/11</a:t>
             </a:fld>
             <a:endParaRPr lang="en-US"/>
           </a:p>
@@ -2087,7 +2084,7 @@
             <a:fld id="{4C4AD4EB-88D0-C141-9474-CCD86A78CB94}" type="datetimeFigureOut">
               <a:rPr lang="en-US" smtClean="0"/>
               <a:pPr/>
-              <a:t>6/7/11</a:t>
+              <a:t>6/8/11</a:t>
             </a:fld>
             <a:endParaRPr lang="en-US"/>
           </a:p>
@@ -2414,7 +2411,7 @@
             <a:fld id="{4C4AD4EB-88D0-C141-9474-CCD86A78CB94}" type="datetimeFigureOut">
               <a:rPr lang="en-US" smtClean="0"/>
               <a:pPr/>
-              <a:t>6/7/11</a:t>
+              <a:t>6/8/11</a:t>
             </a:fld>
             <a:endParaRPr lang="en-US"/>
           </a:p>
@@ -2662,7 +2659,7 @@
             <a:fld id="{4C4AD4EB-88D0-C141-9474-CCD86A78CB94}" type="datetimeFigureOut">
               <a:rPr lang="en-US" smtClean="0"/>
               <a:pPr/>
-              <a:t>6/7/11</a:t>
+              <a:t>6/8/11</a:t>
             </a:fld>
             <a:endParaRPr lang="en-US"/>
           </a:p>
@@ -2839,7 +2836,7 @@
             <a:fld id="{4C4AD4EB-88D0-C141-9474-CCD86A78CB94}" type="datetimeFigureOut">
               <a:rPr lang="en-US" smtClean="0"/>
               <a:pPr/>
-              <a:t>6/7/11</a:t>
+              <a:t>6/8/11</a:t>
             </a:fld>
             <a:endParaRPr lang="en-US"/>
           </a:p>
@@ -3216,7 +3213,7 @@
             <a:fld id="{4C4AD4EB-88D0-C141-9474-CCD86A78CB94}" type="datetimeFigureOut">
               <a:rPr lang="en-US" smtClean="0"/>
               <a:pPr/>
-              <a:t>6/7/11</a:t>
+              <a:t>6/8/11</a:t>
             </a:fld>
             <a:endParaRPr lang="en-US"/>
           </a:p>
@@ -3487,7 +3484,7 @@
             <a:fld id="{4C4AD4EB-88D0-C141-9474-CCD86A78CB94}" type="datetimeFigureOut">
               <a:rPr lang="en-US" smtClean="0"/>
               <a:pPr/>
-              <a:t>6/7/11</a:t>
+              <a:t>6/8/11</a:t>
             </a:fld>
             <a:endParaRPr lang="en-US"/>
           </a:p>
@@ -3795,7 +3792,7 @@
             <a:fld id="{4C4AD4EB-88D0-C141-9474-CCD86A78CB94}" type="datetimeFigureOut">
               <a:rPr lang="en-US" smtClean="0"/>
               <a:pPr/>
-              <a:t>6/7/11</a:t>
+              <a:t>6/8/11</a:t>
             </a:fld>
             <a:endParaRPr lang="en-US"/>
           </a:p>
@@ -4089,7 +4086,7 @@
             <a:fld id="{4C4AD4EB-88D0-C141-9474-CCD86A78CB94}" type="datetimeFigureOut">
               <a:rPr lang="en-US" smtClean="0"/>
               <a:pPr/>
-              <a:t>6/7/11</a:t>
+              <a:t>6/8/11</a:t>
             </a:fld>
             <a:endParaRPr lang="en-US"/>
           </a:p>
@@ -4521,7 +4518,7 @@
             <a:fld id="{4C4AD4EB-88D0-C141-9474-CCD86A78CB94}" type="datetimeFigureOut">
               <a:rPr lang="en-US" smtClean="0"/>
               <a:pPr/>
-              <a:t>6/7/11</a:t>
+              <a:t>6/8/11</a:t>
             </a:fld>
             <a:endParaRPr lang="en-US"/>
           </a:p>
@@ -4869,7 +4866,7 @@
             <a:fld id="{4C4AD4EB-88D0-C141-9474-CCD86A78CB94}" type="datetimeFigureOut">
               <a:rPr lang="en-US" smtClean="0"/>
               <a:pPr/>
-              <a:t>6/7/11</a:t>
+              <a:t>6/8/11</a:t>
             </a:fld>
             <a:endParaRPr lang="en-US"/>
           </a:p>
@@ -4961,7 +4958,7 @@
             <a:fld id="{4C4AD4EB-88D0-C141-9474-CCD86A78CB94}" type="datetimeFigureOut">
               <a:rPr lang="en-US" smtClean="0"/>
               <a:pPr/>
-              <a:t>6/7/11</a:t>
+              <a:t>6/8/11</a:t>
             </a:fld>
             <a:endParaRPr lang="en-US"/>
           </a:p>
@@ -5300,7 +5297,7 @@
             <a:fld id="{4C4AD4EB-88D0-C141-9474-CCD86A78CB94}" type="datetimeFigureOut">
               <a:rPr lang="en-US" smtClean="0"/>
               <a:pPr/>
-              <a:t>6/7/11</a:t>
+              <a:t>6/8/11</a:t>
             </a:fld>
             <a:endParaRPr lang="en-US"/>
           </a:p>
@@ -5514,7 +5511,7 @@
             <a:fld id="{4C4AD4EB-88D0-C141-9474-CCD86A78CB94}" type="datetimeFigureOut">
               <a:rPr lang="en-US" smtClean="0"/>
               <a:pPr/>
-              <a:t>6/7/11</a:t>
+              <a:t>6/8/11</a:t>
             </a:fld>
             <a:endParaRPr lang="en-US"/>
           </a:p>
@@ -6196,7 +6193,7 @@
             <a:fld id="{9CA5C856-D373-2E49-9257-F90004C68B8A}" type="datetimeFigureOut">
               <a:rPr lang="en-US" smtClean="0"/>
               <a:pPr/>
-              <a:t>6/7/11</a:t>
+              <a:t>6/8/11</a:t>
             </a:fld>
             <a:endParaRPr lang="en-US" dirty="0"/>
           </a:p>
@@ -6750,16 +6747,7 @@
                 </a:solidFill>
                 <a:hlinkClick r:id="rId3"/>
               </a:rPr>
-              <a:t>http://</a:t>
-            </a:r>
-            <a:r>
-              <a:rPr lang="en-US" sz="2100" dirty="0" smtClean="0">
-                <a:solidFill>
-                  <a:srgbClr val="800000"/>
-                </a:solidFill>
-                <a:hlinkClick r:id="rId3"/>
-              </a:rPr>
-              <a:t>saga.cct.lsu.edu</a:t>
+              <a:t>http://saga.cct.lsu.edu</a:t>
             </a:r>
             <a:r>
               <a:rPr lang="en-US" sz="2100" dirty="0" smtClean="0">
@@ -6776,16 +6764,7 @@
                 </a:solidFill>
                 <a:hlinkClick r:id="rId4"/>
               </a:rPr>
-              <a:t>http</a:t>
-            </a:r>
-            <a:r>
-              <a:rPr lang="en-US" sz="2100" dirty="0" smtClean="0">
-                <a:solidFill>
-                  <a:srgbClr val="800000"/>
-                </a:solidFill>
-                <a:hlinkClick r:id="rId4"/>
-              </a:rPr>
-              <a:t>://dare.cct.lsu.edu/</a:t>
+              <a:t>http://dare.cct.lsu.edu/</a:t>
             </a:r>
             <a:endParaRPr lang="en-US" sz="2100" dirty="0" smtClean="0">
               <a:solidFill>
@@ -6867,243 +6846,70 @@
           <a:chExt cx="0" cy="0"/>
         </a:xfrm>
       </p:grpSpPr>
+      <p:sp>
+        <p:nvSpPr>
+          <p:cNvPr id="2" name="Title 1"/>
+          <p:cNvSpPr>
+            <a:spLocks noGrp="1"/>
+          </p:cNvSpPr>
+          <p:nvPr>
+            <p:ph type="title"/>
+          </p:nvPr>
+        </p:nvSpPr>
+        <p:spPr/>
+        <p:txBody>
+          <a:bodyPr>
+            <a:noAutofit/>
+          </a:bodyPr>
+          <a:lstStyle/>
+          <a:p>
+            <a:r>
+              <a:rPr lang="en-US" sz="2400" dirty="0" smtClean="0"/>
+              <a:t>Abstractions for Dynamic Execution </a:t>
+            </a:r>
+            <a:br>
+              <a:rPr lang="en-US" sz="2400" dirty="0" smtClean="0"/>
+            </a:br>
+            <a:r>
+              <a:rPr lang="en-US" sz="2400" dirty="0" smtClean="0"/>
+              <a:t>SAGA Pilot-Job (</a:t>
+            </a:r>
+            <a:r>
+              <a:rPr lang="en-US" sz="2400" dirty="0" err="1" smtClean="0"/>
+              <a:t>BigJob</a:t>
+            </a:r>
+            <a:r>
+              <a:rPr lang="en-US" sz="2400" dirty="0" smtClean="0"/>
+              <a:t>)</a:t>
+            </a:r>
+            <a:endParaRPr lang="en-US" sz="2400" dirty="0"/>
+          </a:p>
+        </p:txBody>
+      </p:sp>
       <p:pic>
         <p:nvPicPr>
-          <p:cNvPr id="26627" name="Picture 2"/>
+          <p:cNvPr id="4" name="Content Placeholder 3" descr="bigjob.png"/>
           <p:cNvPicPr>
-            <a:picLocks noChangeArrowheads="1"/>
+            <a:picLocks noGrp="1" noChangeAspect="1"/>
           </p:cNvPicPr>
-          <p:nvPr/>
+          <p:nvPr>
+            <p:ph idx="1"/>
+          </p:nvPr>
         </p:nvPicPr>
         <p:blipFill>
           <a:blip r:embed="rId2"/>
-          <a:srcRect/>
+          <a:srcRect l="-2356" r="-2356"/>
           <a:stretch>
             <a:fillRect/>
           </a:stretch>
         </p:blipFill>
-        <p:spPr bwMode="auto">
-          <a:xfrm>
-            <a:off x="7567613" y="36513"/>
-            <a:ext cx="1576387" cy="954087"/>
-          </a:xfrm>
-          <a:prstGeom prst="rect">
-            <a:avLst/>
-          </a:prstGeom>
-          <a:noFill/>
-          <a:ln w="12700">
-            <a:noFill/>
-            <a:miter lim="800000"/>
-            <a:headEnd/>
-            <a:tailEnd/>
-          </a:ln>
-        </p:spPr>
+        <p:spPr/>
       </p:pic>
-      <p:sp>
-        <p:nvSpPr>
-          <p:cNvPr id="26629" name="Rectangle 4"/>
-          <p:cNvSpPr>
-            <a:spLocks noGrp="1" noChangeArrowheads="1"/>
-          </p:cNvSpPr>
-          <p:nvPr>
-            <p:ph type="title"/>
-          </p:nvPr>
-        </p:nvSpPr>
-        <p:spPr/>
-        <p:txBody>
-          <a:bodyPr>
-            <a:normAutofit/>
-          </a:bodyPr>
-          <a:lstStyle/>
-          <a:p>
-            <a:r>
-              <a:rPr lang="en-US" sz="2400" dirty="0" smtClean="0"/>
-              <a:t>SAGA: In a nutshell</a:t>
-            </a:r>
-            <a:endParaRPr lang="en-US" sz="2400" dirty="0"/>
-          </a:p>
-        </p:txBody>
-      </p:sp>
-      <p:sp>
-        <p:nvSpPr>
-          <p:cNvPr id="6" name="Content Placeholder 5"/>
-          <p:cNvSpPr>
-            <a:spLocks noGrp="1"/>
-          </p:cNvSpPr>
-          <p:nvPr>
-            <p:ph idx="1"/>
-          </p:nvPr>
-        </p:nvSpPr>
-        <p:spPr/>
-        <p:txBody>
-          <a:bodyPr>
-            <a:normAutofit fontScale="92500" lnSpcReduction="10000"/>
-          </a:bodyPr>
-          <a:lstStyle/>
-          <a:p>
-            <a:pPr lvl="0"/>
-            <a:r>
-              <a:rPr lang="en-US" dirty="0" smtClean="0"/>
-              <a:t>There exists a lack of Programmatic approaches that:</a:t>
-            </a:r>
-          </a:p>
-          <a:p>
-            <a:pPr lvl="1"/>
-            <a:r>
-              <a:rPr lang="en-US" dirty="0" smtClean="0"/>
-              <a:t>Provide general-purpose, basic &amp; common distributed functionality for applications; hide underlying complexity, varying semantics..</a:t>
-            </a:r>
-          </a:p>
-          <a:p>
-            <a:pPr lvl="1"/>
-            <a:r>
-              <a:rPr lang="en-US" dirty="0" smtClean="0"/>
-              <a:t>The building blocks upon which to construct “consistent” higher-levels of functionality and abstractions</a:t>
-            </a:r>
-          </a:p>
-          <a:p>
-            <a:pPr lvl="1"/>
-            <a:r>
-              <a:rPr lang="en-US" dirty="0" smtClean="0"/>
-              <a:t>Meets the need for a Broad Spectrum of Applications </a:t>
-            </a:r>
-          </a:p>
-          <a:p>
-            <a:pPr lvl="2"/>
-            <a:r>
-              <a:rPr lang="en-US" dirty="0" smtClean="0"/>
-              <a:t>Simple scripts, Gateways,  Tooling, Workflow…</a:t>
-            </a:r>
-          </a:p>
-          <a:p>
-            <a:pPr lvl="0"/>
-            <a:r>
-              <a:rPr lang="en-US" dirty="0" smtClean="0"/>
-              <a:t>Simple, integrated, stable, uniform and community-standard </a:t>
-            </a:r>
-          </a:p>
-          <a:p>
-            <a:pPr lvl="1"/>
-            <a:r>
-              <a:rPr lang="en-US" dirty="0" smtClean="0"/>
-              <a:t>Simple and Stable: 80:20 restricted scope</a:t>
-            </a:r>
-          </a:p>
-          <a:p>
-            <a:pPr lvl="1"/>
-            <a:r>
-              <a:rPr lang="en-US" dirty="0" smtClean="0"/>
-              <a:t>Integrated: Similar semantics &amp; style across primary functional areas</a:t>
-            </a:r>
-          </a:p>
-          <a:p>
-            <a:pPr lvl="1"/>
-            <a:r>
-              <a:rPr lang="en-US" dirty="0" smtClean="0"/>
-              <a:t>Uniform: Same interface for different distributed systems</a:t>
-            </a:r>
-          </a:p>
-          <a:p>
-            <a:pPr lvl="1"/>
-            <a:r>
-              <a:rPr lang="en-US" dirty="0" smtClean="0">
-                <a:solidFill>
-                  <a:srgbClr val="800000"/>
-                </a:solidFill>
-              </a:rPr>
-              <a:t>OGF-standard, “official” Access  Layer/API of EGI, NSF-XD</a:t>
-            </a:r>
-            <a:endParaRPr lang="en-US" b="1" dirty="0" smtClean="0">
-              <a:solidFill>
-                <a:schemeClr val="tx1">
-                  <a:lumMod val="85000"/>
-                  <a:lumOff val="15000"/>
-                </a:schemeClr>
-              </a:solidFill>
-            </a:endParaRPr>
-          </a:p>
-          <a:p>
-            <a:r>
-              <a:rPr lang="en-US" dirty="0" smtClean="0"/>
-              <a:t>Standards-based approach: A Technical and an Economic  (Moral?) imperative &amp; case:</a:t>
-            </a:r>
-          </a:p>
-          <a:p>
-            <a:endParaRPr lang="en-US" dirty="0"/>
-          </a:p>
-        </p:txBody>
-      </p:sp>
-      <p:sp>
-        <p:nvSpPr>
-          <p:cNvPr id="12" name="Rectangle 5"/>
-          <p:cNvSpPr txBox="1">
-            <a:spLocks noChangeArrowheads="1"/>
-          </p:cNvSpPr>
-          <p:nvPr/>
-        </p:nvSpPr>
-        <p:spPr>
-          <a:xfrm>
-            <a:off x="757947" y="1178114"/>
-            <a:ext cx="7966954" cy="5033310"/>
-          </a:xfrm>
-          <a:prstGeom prst="rect">
-            <a:avLst/>
-          </a:prstGeom>
-        </p:spPr>
-        <p:txBody>
-          <a:bodyPr vert="horz" lIns="91440" tIns="45720" rIns="91440" bIns="45720" rtlCol="0">
-            <a:noAutofit/>
-          </a:bodyPr>
-          <a:lstStyle/>
-          <a:p>
-            <a:pPr marL="342900" marR="0" lvl="0" indent="-342900" algn="l" defTabSz="914400" rtl="0" eaLnBrk="1" fontAlgn="auto" latinLnBrk="0" hangingPunct="1">
-              <a:lnSpc>
-                <a:spcPct val="100000"/>
-              </a:lnSpc>
-              <a:spcBef>
-                <a:spcPts val="2000"/>
-              </a:spcBef>
-              <a:spcAft>
-                <a:spcPts val="0"/>
-              </a:spcAft>
-              <a:buClr>
-                <a:schemeClr val="tx1">
-                  <a:lumMod val="75000"/>
-                  <a:lumOff val="25000"/>
-                </a:schemeClr>
-              </a:buClr>
-              <a:buSzTx/>
-              <a:buFont typeface="Wingdings 2" pitchFamily="18" charset="2"/>
-              <a:buChar char=""/>
-              <a:tabLst/>
-              <a:defRPr/>
-            </a:pPr>
-            <a:endParaRPr kumimoji="0" lang="en-US" sz="1700" b="0" i="0" u="none" strike="noStrike" kern="1200" cap="none" spc="0" normalizeH="0" baseline="0" noProof="0" dirty="0" smtClean="0">
-              <a:ln>
-                <a:noFill/>
-              </a:ln>
-              <a:solidFill>
-                <a:schemeClr val="tx1">
-                  <a:lumMod val="65000"/>
-                  <a:lumOff val="35000"/>
-                </a:schemeClr>
-              </a:solidFill>
-              <a:effectLst/>
-              <a:uLnTx/>
-              <a:uFillTx/>
-              <a:latin typeface="+mn-lt"/>
-              <a:ea typeface="+mn-ea"/>
-              <a:cs typeface="+mn-cs"/>
-            </a:endParaRPr>
-          </a:p>
-        </p:txBody>
-      </p:sp>
     </p:spTree>
   </p:cSld>
   <p:clrMapOvr>
     <a:masterClrMapping/>
   </p:clrMapOvr>
-  <p:transition/>
   <p:timing>
     <p:tnLst>
       <p:par>
@@ -7144,13 +6950,13 @@
         <p:spPr/>
         <p:txBody>
           <a:bodyPr>
-            <a:normAutofit/>
+            <a:noAutofit/>
           </a:bodyPr>
           <a:lstStyle/>
           <a:p>
             <a:r>
               <a:rPr lang="en-US" sz="2400" dirty="0" smtClean="0"/>
-              <a:t>SAGA – An Overview</a:t>
+              <a:t>Deployment &amp; Scheduling of  Multiple  Infrastructure Independent Pilot-Jobs</a:t>
             </a:r>
             <a:endParaRPr lang="en-US" sz="2400" dirty="0"/>
           </a:p>
@@ -7158,7 +6964,7 @@
       </p:sp>
       <p:pic>
         <p:nvPicPr>
-          <p:cNvPr id="4" name="Content Placeholder 3" descr="bigpicture.png"/>
+          <p:cNvPr id="5" name="Content Placeholder 4" descr="distributed_pilot_job.png"/>
           <p:cNvPicPr>
             <a:picLocks noGrp="1" noChangeAspect="1"/>
           </p:cNvPicPr>
@@ -7168,17 +6974,12 @@
         </p:nvPicPr>
         <p:blipFill>
           <a:blip r:embed="rId2"/>
-          <a:srcRect t="-46344" b="-46344"/>
+          <a:srcRect t="-10678" b="-10678"/>
           <a:stretch>
             <a:fillRect/>
           </a:stretch>
         </p:blipFill>
-        <p:spPr>
-          <a:xfrm>
-            <a:off x="63503" y="1529880"/>
-            <a:ext cx="8661398" cy="5010620"/>
-          </a:xfrm>
-        </p:spPr>
+        <p:spPr/>
       </p:pic>
     </p:spTree>
   </p:cSld>
@@ -7214,7 +7015,7 @@
       </p:grpSpPr>
       <p:sp>
         <p:nvSpPr>
-          <p:cNvPr id="2" name="Title 1"/>
+          <p:cNvPr id="4" name="Title 3"/>
           <p:cNvSpPr>
             <a:spLocks noGrp="1"/>
           </p:cNvSpPr>
@@ -7223,6 +7024,36 @@
           </p:nvPr>
         </p:nvSpPr>
         <p:spPr/>
+        <p:txBody>
+          <a:bodyPr>
+            <a:normAutofit/>
+          </a:bodyPr>
+          <a:lstStyle/>
+          <a:p>
+            <a:r>
+              <a:rPr lang="en-US" sz="2400" dirty="0" smtClean="0"/>
+              <a:t>What is “unique” about Pilot-Jobs built using the right abstractions?</a:t>
+            </a:r>
+            <a:endParaRPr lang="en-US" sz="2400" dirty="0"/>
+          </a:p>
+        </p:txBody>
+      </p:sp>
+      <p:sp>
+        <p:nvSpPr>
+          <p:cNvPr id="3" name="Content Placeholder 2"/>
+          <p:cNvSpPr>
+            <a:spLocks noGrp="1"/>
+          </p:cNvSpPr>
+          <p:nvPr>
+            <p:ph idx="1"/>
+          </p:nvPr>
+        </p:nvSpPr>
+        <p:spPr>
+          <a:xfrm>
+            <a:off x="745246" y="1250480"/>
+            <a:ext cx="8195553" cy="5023320"/>
+          </a:xfrm>
+        </p:spPr>
         <p:txBody>
           <a:bodyPr>
             <a:noAutofit/>
@@ -7230,48 +7061,134 @@
           <a:lstStyle/>
           <a:p>
             <a:r>
-              <a:rPr lang="en-US" sz="2400" dirty="0" smtClean="0"/>
-              <a:t>Abstractions for Dynamic Execution </a:t>
-            </a:r>
-            <a:br>
-              <a:rPr lang="en-US" sz="2400" dirty="0" smtClean="0"/>
-            </a:br>
-            <a:r>
-              <a:rPr lang="en-US" sz="2400" dirty="0" smtClean="0"/>
-              <a:t>SAGA Pilot-Job (</a:t>
-            </a:r>
-            <a:r>
-              <a:rPr lang="en-US" sz="2400" dirty="0" err="1" smtClean="0"/>
+              <a:rPr lang="en-US" sz="1700" dirty="0" smtClean="0"/>
+              <a:t>Pilot-Jobs: Decouple resource assignment &amp; resource-workload binding</a:t>
+            </a:r>
+          </a:p>
+          <a:p>
+            <a:r>
+              <a:rPr lang="en-US" sz="1700" dirty="0" smtClean="0"/>
+              <a:t>Pilot-Jobs are/have been typically used for:</a:t>
+            </a:r>
+          </a:p>
+          <a:p>
+            <a:pPr lvl="1"/>
+            <a:r>
+              <a:rPr lang="en-US" sz="1700" dirty="0" smtClean="0"/>
+              <a:t>Enhancing resource utilization; Facilitate high-throughput simulation</a:t>
+            </a:r>
+          </a:p>
+          <a:p>
+            <a:pPr lvl="1"/>
+            <a:r>
+              <a:rPr lang="en-US" sz="1700" dirty="0" smtClean="0"/>
+              <a:t>Lowering wait time for multiple jobs (better predictability)</a:t>
+            </a:r>
+          </a:p>
+          <a:p>
+            <a:r>
+              <a:rPr lang="en-US" sz="1700" dirty="0" smtClean="0"/>
+              <a:t>Several unique aspects  about the SAGA-based Pilot-Job</a:t>
+            </a:r>
+          </a:p>
+          <a:p>
+            <a:pPr lvl="1"/>
+            <a:r>
+              <a:rPr lang="en-US" sz="1700" dirty="0" smtClean="0"/>
+              <a:t>Pilot-Jobs have not been used for Science Driven Objectives:</a:t>
+            </a:r>
+          </a:p>
+          <a:p>
+            <a:pPr lvl="2"/>
+            <a:r>
+              <a:rPr lang="en-US" sz="1700" dirty="0" smtClean="0"/>
+              <a:t>First demonstration of multi-physics simulations, REMD simulations </a:t>
+            </a:r>
+          </a:p>
+          <a:p>
+            <a:pPr lvl="2"/>
+            <a:r>
+              <a:rPr lang="en-US" sz="1700" dirty="0" smtClean="0"/>
+              <a:t>Frameworks based upon </a:t>
+            </a:r>
+            <a:r>
+              <a:rPr lang="en-US" sz="1700" dirty="0" err="1" smtClean="0"/>
+              <a:t>PJs</a:t>
+            </a:r>
+            <a:r>
+              <a:rPr lang="en-US" sz="1700" dirty="0" smtClean="0"/>
+              <a:t> (pull model) for specific back-ends</a:t>
+            </a:r>
+          </a:p>
+          <a:p>
+            <a:pPr lvl="1"/>
+            <a:r>
+              <a:rPr lang="en-US" sz="1700" dirty="0" smtClean="0"/>
+              <a:t>Infrastructure Independent and “standard” PJ API to access other </a:t>
+            </a:r>
+            <a:r>
+              <a:rPr lang="en-US" sz="1700" dirty="0" err="1" smtClean="0"/>
+              <a:t>PJs</a:t>
+            </a:r>
+            <a:r>
+              <a:rPr lang="en-US" sz="1700" dirty="0" smtClean="0"/>
+              <a:t> </a:t>
+            </a:r>
+          </a:p>
+          <a:p>
+            <a:pPr lvl="2"/>
+            <a:r>
+              <a:rPr lang="en-US" sz="1700" dirty="0" smtClean="0"/>
+              <a:t>SAGA PJ (</a:t>
+            </a:r>
+            <a:r>
+              <a:rPr lang="en-US" sz="1700" dirty="0" err="1" smtClean="0"/>
               <a:t>BigJob</a:t>
             </a:r>
             <a:r>
-              <a:rPr lang="en-US" sz="2400" dirty="0" smtClean="0"/>
-              <a:t>)</a:t>
-            </a:r>
-            <a:endParaRPr lang="en-US" sz="2400" dirty="0"/>
-          </a:p>
-        </p:txBody>
-      </p:sp>
-      <p:pic>
-        <p:nvPicPr>
-          <p:cNvPr id="4" name="Content Placeholder 3" descr="bigjob.png"/>
-          <p:cNvPicPr>
-            <a:picLocks noGrp="1" noChangeAspect="1"/>
-          </p:cNvPicPr>
-          <p:nvPr>
-            <p:ph idx="1"/>
-          </p:nvPr>
-        </p:nvPicPr>
-        <p:blipFill>
-          <a:blip r:embed="rId2"/>
-          <a:srcRect l="-2356" r="-2356"/>
-          <a:stretch>
-            <a:fillRect/>
-          </a:stretch>
-        </p:blipFill>
-        <p:spPr/>
-      </p:pic>
+              <a:rPr lang="en-US" sz="1700" dirty="0" smtClean="0"/>
+              <a:t>) API  basis for inter-operable PJ (Azure, DIANE)  </a:t>
+            </a:r>
+          </a:p>
+          <a:p>
+            <a:r>
+              <a:rPr lang="en-US" sz="1700" dirty="0" smtClean="0"/>
+              <a:t>SAGA-based Pilot-Job form the basis for</a:t>
+            </a:r>
+          </a:p>
+          <a:p>
+            <a:pPr lvl="1"/>
+            <a:r>
+              <a:rPr lang="en-US" sz="1700" dirty="0" smtClean="0"/>
+              <a:t>Extension of Pilot-abstraction to other “dimensions”</a:t>
+            </a:r>
+          </a:p>
+          <a:p>
+            <a:pPr lvl="1"/>
+            <a:r>
+              <a:rPr lang="en-US" sz="1700" dirty="0" smtClean="0"/>
+              <a:t>For autonomic scheduling and application-level scheduling</a:t>
+            </a:r>
+          </a:p>
+          <a:p>
+            <a:pPr lvl="1"/>
+            <a:r>
+              <a:rPr lang="en-US" sz="1700" dirty="0" smtClean="0"/>
+              <a:t>Advanced run-time frameworks for load-balancing and FT</a:t>
+            </a:r>
+          </a:p>
+          <a:p>
+            <a:pPr lvl="1"/>
+            <a:endParaRPr lang="en-US" sz="1700" dirty="0" smtClean="0"/>
+          </a:p>
+        </p:txBody>
+      </p:sp>
     </p:spTree>
+    <p:extLst>
+      <p:ext uri="{BB962C8B-B14F-4D97-AF65-F5344CB8AC3E}">
+        <p14:creationId xmlns="" xmlns:a="http://schemas.openxmlformats.org/drawingml/2006/main" xmlns:r="http://schemas.openxmlformats.org/officeDocument/2006/relationships" xmlns:p="http://schemas.openxmlformats.org/presentationml/2006/main" xmlns:p14="http://schemas.microsoft.com/office/powerpoint/2010/main" xmlns:mv="urn:schemas-microsoft-com:mac:vml" xmlns:mc="http://schemas.openxmlformats.org/markup-compatibility/2006" val="2144568309"/>
+      </p:ext>
+    </p:extLst>
   </p:cSld>
   <p:clrMapOvr>
     <a:masterClrMapping/>
@@ -7316,38 +7233,123 @@
         <p:spPr/>
         <p:txBody>
           <a:bodyPr>
+            <a:normAutofit/>
+          </a:bodyPr>
+          <a:lstStyle/>
+          <a:p>
+            <a:r>
+              <a:rPr lang="en-US" sz="2400" dirty="0" smtClean="0"/>
+              <a:t>DARE-based Science Gateways</a:t>
+            </a:r>
+            <a:endParaRPr lang="en-US" sz="2400" dirty="0"/>
+          </a:p>
+        </p:txBody>
+      </p:sp>
+      <p:sp>
+        <p:nvSpPr>
+          <p:cNvPr id="8" name="Content Placeholder 7"/>
+          <p:cNvSpPr>
+            <a:spLocks noGrp="1"/>
+          </p:cNvSpPr>
+          <p:nvPr>
+            <p:ph idx="1"/>
+          </p:nvPr>
+        </p:nvSpPr>
+        <p:spPr>
+          <a:xfrm>
+            <a:off x="190500" y="1621268"/>
+            <a:ext cx="3729555" cy="4703332"/>
+          </a:xfrm>
+        </p:spPr>
+        <p:txBody>
+          <a:bodyPr>
             <a:noAutofit/>
           </a:bodyPr>
           <a:lstStyle/>
           <a:p>
             <a:r>
-              <a:rPr lang="en-US" sz="2400" dirty="0" smtClean="0"/>
-              <a:t>Deployment &amp; Scheduling of  Multiple  Infrastructure Independent Pilot-Jobs</a:t>
-            </a:r>
-            <a:endParaRPr lang="en-US" sz="2400" dirty="0"/>
+              <a:rPr lang="en-US" sz="1700" dirty="0" smtClean="0"/>
+              <a:t>Three levels: </a:t>
+            </a:r>
+          </a:p>
+          <a:p>
+            <a:pPr lvl="1"/>
+            <a:r>
+              <a:rPr lang="en-US" sz="1700" dirty="0" smtClean="0"/>
+              <a:t>Access/Application Layer</a:t>
+            </a:r>
+          </a:p>
+          <a:p>
+            <a:pPr lvl="1"/>
+            <a:r>
+              <a:rPr lang="en-US" sz="1700" dirty="0" smtClean="0"/>
+              <a:t>Services &amp; MW Layer</a:t>
+            </a:r>
+          </a:p>
+          <a:p>
+            <a:pPr lvl="1"/>
+            <a:r>
+              <a:rPr lang="en-US" sz="1700" dirty="0" smtClean="0"/>
+              <a:t>Resource Layer</a:t>
+            </a:r>
+          </a:p>
+          <a:p>
+            <a:r>
+              <a:rPr lang="en-US" sz="1700" dirty="0" smtClean="0"/>
+              <a:t>Abstractions for Dynamic and Adaptive Execution</a:t>
+            </a:r>
+          </a:p>
+          <a:p>
+            <a:pPr lvl="1"/>
+            <a:r>
+              <a:rPr lang="en-US" sz="1700" dirty="0" smtClean="0"/>
+              <a:t>Integrated compute and data</a:t>
+            </a:r>
+          </a:p>
+          <a:p>
+            <a:r>
+              <a:rPr lang="en-US" sz="1700" dirty="0" smtClean="0"/>
+              <a:t>Interoperable across DCI</a:t>
+            </a:r>
+          </a:p>
+          <a:p>
+            <a:r>
+              <a:rPr lang="en-US" sz="1700" dirty="0" smtClean="0"/>
+              <a:t>Extensible:  frameworks, abstractions and features</a:t>
+            </a:r>
           </a:p>
         </p:txBody>
       </p:sp>
       <p:pic>
         <p:nvPicPr>
-          <p:cNvPr id="5" name="Content Placeholder 4" descr="distributed_pilot_job.png"/>
+          <p:cNvPr id="5" name="Picture 4" descr="DAREOutline.png"/>
           <p:cNvPicPr>
-            <a:picLocks noGrp="1" noChangeAspect="1"/>
+            <a:picLocks noChangeAspect="1"/>
           </p:cNvPicPr>
-          <p:nvPr>
-            <p:ph idx="1"/>
-          </p:nvPr>
+          <p:nvPr/>
         </p:nvPicPr>
         <p:blipFill>
-          <a:blip r:embed="rId2"/>
-          <a:srcRect t="-10678" b="-10678"/>
+          <a:blip r:embed="rId3"/>
           <a:stretch>
             <a:fillRect/>
           </a:stretch>
         </p:blipFill>
-        <p:spPr/>
+        <p:spPr>
+          <a:xfrm>
+            <a:off x="3920055" y="1595869"/>
+            <a:ext cx="5223945" cy="4411232"/>
+          </a:xfrm>
+          <a:prstGeom prst="rect">
+            <a:avLst/>
+          </a:prstGeom>
+        </p:spPr>
       </p:pic>
     </p:spTree>
+    <p:extLst>
+      <p:ext uri="{BB962C8B-B14F-4D97-AF65-F5344CB8AC3E}">
+        <p14:creationId xmlns="" xmlns:a="http://schemas.openxmlformats.org/drawingml/2006/main" xmlns:r="http://schemas.openxmlformats.org/officeDocument/2006/relationships" xmlns:p="http://schemas.openxmlformats.org/presentationml/2006/main" xmlns:p14="http://schemas.microsoft.com/office/powerpoint/2010/main" xmlns:mv="urn:schemas-microsoft-com:mac:vml" xmlns:mc="http://schemas.openxmlformats.org/markup-compatibility/2006" val="647122911"/>
+      </p:ext>
+    </p:extLst>
   </p:cSld>
   <p:clrMapOvr>
     <a:masterClrMapping/>
@@ -7381,7 +7383,7 @@
       </p:grpSpPr>
       <p:sp>
         <p:nvSpPr>
-          <p:cNvPr id="4" name="Title 3"/>
+          <p:cNvPr id="2" name="Title 1"/>
           <p:cNvSpPr>
             <a:spLocks noGrp="1"/>
           </p:cNvSpPr>
@@ -7392,21 +7394,21 @@
         <p:spPr/>
         <p:txBody>
           <a:bodyPr>
-            <a:normAutofit/>
+            <a:normAutofit fontScale="90000"/>
           </a:bodyPr>
           <a:lstStyle/>
           <a:p>
             <a:r>
-              <a:rPr lang="en-US" sz="2400" dirty="0" smtClean="0"/>
-              <a:t>What is “unique” about Pilot-Jobs built using the right abstractions?</a:t>
-            </a:r>
-            <a:endParaRPr lang="en-US" sz="2400" dirty="0"/>
-          </a:p>
-        </p:txBody>
-      </p:sp>
-      <p:sp>
-        <p:nvSpPr>
-          <p:cNvPr id="3" name="Content Placeholder 2"/>
+              <a:rPr lang="en-US" smtClean="0"/>
+              <a:t>DARE-NGS : Mapping on Scalable Distributed HPC resources</a:t>
+            </a:r>
+            <a:endParaRPr lang="en-US" dirty="0"/>
+          </a:p>
+        </p:txBody>
+      </p:sp>
+      <p:sp>
+        <p:nvSpPr>
+          <p:cNvPr id="6" name="Content Placeholder 5"/>
           <p:cNvSpPr>
             <a:spLocks noGrp="1"/>
           </p:cNvSpPr>
@@ -7416,143 +7418,86 @@
         </p:nvSpPr>
         <p:spPr>
           <a:xfrm>
-            <a:off x="745246" y="1250480"/>
-            <a:ext cx="8195553" cy="5023320"/>
+            <a:off x="1089024" y="4000500"/>
+            <a:ext cx="7966954" cy="2641600"/>
           </a:xfrm>
         </p:spPr>
         <p:txBody>
           <a:bodyPr>
-            <a:noAutofit/>
+            <a:normAutofit lnSpcReduction="10000"/>
           </a:bodyPr>
           <a:lstStyle/>
           <a:p>
             <a:r>
-              <a:rPr lang="en-US" sz="1700" dirty="0" smtClean="0"/>
-              <a:t>Pilot-Jobs: Decouple resource assignment &amp; resource-workload binding</a:t>
-            </a:r>
-          </a:p>
-          <a:p>
-            <a:r>
-              <a:rPr lang="en-US" sz="1700" dirty="0" smtClean="0"/>
-              <a:t>Pilot-Jobs are/have been typically used for:</a:t>
+              <a:rPr lang="en-US" dirty="0" smtClean="0"/>
+              <a:t>g1-g4: each task requires 2 cores (40 index files)</a:t>
+            </a:r>
+          </a:p>
+          <a:p>
+            <a:r>
+              <a:rPr lang="en-US" dirty="0" smtClean="0"/>
+              <a:t>g1, g2:  Scalable task concurrency</a:t>
             </a:r>
           </a:p>
           <a:p>
             <a:pPr lvl="1"/>
             <a:r>
-              <a:rPr lang="en-US" sz="1700" dirty="0" smtClean="0"/>
-              <a:t>Enhancing resource utilization; Facilitate high-throughput simulation</a:t>
+              <a:rPr lang="en-US" dirty="0" smtClean="0"/>
+              <a:t>Be sure to not his IO bound</a:t>
+            </a:r>
+          </a:p>
+          <a:p>
+            <a:r>
+              <a:rPr lang="en-US" dirty="0" smtClean="0"/>
+              <a:t>g3, g4: multiple generations of tasks (and concurrency) </a:t>
             </a:r>
           </a:p>
           <a:p>
             <a:pPr lvl="1"/>
             <a:r>
-              <a:rPr lang="en-US" sz="1700" dirty="0" smtClean="0"/>
-              <a:t>Lowering wait time for multiple jobs (better predictability)</a:t>
-            </a:r>
-          </a:p>
-          <a:p>
-            <a:r>
-              <a:rPr lang="en-US" sz="1700" dirty="0" smtClean="0"/>
-              <a:t>Several unique aspects  about the SAGA-based Pilot-Job</a:t>
-            </a:r>
-          </a:p>
-          <a:p>
-            <a:pPr lvl="1"/>
-            <a:r>
-              <a:rPr lang="en-US" sz="1700" dirty="0" smtClean="0"/>
-              <a:t>Pilot-Jobs have not been used for Science Driven Objectives:</a:t>
-            </a:r>
-          </a:p>
-          <a:p>
-            <a:pPr lvl="2"/>
-            <a:r>
-              <a:rPr lang="en-US" sz="1700" dirty="0" smtClean="0"/>
-              <a:t>First demonstration of multi-physics simulations, REMD simulations </a:t>
-            </a:r>
-          </a:p>
-          <a:p>
-            <a:pPr lvl="2"/>
-            <a:r>
-              <a:rPr lang="en-US" sz="1700" dirty="0" smtClean="0"/>
-              <a:t>Frameworks based upon </a:t>
-            </a:r>
-            <a:r>
-              <a:rPr lang="en-US" sz="1700" dirty="0" err="1" smtClean="0"/>
-              <a:t>PJs</a:t>
-            </a:r>
-            <a:r>
-              <a:rPr lang="en-US" sz="1700" dirty="0" smtClean="0"/>
-              <a:t> (pull model) for specific back-ends</a:t>
-            </a:r>
-          </a:p>
-          <a:p>
-            <a:pPr lvl="1"/>
-            <a:r>
-              <a:rPr lang="en-US" sz="1700" dirty="0" smtClean="0"/>
-              <a:t>Infrastructure Independent and “standard” PJ API to access other </a:t>
-            </a:r>
-            <a:r>
-              <a:rPr lang="en-US" sz="1700" dirty="0" err="1" smtClean="0"/>
-              <a:t>PJs</a:t>
-            </a:r>
-            <a:r>
-              <a:rPr lang="en-US" sz="1700" dirty="0" smtClean="0"/>
-              <a:t> </a:t>
-            </a:r>
-          </a:p>
-          <a:p>
-            <a:pPr lvl="2"/>
-            <a:r>
-              <a:rPr lang="en-US" sz="1700" dirty="0" smtClean="0"/>
-              <a:t>SAGA PJ (</a:t>
-            </a:r>
-            <a:r>
-              <a:rPr lang="en-US" sz="1700" dirty="0" err="1" smtClean="0"/>
-              <a:t>BigJob</a:t>
-            </a:r>
-            <a:r>
-              <a:rPr lang="en-US" sz="1700" dirty="0" smtClean="0"/>
-              <a:t>) API  basis for inter-operable PJ (Azure, DIANE)  </a:t>
-            </a:r>
-          </a:p>
-          <a:p>
-            <a:r>
-              <a:rPr lang="en-US" sz="1700" dirty="0" smtClean="0"/>
-              <a:t>SAGA-based Pilot-Job form the basis for</a:t>
-            </a:r>
-          </a:p>
-          <a:p>
-            <a:pPr lvl="1"/>
-            <a:r>
-              <a:rPr lang="en-US" sz="1700" dirty="0" smtClean="0"/>
-              <a:t>Extension of Pilot-abstraction to other “dimensions”</a:t>
-            </a:r>
-          </a:p>
-          <a:p>
-            <a:pPr lvl="1"/>
-            <a:r>
-              <a:rPr lang="en-US" sz="1700" dirty="0" smtClean="0"/>
-              <a:t>For autonomic scheduling and application-level scheduling</a:t>
-            </a:r>
-          </a:p>
-          <a:p>
-            <a:pPr lvl="1"/>
-            <a:r>
-              <a:rPr lang="en-US" sz="1700" dirty="0" smtClean="0"/>
-              <a:t>Advanced run-time frameworks for load-balancing and FT</a:t>
-            </a:r>
-          </a:p>
-          <a:p>
-            <a:pPr lvl="1"/>
-            <a:endParaRPr lang="en-US" sz="1700" dirty="0" smtClean="0"/>
-          </a:p>
-        </p:txBody>
-      </p:sp>
+              <a:rPr lang="en-US" dirty="0" smtClean="0"/>
+              <a:t>Basis for dynamic </a:t>
+            </a:r>
+          </a:p>
+          <a:p>
+            <a:r>
+              <a:rPr lang="en-US" dirty="0" smtClean="0"/>
+              <a:t>g5, g6: Different number of index files (10)</a:t>
+            </a:r>
+          </a:p>
+          <a:p>
+            <a:endParaRPr lang="en-US" dirty="0"/>
+          </a:p>
+        </p:txBody>
+      </p:sp>
+      <p:pic>
+        <p:nvPicPr>
+          <p:cNvPr id="10" name="Picture 9" descr="table6-ecmls04.png"/>
+          <p:cNvPicPr>
+            <a:picLocks noChangeAspect="1"/>
+          </p:cNvPicPr>
+          <p:nvPr/>
+        </p:nvPicPr>
+        <p:blipFill>
+          <a:blip r:embed="rId3"/>
+          <a:stretch>
+            <a:fillRect/>
+          </a:stretch>
+        </p:blipFill>
+        <p:spPr>
+          <a:xfrm>
+            <a:off x="914400" y="1178114"/>
+            <a:ext cx="7988300" cy="2750958"/>
+          </a:xfrm>
+          <a:prstGeom prst="rect">
+            <a:avLst/>
+          </a:prstGeom>
+        </p:spPr>
+      </p:pic>
     </p:spTree>
     <p:extLst>
       <p:ext uri="{BB962C8B-B14F-4D97-AF65-F5344CB8AC3E}">
-        <p14:creationId xmlns:mc="http://schemas.openxmlformats.org/markup-compatibility/2006" xmlns:mv="urn:schemas-microsoft-com:mac:vml" xmlns:p14="http://schemas.microsoft.com/office/powerpoint/2010/main" xmlns:p="http://schemas.openxmlformats.org/presentationml/2006/main" xmlns:r="http://schemas.openxmlformats.org/officeDocument/2006/relationships" xmlns:a="http://schemas.openxmlformats.org/drawingml/2006/main" xmlns="" val="2144568309"/>
+        <p14:creationId xmlns="" xmlns:a="http://schemas.openxmlformats.org/drawingml/2006/main" xmlns:r="http://schemas.openxmlformats.org/officeDocument/2006/relationships" xmlns:p="http://schemas.openxmlformats.org/presentationml/2006/main" xmlns:p14="http://schemas.microsoft.com/office/powerpoint/2010/main" xmlns:mv="urn:schemas-microsoft-com:mac:vml" xmlns:mc="http://schemas.openxmlformats.org/markup-compatibility/2006" val="3440781938"/>
       </p:ext>
     </p:extLst>
   </p:cSld>
@@ -7599,76 +7544,60 @@
         <p:spPr/>
         <p:txBody>
           <a:bodyPr>
-            <a:normAutofit/>
+            <a:normAutofit fontScale="90000"/>
           </a:bodyPr>
           <a:lstStyle/>
           <a:p>
             <a:r>
-              <a:rPr lang="en-US" sz="2400" dirty="0" smtClean="0"/>
-              <a:t>DARE-based Science Gateways</a:t>
-            </a:r>
-            <a:endParaRPr lang="en-US" sz="2400" dirty="0"/>
-          </a:p>
-        </p:txBody>
-      </p:sp>
-      <p:sp>
-        <p:nvSpPr>
-          <p:cNvPr id="8" name="Content Placeholder 7"/>
-          <p:cNvSpPr>
-            <a:spLocks noGrp="1"/>
-          </p:cNvSpPr>
-          <p:nvPr>
-            <p:ph idx="1"/>
-          </p:nvPr>
-        </p:nvSpPr>
-        <p:spPr>
-          <a:xfrm>
-            <a:off x="546100" y="1595868"/>
-            <a:ext cx="3148357" cy="3910483"/>
-          </a:xfrm>
-        </p:spPr>
-        <p:txBody>
-          <a:bodyPr>
-            <a:normAutofit/>
-          </a:bodyPr>
-          <a:lstStyle/>
-          <a:p>
-            <a:r>
-              <a:rPr lang="en-US" sz="1700" dirty="0" smtClean="0"/>
-              <a:t>Provides fundamental abstractions for Dynamic and Adaptive Execution</a:t>
-            </a:r>
-          </a:p>
-          <a:p>
-            <a:pPr lvl="1"/>
-            <a:r>
-              <a:rPr lang="en-US" sz="1700" dirty="0" smtClean="0"/>
-              <a:t>Integrated compute and data </a:t>
-            </a:r>
-          </a:p>
-          <a:p>
-            <a:r>
-              <a:rPr lang="en-US" sz="1700" dirty="0" smtClean="0"/>
-              <a:t>Efficient and novel runtime environments for Map-Reduce</a:t>
-            </a:r>
-          </a:p>
-          <a:p>
-            <a:r>
-              <a:rPr lang="en-US" sz="1700" dirty="0" smtClean="0"/>
-              <a:t>Interoperable across DCI</a:t>
-            </a:r>
-          </a:p>
-          <a:p>
-            <a:r>
-              <a:rPr lang="en-US" sz="1700" dirty="0" smtClean="0"/>
-              <a:t>Extensible: new features and abstractions</a:t>
-            </a:r>
-            <a:endParaRPr lang="en-US" sz="1700" dirty="0"/>
+              <a:rPr lang="en-US" sz="2800" dirty="0" smtClean="0"/>
+              <a:t>Tradeoffs: Comp. </a:t>
+            </a:r>
+            <a:r>
+              <a:rPr lang="en-US" sz="2800" dirty="0" err="1" smtClean="0"/>
+              <a:t>vs</a:t>
+            </a:r>
+            <a:r>
+              <a:rPr lang="en-US" sz="2800" dirty="0" smtClean="0"/>
+              <a:t> </a:t>
+            </a:r>
+            <a:r>
+              <a:rPr lang="en-US" sz="2800" dirty="0" err="1" smtClean="0"/>
+              <a:t>Mem</a:t>
+            </a:r>
+            <a:r>
+              <a:rPr lang="en-US" sz="2800" dirty="0" smtClean="0"/>
+              <a:t>. </a:t>
+            </a:r>
+            <a:r>
+              <a:rPr lang="en-US" sz="2800" dirty="0" err="1" smtClean="0"/>
+              <a:t>vs</a:t>
+            </a:r>
+            <a:r>
+              <a:rPr lang="en-US" sz="2800" dirty="0" smtClean="0"/>
+              <a:t> I/O </a:t>
+            </a:r>
+            <a:r>
+              <a:rPr lang="en-US" sz="2800" dirty="0" err="1" smtClean="0"/>
+              <a:t>vs</a:t>
+            </a:r>
+            <a:r>
+              <a:rPr lang="en-US" sz="2800" dirty="0" smtClean="0"/>
+              <a:t> </a:t>
+            </a:r>
+            <a:r>
+              <a:rPr lang="en-US" sz="2800" dirty="0" err="1" smtClean="0"/>
+              <a:t>DoD</a:t>
+            </a:r>
+            <a:endParaRPr lang="en-US" sz="2800" dirty="0">
+              <a:latin typeface="Arial"/>
+              <a:cs typeface="Arial"/>
+            </a:endParaRPr>
           </a:p>
         </p:txBody>
       </p:sp>
       <p:pic>
         <p:nvPicPr>
-          <p:cNvPr id="5" name="Picture 4" descr="DAREOutline.png"/>
+          <p:cNvPr id="22" name="Picture 21" descr="bfast-dare-scaleout.png"/>
           <p:cNvPicPr>
             <a:picLocks noChangeAspect="1"/>
           </p:cNvPicPr>
@@ -7682,8 +7611,32 @@
         </p:blipFill>
         <p:spPr>
           <a:xfrm>
-            <a:off x="3694457" y="1595868"/>
-            <a:ext cx="5449543" cy="4601733"/>
+            <a:off x="1082274" y="1172519"/>
+            <a:ext cx="7809967" cy="3767781"/>
+          </a:xfrm>
+          <a:prstGeom prst="rect">
+            <a:avLst/>
+          </a:prstGeom>
+        </p:spPr>
+      </p:pic>
+      <p:pic>
+        <p:nvPicPr>
+          <p:cNvPr id="5" name="Picture 4" descr="file-tx.png"/>
+          <p:cNvPicPr>
+            <a:picLocks noChangeAspect="1"/>
+          </p:cNvPicPr>
+          <p:nvPr/>
+        </p:nvPicPr>
+        <p:blipFill>
+          <a:blip r:embed="rId4"/>
+          <a:stretch>
+            <a:fillRect/>
+          </a:stretch>
+        </p:blipFill>
+        <p:spPr>
+          <a:xfrm>
+            <a:off x="1333499" y="4787900"/>
+            <a:ext cx="5168901" cy="1980845"/>
           </a:xfrm>
           <a:prstGeom prst="rect">
             <a:avLst/>
@@ -7693,7 +7646,7 @@
     </p:spTree>
     <p:extLst>
       <p:ext uri="{BB962C8B-B14F-4D97-AF65-F5344CB8AC3E}">
-        <p14:creationId xmlns:mc="http://schemas.openxmlformats.org/markup-compatibility/2006" xmlns:mv="urn:schemas-microsoft-com:mac:vml" xmlns:p14="http://schemas.microsoft.com/office/powerpoint/2010/main" xmlns:p="http://schemas.openxmlformats.org/presentationml/2006/main" xmlns:r="http://schemas.openxmlformats.org/officeDocument/2006/relationships" xmlns:a="http://schemas.openxmlformats.org/drawingml/2006/main" xmlns="" val="647122911"/>
+        <p14:creationId xmlns="" xmlns:a="http://schemas.openxmlformats.org/drawingml/2006/main" xmlns:r="http://schemas.openxmlformats.org/officeDocument/2006/relationships" xmlns:p="http://schemas.openxmlformats.org/presentationml/2006/main" xmlns:p14="http://schemas.microsoft.com/office/powerpoint/2010/main" xmlns:mv="urn:schemas-microsoft-com:mac:vml" xmlns:mc="http://schemas.openxmlformats.org/markup-compatibility/2006" val="3147052436"/>
       </p:ext>
     </p:extLst>
   </p:cSld>
@@ -7711,6 +7664,185 @@
 </file>
 
 <file path=ppt/slides/slide16.xml><?xml version="1.0" encoding="utf-8"?>
+<p:sld xmlns:a="http://schemas.openxmlformats.org/drawingml/2006/main" xmlns:r="http://schemas.openxmlformats.org/officeDocument/2006/relationships" xmlns:mc="http://schemas.openxmlformats.org/markup-compatibility/2006" xmlns:mv="urn:schemas-microsoft-com:mac:vml" xmlns:p="http://schemas.openxmlformats.org/presentationml/2006/main" mc:Ignorable="mv" mc:PreserveAttributes="mv:*">
+  <p:cSld>
+    <p:spTree>
+      <p:nvGrpSpPr>
+        <p:cNvPr id="1" name=""/>
+        <p:cNvGrpSpPr/>
+        <p:nvPr/>
+      </p:nvGrpSpPr>
+      <p:grpSpPr>
+        <a:xfrm>
+          <a:off x="0" y="0"/>
+          <a:ext cx="0" cy="0"/>
+          <a:chOff x="0" y="0"/>
+          <a:chExt cx="0" cy="0"/>
+        </a:xfrm>
+      </p:grpSpPr>
+      <p:sp>
+        <p:nvSpPr>
+          <p:cNvPr id="7" name="Title 6"/>
+          <p:cNvSpPr>
+            <a:spLocks noGrp="1"/>
+          </p:cNvSpPr>
+          <p:nvPr>
+            <p:ph type="title"/>
+          </p:nvPr>
+        </p:nvSpPr>
+        <p:spPr/>
+        <p:txBody>
+          <a:bodyPr>
+            <a:normAutofit/>
+          </a:bodyPr>
+          <a:lstStyle/>
+          <a:p>
+            <a:r>
+              <a:rPr lang="en-US" sz="2400" dirty="0" smtClean="0"/>
+              <a:t>Towards Production DCI for NGS Analytics</a:t>
+            </a:r>
+            <a:endParaRPr lang="en-US" sz="2400" dirty="0"/>
+          </a:p>
+        </p:txBody>
+      </p:sp>
+      <p:sp>
+        <p:nvSpPr>
+          <p:cNvPr id="8" name="Content Placeholder 7"/>
+          <p:cNvSpPr>
+            <a:spLocks noGrp="1"/>
+          </p:cNvSpPr>
+          <p:nvPr>
+            <p:ph idx="1"/>
+          </p:nvPr>
+        </p:nvSpPr>
+        <p:spPr>
+          <a:xfrm>
+            <a:off x="529346" y="1529880"/>
+            <a:ext cx="8386053" cy="4608884"/>
+          </a:xfrm>
+        </p:spPr>
+        <p:txBody>
+          <a:bodyPr>
+            <a:noAutofit/>
+          </a:bodyPr>
+          <a:lstStyle/>
+          <a:p>
+            <a:r>
+              <a:rPr lang="en-US" sz="1700" dirty="0" smtClean="0"/>
+              <a:t>“Why is the </a:t>
+            </a:r>
+            <a:r>
+              <a:rPr lang="en-US" sz="1700" dirty="0" err="1" smtClean="0"/>
+              <a:t>TeraGrid</a:t>
+            </a:r>
+            <a:r>
+              <a:rPr lang="en-US" sz="1700" dirty="0" smtClean="0"/>
+              <a:t> not used for data-intensive applications” (</a:t>
+            </a:r>
+            <a:r>
+              <a:rPr lang="en-US" sz="1700" dirty="0" err="1" smtClean="0"/>
+              <a:t>Fpx</a:t>
+            </a:r>
+            <a:r>
+              <a:rPr lang="en-US" sz="1700" dirty="0" smtClean="0"/>
+              <a:t>)</a:t>
+            </a:r>
+          </a:p>
+          <a:p>
+            <a:pPr lvl="1"/>
+            <a:r>
+              <a:rPr lang="en-US" sz="1700" dirty="0" smtClean="0"/>
+              <a:t>Is it just about storage? Or is it about data transfer?</a:t>
+            </a:r>
+          </a:p>
+          <a:p>
+            <a:pPr marL="342900" lvl="2" indent="-342900">
+              <a:spcBef>
+                <a:spcPts val="2000"/>
+              </a:spcBef>
+              <a:buFont typeface="Wingdings 2" pitchFamily="18" charset="2"/>
+              <a:buChar char=""/>
+            </a:pPr>
+            <a:r>
+              <a:rPr lang="en-US" sz="1700" dirty="0" smtClean="0"/>
+              <a:t>What is the “optimal” CI/Cloud configuration? No well-defined single infrastructure configuration or capabilities</a:t>
+            </a:r>
+          </a:p>
+          <a:p>
+            <a:pPr lvl="1"/>
+            <a:r>
+              <a:rPr lang="en-US" sz="1700" dirty="0" smtClean="0"/>
+              <a:t>Astronomy, HEP - Application characteristic better defined</a:t>
+            </a:r>
+          </a:p>
+          <a:p>
+            <a:pPr lvl="1"/>
+            <a:r>
+              <a:rPr lang="en-US" sz="1700" dirty="0" smtClean="0"/>
+              <a:t>What can LS community learn from them?</a:t>
+            </a:r>
+          </a:p>
+          <a:p>
+            <a:r>
+              <a:rPr lang="en-US" sz="1700" dirty="0" smtClean="0"/>
+              <a:t>“Building this infrastructure is not trivial” (Fox) </a:t>
+            </a:r>
+          </a:p>
+          <a:p>
+            <a:pPr lvl="1"/>
+            <a:r>
+              <a:rPr lang="en-US" sz="1700" dirty="0" smtClean="0"/>
+              <a:t>Need Abstractions to Support Dynamic Applications</a:t>
+            </a:r>
+          </a:p>
+          <a:p>
+            <a:pPr lvl="2"/>
+            <a:r>
+              <a:rPr lang="en-US" sz="1700" dirty="0" smtClean="0"/>
+              <a:t>Both Development and  System/Infrastructure level abstractions</a:t>
+            </a:r>
+          </a:p>
+          <a:p>
+            <a:pPr lvl="1"/>
+            <a:r>
+              <a:rPr lang="en-US" sz="1700" dirty="0" smtClean="0"/>
+              <a:t>There are “hard” parts and tractable parts </a:t>
+            </a:r>
+          </a:p>
+          <a:p>
+            <a:pPr lvl="2"/>
+            <a:r>
+              <a:rPr lang="en-US" sz="1700" dirty="0" smtClean="0"/>
+              <a:t>SAGA handles the hard part, opening up innovation elsewhere</a:t>
+            </a:r>
+          </a:p>
+          <a:p>
+            <a:pPr lvl="2">
+              <a:buNone/>
+            </a:pPr>
+            <a:endParaRPr lang="en-US" sz="1700" dirty="0" smtClean="0"/>
+          </a:p>
+          <a:p>
+            <a:endParaRPr lang="en-US" sz="1700" dirty="0"/>
+          </a:p>
+        </p:txBody>
+      </p:sp>
+    </p:spTree>
+  </p:cSld>
+  <p:clrMapOvr>
+    <a:masterClrMapping/>
+  </p:clrMapOvr>
+  <p:timing>
+    <p:tnLst>
+      <p:par>
+        <p:cTn id="1" dur="indefinite" restart="never" nodeType="tmRoot"/>
+      </p:par>
+    </p:tnLst>
+  </p:timing>
+</p:sld>
+</file>
+
+<file path=ppt/slides/slide17.xml><?xml version="1.0" encoding="utf-8"?>
 <p:sld xmlns:a="http://schemas.openxmlformats.org/drawingml/2006/main" xmlns:r="http://schemas.openxmlformats.org/officeDocument/2006/relationships" xmlns:mc="http://schemas.openxmlformats.org/markup-compatibility/2006" xmlns:mv="urn:schemas-microsoft-com:mac:vml" xmlns:p="http://schemas.openxmlformats.org/presentationml/2006/main" mc:Ignorable="mv" mc:PreserveAttributes="mv:*">
   <p:cSld>
     <p:spTree>
@@ -7770,7 +7902,7 @@
           <a:p>
             <a:r>
               <a:rPr lang="en-US" sz="2400" dirty="0" smtClean="0"/>
-              <a:t>Towards NGS Analytics as a Service: </a:t>
+              <a:t>NGS Analytics as a Service: </a:t>
             </a:r>
             <a:br>
               <a:rPr lang="en-US" sz="2400" dirty="0" smtClean="0"/>
@@ -7983,7 +8115,7 @@
     </p:spTree>
     <p:extLst>
       <p:ext uri="{BB962C8B-B14F-4D97-AF65-F5344CB8AC3E}">
-        <p14:creationId xmlns:mc="http://schemas.openxmlformats.org/markup-compatibility/2006" xmlns:mv="urn:schemas-microsoft-com:mac:vml" xmlns:p14="http://schemas.microsoft.com/office/powerpoint/2010/main" xmlns:p="http://schemas.openxmlformats.org/presentationml/2006/main" xmlns:r="http://schemas.openxmlformats.org/officeDocument/2006/relationships" xmlns:a="http://schemas.openxmlformats.org/drawingml/2006/main" xmlns="" val="1575295952"/>
+        <p14:creationId xmlns="" xmlns:a="http://schemas.openxmlformats.org/drawingml/2006/main" xmlns:r="http://schemas.openxmlformats.org/officeDocument/2006/relationships" xmlns:p="http://schemas.openxmlformats.org/presentationml/2006/main" xmlns:p14="http://schemas.microsoft.com/office/powerpoint/2010/main" xmlns:mv="urn:schemas-microsoft-com:mac:vml" xmlns:mc="http://schemas.openxmlformats.org/markup-compatibility/2006" val="1575295952"/>
       </p:ext>
     </p:extLst>
   </p:cSld>
@@ -8000,7 +8132,7 @@
 </p:sld>
 </file>
 
-<file path=ppt/slides/slide17.xml><?xml version="1.0" encoding="utf-8"?>
+<file path=ppt/slides/slide18.xml><?xml version="1.0" encoding="utf-8"?>
 <p:sld xmlns:a="http://schemas.openxmlformats.org/drawingml/2006/main" xmlns:r="http://schemas.openxmlformats.org/officeDocument/2006/relationships" xmlns:mc="http://schemas.openxmlformats.org/markup-compatibility/2006" xmlns:mv="urn:schemas-microsoft-com:mac:vml" xmlns:p="http://schemas.openxmlformats.org/presentationml/2006/main" mc:Ignorable="mv" mc:PreserveAttributes="mv:*" show="0">
   <p:cSld>
     <p:spTree>
@@ -8041,7 +8173,7 @@
           <a:p>
             <a:r>
               <a:rPr lang="en-US" sz="2400" dirty="0" smtClean="0"/>
-              <a:t>Clouds Present: Novel or more of the same?</a:t>
+              <a:t>What are the Challenges for LS Applications on Clouds? </a:t>
             </a:r>
             <a:endParaRPr lang="en-US" sz="2400" i="1" dirty="0"/>
           </a:p>
@@ -8098,40 +8230,48 @@
             <a:pPr lvl="1"/>
             <a:r>
               <a:rPr lang="en-US" sz="1700" dirty="0" smtClean="0"/>
-              <a:t>Clouds are about provisioning, grids are about federation</a:t>
-            </a:r>
-          </a:p>
-          <a:p>
-            <a:pPr lvl="1"/>
+              <a:t>Coordination, decomposition, granularity, distribution:</a:t>
+            </a:r>
+          </a:p>
+          <a:p>
+            <a:pPr lvl="2"/>
             <a:r>
               <a:rPr lang="en-US" sz="1700" dirty="0" smtClean="0"/>
-              <a:t>Fundamental challenges in logical and physical distribution remain</a:t>
+              <a:t>Where, when, how to distribute? How to manage coordination?</a:t>
             </a:r>
           </a:p>
           <a:p>
             <a:pPr lvl="2"/>
             <a:r>
               <a:rPr lang="en-US" sz="1700" dirty="0" smtClean="0"/>
-              <a:t>Makes some thing worse as impose a model of strong localization</a:t>
-            </a:r>
-          </a:p>
-          <a:p>
+              <a:t>What is the task decomposition granularity? Mapping to resources?</a:t>
+            </a:r>
+          </a:p>
+          <a:p>
+            <a:pPr lvl="2"/>
             <a:r>
               <a:rPr lang="en-US" sz="1700" dirty="0" smtClean="0"/>
-              <a:t>If Clouds part of a larger, richer distributed CI</a:t>
-            </a:r>
-          </a:p>
-          <a:p>
-            <a:pPr lvl="1"/>
-            <a:r>
-              <a:rPr lang="en-US" sz="1700" dirty="0" smtClean="0"/>
-              <a:t>Certain tasks better suited for Grids, others on Clouds</a:t>
+              <a:t>What are the data transfer/access/storage mechanisms</a:t>
             </a:r>
           </a:p>
           <a:p>
             <a:r>
               <a:rPr lang="en-US" sz="1700" dirty="0" smtClean="0"/>
               <a:t>Clouds represent a natural and positive evolution but will need a careful interplay of application and system-level abstractions</a:t>
+            </a:r>
+          </a:p>
+          <a:p>
+            <a:pPr lvl="1"/>
+            <a:r>
+              <a:rPr lang="en-US" sz="1700" dirty="0" smtClean="0"/>
+              <a:t>If clouds part of a larger, richer distributed CI</a:t>
+            </a:r>
+          </a:p>
+          <a:p>
+            <a:pPr lvl="2"/>
+            <a:r>
+              <a:rPr lang="en-US" sz="1700" dirty="0" smtClean="0"/>
+              <a:t>Are certain tasks better suited for Grids, others on Cloud? When?</a:t>
             </a:r>
           </a:p>
         </p:txBody>
@@ -8142,228 +8282,6 @@
     <a:masterClrMapping/>
   </p:clrMapOvr>
   <p:transition/>
-  <p:timing>
-    <p:tnLst>
-      <p:par>
-        <p:cTn id="1" dur="indefinite" restart="never" nodeType="tmRoot"/>
-      </p:par>
-    </p:tnLst>
-  </p:timing>
-</p:sld>
-</file>
-
-<file path=ppt/slides/slide18.xml><?xml version="1.0" encoding="utf-8"?>
-<p:sld xmlns:a="http://schemas.openxmlformats.org/drawingml/2006/main" xmlns:r="http://schemas.openxmlformats.org/officeDocument/2006/relationships" xmlns:mc="http://schemas.openxmlformats.org/markup-compatibility/2006" xmlns:mv="urn:schemas-microsoft-com:mac:vml" xmlns:p="http://schemas.openxmlformats.org/presentationml/2006/main" mc:Ignorable="mv" mc:PreserveAttributes="mv:*">
-  <p:cSld>
-    <p:spTree>
-      <p:nvGrpSpPr>
-        <p:cNvPr id="1" name=""/>
-        <p:cNvGrpSpPr/>
-        <p:nvPr/>
-      </p:nvGrpSpPr>
-      <p:grpSpPr>
-        <a:xfrm>
-          <a:off x="0" y="0"/>
-          <a:ext cx="0" cy="0"/>
-          <a:chOff x="0" y="0"/>
-          <a:chExt cx="0" cy="0"/>
-        </a:xfrm>
-      </p:grpSpPr>
-      <p:sp>
-        <p:nvSpPr>
-          <p:cNvPr id="2" name="Title 1"/>
-          <p:cNvSpPr>
-            <a:spLocks noGrp="1"/>
-          </p:cNvSpPr>
-          <p:nvPr>
-            <p:ph type="title"/>
-          </p:nvPr>
-        </p:nvSpPr>
-        <p:spPr/>
-        <p:txBody>
-          <a:bodyPr>
-            <a:normAutofit/>
-          </a:bodyPr>
-          <a:lstStyle/>
-          <a:p>
-            <a:r>
-              <a:rPr lang="en-US" sz="2400" dirty="0" smtClean="0"/>
-              <a:t>What are the Challenges for LS Applications on Clouds?</a:t>
-            </a:r>
-            <a:endParaRPr lang="en-US" sz="2400" dirty="0"/>
-          </a:p>
-        </p:txBody>
-      </p:sp>
-      <p:sp>
-        <p:nvSpPr>
-          <p:cNvPr id="3" name="Content Placeholder 2"/>
-          <p:cNvSpPr>
-            <a:spLocks noGrp="1"/>
-          </p:cNvSpPr>
-          <p:nvPr>
-            <p:ph idx="1"/>
-          </p:nvPr>
-        </p:nvSpPr>
-        <p:spPr/>
-        <p:txBody>
-          <a:bodyPr>
-            <a:noAutofit/>
-          </a:bodyPr>
-          <a:lstStyle/>
-          <a:p>
-            <a:r>
-              <a:rPr lang="en-US" sz="1700" dirty="0" smtClean="0"/>
-              <a:t>Data-Intensive Distributed Applications Revisited</a:t>
-            </a:r>
-          </a:p>
-          <a:p>
-            <a:pPr lvl="1"/>
-            <a:r>
-              <a:rPr lang="en-US" sz="1700" dirty="0" smtClean="0"/>
-              <a:t>Where, when, how to distribute? How to manage coordination?</a:t>
-            </a:r>
-          </a:p>
-          <a:p>
-            <a:pPr lvl="1"/>
-            <a:r>
-              <a:rPr lang="en-US" sz="1700" dirty="0" smtClean="0"/>
-              <a:t>What is the task decomposition granularity? Mapping to resources?</a:t>
-            </a:r>
-          </a:p>
-          <a:p>
-            <a:pPr lvl="1"/>
-            <a:r>
-              <a:rPr lang="en-US" sz="1700" dirty="0" smtClean="0"/>
-              <a:t>What are the data transfer/access/storage mechanisms</a:t>
-            </a:r>
-          </a:p>
-          <a:p>
-            <a:r>
-              <a:rPr lang="en-US" sz="1700" dirty="0" smtClean="0"/>
-              <a:t>Life-Science Applications have</a:t>
-            </a:r>
-          </a:p>
-          <a:p>
-            <a:pPr lvl="1"/>
-            <a:r>
-              <a:rPr lang="en-US" sz="1700" dirty="0" smtClean="0"/>
-              <a:t>Multi-parametric trade-offs exist: </a:t>
-            </a:r>
-            <a:r>
-              <a:rPr lang="en-US" sz="1700" dirty="0" err="1" smtClean="0"/>
-              <a:t>Mem</a:t>
-            </a:r>
-            <a:r>
-              <a:rPr lang="en-US" sz="1700" dirty="0" smtClean="0"/>
-              <a:t> </a:t>
-            </a:r>
-            <a:r>
-              <a:rPr lang="en-US" sz="1700" dirty="0" err="1" smtClean="0"/>
-              <a:t>vs</a:t>
-            </a:r>
-            <a:r>
-              <a:rPr lang="en-US" sz="1700" dirty="0" smtClean="0"/>
-              <a:t> I/O </a:t>
-            </a:r>
-            <a:r>
-              <a:rPr lang="en-US" sz="1700" dirty="0" err="1" smtClean="0"/>
-              <a:t>vs</a:t>
-            </a:r>
-            <a:r>
-              <a:rPr lang="en-US" sz="1700" dirty="0" smtClean="0"/>
-              <a:t> CPU </a:t>
-            </a:r>
-            <a:r>
-              <a:rPr lang="en-US" sz="1700" dirty="0" err="1" smtClean="0"/>
-              <a:t>vs</a:t>
-            </a:r>
-            <a:r>
-              <a:rPr lang="en-US" sz="1700" dirty="0" smtClean="0"/>
-              <a:t>  </a:t>
-            </a:r>
-            <a:r>
-              <a:rPr lang="en-US" sz="1700" dirty="0" err="1" smtClean="0"/>
-              <a:t>DoD</a:t>
-            </a:r>
-            <a:endParaRPr lang="en-US" sz="1700" dirty="0" smtClean="0"/>
-          </a:p>
-          <a:p>
-            <a:pPr lvl="1"/>
-            <a:r>
-              <a:rPr lang="en-US" sz="1700" dirty="0" smtClean="0"/>
-              <a:t>NGS: Sequence length variation</a:t>
-            </a:r>
-          </a:p>
-          <a:p>
-            <a:r>
-              <a:rPr lang="en-US" sz="1700" dirty="0" smtClean="0"/>
-              <a:t>Need to support  distributed, dynamic loads</a:t>
-            </a:r>
-          </a:p>
-          <a:p>
-            <a:pPr lvl="1"/>
-            <a:r>
-              <a:rPr lang="en-US" sz="1700" dirty="0" smtClean="0"/>
-              <a:t>DA challenges need to be addressed dynamically!</a:t>
-            </a:r>
-          </a:p>
-          <a:p>
-            <a:pPr lvl="2"/>
-            <a:r>
-              <a:rPr lang="en-US" sz="1700" dirty="0" smtClean="0"/>
-              <a:t>Resource Elasticity/Cloudburst + Heterogeneous task-resource binding and need to for application configuration trade-</a:t>
-            </a:r>
-            <a:r>
-              <a:rPr lang="en-US" sz="1700" dirty="0" smtClean="0"/>
-              <a:t>offs</a:t>
-            </a:r>
-          </a:p>
-          <a:p>
-            <a:pPr lvl="2"/>
-            <a:r>
-              <a:rPr lang="en-US" sz="1700" dirty="0" smtClean="0"/>
-              <a:t>When to move data to compute, compute to data?</a:t>
-            </a:r>
-            <a:endParaRPr lang="en-US" sz="1700" dirty="0" smtClean="0"/>
-          </a:p>
-          <a:p>
-            <a:pPr lvl="1"/>
-            <a:endParaRPr lang="en-US" sz="1700" dirty="0" smtClean="0"/>
-          </a:p>
-          <a:p>
-            <a:endParaRPr lang="en-US" sz="1700" dirty="0" smtClean="0"/>
-          </a:p>
-          <a:p>
-            <a:pPr lvl="1"/>
-            <a:endParaRPr lang="en-US" sz="1700" dirty="0" smtClean="0"/>
-          </a:p>
-          <a:p>
-            <a:pPr lvl="1"/>
-            <a:endParaRPr lang="en-US" sz="1700" dirty="0" smtClean="0"/>
-          </a:p>
-          <a:p>
-            <a:pPr lvl="1"/>
-            <a:endParaRPr lang="en-US" sz="1700" dirty="0" smtClean="0"/>
-          </a:p>
-          <a:p>
-            <a:pPr>
-              <a:buNone/>
-            </a:pPr>
-            <a:endParaRPr lang="en-US" sz="1700" dirty="0" smtClean="0"/>
-          </a:p>
-          <a:p>
-            <a:endParaRPr lang="en-US" sz="1700" dirty="0" smtClean="0"/>
-          </a:p>
-          <a:p>
-            <a:endParaRPr lang="en-US" sz="1700" dirty="0" smtClean="0"/>
-          </a:p>
-        </p:txBody>
-      </p:sp>
-    </p:spTree>
-  </p:cSld>
-  <p:clrMapOvr>
-    <a:masterClrMapping/>
-  </p:clrMapOvr>
   <p:timing>
     <p:tnLst>
       <p:par>
@@ -8393,7 +8311,7 @@
       </p:grpSpPr>
       <p:sp>
         <p:nvSpPr>
-          <p:cNvPr id="7" name="Title 6"/>
+          <p:cNvPr id="2" name="Title 1"/>
           <p:cNvSpPr>
             <a:spLocks noGrp="1"/>
           </p:cNvSpPr>
@@ -8418,7 +8336,7 @@
       </p:sp>
       <p:sp>
         <p:nvSpPr>
-          <p:cNvPr id="8" name="Content Placeholder 7"/>
+          <p:cNvPr id="3" name="Content Placeholder 2"/>
           <p:cNvSpPr>
             <a:spLocks noGrp="1"/>
           </p:cNvSpPr>
@@ -8426,105 +8344,115 @@
             <p:ph idx="1"/>
           </p:nvPr>
         </p:nvSpPr>
-        <p:spPr>
-          <a:xfrm>
-            <a:off x="757946" y="1529880"/>
-            <a:ext cx="8386053" cy="4608884"/>
-          </a:xfrm>
-        </p:spPr>
+        <p:spPr/>
         <p:txBody>
           <a:bodyPr>
-            <a:normAutofit/>
+            <a:noAutofit/>
           </a:bodyPr>
           <a:lstStyle/>
           <a:p>
             <a:r>
               <a:rPr lang="en-US" sz="1700" dirty="0" smtClean="0"/>
-              <a:t>What is the Cloud infrastructure configuration?</a:t>
+              <a:t>Life-Science Applications have</a:t>
             </a:r>
           </a:p>
           <a:p>
             <a:pPr lvl="1"/>
             <a:r>
               <a:rPr lang="en-US" sz="1700" dirty="0" smtClean="0"/>
-              <a:t>No well-defined single infrastructure configuration or capabilities</a:t>
+              <a:t>Multi-parametric trade-offs exist: </a:t>
+            </a:r>
+            <a:r>
+              <a:rPr lang="en-US" sz="1700" dirty="0" err="1" smtClean="0"/>
+              <a:t>Mem</a:t>
+            </a:r>
+            <a:r>
+              <a:rPr lang="en-US" sz="1700" dirty="0" smtClean="0"/>
+              <a:t> </a:t>
+            </a:r>
+            <a:r>
+              <a:rPr lang="en-US" sz="1700" dirty="0" err="1" smtClean="0"/>
+              <a:t>vs</a:t>
+            </a:r>
+            <a:r>
+              <a:rPr lang="en-US" sz="1700" dirty="0" smtClean="0"/>
+              <a:t> I/O </a:t>
+            </a:r>
+            <a:r>
+              <a:rPr lang="en-US" sz="1700" dirty="0" err="1" smtClean="0"/>
+              <a:t>vs</a:t>
+            </a:r>
+            <a:r>
+              <a:rPr lang="en-US" sz="1700" dirty="0" smtClean="0"/>
+              <a:t> CPU </a:t>
+            </a:r>
+            <a:r>
+              <a:rPr lang="en-US" sz="1700" dirty="0" err="1" smtClean="0"/>
+              <a:t>vs</a:t>
+            </a:r>
+            <a:r>
+              <a:rPr lang="en-US" sz="1700" dirty="0" smtClean="0"/>
+              <a:t>  </a:t>
+            </a:r>
+            <a:r>
+              <a:rPr lang="en-US" sz="1700" dirty="0" err="1" smtClean="0"/>
+              <a:t>DoD</a:t>
+            </a:r>
+            <a:endParaRPr lang="en-US" sz="1700" dirty="0" smtClean="0"/>
+          </a:p>
+          <a:p>
+            <a:pPr lvl="1"/>
+            <a:r>
+              <a:rPr lang="en-US" sz="1700" dirty="0" smtClean="0"/>
+              <a:t>NGS: Sequence length variation</a:t>
+            </a:r>
+          </a:p>
+          <a:p>
+            <a:r>
+              <a:rPr lang="en-US" sz="1700" dirty="0" smtClean="0"/>
+              <a:t>Clouds as the natural CI for DI computing?</a:t>
+            </a:r>
+          </a:p>
+          <a:p>
+            <a:pPr lvl="1"/>
+            <a:r>
+              <a:rPr lang="en-US" sz="1700" dirty="0" smtClean="0"/>
+              <a:t>Need to support  distributed, dynamic loads</a:t>
+            </a:r>
+          </a:p>
+          <a:p>
+            <a:pPr lvl="1"/>
+            <a:r>
+              <a:rPr lang="en-US" sz="1700" dirty="0" smtClean="0"/>
+              <a:t>Is the Cloud data localization model scalable and/or sustainable?</a:t>
             </a:r>
           </a:p>
           <a:p>
             <a:pPr lvl="2"/>
             <a:r>
               <a:rPr lang="en-US" sz="1700" dirty="0" smtClean="0"/>
-              <a:t>Contrast: Astronomy, HEP - Application characteristic better defined</a:t>
+              <a:t>Must address: How and when to move compute to data (or vice-versa) in scalable fashion?</a:t>
             </a:r>
           </a:p>
           <a:p>
             <a:pPr lvl="1"/>
             <a:r>
               <a:rPr lang="en-US" sz="1700" dirty="0" smtClean="0"/>
-              <a:t>“Why is the </a:t>
-            </a:r>
-            <a:r>
-              <a:rPr lang="en-US" sz="1700" dirty="0" err="1" smtClean="0"/>
-              <a:t>TeraGrid</a:t>
-            </a:r>
+              <a:t>DA challenges need to be addressed dynamically!</a:t>
+            </a:r>
+          </a:p>
+          <a:p>
+            <a:pPr lvl="2"/>
             <a:r>
               <a:rPr lang="en-US" sz="1700" dirty="0" smtClean="0"/>
-              <a:t> is not used for data-intensive applications” </a:t>
-            </a:r>
-          </a:p>
-          <a:p>
-            <a:pPr lvl="2"/>
-            <a:r>
-              <a:rPr lang="en-US" sz="1700" dirty="0" smtClean="0"/>
-              <a:t>Is it just about storage? Or is it about data transfer?</a:t>
-            </a:r>
-          </a:p>
-          <a:p>
-            <a:r>
-              <a:rPr lang="en-US" sz="1700" dirty="0" smtClean="0"/>
-              <a:t>“Building this infrastructure is not trivial” (Fox) </a:t>
-            </a:r>
-          </a:p>
-          <a:p>
-            <a:pPr lvl="1"/>
-            <a:r>
-              <a:rPr lang="en-US" sz="1700" dirty="0" smtClean="0"/>
-              <a:t>Need Abstractions to Support Dynamic Applications</a:t>
-            </a:r>
-          </a:p>
-          <a:p>
-            <a:pPr lvl="2"/>
-            <a:r>
-              <a:rPr lang="en-US" sz="1700" dirty="0" smtClean="0"/>
-              <a:t>Both Development and  System/Infrastructure level abstractions</a:t>
-            </a:r>
-          </a:p>
-          <a:p>
-            <a:pPr lvl="1"/>
-            <a:r>
-              <a:rPr lang="en-US" sz="1700" dirty="0" smtClean="0"/>
-              <a:t>There are “hard” parts and tractable parts </a:t>
-            </a:r>
-          </a:p>
-          <a:p>
-            <a:pPr lvl="2"/>
-            <a:r>
-              <a:rPr lang="en-US" sz="1700" dirty="0" smtClean="0"/>
-              <a:t>SAGA handles the hard part, opening up innovation elsewhere</a:t>
-            </a:r>
-          </a:p>
-          <a:p>
-            <a:r>
-              <a:rPr lang="en-US" sz="1700" dirty="0" smtClean="0"/>
-              <a:t>Moving compute to data: Is the data localization model imposed by Clouds scalable and/or sustainable" ?</a:t>
-            </a:r>
-          </a:p>
-          <a:p>
-            <a:pPr lvl="2"/>
+              <a:t>Resource Elasticity/Cloudburst + Heterogeneous task-resource binding and need to for application configuration trade-offs</a:t>
+            </a:r>
+          </a:p>
+          <a:p>
+            <a:pPr>
+              <a:buNone/>
+            </a:pPr>
             <a:endParaRPr lang="en-US" sz="1700" dirty="0" smtClean="0"/>
-          </a:p>
-          <a:p>
-            <a:endParaRPr lang="en-US" sz="1700" dirty="0"/>
           </a:p>
         </p:txBody>
       </p:sp>
@@ -8593,7 +8521,12 @@
             <p:ph idx="1"/>
           </p:nvPr>
         </p:nvSpPr>
-        <p:spPr/>
+        <p:spPr>
+          <a:xfrm>
+            <a:off x="923047" y="1529880"/>
+            <a:ext cx="7966954" cy="4608884"/>
+          </a:xfrm>
+        </p:spPr>
         <p:txBody>
           <a:bodyPr>
             <a:noAutofit/>
@@ -8602,26 +8535,21 @@
           <a:p>
             <a:r>
               <a:rPr lang="en-US" sz="1700" dirty="0" smtClean="0"/>
-              <a:t>NGS Analytics</a:t>
+              <a:t>Motivation</a:t>
             </a:r>
           </a:p>
           <a:p>
             <a:pPr lvl="1"/>
             <a:r>
               <a:rPr lang="en-US" sz="1700" dirty="0" smtClean="0"/>
-              <a:t>BFAST </a:t>
-            </a:r>
+              <a:t>Implement NGS alignment analytics for “real” problems</a:t>
+            </a:r>
+          </a:p>
+          <a:p>
+            <a:pPr lvl="1"/>
             <a:r>
               <a:rPr lang="en-US" sz="1700" dirty="0" smtClean="0"/>
-              <a:t>as an </a:t>
-            </a:r>
-            <a:r>
-              <a:rPr lang="en-US" sz="1700" dirty="0" smtClean="0"/>
-              <a:t>example of NGS</a:t>
-            </a:r>
-            <a:r>
-              <a:rPr lang="en-US" sz="1700" dirty="0" smtClean="0"/>
-              <a:t> alignment Analytics</a:t>
+              <a:t>Empirical understanding of using prod DCI for DI applications</a:t>
             </a:r>
           </a:p>
           <a:p>
@@ -8634,7 +8562,19 @@
             <a:pPr lvl="1"/>
             <a:r>
               <a:rPr lang="en-US" sz="1700" dirty="0" smtClean="0"/>
-              <a:t>Tradeoffs: Com</a:t>
+              <a:t>Tradeoffs: Com. </a:t>
+            </a:r>
+            <a:r>
+              <a:rPr lang="en-US" sz="1700" dirty="0" err="1" smtClean="0"/>
+              <a:t>vs</a:t>
+            </a:r>
+            <a:r>
+              <a:rPr lang="en-US" sz="1700" dirty="0" smtClean="0"/>
+              <a:t> </a:t>
+            </a:r>
+            <a:r>
+              <a:rPr lang="en-US" sz="1700" dirty="0" err="1" smtClean="0"/>
+              <a:t>Mem</a:t>
             </a:r>
             <a:r>
               <a:rPr lang="en-US" sz="1700" dirty="0" smtClean="0"/>
@@ -8646,15 +8586,7 @@
             </a:r>
             <a:r>
               <a:rPr lang="en-US" sz="1700" dirty="0" smtClean="0"/>
-              <a:t> </a:t>
-            </a:r>
-            <a:r>
-              <a:rPr lang="en-US" sz="1700" dirty="0" err="1" smtClean="0"/>
-              <a:t>Mem</a:t>
-            </a:r>
-            <a:r>
-              <a:rPr lang="en-US" sz="1700" dirty="0" smtClean="0"/>
-              <a:t>. </a:t>
+              <a:t> I/O </a:t>
             </a:r>
             <a:r>
               <a:rPr lang="en-US" sz="1700" dirty="0" err="1" smtClean="0"/>
@@ -8662,14 +8594,6 @@
             </a:r>
             <a:r>
               <a:rPr lang="en-US" sz="1700" dirty="0" smtClean="0"/>
-              <a:t> I/O </a:t>
-            </a:r>
-            <a:r>
-              <a:rPr lang="en-US" sz="1700" dirty="0" err="1" smtClean="0"/>
-              <a:t>vs</a:t>
-            </a:r>
-            <a:r>
-              <a:rPr lang="en-US" sz="1700" dirty="0" smtClean="0"/>
               <a:t> </a:t>
             </a:r>
             <a:r>
@@ -8682,25 +8606,13 @@
             <a:pPr lvl="1"/>
             <a:r>
               <a:rPr lang="en-US" sz="1700" dirty="0" smtClean="0"/>
-              <a:t>Sensitive to specific data-set </a:t>
-            </a:r>
+              <a:t>Configuration sensitive to specific data-set size</a:t>
+            </a:r>
+          </a:p>
+          <a:p>
             <a:r>
               <a:rPr lang="en-US" sz="1700" dirty="0" smtClean="0"/>
-              <a:t>size</a:t>
-            </a:r>
-          </a:p>
-          <a:p>
-            <a:r>
-              <a:rPr lang="en-US" sz="1700" dirty="0" smtClean="0"/>
-              <a:t>DARE</a:t>
-            </a:r>
-            <a:r>
-              <a:rPr lang="en-US" sz="1700" dirty="0" smtClean="0"/>
-              <a:t>-based </a:t>
-            </a:r>
-            <a:r>
-              <a:rPr lang="en-US" sz="1700" dirty="0" smtClean="0"/>
-              <a:t>Gateway</a:t>
+              <a:t>DARE-based Gateway for NGS Analytics</a:t>
             </a:r>
           </a:p>
           <a:p>
@@ -8719,44 +8631,27 @@
             </a:r>
           </a:p>
           <a:p>
+            <a:r>
+              <a:rPr lang="en-US" sz="1700" dirty="0" smtClean="0"/>
+              <a:t>Towards Production DCI for NGS Analytics</a:t>
+            </a:r>
+          </a:p>
+          <a:p>
             <a:pPr lvl="1"/>
             <a:r>
               <a:rPr lang="en-US" sz="1700" dirty="0" smtClean="0"/>
-              <a:t>Towards Lessons and Experience from DARE-based Gateway</a:t>
-            </a:r>
+              <a:t>DARE-based Gateway: Lessons and Experience</a:t>
+            </a:r>
+          </a:p>
+          <a:p>
+            <a:pPr lvl="1"/>
             <a:r>
               <a:rPr lang="en-US" sz="1700" dirty="0" smtClean="0"/>
-              <a:t> </a:t>
-            </a:r>
-          </a:p>
-          <a:p>
-            <a:r>
-              <a:rPr lang="en-US" sz="1700" dirty="0" smtClean="0"/>
-              <a:t>Understand the present challenges for LS Applications on Cloud</a:t>
+              <a:t>Understand the present CI challenges for LS Applications on Cloud</a:t>
             </a:r>
           </a:p>
           <a:p>
             <a:pPr lvl="1"/>
-            <a:r>
-              <a:rPr lang="en-US" sz="1700" dirty="0" smtClean="0"/>
-              <a:t>Understanding </a:t>
-            </a:r>
-            <a:r>
-              <a:rPr lang="en-US" sz="1700" i="1" dirty="0" smtClean="0"/>
-              <a:t>common</a:t>
-            </a:r>
-            <a:r>
-              <a:rPr lang="en-US" sz="1700" dirty="0" smtClean="0"/>
-              <a:t> computational </a:t>
-            </a:r>
-            <a:r>
-              <a:rPr lang="en-US" sz="1700" dirty="0" smtClean="0"/>
-              <a:t>characteristics</a:t>
-            </a:r>
-            <a:endParaRPr lang="en-US" sz="1700" dirty="0" smtClean="0"/>
-          </a:p>
-          <a:p>
-            <a:pPr lvl="2"/>
             <a:endParaRPr lang="en-US" sz="1700" dirty="0" smtClean="0"/>
           </a:p>
           <a:p>
@@ -8846,16 +8741,51 @@
             </a:r>
           </a:p>
           <a:p>
+            <a:pPr lvl="1"/>
             <a:r>
               <a:rPr lang="en-US" dirty="0" smtClean="0"/>
-              <a:t>Ready/Need for community provided solution on XD</a:t>
+              <a:t>Have characterized BFAST as an example of alignment that can be used in  production DCI  </a:t>
             </a:r>
           </a:p>
           <a:p>
             <a:pPr lvl="1"/>
             <a:r>
               <a:rPr lang="en-US" dirty="0" smtClean="0"/>
-              <a:t>Extensions to abstractions for dynamic data</a:t>
+              <a:t>What are the CI challenges of NGS Analytics?</a:t>
+            </a:r>
+          </a:p>
+          <a:p>
+            <a:pPr lvl="2"/>
+            <a:r>
+              <a:rPr lang="en-US" dirty="0" smtClean="0"/>
+              <a:t>Exploring HTC, HPC-grids and Clouds</a:t>
+            </a:r>
+          </a:p>
+          <a:p>
+            <a:r>
+              <a:rPr lang="en-US" dirty="0" smtClean="0"/>
+              <a:t>DARE-based Gateway</a:t>
+            </a:r>
+          </a:p>
+          <a:p>
+            <a:pPr lvl="1"/>
+            <a:r>
+              <a:rPr lang="en-US" dirty="0" smtClean="0"/>
+              <a:t>Extensions to abstractions for dynamic execution and data</a:t>
+            </a:r>
+          </a:p>
+          <a:p>
+            <a:pPr lvl="1"/>
+            <a:r>
+              <a:rPr lang="en-US" dirty="0" smtClean="0"/>
+              <a:t>Need for community provided solution on XD and other production DCI</a:t>
+            </a:r>
+          </a:p>
+          <a:p>
+            <a:pPr lvl="1"/>
+            <a:r>
+              <a:rPr lang="en-US" dirty="0" smtClean="0"/>
+              <a:t>Challenges remain in the scalable provisioning</a:t>
             </a:r>
           </a:p>
           <a:p>
@@ -9077,1406 +9007,6 @@
         </p:txBody>
       </p:sp>
     </p:spTree>
-  </p:cSld>
-  <p:clrMapOvr>
-    <a:masterClrMapping/>
-  </p:clrMapOvr>
-  <p:timing>
-    <p:tnLst>
-      <p:par>
-        <p:cTn id="1" dur="indefinite" restart="never" nodeType="tmRoot"/>
-      </p:par>
-    </p:tnLst>
-  </p:timing>
-</p:sld>
-</file>
-
-<file path=ppt/slides/slide22.xml><?xml version="1.0" encoding="utf-8"?>
-<p:sld xmlns:a="http://schemas.openxmlformats.org/drawingml/2006/main" xmlns:r="http://schemas.openxmlformats.org/officeDocument/2006/relationships" xmlns:mc="http://schemas.openxmlformats.org/markup-compatibility/2006" xmlns:mv="urn:schemas-microsoft-com:mac:vml" xmlns:p="http://schemas.openxmlformats.org/presentationml/2006/main" mc:Ignorable="mv" mc:PreserveAttributes="mv:*">
-  <p:cSld>
-    <p:spTree>
-      <p:nvGrpSpPr>
-        <p:cNvPr id="1" name=""/>
-        <p:cNvGrpSpPr/>
-        <p:nvPr/>
-      </p:nvGrpSpPr>
-      <p:grpSpPr>
-        <a:xfrm>
-          <a:off x="0" y="0"/>
-          <a:ext cx="0" cy="0"/>
-          <a:chOff x="0" y="0"/>
-          <a:chExt cx="0" cy="0"/>
-        </a:xfrm>
-      </p:grpSpPr>
-      <p:sp>
-        <p:nvSpPr>
-          <p:cNvPr id="2" name="Title 1"/>
-          <p:cNvSpPr>
-            <a:spLocks noGrp="1"/>
-          </p:cNvSpPr>
-          <p:nvPr>
-            <p:ph type="title"/>
-          </p:nvPr>
-        </p:nvSpPr>
-        <p:spPr/>
-        <p:txBody>
-          <a:bodyPr>
-            <a:normAutofit/>
-          </a:bodyPr>
-          <a:lstStyle/>
-          <a:p>
-            <a:r>
-              <a:rPr lang="en-US" sz="2400" dirty="0" smtClean="0">
-                <a:solidFill>
-                  <a:prstClr val="white"/>
-                </a:solidFill>
-              </a:rPr>
-              <a:t>BFAST: A prototype for NGS Analytics</a:t>
-            </a:r>
-            <a:endParaRPr lang="en-US" dirty="0"/>
-          </a:p>
-        </p:txBody>
-      </p:sp>
-      <p:sp>
-        <p:nvSpPr>
-          <p:cNvPr id="3" name="Content Placeholder 2"/>
-          <p:cNvSpPr>
-            <a:spLocks noGrp="1"/>
-          </p:cNvSpPr>
-          <p:nvPr>
-            <p:ph idx="1"/>
-          </p:nvPr>
-        </p:nvSpPr>
-        <p:spPr>
-          <a:xfrm>
-            <a:off x="300747" y="1346200"/>
-            <a:ext cx="4880853" cy="5328120"/>
-          </a:xfrm>
-        </p:spPr>
-        <p:txBody>
-          <a:bodyPr>
-            <a:normAutofit fontScale="77500" lnSpcReduction="20000"/>
-          </a:bodyPr>
-          <a:lstStyle/>
-          <a:p>
-            <a:r>
-              <a:rPr lang="en-US" sz="1800" dirty="0" smtClean="0"/>
-              <a:t>Classify </a:t>
-            </a:r>
-            <a:r>
-              <a:rPr lang="en-US" sz="1800" dirty="0" smtClean="0"/>
-              <a:t>most alignment software into categories based upon the property of the indexing</a:t>
-            </a:r>
-          </a:p>
-          <a:p>
-            <a:pPr lvl="1"/>
-            <a:r>
-              <a:rPr lang="en-US" sz="1600" dirty="0" smtClean="0"/>
-              <a:t>Hash-based and Tree-based</a:t>
-            </a:r>
-          </a:p>
-          <a:p>
-            <a:r>
-              <a:rPr lang="en-US" sz="1800" dirty="0" smtClean="0"/>
-              <a:t>BFAST Higher </a:t>
-            </a:r>
-            <a:r>
-              <a:rPr lang="en-US" sz="1800" dirty="0" smtClean="0"/>
-              <a:t>sensitivity (CAL finding and gapped Smith-Waterman alignment)</a:t>
-            </a:r>
-          </a:p>
-          <a:p>
-            <a:r>
-              <a:rPr lang="en-US" sz="1800" dirty="0" smtClean="0"/>
-              <a:t>Relatively large memory and disk space</a:t>
-            </a:r>
-          </a:p>
-          <a:p>
-            <a:r>
-              <a:rPr lang="en-US" sz="1800" dirty="0" smtClean="0"/>
-              <a:t>Data types: (</a:t>
-            </a:r>
-            <a:r>
-              <a:rPr lang="en-US" sz="1800" dirty="0" err="1" smtClean="0"/>
-              <a:t>i</a:t>
-            </a:r>
-            <a:r>
-              <a:rPr lang="en-US" sz="1800" dirty="0" smtClean="0"/>
-              <a:t>) Short- Read (ii) Reference (iii) Index data</a:t>
-            </a:r>
-          </a:p>
-          <a:p>
-            <a:r>
-              <a:rPr lang="en-US" sz="1800" dirty="0" smtClean="0"/>
-              <a:t>Supports Advanced features: (</a:t>
-            </a:r>
-            <a:r>
-              <a:rPr lang="en-US" sz="1800" dirty="0" err="1" smtClean="0"/>
-              <a:t>i</a:t>
-            </a:r>
-            <a:r>
-              <a:rPr lang="en-US" sz="1800" dirty="0" smtClean="0"/>
-              <a:t>) Multi-threading support (ii) Low-memory option (index file splitting)</a:t>
-            </a:r>
-          </a:p>
-          <a:p>
-            <a:r>
-              <a:rPr lang="en-US" sz="1800" dirty="0" smtClean="0"/>
-              <a:t>Breaking up short-read data permits task-level concurrency</a:t>
-            </a:r>
-          </a:p>
-          <a:p>
-            <a:pPr lvl="1"/>
-            <a:r>
-              <a:rPr lang="en-US" dirty="0" smtClean="0"/>
-              <a:t>Each Task requires full reference genome –  possible I/O bottleneck</a:t>
-            </a:r>
-          </a:p>
-          <a:p>
-            <a:pPr lvl="1"/>
-            <a:r>
-              <a:rPr lang="en-US" dirty="0" smtClean="0"/>
-              <a:t>Distribute to over I/O bottleneck?</a:t>
-            </a:r>
-          </a:p>
-          <a:p>
-            <a:r>
-              <a:rPr lang="en-US" sz="1800" dirty="0" smtClean="0"/>
-              <a:t>Tradeoffs: Comp. </a:t>
-            </a:r>
-            <a:r>
-              <a:rPr lang="en-US" sz="1800" dirty="0" err="1" smtClean="0"/>
-              <a:t>vs</a:t>
-            </a:r>
-            <a:r>
-              <a:rPr lang="en-US" sz="1800" dirty="0" smtClean="0"/>
-              <a:t> </a:t>
-            </a:r>
-            <a:r>
-              <a:rPr lang="en-US" sz="1800" dirty="0" err="1" smtClean="0"/>
-              <a:t>Mem</a:t>
-            </a:r>
-            <a:r>
-              <a:rPr lang="en-US" sz="1800" dirty="0" smtClean="0"/>
-              <a:t>. </a:t>
-            </a:r>
-            <a:r>
-              <a:rPr lang="en-US" sz="1800" dirty="0" err="1" smtClean="0"/>
-              <a:t>vs</a:t>
-            </a:r>
-            <a:r>
-              <a:rPr lang="en-US" sz="1800" dirty="0" smtClean="0"/>
-              <a:t> I/O </a:t>
-            </a:r>
-            <a:r>
-              <a:rPr lang="en-US" sz="1800" dirty="0" err="1" smtClean="0"/>
-              <a:t>vs</a:t>
-            </a:r>
-            <a:r>
-              <a:rPr lang="en-US" sz="1800" dirty="0" smtClean="0"/>
-              <a:t> </a:t>
-            </a:r>
-            <a:r>
-              <a:rPr lang="en-US" sz="1800" dirty="0" err="1" smtClean="0"/>
-              <a:t>DoD</a:t>
-            </a:r>
-            <a:endParaRPr lang="en-US" sz="1800" dirty="0" smtClean="0"/>
-          </a:p>
-          <a:p>
-            <a:pPr lvl="1"/>
-            <a:r>
-              <a:rPr lang="en-US" dirty="0" smtClean="0"/>
-              <a:t>Sensitive to specific data-set size</a:t>
-            </a:r>
-          </a:p>
-          <a:p>
-            <a:endParaRPr lang="en-US" dirty="0"/>
-          </a:p>
-        </p:txBody>
-      </p:sp>
-      <p:pic>
-        <p:nvPicPr>
-          <p:cNvPr id="12" name="Picture 11" descr="workflow.png"/>
-          <p:cNvPicPr>
-            <a:picLocks noChangeAspect="1"/>
-          </p:cNvPicPr>
-          <p:nvPr/>
-        </p:nvPicPr>
-        <p:blipFill>
-          <a:blip r:embed="rId2">
-            <a:extLst>
-              <a:ext uri="{28A0092B-C50C-407E-A947-70E740481C1C}">
-                <a14:useLocalDpi xmlns:mc="http://schemas.openxmlformats.org/markup-compatibility/2006" xmlns:mv="urn:schemas-microsoft-com:mac:vml" xmlns:a14="http://schemas.microsoft.com/office/drawing/2010/main" xmlns:p="http://schemas.openxmlformats.org/presentationml/2006/main" xmlns:r="http://schemas.openxmlformats.org/officeDocument/2006/relationships" xmlns:a="http://schemas.openxmlformats.org/drawingml/2006/main" xmlns=""/>
-              </a:ext>
-            </a:extLst>
-          </a:blip>
-          <a:stretch>
-            <a:fillRect/>
-          </a:stretch>
-        </p:blipFill>
-        <p:spPr>
-          <a:xfrm>
-            <a:off x="5548843" y="3695700"/>
-            <a:ext cx="3174471" cy="2761820"/>
-          </a:xfrm>
-          <a:prstGeom prst="rect">
-            <a:avLst/>
-          </a:prstGeom>
-          <a:ln/>
-        </p:spPr>
-        <p:style>
-          <a:lnRef idx="2">
-            <a:schemeClr val="accent2">
-              <a:shade val="50000"/>
-            </a:schemeClr>
-          </a:lnRef>
-          <a:fillRef idx="1">
-            <a:schemeClr val="accent2"/>
-          </a:fillRef>
-          <a:effectRef idx="0">
-            <a:schemeClr val="accent2"/>
-          </a:effectRef>
-          <a:fontRef idx="minor">
-            <a:schemeClr val="lt1"/>
-          </a:fontRef>
-        </p:style>
-      </p:pic>
-      <p:pic>
-        <p:nvPicPr>
-          <p:cNvPr id="13" name="Picture 12" descr="ngs-sw-comp.png"/>
-          <p:cNvPicPr>
-            <a:picLocks noChangeAspect="1"/>
-          </p:cNvPicPr>
-          <p:nvPr/>
-        </p:nvPicPr>
-        <p:blipFill>
-          <a:blip r:embed="rId3"/>
-          <a:stretch>
-            <a:fillRect/>
-          </a:stretch>
-        </p:blipFill>
-        <p:spPr>
-          <a:xfrm>
-            <a:off x="5189979" y="1346200"/>
-            <a:ext cx="3828768" cy="1905000"/>
-          </a:xfrm>
-          <a:prstGeom prst="rect">
-            <a:avLst/>
-          </a:prstGeom>
-        </p:spPr>
-      </p:pic>
-    </p:spTree>
-  </p:cSld>
-  <p:clrMapOvr>
-    <a:masterClrMapping/>
-  </p:clrMapOvr>
-  <p:timing>
-    <p:tnLst>
-      <p:par>
-        <p:cTn id="1" dur="indefinite" restart="never" nodeType="tmRoot">
-          <p:childTnLst>
-            <p:seq concurrent="1" nextAc="seek">
-              <p:cTn id="2" dur="indefinite" nodeType="mainSeq">
-                <p:childTnLst>
-                  <p:par>
-                    <p:cTn id="3" fill="hold">
-                      <p:stCondLst>
-                        <p:cond delay="indefinite"/>
-                        <p:cond evt="onBegin" delay="0">
-                          <p:tn val="2"/>
-                        </p:cond>
-                      </p:stCondLst>
-                      <p:childTnLst>
-                        <p:par>
-                          <p:cTn id="4" fill="hold">
-                            <p:stCondLst>
-                              <p:cond delay="0"/>
-                            </p:stCondLst>
-                            <p:childTnLst>
-                              <p:par>
-                                <p:cTn id="5" presetID="2" presetClass="entr" presetSubtype="4" fill="hold" nodeType="withEffect">
-                                  <p:stCondLst>
-                                    <p:cond delay="0"/>
-                                  </p:stCondLst>
-                                  <p:childTnLst>
-                                    <p:set>
-                                      <p:cBhvr>
-                                        <p:cTn id="6" dur="1" fill="hold">
-                                          <p:stCondLst>
-                                            <p:cond delay="0"/>
-                                          </p:stCondLst>
-                                        </p:cTn>
-                                        <p:tgtEl>
-                                          <p:spTgt spid="12"/>
-                                        </p:tgtEl>
-                                        <p:attrNameLst>
-                                          <p:attrName>style.visibility</p:attrName>
-                                        </p:attrNameLst>
-                                      </p:cBhvr>
-                                      <p:to>
-                                        <p:strVal val="visible"/>
-                                      </p:to>
-                                    </p:set>
-                                    <p:anim calcmode="lin" valueType="num">
-                                      <p:cBhvr additive="base">
-                                        <p:cTn id="7" dur="500" fill="hold"/>
-                                        <p:tgtEl>
-                                          <p:spTgt spid="12"/>
-                                        </p:tgtEl>
-                                        <p:attrNameLst>
-                                          <p:attrName>ppt_x</p:attrName>
-                                        </p:attrNameLst>
-                                      </p:cBhvr>
-                                      <p:tavLst>
-                                        <p:tav tm="0">
-                                          <p:val>
-                                            <p:strVal val="#ppt_x"/>
-                                          </p:val>
-                                        </p:tav>
-                                        <p:tav tm="100000">
-                                          <p:val>
-                                            <p:strVal val="#ppt_x"/>
-                                          </p:val>
-                                        </p:tav>
-                                      </p:tavLst>
-                                    </p:anim>
-                                    <p:anim calcmode="lin" valueType="num">
-                                      <p:cBhvr additive="base">
-                                        <p:cTn id="8" dur="500" fill="hold"/>
-                                        <p:tgtEl>
-                                          <p:spTgt spid="12"/>
-                                        </p:tgtEl>
-                                        <p:attrNameLst>
-                                          <p:attrName>ppt_y</p:attrName>
-                                        </p:attrNameLst>
-                                      </p:cBhvr>
-                                      <p:tavLst>
-                                        <p:tav tm="0">
-                                          <p:val>
-                                            <p:strVal val="1+#ppt_h/2"/>
-                                          </p:val>
-                                        </p:tav>
-                                        <p:tav tm="100000">
-                                          <p:val>
-                                            <p:strVal val="#ppt_y"/>
-                                          </p:val>
-                                        </p:tav>
-                                      </p:tavLst>
-                                    </p:anim>
-                                  </p:childTnLst>
-                                </p:cTn>
-                              </p:par>
-                            </p:childTnLst>
-                          </p:cTn>
-                        </p:par>
-                      </p:childTnLst>
-                    </p:cTn>
-                  </p:par>
-                </p:childTnLst>
-              </p:cTn>
-              <p:prevCondLst>
-                <p:cond evt="onPrev" delay="0">
-                  <p:tgtEl>
-                    <p:sldTgt/>
-                  </p:tgtEl>
-                </p:cond>
-              </p:prevCondLst>
-              <p:nextCondLst>
-                <p:cond evt="onNext" delay="0">
-                  <p:tgtEl>
-                    <p:sldTgt/>
-                  </p:tgtEl>
-                </p:cond>
-              </p:nextCondLst>
-            </p:seq>
-          </p:childTnLst>
-        </p:cTn>
-      </p:par>
-    </p:tnLst>
-  </p:timing>
-</p:sld>
-</file>
-
-<file path=ppt/slides/slide23.xml><?xml version="1.0" encoding="utf-8"?>
-<p:sld xmlns:a="http://schemas.openxmlformats.org/drawingml/2006/main" xmlns:r="http://schemas.openxmlformats.org/officeDocument/2006/relationships" xmlns:mc="http://schemas.openxmlformats.org/markup-compatibility/2006" xmlns:mv="urn:schemas-microsoft-com:mac:vml" xmlns:p="http://schemas.openxmlformats.org/presentationml/2006/main" mc:Ignorable="mv" mc:PreserveAttributes="mv:*">
-  <p:cSld>
-    <p:spTree>
-      <p:nvGrpSpPr>
-        <p:cNvPr id="1" name=""/>
-        <p:cNvGrpSpPr/>
-        <p:nvPr/>
-      </p:nvGrpSpPr>
-      <p:grpSpPr>
-        <a:xfrm>
-          <a:off x="0" y="0"/>
-          <a:ext cx="0" cy="0"/>
-          <a:chOff x="0" y="0"/>
-          <a:chExt cx="0" cy="0"/>
-        </a:xfrm>
-      </p:grpSpPr>
-      <p:graphicFrame>
-        <p:nvGraphicFramePr>
-          <p:cNvPr id="6" name="Table 5"/>
-          <p:cNvGraphicFramePr>
-            <a:graphicFrameLocks noGrp="1"/>
-          </p:cNvGraphicFramePr>
-          <p:nvPr>
-            <p:extLst>
-              <p:ext uri="{D42A27DB-BD31-4B8C-83A1-F6EECF244321}">
-                <p14:modId xmlns:mc="http://schemas.openxmlformats.org/markup-compatibility/2006" xmlns:mv="urn:schemas-microsoft-com:mac:vml" xmlns:p14="http://schemas.microsoft.com/office/powerpoint/2010/main" xmlns:p="http://schemas.openxmlformats.org/presentationml/2006/main" xmlns:r="http://schemas.openxmlformats.org/officeDocument/2006/relationships" xmlns:a="http://schemas.openxmlformats.org/drawingml/2006/main" xmlns="" val="2007431469"/>
-              </p:ext>
-            </p:extLst>
-          </p:nvPr>
-        </p:nvGraphicFramePr>
-        <p:xfrm>
-          <a:off x="60843" y="3183883"/>
-          <a:ext cx="9032357" cy="3032760"/>
-        </p:xfrm>
-        <a:graphic>
-          <a:graphicData uri="http://schemas.openxmlformats.org/drawingml/2006/table">
-            <a:tbl>
-              <a:tblPr firstRow="1" bandRow="1">
-                <a:tableStyleId>{F5AB1C69-6EDB-4FF4-983F-18BD219EF322}</a:tableStyleId>
-              </a:tblPr>
-              <a:tblGrid>
-                <a:gridCol w="1596951"/>
-                <a:gridCol w="1632992"/>
-                <a:gridCol w="1769075"/>
-                <a:gridCol w="1799315"/>
-                <a:gridCol w="2234024"/>
-              </a:tblGrid>
-              <a:tr h="388887">
-                <a:tc>
-                  <a:txBody>
-                    <a:bodyPr/>
-                    <a:lstStyle/>
-                    <a:p>
-                      <a:endParaRPr lang="en-US" sz="1600" dirty="0"/>
-                    </a:p>
-                  </a:txBody>
-                  <a:tcPr/>
-                </a:tc>
-                <a:tc>
-                  <a:txBody>
-                    <a:bodyPr/>
-                    <a:lstStyle/>
-                    <a:p>
-                      <a:endParaRPr lang="en-US" sz="1600" dirty="0"/>
-                    </a:p>
-                  </a:txBody>
-                  <a:tcPr/>
-                </a:tc>
-                <a:tc>
-                  <a:txBody>
-                    <a:bodyPr/>
-                    <a:lstStyle/>
-                    <a:p>
-                      <a:r>
-                        <a:rPr lang="en-US" sz="1600" dirty="0" smtClean="0"/>
-                        <a:t>B. </a:t>
-                      </a:r>
-                      <a:r>
-                        <a:rPr lang="en-US" sz="1600" dirty="0" err="1" smtClean="0"/>
-                        <a:t>Glumae</a:t>
-                      </a:r>
-                      <a:r>
-                        <a:rPr lang="en-US" sz="1600" dirty="0" smtClean="0"/>
-                        <a:t> (BG)</a:t>
-                      </a:r>
-                      <a:endParaRPr lang="en-US" sz="1600" dirty="0"/>
-                    </a:p>
-                  </a:txBody>
-                  <a:tcPr/>
-                </a:tc>
-                <a:tc>
-                  <a:txBody>
-                    <a:bodyPr/>
-                    <a:lstStyle/>
-                    <a:p>
-                      <a:r>
-                        <a:rPr lang="en-US" sz="1600" dirty="0" smtClean="0"/>
-                        <a:t>Human</a:t>
-                      </a:r>
-                      <a:r>
-                        <a:rPr lang="en-US" sz="1600" baseline="0" dirty="0" smtClean="0"/>
-                        <a:t> Genome (HG)</a:t>
-                      </a:r>
-                      <a:endParaRPr lang="en-US" sz="1600" dirty="0"/>
-                    </a:p>
-                  </a:txBody>
-                  <a:tcPr/>
-                </a:tc>
-                <a:tc>
-                  <a:txBody>
-                    <a:bodyPr/>
-                    <a:lstStyle/>
-                    <a:p>
-                      <a:r>
-                        <a:rPr lang="en-US" sz="1600" dirty="0" smtClean="0"/>
-                        <a:t>HG</a:t>
-                      </a:r>
-                      <a:r>
-                        <a:rPr lang="en-US" sz="1600" baseline="0" dirty="0" smtClean="0"/>
-                        <a:t> - </a:t>
-                      </a:r>
-                      <a:r>
-                        <a:rPr lang="en-US" sz="1600" baseline="0" dirty="0" err="1" smtClean="0"/>
-                        <a:t>Chr</a:t>
-                      </a:r>
-                      <a:r>
-                        <a:rPr lang="en-US" sz="1600" baseline="0" dirty="0" smtClean="0"/>
-                        <a:t> 21</a:t>
-                      </a:r>
-                      <a:endParaRPr lang="en-US" sz="1600" dirty="0"/>
-                    </a:p>
-                  </a:txBody>
-                  <a:tcPr/>
-                </a:tc>
-              </a:tr>
-              <a:tr h="370840">
-                <a:tc>
-                  <a:txBody>
-                    <a:bodyPr/>
-                    <a:lstStyle/>
-                    <a:p>
-                      <a:r>
-                        <a:rPr lang="en-US" sz="1600" dirty="0" smtClean="0"/>
-                        <a:t>Genome Size</a:t>
-                      </a:r>
-                      <a:endParaRPr lang="en-US" sz="1600" dirty="0"/>
-                    </a:p>
-                  </a:txBody>
-                  <a:tcPr/>
-                </a:tc>
-                <a:tc>
-                  <a:txBody>
-                    <a:bodyPr/>
-                    <a:lstStyle/>
-                    <a:p>
-                      <a:endParaRPr lang="en-US" sz="1600" dirty="0"/>
-                    </a:p>
-                  </a:txBody>
-                  <a:tcPr/>
-                </a:tc>
-                <a:tc>
-                  <a:txBody>
-                    <a:bodyPr/>
-                    <a:lstStyle/>
-                    <a:p>
-                      <a:r>
-                        <a:rPr lang="en-US" sz="1600" dirty="0" smtClean="0"/>
-                        <a:t>7 Mbp</a:t>
-                      </a:r>
-                      <a:endParaRPr lang="en-US" sz="1600" dirty="0"/>
-                    </a:p>
-                  </a:txBody>
-                  <a:tcPr/>
-                </a:tc>
-                <a:tc>
-                  <a:txBody>
-                    <a:bodyPr/>
-                    <a:lstStyle/>
-                    <a:p>
-                      <a:r>
-                        <a:rPr lang="en-US" sz="1600" dirty="0" smtClean="0"/>
-                        <a:t>2.8Gbp (hg18)</a:t>
-                      </a:r>
-                      <a:endParaRPr lang="en-US" sz="1600" dirty="0"/>
-                    </a:p>
-                  </a:txBody>
-                  <a:tcPr/>
-                </a:tc>
-                <a:tc>
-                  <a:txBody>
-                    <a:bodyPr/>
-                    <a:lstStyle/>
-                    <a:p>
-                      <a:r>
-                        <a:rPr lang="en-US" sz="1600" dirty="0" smtClean="0"/>
-                        <a:t>47 Mbp (hg18-chr21)</a:t>
-                      </a:r>
-                      <a:endParaRPr lang="en-US" sz="1600" dirty="0"/>
-                    </a:p>
-                  </a:txBody>
-                  <a:tcPr/>
-                </a:tc>
-              </a:tr>
-              <a:tr h="370840">
-                <a:tc>
-                  <a:txBody>
-                    <a:bodyPr/>
-                    <a:lstStyle/>
-                    <a:p>
-                      <a:r>
-                        <a:rPr lang="en-US" sz="1600" dirty="0" smtClean="0"/>
-                        <a:t>NGS Type</a:t>
-                      </a:r>
-                      <a:endParaRPr lang="en-US" sz="1600" dirty="0"/>
-                    </a:p>
-                  </a:txBody>
-                  <a:tcPr/>
-                </a:tc>
-                <a:tc>
-                  <a:txBody>
-                    <a:bodyPr/>
-                    <a:lstStyle/>
-                    <a:p>
-                      <a:endParaRPr lang="en-US" sz="1600" dirty="0"/>
-                    </a:p>
-                  </a:txBody>
-                  <a:tcPr/>
-                </a:tc>
-                <a:tc>
-                  <a:txBody>
-                    <a:bodyPr/>
-                    <a:lstStyle/>
-                    <a:p>
-                      <a:r>
-                        <a:rPr lang="en-US" sz="1600" dirty="0" smtClean="0"/>
-                        <a:t>Whole Genome</a:t>
-                      </a:r>
-                      <a:endParaRPr lang="en-US" sz="1600" dirty="0"/>
-                    </a:p>
-                  </a:txBody>
-                  <a:tcPr/>
-                </a:tc>
-                <a:tc>
-                  <a:txBody>
-                    <a:bodyPr/>
-                    <a:lstStyle/>
-                    <a:p>
-                      <a:r>
-                        <a:rPr lang="en-US" sz="1600" dirty="0" smtClean="0"/>
-                        <a:t>Exome</a:t>
-                      </a:r>
-                      <a:endParaRPr lang="en-US" sz="1600" dirty="0"/>
-                    </a:p>
-                  </a:txBody>
-                  <a:tcPr/>
-                </a:tc>
-                <a:tc>
-                  <a:txBody>
-                    <a:bodyPr/>
-                    <a:lstStyle/>
-                    <a:p>
-                      <a:r>
-                        <a:rPr lang="en-US" sz="1600" dirty="0" smtClean="0"/>
-                        <a:t>Exome</a:t>
-                      </a:r>
-                      <a:endParaRPr lang="en-US" sz="1600" dirty="0"/>
-                    </a:p>
-                  </a:txBody>
-                  <a:tcPr/>
-                </a:tc>
-              </a:tr>
-              <a:tr h="370840">
-                <a:tc>
-                  <a:txBody>
-                    <a:bodyPr/>
-                    <a:lstStyle/>
-                    <a:p>
-                      <a:r>
-                        <a:rPr lang="en-US" sz="1600" dirty="0" smtClean="0"/>
-                        <a:t>NGS Data Size</a:t>
-                      </a:r>
-                      <a:endParaRPr lang="en-US" sz="1600" dirty="0"/>
-                    </a:p>
-                  </a:txBody>
-                  <a:tcPr/>
-                </a:tc>
-                <a:tc>
-                  <a:txBody>
-                    <a:bodyPr/>
-                    <a:lstStyle/>
-                    <a:p>
-                      <a:endParaRPr lang="en-US" sz="1600" dirty="0"/>
-                    </a:p>
-                  </a:txBody>
-                  <a:tcPr/>
-                </a:tc>
-                <a:tc>
-                  <a:txBody>
-                    <a:bodyPr/>
-                    <a:lstStyle/>
-                    <a:p>
-                      <a:r>
-                        <a:rPr lang="en-US" sz="1600" dirty="0" smtClean="0"/>
-                        <a:t>12.6 GB</a:t>
-                      </a:r>
-                      <a:endParaRPr lang="en-US" sz="1600" dirty="0"/>
-                    </a:p>
-                  </a:txBody>
-                  <a:tcPr/>
-                </a:tc>
-                <a:tc>
-                  <a:txBody>
-                    <a:bodyPr/>
-                    <a:lstStyle/>
-                    <a:p>
-                      <a:r>
-                        <a:rPr lang="en-US" sz="1600" dirty="0" smtClean="0"/>
-                        <a:t>5.6 GB</a:t>
-                      </a:r>
-                      <a:endParaRPr lang="en-US" sz="1600" dirty="0"/>
-                    </a:p>
-                  </a:txBody>
-                  <a:tcPr/>
-                </a:tc>
-                <a:tc>
-                  <a:txBody>
-                    <a:bodyPr/>
-                    <a:lstStyle/>
-                    <a:p>
-                      <a:r>
-                        <a:rPr lang="en-US" sz="1600" dirty="0" smtClean="0"/>
-                        <a:t>5.6 GB</a:t>
-                      </a:r>
-                      <a:endParaRPr lang="en-US" sz="1600" dirty="0"/>
-                    </a:p>
-                  </a:txBody>
-                  <a:tcPr/>
-                </a:tc>
-              </a:tr>
-              <a:tr h="289560">
-                <a:tc rowSpan="2">
-                  <a:txBody>
-                    <a:bodyPr/>
-                    <a:lstStyle/>
-                    <a:p>
-                      <a:r>
-                        <a:rPr lang="en-US" sz="1600" dirty="0" smtClean="0"/>
-                        <a:t>Ref.</a:t>
-                      </a:r>
-                      <a:r>
-                        <a:rPr lang="en-US" sz="1600" baseline="0" dirty="0" smtClean="0"/>
-                        <a:t> Index Data</a:t>
-                      </a:r>
-                      <a:endParaRPr lang="en-US" sz="1600" dirty="0"/>
-                    </a:p>
-                  </a:txBody>
-                  <a:tcPr/>
-                </a:tc>
-                <a:tc>
-                  <a:txBody>
-                    <a:bodyPr/>
-                    <a:lstStyle/>
-                    <a:p>
-                      <a:r>
-                        <a:rPr lang="en-US" sz="1600" dirty="0" smtClean="0"/>
-                        <a:t>40</a:t>
-                      </a:r>
-                      <a:r>
-                        <a:rPr lang="en-US" sz="1600" baseline="0" dirty="0" smtClean="0"/>
-                        <a:t> index files</a:t>
-                      </a:r>
-                      <a:endParaRPr lang="en-US" sz="1600" dirty="0"/>
-                    </a:p>
-                  </a:txBody>
-                  <a:tcPr/>
-                </a:tc>
-                <a:tc>
-                  <a:txBody>
-                    <a:bodyPr/>
-                    <a:lstStyle/>
-                    <a:p>
-                      <a:r>
-                        <a:rPr lang="en-US" sz="1600" dirty="0" smtClean="0"/>
-                        <a:t>40</a:t>
-                      </a:r>
-                      <a:r>
-                        <a:rPr lang="en-US" sz="1600" baseline="0" dirty="0" smtClean="0"/>
-                        <a:t> GB</a:t>
-                      </a:r>
-                      <a:endParaRPr lang="en-US" sz="1600" dirty="0"/>
-                    </a:p>
-                  </a:txBody>
-                  <a:tcPr/>
-                </a:tc>
-                <a:tc>
-                  <a:txBody>
-                    <a:bodyPr/>
-                    <a:lstStyle/>
-                    <a:p>
-                      <a:r>
-                        <a:rPr lang="en-US" sz="1600" dirty="0" smtClean="0"/>
-                        <a:t>130 GB</a:t>
-                      </a:r>
-                      <a:endParaRPr lang="en-US" sz="1600" dirty="0"/>
-                    </a:p>
-                  </a:txBody>
-                  <a:tcPr/>
-                </a:tc>
-                <a:tc>
-                  <a:txBody>
-                    <a:bodyPr/>
-                    <a:lstStyle/>
-                    <a:p>
-                      <a:r>
-                        <a:rPr lang="en-US" sz="1600" dirty="0" smtClean="0"/>
-                        <a:t>70 GB</a:t>
-                      </a:r>
-                      <a:endParaRPr lang="en-US" sz="1600" dirty="0"/>
-                    </a:p>
-                  </a:txBody>
-                  <a:tcPr/>
-                </a:tc>
-              </a:tr>
-              <a:tr h="289560">
-                <a:tc vMerge="1">
-                  <a:txBody>
-                    <a:bodyPr/>
-                    <a:lstStyle/>
-                    <a:p>
-                      <a:endParaRPr lang="en-US" sz="1600" dirty="0"/>
-                    </a:p>
-                  </a:txBody>
-                  <a:tcPr/>
-                </a:tc>
-                <a:tc>
-                  <a:txBody>
-                    <a:bodyPr/>
-                    <a:lstStyle/>
-                    <a:p>
-                      <a:r>
-                        <a:rPr lang="en-US" sz="1600" dirty="0" smtClean="0"/>
-                        <a:t>10 index files</a:t>
-                      </a:r>
-                      <a:endParaRPr lang="en-US" sz="1600" dirty="0"/>
-                    </a:p>
-                  </a:txBody>
-                  <a:tcPr/>
-                </a:tc>
-                <a:tc>
-                  <a:txBody>
-                    <a:bodyPr/>
-                    <a:lstStyle/>
-                    <a:p>
-                      <a:endParaRPr lang="en-US" sz="1600" dirty="0"/>
-                    </a:p>
-                  </a:txBody>
-                  <a:tcPr/>
-                </a:tc>
-                <a:tc>
-                  <a:txBody>
-                    <a:bodyPr/>
-                    <a:lstStyle/>
-                    <a:p>
-                      <a:endParaRPr lang="en-US" sz="1600" dirty="0"/>
-                    </a:p>
-                  </a:txBody>
-                  <a:tcPr/>
-                </a:tc>
-                <a:tc>
-                  <a:txBody>
-                    <a:bodyPr/>
-                    <a:lstStyle/>
-                    <a:p>
-                      <a:endParaRPr lang="en-US" sz="1600" dirty="0"/>
-                    </a:p>
-                  </a:txBody>
-                  <a:tcPr/>
-                </a:tc>
-              </a:tr>
-              <a:tr h="289560">
-                <a:tc rowSpan="2">
-                  <a:txBody>
-                    <a:bodyPr/>
-                    <a:lstStyle/>
-                    <a:p>
-                      <a:r>
-                        <a:rPr lang="en-US" sz="1600" dirty="0" smtClean="0"/>
-                        <a:t>Minimum</a:t>
-                      </a:r>
-                      <a:r>
-                        <a:rPr lang="en-US" sz="1600" baseline="0" dirty="0" smtClean="0"/>
-                        <a:t> Memory</a:t>
-                      </a:r>
-                      <a:endParaRPr lang="en-US" sz="1600" dirty="0"/>
-                    </a:p>
-                  </a:txBody>
-                  <a:tcPr/>
-                </a:tc>
-                <a:tc>
-                  <a:txBody>
-                    <a:bodyPr/>
-                    <a:lstStyle/>
-                    <a:p>
-                      <a:r>
-                        <a:rPr lang="en-US" sz="1600" dirty="0" smtClean="0"/>
-                        <a:t>40 index files</a:t>
-                      </a:r>
-                      <a:endParaRPr lang="en-US" sz="1600" dirty="0"/>
-                    </a:p>
-                  </a:txBody>
-                  <a:tcPr/>
-                </a:tc>
-                <a:tc>
-                  <a:txBody>
-                    <a:bodyPr/>
-                    <a:lstStyle/>
-                    <a:p>
-                      <a:r>
-                        <a:rPr lang="en-US" sz="1600" dirty="0" smtClean="0"/>
-                        <a:t>9.5 MB </a:t>
-                      </a:r>
-                      <a:endParaRPr lang="en-US" sz="1600" dirty="0"/>
-                    </a:p>
-                  </a:txBody>
-                  <a:tcPr/>
-                </a:tc>
-                <a:tc>
-                  <a:txBody>
-                    <a:bodyPr/>
-                    <a:lstStyle/>
-                    <a:p>
-                      <a:r>
-                        <a:rPr lang="en-US" sz="1600" dirty="0" smtClean="0"/>
-                        <a:t>3 GB </a:t>
-                      </a:r>
-                      <a:endParaRPr lang="en-US" sz="1600" dirty="0">
-                        <a:latin typeface="Symbol" charset="2"/>
-                        <a:cs typeface="Symbol" charset="2"/>
-                      </a:endParaRPr>
-                    </a:p>
-                  </a:txBody>
-                  <a:tcPr/>
-                </a:tc>
-                <a:tc>
-                  <a:txBody>
-                    <a:bodyPr/>
-                    <a:lstStyle/>
-                    <a:p>
-                      <a:r>
-                        <a:rPr lang="en-US" sz="1600" baseline="0" dirty="0" smtClean="0"/>
-                        <a:t>42 MB </a:t>
-                      </a:r>
-                      <a:endParaRPr lang="en-US" sz="1600" dirty="0">
-                        <a:latin typeface="Symbol" charset="2"/>
-                        <a:cs typeface="Symbol" charset="2"/>
-                      </a:endParaRPr>
-                    </a:p>
-                  </a:txBody>
-                  <a:tcPr/>
-                </a:tc>
-              </a:tr>
-              <a:tr h="289560">
-                <a:tc vMerge="1">
-                  <a:txBody>
-                    <a:bodyPr/>
-                    <a:lstStyle/>
-                    <a:p>
-                      <a:endParaRPr lang="en-US"/>
-                    </a:p>
-                  </a:txBody>
-                  <a:tcPr/>
-                </a:tc>
-                <a:tc>
-                  <a:txBody>
-                    <a:bodyPr/>
-                    <a:lstStyle/>
-                    <a:p>
-                      <a:r>
-                        <a:rPr lang="en-US" sz="1600" dirty="0" smtClean="0"/>
-                        <a:t>10 index files</a:t>
-                      </a:r>
-                      <a:endParaRPr lang="en-US" sz="1600" dirty="0"/>
-                    </a:p>
-                  </a:txBody>
-                  <a:tcPr/>
-                </a:tc>
-                <a:tc>
-                  <a:txBody>
-                    <a:bodyPr/>
-                    <a:lstStyle/>
-                    <a:p>
-                      <a:pPr marL="0" marR="0" indent="0" algn="l" defTabSz="914353" rtl="0" eaLnBrk="1" fontAlgn="auto" latinLnBrk="0" hangingPunct="1">
-                        <a:lnSpc>
-                          <a:spcPct val="100000"/>
-                        </a:lnSpc>
-                        <a:spcBef>
-                          <a:spcPts val="0"/>
-                        </a:spcBef>
-                        <a:spcAft>
-                          <a:spcPts val="0"/>
-                        </a:spcAft>
-                        <a:buClrTx/>
-                        <a:buSzTx/>
-                        <a:buFontTx/>
-                        <a:buNone/>
-                        <a:tabLst/>
-                        <a:defRPr/>
-                      </a:pPr>
-                      <a:r>
-                        <a:rPr lang="en-US" sz="1600" dirty="0" smtClean="0"/>
-                        <a:t>38 MB </a:t>
-                      </a:r>
-                      <a:endParaRPr lang="en-US" sz="1600" dirty="0" smtClean="0">
-                        <a:latin typeface="Symbol" charset="2"/>
-                        <a:cs typeface="Symbol" charset="2"/>
-                      </a:endParaRPr>
-                    </a:p>
-                  </a:txBody>
-                  <a:tcPr/>
-                </a:tc>
-                <a:tc>
-                  <a:txBody>
-                    <a:bodyPr/>
-                    <a:lstStyle/>
-                    <a:p>
-                      <a:pPr marL="0" marR="0" indent="0" algn="l" defTabSz="914353" rtl="0" eaLnBrk="1" fontAlgn="auto" latinLnBrk="0" hangingPunct="1">
-                        <a:lnSpc>
-                          <a:spcPct val="100000"/>
-                        </a:lnSpc>
-                        <a:spcBef>
-                          <a:spcPts val="0"/>
-                        </a:spcBef>
-                        <a:spcAft>
-                          <a:spcPts val="0"/>
-                        </a:spcAft>
-                        <a:buClrTx/>
-                        <a:buSzTx/>
-                        <a:buFontTx/>
-                        <a:buNone/>
-                        <a:tabLst/>
-                        <a:defRPr/>
-                      </a:pPr>
-                      <a:r>
-                        <a:rPr lang="en-US" sz="1600" dirty="0" smtClean="0">
-                          <a:latin typeface="Symbol" charset="2"/>
-                          <a:cs typeface="Symbol" charset="2"/>
-                        </a:rPr>
-                        <a:t>12 </a:t>
-                      </a:r>
-                      <a:r>
-                        <a:rPr lang="en-US" sz="1600" dirty="0" smtClean="0">
-                          <a:latin typeface="+mj-lt"/>
-                          <a:cs typeface="Symbol" charset="2"/>
-                        </a:rPr>
-                        <a:t>GB </a:t>
-                      </a:r>
-                      <a:endParaRPr lang="en-US" sz="1600" dirty="0" smtClean="0">
-                        <a:latin typeface="Symbol" charset="2"/>
-                        <a:cs typeface="Symbol" charset="2"/>
-                      </a:endParaRPr>
-                    </a:p>
-                  </a:txBody>
-                  <a:tcPr/>
-                </a:tc>
-                <a:tc>
-                  <a:txBody>
-                    <a:bodyPr/>
-                    <a:lstStyle/>
-                    <a:p>
-                      <a:pPr marL="0" marR="0" indent="0" algn="l" defTabSz="914353" rtl="0" eaLnBrk="1" fontAlgn="auto" latinLnBrk="0" hangingPunct="1">
-                        <a:lnSpc>
-                          <a:spcPct val="100000"/>
-                        </a:lnSpc>
-                        <a:spcBef>
-                          <a:spcPts val="0"/>
-                        </a:spcBef>
-                        <a:spcAft>
-                          <a:spcPts val="0"/>
-                        </a:spcAft>
-                        <a:buClrTx/>
-                        <a:buSzTx/>
-                        <a:buFontTx/>
-                        <a:buNone/>
-                        <a:tabLst/>
-                        <a:defRPr/>
-                      </a:pPr>
-                      <a:r>
-                        <a:rPr lang="en-US" sz="1600" dirty="0" smtClean="0">
-                          <a:latin typeface="Symbol" charset="2"/>
-                          <a:cs typeface="Symbol" charset="2"/>
-                        </a:rPr>
-                        <a:t>164 MB </a:t>
-                      </a:r>
-                    </a:p>
-                  </a:txBody>
-                  <a:tcPr/>
-                </a:tc>
-              </a:tr>
-            </a:tbl>
-          </a:graphicData>
-        </a:graphic>
-      </p:graphicFrame>
-      <p:sp>
-        <p:nvSpPr>
-          <p:cNvPr id="7" name="Title 1"/>
-          <p:cNvSpPr txBox="1">
-            <a:spLocks/>
-          </p:cNvSpPr>
-          <p:nvPr/>
-        </p:nvSpPr>
-        <p:spPr>
-          <a:xfrm>
-            <a:off x="1114424" y="266700"/>
-            <a:ext cx="8029576" cy="914400"/>
-          </a:xfrm>
-          <a:prstGeom prst="rect">
-            <a:avLst/>
-          </a:prstGeom>
-          <a:solidFill>
-            <a:schemeClr val="tx2"/>
-          </a:solidFill>
-        </p:spPr>
-        <p:txBody>
-          <a:bodyPr vert="horz" lIns="1188720" tIns="45720" rIns="274320" bIns="45720" rtlCol="0" anchor="ctr">
-            <a:normAutofit fontScale="97500"/>
-          </a:bodyPr>
-          <a:lstStyle/>
-          <a:p>
-            <a:pPr marL="0" marR="0" lvl="0" indent="0" algn="ctr" defTabSz="914400" rtl="0" eaLnBrk="1" fontAlgn="auto" latinLnBrk="0" hangingPunct="1">
-              <a:lnSpc>
-                <a:spcPct val="100000"/>
-              </a:lnSpc>
-              <a:spcBef>
-                <a:spcPct val="0"/>
-              </a:spcBef>
-              <a:spcAft>
-                <a:spcPts val="0"/>
-              </a:spcAft>
-              <a:buClrTx/>
-              <a:buSzTx/>
-              <a:buFontTx/>
-              <a:buNone/>
-              <a:tabLst/>
-              <a:defRPr/>
-            </a:pPr>
-            <a:r>
-              <a:rPr kumimoji="0" lang="en-US" sz="2400" b="0" i="0" u="none" strike="noStrike" kern="1200" cap="none" spc="0" normalizeH="0" baseline="0" noProof="0" dirty="0" smtClean="0">
-                <a:ln>
-                  <a:noFill/>
-                </a:ln>
-                <a:solidFill>
-                  <a:schemeClr val="bg1"/>
-                </a:solidFill>
-                <a:effectLst/>
-                <a:uLnTx/>
-                <a:uFillTx/>
-                <a:latin typeface="+mj-lt"/>
-                <a:ea typeface="+mj-ea"/>
-                <a:cs typeface="+mj-cs"/>
-              </a:rPr>
-              <a:t>BFAST: </a:t>
-            </a:r>
-            <a:r>
-              <a:rPr lang="en-US" sz="2400" dirty="0" smtClean="0">
-                <a:solidFill>
-                  <a:schemeClr val="bg1"/>
-                </a:solidFill>
-                <a:latin typeface="+mj-lt"/>
-                <a:ea typeface="+mj-ea"/>
-                <a:cs typeface="+mj-cs"/>
-              </a:rPr>
-              <a:t>Configuration values for </a:t>
-            </a:r>
-            <a:r>
-              <a:rPr kumimoji="0" lang="en-US" sz="2400" b="0" i="0" u="none" strike="noStrike" kern="1200" cap="none" spc="0" normalizeH="0" noProof="0" dirty="0" smtClean="0">
-                <a:ln>
-                  <a:noFill/>
-                </a:ln>
-                <a:solidFill>
-                  <a:schemeClr val="bg1"/>
-                </a:solidFill>
-                <a:effectLst/>
-                <a:uLnTx/>
-                <a:uFillTx/>
-                <a:latin typeface="+mj-lt"/>
-                <a:ea typeface="+mj-ea"/>
-                <a:cs typeface="+mj-cs"/>
-              </a:rPr>
-              <a:t>problem sizes</a:t>
-            </a:r>
-            <a:endParaRPr kumimoji="0" lang="en-US" sz="2400" b="0" i="0" u="none" strike="noStrike" kern="1200" cap="none" spc="0" normalizeH="0" baseline="0" noProof="0" dirty="0">
-              <a:ln>
-                <a:noFill/>
-              </a:ln>
-              <a:solidFill>
-                <a:schemeClr val="bg1"/>
-              </a:solidFill>
-              <a:effectLst/>
-              <a:uLnTx/>
-              <a:uFillTx/>
-              <a:latin typeface="+mj-lt"/>
-              <a:ea typeface="+mj-ea"/>
-              <a:cs typeface="+mj-cs"/>
-            </a:endParaRPr>
-          </a:p>
-        </p:txBody>
-      </p:sp>
-    </p:spTree>
-    <p:extLst>
-      <p:ext uri="{BB962C8B-B14F-4D97-AF65-F5344CB8AC3E}">
-        <p14:creationId xmlns:mc="http://schemas.openxmlformats.org/markup-compatibility/2006" xmlns:mv="urn:schemas-microsoft-com:mac:vml" xmlns:p14="http://schemas.microsoft.com/office/powerpoint/2010/main" xmlns:p="http://schemas.openxmlformats.org/presentationml/2006/main" xmlns:r="http://schemas.openxmlformats.org/officeDocument/2006/relationships" xmlns:a="http://schemas.openxmlformats.org/drawingml/2006/main" xmlns="" val="2306435090"/>
-      </p:ext>
-    </p:extLst>
-  </p:cSld>
-  <p:clrMapOvr>
-    <a:masterClrMapping/>
-  </p:clrMapOvr>
-  <p:timing>
-    <p:tnLst>
-      <p:par>
-        <p:cTn id="1" dur="indefinite" restart="never" nodeType="tmRoot"/>
-      </p:par>
-    </p:tnLst>
-  </p:timing>
-</p:sld>
-</file>
-
-<file path=ppt/slides/slide24.xml><?xml version="1.0" encoding="utf-8"?>
-<p:sld xmlns:a="http://schemas.openxmlformats.org/drawingml/2006/main" xmlns:r="http://schemas.openxmlformats.org/officeDocument/2006/relationships" xmlns:mc="http://schemas.openxmlformats.org/markup-compatibility/2006" xmlns:mv="urn:schemas-microsoft-com:mac:vml" xmlns:p="http://schemas.openxmlformats.org/presentationml/2006/main" mc:Ignorable="mv" mc:PreserveAttributes="mv:*">
-  <p:cSld>
-    <p:spTree>
-      <p:nvGrpSpPr>
-        <p:cNvPr id="1" name=""/>
-        <p:cNvGrpSpPr/>
-        <p:nvPr/>
-      </p:nvGrpSpPr>
-      <p:grpSpPr>
-        <a:xfrm>
-          <a:off x="0" y="0"/>
-          <a:ext cx="0" cy="0"/>
-          <a:chOff x="0" y="0"/>
-          <a:chExt cx="0" cy="0"/>
-        </a:xfrm>
-      </p:grpSpPr>
-      <p:sp>
-        <p:nvSpPr>
-          <p:cNvPr id="7" name="Title 1"/>
-          <p:cNvSpPr txBox="1">
-            <a:spLocks/>
-          </p:cNvSpPr>
-          <p:nvPr/>
-        </p:nvSpPr>
-        <p:spPr>
-          <a:xfrm>
-            <a:off x="1114424" y="266700"/>
-            <a:ext cx="8029576" cy="914400"/>
-          </a:xfrm>
-          <a:prstGeom prst="rect">
-            <a:avLst/>
-          </a:prstGeom>
-          <a:solidFill>
-            <a:schemeClr val="tx2"/>
-          </a:solidFill>
-        </p:spPr>
-        <p:txBody>
-          <a:bodyPr vert="horz" lIns="1188720" tIns="45720" rIns="274320" bIns="45720" rtlCol="0" anchor="ctr">
-            <a:normAutofit fontScale="97500"/>
-          </a:bodyPr>
-          <a:lstStyle/>
-          <a:p>
-            <a:pPr marL="0" marR="0" lvl="0" indent="0" algn="ctr" defTabSz="914400" rtl="0" eaLnBrk="1" fontAlgn="auto" latinLnBrk="0" hangingPunct="1">
-              <a:lnSpc>
-                <a:spcPct val="100000"/>
-              </a:lnSpc>
-              <a:spcBef>
-                <a:spcPct val="0"/>
-              </a:spcBef>
-              <a:spcAft>
-                <a:spcPts val="0"/>
-              </a:spcAft>
-              <a:buClrTx/>
-              <a:buSzTx/>
-              <a:buFontTx/>
-              <a:buNone/>
-              <a:tabLst/>
-              <a:defRPr/>
-            </a:pPr>
-            <a:r>
-              <a:rPr kumimoji="0" lang="en-US" sz="2400" b="0" i="0" u="none" strike="noStrike" kern="1200" cap="none" spc="0" normalizeH="0" baseline="0" noProof="0" dirty="0" smtClean="0">
-                <a:ln>
-                  <a:noFill/>
-                </a:ln>
-                <a:solidFill>
-                  <a:schemeClr val="bg1"/>
-                </a:solidFill>
-                <a:effectLst/>
-                <a:uLnTx/>
-                <a:uFillTx/>
-                <a:latin typeface="+mj-lt"/>
-                <a:ea typeface="+mj-ea"/>
-                <a:cs typeface="+mj-cs"/>
-              </a:rPr>
-              <a:t>BFAST: </a:t>
-            </a:r>
-            <a:r>
-              <a:rPr lang="en-US" sz="2400" dirty="0" smtClean="0">
-                <a:solidFill>
-                  <a:schemeClr val="bg1"/>
-                </a:solidFill>
-                <a:latin typeface="+mj-lt"/>
-                <a:ea typeface="+mj-ea"/>
-                <a:cs typeface="+mj-cs"/>
-              </a:rPr>
-              <a:t>Configuration values for </a:t>
-            </a:r>
-            <a:r>
-              <a:rPr kumimoji="0" lang="en-US" sz="2400" b="0" i="0" u="none" strike="noStrike" kern="1200" cap="none" spc="0" normalizeH="0" noProof="0" dirty="0" smtClean="0">
-                <a:ln>
-                  <a:noFill/>
-                </a:ln>
-                <a:solidFill>
-                  <a:schemeClr val="bg1"/>
-                </a:solidFill>
-                <a:effectLst/>
-                <a:uLnTx/>
-                <a:uFillTx/>
-                <a:latin typeface="+mj-lt"/>
-                <a:ea typeface="+mj-ea"/>
-                <a:cs typeface="+mj-cs"/>
-              </a:rPr>
-              <a:t>problem sizes</a:t>
-            </a:r>
-            <a:endParaRPr kumimoji="0" lang="en-US" sz="2400" b="0" i="0" u="none" strike="noStrike" kern="1200" cap="none" spc="0" normalizeH="0" baseline="0" noProof="0" dirty="0">
-              <a:ln>
-                <a:noFill/>
-              </a:ln>
-              <a:solidFill>
-                <a:schemeClr val="bg1"/>
-              </a:solidFill>
-              <a:effectLst/>
-              <a:uLnTx/>
-              <a:uFillTx/>
-              <a:latin typeface="+mj-lt"/>
-              <a:ea typeface="+mj-ea"/>
-              <a:cs typeface="+mj-cs"/>
-            </a:endParaRPr>
-          </a:p>
-        </p:txBody>
-      </p:sp>
-      <p:pic>
-        <p:nvPicPr>
-          <p:cNvPr id="14" name="Picture 13" descr="bfast-expm-confg-data.png"/>
-          <p:cNvPicPr>
-            <a:picLocks noChangeAspect="1"/>
-          </p:cNvPicPr>
-          <p:nvPr/>
-        </p:nvPicPr>
-        <p:blipFill>
-          <a:blip r:embed="rId2"/>
-          <a:stretch>
-            <a:fillRect/>
-          </a:stretch>
-        </p:blipFill>
-        <p:spPr>
-          <a:xfrm>
-            <a:off x="31750" y="1257300"/>
-            <a:ext cx="9080500" cy="4800600"/>
-          </a:xfrm>
-          <a:prstGeom prst="rect">
-            <a:avLst/>
-          </a:prstGeom>
-        </p:spPr>
-      </p:pic>
-    </p:spTree>
-    <p:extLst>
-      <p:ext uri="{BB962C8B-B14F-4D97-AF65-F5344CB8AC3E}">
-        <p14:creationId xmlns:mc="http://schemas.openxmlformats.org/markup-compatibility/2006" xmlns:mv="urn:schemas-microsoft-com:mac:vml" xmlns:p14="http://schemas.microsoft.com/office/powerpoint/2010/main" xmlns:p="http://schemas.openxmlformats.org/presentationml/2006/main" xmlns:r="http://schemas.openxmlformats.org/officeDocument/2006/relationships" xmlns:a="http://schemas.openxmlformats.org/drawingml/2006/main" xmlns="" val="2306435090"/>
-      </p:ext>
-    </p:extLst>
   </p:cSld>
   <p:clrMapOvr>
     <a:masterClrMapping/>
@@ -10637,11 +9167,7 @@
           <a:p>
             <a:r>
               <a:rPr lang="en-US" sz="1700" dirty="0" smtClean="0"/>
-              <a:t>Most software is associated with specific sequencing </a:t>
-            </a:r>
-            <a:r>
-              <a:rPr lang="en-US" sz="1700" dirty="0" smtClean="0"/>
-              <a:t>instruments</a:t>
+              <a:t>Most software is associated with specific sequencing instruments</a:t>
             </a:r>
           </a:p>
           <a:p>
@@ -10654,11 +9180,27 @@
           <a:p>
             <a:r>
               <a:rPr lang="en-US" sz="1700" dirty="0" smtClean="0"/>
-              <a:t>Classify </a:t>
-            </a:r>
+              <a:t>Data types:</a:t>
+            </a:r>
+          </a:p>
+          <a:p>
+            <a:pPr lvl="1"/>
             <a:r>
               <a:rPr lang="en-US" sz="1700" dirty="0" smtClean="0"/>
-              <a:t>most alignment software into categories 	based upon based upon indexing property</a:t>
+              <a:t>Short read  data</a:t>
+            </a:r>
+          </a:p>
+          <a:p>
+            <a:pPr lvl="1"/>
+            <a:r>
+              <a:rPr lang="en-US" sz="1700" dirty="0" smtClean="0"/>
+              <a:t>Reference Index data</a:t>
+            </a:r>
+          </a:p>
+          <a:p>
+            <a:r>
+              <a:rPr lang="en-US" sz="1700" dirty="0" smtClean="0"/>
+              <a:t>Classify most alignment software into categories 	based upon based upon indexing property</a:t>
             </a:r>
           </a:p>
           <a:p>
@@ -10673,7 +9215,6 @@
               <a:rPr lang="en-US" sz="1700" dirty="0" smtClean="0"/>
               <a:t>Relative to other alignments programs, 					BFAST has:		</a:t>
             </a:r>
-            <a:endParaRPr lang="en-US" sz="1700" dirty="0" smtClean="0"/>
           </a:p>
           <a:p>
             <a:pPr lvl="1"/>
@@ -10686,52 +9227,7 @@
             <a:pPr lvl="1"/>
             <a:r>
               <a:rPr lang="en-US" sz="1700" dirty="0" smtClean="0"/>
-              <a:t>large </a:t>
-            </a:r>
-            <a:r>
-              <a:rPr lang="en-US" sz="1700" dirty="0" smtClean="0"/>
-              <a:t>memory</a:t>
-            </a:r>
-            <a:r>
-              <a:rPr lang="en-US" sz="1700" dirty="0" smtClean="0"/>
-              <a:t> and </a:t>
-            </a:r>
-            <a:r>
-              <a:rPr lang="en-US" sz="1700" dirty="0" smtClean="0"/>
-              <a:t>disk</a:t>
-            </a:r>
-            <a:r>
-              <a:rPr lang="en-US" sz="1700" dirty="0" smtClean="0"/>
-              <a:t> requirements</a:t>
-            </a:r>
-          </a:p>
-          <a:p>
-            <a:r>
-              <a:rPr lang="en-US" sz="1700" dirty="0" smtClean="0"/>
-              <a:t>Data </a:t>
-            </a:r>
-            <a:r>
-              <a:rPr lang="en-US" sz="1700" dirty="0" smtClean="0"/>
-              <a:t>types:</a:t>
-            </a:r>
-            <a:endParaRPr lang="en-US" sz="1700" dirty="0" smtClean="0"/>
-          </a:p>
-          <a:p>
-            <a:pPr lvl="1"/>
-            <a:r>
-              <a:rPr lang="en-US" sz="1700" dirty="0" smtClean="0"/>
-              <a:t>Short read  data</a:t>
-            </a:r>
-          </a:p>
-          <a:p>
-            <a:pPr lvl="1"/>
-            <a:r>
-              <a:rPr lang="en-US" sz="1700" dirty="0" smtClean="0"/>
-              <a:t>Reference </a:t>
-            </a:r>
-            <a:r>
-              <a:rPr lang="en-US" sz="1700" dirty="0" smtClean="0"/>
-              <a:t>Index data</a:t>
+              <a:t>large memory and disk requirements</a:t>
             </a:r>
           </a:p>
           <a:p>
@@ -10775,7 +9271,7 @@
           <a:blip r:embed="rId3">
             <a:extLst>
               <a:ext uri="{28A0092B-C50C-407E-A947-70E740481C1C}">
-                <a14:useLocalDpi xmlns:mc="http://schemas.openxmlformats.org/markup-compatibility/2006" xmlns:mv="urn:schemas-microsoft-com:mac:vml" xmlns:a14="http://schemas.microsoft.com/office/drawing/2010/main" xmlns:p="http://schemas.openxmlformats.org/presentationml/2006/main" xmlns:r="http://schemas.openxmlformats.org/officeDocument/2006/relationships" xmlns:a="http://schemas.openxmlformats.org/drawingml/2006/main" xmlns=""/>
+                <a14:useLocalDpi xmlns="" xmlns:a="http://schemas.openxmlformats.org/drawingml/2006/main" xmlns:r="http://schemas.openxmlformats.org/officeDocument/2006/relationships" xmlns:p="http://schemas.openxmlformats.org/presentationml/2006/main" xmlns:a14="http://schemas.microsoft.com/office/drawing/2010/main" xmlns:mv="urn:schemas-microsoft-com:mac:vml" xmlns:mc="http://schemas.openxmlformats.org/markup-compatibility/2006"/>
               </a:ext>
             </a:extLst>
           </a:blip>
@@ -11012,144 +9508,95 @@
           <a:p>
             <a:r>
               <a:rPr lang="en-US" sz="1700" dirty="0" smtClean="0"/>
-              <a:t>Supports </a:t>
-            </a:r>
+              <a:t>Supports Advanced features: </a:t>
+            </a:r>
+          </a:p>
+          <a:p>
+            <a:pPr lvl="1"/>
             <a:r>
               <a:rPr lang="en-US" sz="1700" dirty="0" smtClean="0"/>
-              <a:t>Advanced features:</a:t>
+              <a:t> Multi-threading support </a:t>
+            </a:r>
+          </a:p>
+          <a:p>
+            <a:pPr lvl="1"/>
+            <a:r>
+              <a:rPr lang="en-US" sz="1700" dirty="0" smtClean="0"/>
+              <a:t>Low-memory option </a:t>
+            </a:r>
+          </a:p>
+          <a:p>
+            <a:pPr lvl="2"/>
+            <a:r>
+              <a:rPr lang="en-US" sz="1700" dirty="0" smtClean="0"/>
+              <a:t>index file splitting</a:t>
+            </a:r>
+          </a:p>
+          <a:p>
+            <a:r>
+              <a:rPr lang="en-US" sz="1700" dirty="0" smtClean="0"/>
+              <a:t>Breaking up short-read data permits task-level concurrency</a:t>
+            </a:r>
+          </a:p>
+          <a:p>
+            <a:pPr lvl="1"/>
+            <a:r>
+              <a:rPr lang="en-US" sz="1700" dirty="0" smtClean="0"/>
+              <a:t>Each task requires full reference index, possible I/O bottleneck</a:t>
+            </a:r>
+          </a:p>
+          <a:p>
+            <a:pPr lvl="1"/>
+            <a:r>
+              <a:rPr lang="en-US" sz="1700" dirty="0" smtClean="0"/>
+              <a:t>Distribute to overcome I/O bottleneck?</a:t>
+            </a:r>
+          </a:p>
+          <a:p>
+            <a:r>
+              <a:rPr lang="en-US" sz="1700" dirty="0" smtClean="0"/>
+              <a:t>Tradeoffs:</a:t>
+            </a:r>
+          </a:p>
+          <a:p>
+            <a:pPr lvl="1"/>
+            <a:r>
+              <a:rPr lang="en-US" sz="1700" dirty="0" smtClean="0"/>
+              <a:t>Com. </a:t>
+            </a:r>
+            <a:r>
+              <a:rPr lang="en-US" sz="1700" dirty="0" err="1" smtClean="0"/>
+              <a:t>vs</a:t>
             </a:r>
             <a:r>
               <a:rPr lang="en-US" sz="1700" dirty="0" smtClean="0"/>
               <a:t> </a:t>
             </a:r>
-            <a:endParaRPr lang="en-US" sz="1700" dirty="0" smtClean="0"/>
-          </a:p>
-          <a:p>
-            <a:pPr lvl="1"/>
+            <a:r>
+              <a:rPr lang="en-US" sz="1700" dirty="0" err="1" smtClean="0"/>
+              <a:t>Mem</a:t>
+            </a:r>
+            <a:r>
+              <a:rPr lang="en-US" sz="1700" dirty="0" smtClean="0"/>
+              <a:t>. </a:t>
+            </a:r>
+            <a:r>
+              <a:rPr lang="en-US" sz="1700" dirty="0" err="1" smtClean="0"/>
+              <a:t>vs</a:t>
+            </a:r>
+            <a:r>
+              <a:rPr lang="en-US" sz="1700" dirty="0" smtClean="0"/>
+              <a:t> I/O </a:t>
+            </a:r>
+            <a:r>
+              <a:rPr lang="en-US" sz="1700" dirty="0" err="1" smtClean="0"/>
+              <a:t>vs</a:t>
+            </a:r>
             <a:r>
               <a:rPr lang="en-US" sz="1700" dirty="0" smtClean="0"/>
               <a:t> </a:t>
             </a:r>
             <a:r>
-              <a:rPr lang="en-US" sz="1700" dirty="0" smtClean="0"/>
-              <a:t>Multi-threading support</a:t>
-            </a:r>
-            <a:r>
-              <a:rPr lang="en-US" sz="1700" dirty="0" smtClean="0"/>
-              <a:t> </a:t>
-            </a:r>
-            <a:endParaRPr lang="en-US" sz="1700" dirty="0" smtClean="0"/>
-          </a:p>
-          <a:p>
-            <a:pPr lvl="1"/>
-            <a:r>
-              <a:rPr lang="en-US" sz="1700" dirty="0" smtClean="0"/>
-              <a:t>Low</a:t>
-            </a:r>
-            <a:r>
-              <a:rPr lang="en-US" sz="1700" dirty="0" smtClean="0"/>
-              <a:t>-memory option (index file splitting)</a:t>
-            </a:r>
-            <a:endParaRPr lang="en-US" sz="1700" dirty="0" smtClean="0"/>
-          </a:p>
-          <a:p>
-            <a:r>
-              <a:rPr lang="en-US" sz="1700" dirty="0" smtClean="0"/>
-              <a:t>Breaking </a:t>
-            </a:r>
-            <a:r>
-              <a:rPr lang="en-US" sz="1700" dirty="0" smtClean="0"/>
-              <a:t>up short-read data permits task-level concurrency</a:t>
-            </a:r>
-          </a:p>
-          <a:p>
-            <a:pPr lvl="1"/>
-            <a:r>
-              <a:rPr lang="en-US" sz="1700" dirty="0" smtClean="0"/>
-              <a:t>Each</a:t>
-            </a:r>
-            <a:r>
-              <a:rPr lang="en-US" sz="1700" dirty="0" smtClean="0"/>
-              <a:t> task </a:t>
-            </a:r>
-            <a:r>
-              <a:rPr lang="en-US" sz="1700" dirty="0" smtClean="0"/>
-              <a:t>requires full reference </a:t>
-            </a:r>
-            <a:r>
-              <a:rPr lang="en-US" sz="1700" dirty="0" smtClean="0"/>
-              <a:t>genome</a:t>
-            </a:r>
-            <a:r>
-              <a:rPr lang="en-US" sz="1700" dirty="0" smtClean="0"/>
-              <a:t> </a:t>
-            </a:r>
-            <a:r>
-              <a:rPr lang="en-US" sz="1700" dirty="0" smtClean="0"/>
-              <a:t>possible </a:t>
-            </a:r>
-            <a:r>
-              <a:rPr lang="en-US" sz="1700" dirty="0" smtClean="0"/>
-              <a:t>I/O </a:t>
-            </a:r>
-            <a:r>
-              <a:rPr lang="en-US" sz="1700" dirty="0" smtClean="0"/>
-              <a:t>bottleneck</a:t>
-            </a:r>
-          </a:p>
-          <a:p>
-            <a:pPr lvl="1"/>
-            <a:r>
-              <a:rPr lang="en-US" sz="1700" dirty="0" smtClean="0"/>
-              <a:t>Distribute to overcome I/O bottleneck?</a:t>
-            </a:r>
-            <a:endParaRPr lang="en-US" sz="1700" dirty="0" smtClean="0"/>
-          </a:p>
-          <a:p>
-            <a:r>
-              <a:rPr lang="en-US" sz="1700" dirty="0" smtClean="0"/>
-              <a:t>Tradeoffs:</a:t>
-            </a:r>
-          </a:p>
-          <a:p>
-            <a:pPr lvl="1"/>
-            <a:r>
-              <a:rPr lang="en-US" sz="1700" dirty="0" smtClean="0"/>
-              <a:t>Com. </a:t>
-            </a:r>
-            <a:r>
-              <a:rPr lang="en-US" sz="1700" dirty="0" err="1" smtClean="0"/>
-              <a:t>vs</a:t>
-            </a:r>
-            <a:r>
-              <a:rPr lang="en-US" sz="1700" dirty="0" smtClean="0"/>
-              <a:t> </a:t>
-            </a:r>
-            <a:r>
-              <a:rPr lang="en-US" sz="1700" dirty="0" err="1" smtClean="0"/>
-              <a:t>Mem</a:t>
-            </a:r>
-            <a:r>
-              <a:rPr lang="en-US" sz="1700" dirty="0" smtClean="0"/>
-              <a:t>. </a:t>
-            </a:r>
-            <a:r>
-              <a:rPr lang="en-US" sz="1700" dirty="0" err="1" smtClean="0"/>
-              <a:t>vs</a:t>
-            </a:r>
-            <a:r>
-              <a:rPr lang="en-US" sz="1700" dirty="0" smtClean="0"/>
-              <a:t> I/O </a:t>
-            </a:r>
-            <a:r>
-              <a:rPr lang="en-US" sz="1700" dirty="0" err="1" smtClean="0"/>
-              <a:t>vs</a:t>
-            </a:r>
-            <a:r>
-              <a:rPr lang="en-US" sz="1700" dirty="0" smtClean="0"/>
-              <a:t> </a:t>
-            </a:r>
-            <a:r>
               <a:rPr lang="en-US" sz="1700" dirty="0" err="1" smtClean="0"/>
               <a:t>DoD</a:t>
             </a:r>
@@ -11159,11 +9606,7 @@
             <a:pPr lvl="1"/>
             <a:r>
               <a:rPr lang="en-US" sz="1700" dirty="0" smtClean="0"/>
-              <a:t>Sensitive to specific data-set </a:t>
-            </a:r>
-            <a:r>
-              <a:rPr lang="en-US" sz="1700" dirty="0" smtClean="0"/>
-              <a:t>size</a:t>
+              <a:t>Sensitive to specific data-set size</a:t>
             </a:r>
           </a:p>
           <a:p>
@@ -11677,6 +10120,10 @@
             <a:br>
               <a:rPr lang="en-US" sz="2300" dirty="0" smtClean="0"/>
             </a:br>
+            <a:r>
+              <a:rPr lang="en-US" sz="2300" dirty="0" smtClean="0"/>
+              <a:t> [Single Cluster]</a:t>
+            </a:r>
             <a:endParaRPr lang="en-US" sz="2300" dirty="0"/>
           </a:p>
         </p:txBody>
@@ -11693,7 +10140,7 @@
           <a:blip r:embed="rId2">
             <a:extLst>
               <a:ext uri="{28A0092B-C50C-407E-A947-70E740481C1C}">
-                <a14:useLocalDpi xmlns:mc="http://schemas.openxmlformats.org/markup-compatibility/2006" xmlns:mv="urn:schemas-microsoft-com:mac:vml" xmlns:a14="http://schemas.microsoft.com/office/drawing/2010/main" xmlns:p="http://schemas.openxmlformats.org/presentationml/2006/main" xmlns:r="http://schemas.openxmlformats.org/officeDocument/2006/relationships" xmlns:a="http://schemas.openxmlformats.org/drawingml/2006/main" xmlns=""/>
+                <a14:useLocalDpi xmlns="" xmlns:a="http://schemas.openxmlformats.org/drawingml/2006/main" xmlns:r="http://schemas.openxmlformats.org/officeDocument/2006/relationships" xmlns:p="http://schemas.openxmlformats.org/presentationml/2006/main" xmlns:a14="http://schemas.microsoft.com/office/drawing/2010/main" xmlns:mv="urn:schemas-microsoft-com:mac:vml" xmlns:mc="http://schemas.openxmlformats.org/markup-compatibility/2006"/>
               </a:ext>
             </a:extLst>
           </a:blip>
@@ -11805,7 +10252,7 @@
     </p:spTree>
     <p:extLst>
       <p:ext uri="{BB962C8B-B14F-4D97-AF65-F5344CB8AC3E}">
-        <p14:creationId xmlns:mc="http://schemas.openxmlformats.org/markup-compatibility/2006" xmlns:mv="urn:schemas-microsoft-com:mac:vml" xmlns:p14="http://schemas.microsoft.com/office/powerpoint/2010/main" xmlns:p="http://schemas.openxmlformats.org/presentationml/2006/main" xmlns:r="http://schemas.openxmlformats.org/officeDocument/2006/relationships" xmlns:a="http://schemas.openxmlformats.org/drawingml/2006/main" xmlns="" val="4280363161"/>
+        <p14:creationId xmlns="" xmlns:a="http://schemas.openxmlformats.org/drawingml/2006/main" xmlns:r="http://schemas.openxmlformats.org/officeDocument/2006/relationships" xmlns:p="http://schemas.openxmlformats.org/presentationml/2006/main" xmlns:p14="http://schemas.microsoft.com/office/powerpoint/2010/main" xmlns:mv="urn:schemas-microsoft-com:mac:vml" xmlns:mc="http://schemas.openxmlformats.org/markup-compatibility/2006" val="4280363161"/>
       </p:ext>
     </p:extLst>
   </p:cSld>
@@ -11856,17 +10303,88 @@
           </a:bodyPr>
           <a:lstStyle/>
           <a:p>
-            <a:pPr algn="ctr"/>
-            <a:r>
-              <a:rPr lang="en-US" sz="2400" dirty="0"/>
-              <a:t>DARE-NGS : Mapping on Scalable Distributed HPC resources</a:t>
-            </a:r>
+            <a:r>
+              <a:rPr lang="en-US" sz="2300" dirty="0" smtClean="0"/>
+              <a:t>BFAST Tradeoffs: Comp. </a:t>
+            </a:r>
+            <a:r>
+              <a:rPr lang="en-US" sz="2300" dirty="0" err="1" smtClean="0"/>
+              <a:t>vs</a:t>
+            </a:r>
+            <a:r>
+              <a:rPr lang="en-US" sz="2300" dirty="0" smtClean="0"/>
+              <a:t> </a:t>
+            </a:r>
+            <a:r>
+              <a:rPr lang="en-US" sz="2300" dirty="0" err="1" smtClean="0"/>
+              <a:t>Mem</a:t>
+            </a:r>
+            <a:r>
+              <a:rPr lang="en-US" sz="2300" dirty="0" smtClean="0"/>
+              <a:t>. </a:t>
+            </a:r>
+            <a:r>
+              <a:rPr lang="en-US" sz="2300" dirty="0" err="1" smtClean="0"/>
+              <a:t>vs</a:t>
+            </a:r>
+            <a:r>
+              <a:rPr lang="en-US" sz="2300" dirty="0" smtClean="0"/>
+              <a:t> I/O </a:t>
+            </a:r>
+            <a:r>
+              <a:rPr lang="en-US" sz="2300" dirty="0" err="1" smtClean="0"/>
+              <a:t>vs</a:t>
+            </a:r>
+            <a:r>
+              <a:rPr lang="en-US" sz="2300" dirty="0" smtClean="0"/>
+              <a:t> </a:t>
+            </a:r>
+            <a:r>
+              <a:rPr lang="en-US" sz="2300" dirty="0" err="1" smtClean="0"/>
+              <a:t>DoD</a:t>
+            </a:r>
+            <a:r>
+              <a:rPr lang="en-US" sz="2300" dirty="0" smtClean="0"/>
+              <a:t/>
+            </a:r>
+            <a:br>
+              <a:rPr lang="en-US" sz="2300" dirty="0" smtClean="0"/>
+            </a:br>
+            <a:r>
+              <a:rPr lang="en-US" sz="2300" dirty="0" smtClean="0"/>
+              <a:t>[Single Cloud]</a:t>
+            </a:r>
+            <a:endParaRPr lang="en-US" sz="2300" dirty="0"/>
           </a:p>
         </p:txBody>
       </p:sp>
       <p:pic>
         <p:nvPicPr>
-          <p:cNvPr id="10" name="Picture 9" descr="table6-ecmls04.png"/>
+          <p:cNvPr id="5" name="Picture 4" descr="singlecloud.png"/>
+          <p:cNvPicPr>
+            <a:picLocks noChangeAspect="1"/>
+          </p:cNvPicPr>
+          <p:nvPr/>
+        </p:nvPicPr>
+        <p:blipFill>
+          <a:blip r:embed="rId2"/>
+          <a:stretch>
+            <a:fillRect/>
+          </a:stretch>
+        </p:blipFill>
+        <p:spPr>
+          <a:xfrm>
+            <a:off x="2752724" y="4683314"/>
+            <a:ext cx="5956300" cy="1612900"/>
+          </a:xfrm>
+          <a:prstGeom prst="rect">
+            <a:avLst/>
+          </a:prstGeom>
+        </p:spPr>
+      </p:pic>
+      <p:pic>
+        <p:nvPicPr>
+          <p:cNvPr id="7" name="Picture 6" descr="cloud_threadsvstime.png"/>
           <p:cNvPicPr>
             <a:picLocks noChangeAspect="1"/>
           </p:cNvPicPr>
@@ -11880,32 +10398,8 @@
         </p:blipFill>
         <p:spPr>
           <a:xfrm>
-            <a:off x="1016000" y="1178114"/>
-            <a:ext cx="7988300" cy="2750958"/>
-          </a:xfrm>
-          <a:prstGeom prst="rect">
-            <a:avLst/>
-          </a:prstGeom>
-        </p:spPr>
-      </p:pic>
-      <p:pic>
-        <p:nvPicPr>
-          <p:cNvPr id="7" name="Picture 6" descr="table7-ecmls04.png"/>
-          <p:cNvPicPr>
-            <a:picLocks noChangeAspect="1"/>
-          </p:cNvPicPr>
-          <p:nvPr/>
-        </p:nvPicPr>
-        <p:blipFill>
-          <a:blip r:embed="rId4"/>
-          <a:stretch>
-            <a:fillRect/>
-          </a:stretch>
-        </p:blipFill>
-        <p:spPr>
-          <a:xfrm>
-            <a:off x="990600" y="4059058"/>
-            <a:ext cx="7988300" cy="2311400"/>
+            <a:off x="784224" y="1229074"/>
+            <a:ext cx="4571543" cy="3200080"/>
           </a:xfrm>
           <a:prstGeom prst="rect">
             <a:avLst/>
@@ -11913,11 +10407,6 @@
         </p:spPr>
       </p:pic>
     </p:spTree>
-    <p:extLst>
-      <p:ext uri="{BB962C8B-B14F-4D97-AF65-F5344CB8AC3E}">
-        <p14:creationId xmlns:mc="http://schemas.openxmlformats.org/markup-compatibility/2006" xmlns:mv="urn:schemas-microsoft-com:mac:vml" xmlns:p14="http://schemas.microsoft.com/office/powerpoint/2010/main" xmlns:p="http://schemas.openxmlformats.org/presentationml/2006/main" xmlns:r="http://schemas.openxmlformats.org/officeDocument/2006/relationships" xmlns:a="http://schemas.openxmlformats.org/drawingml/2006/main" xmlns="" val="3440781938"/>
-      </p:ext>
-    </p:extLst>
   </p:cSld>
   <p:clrMapOvr>
     <a:masterClrMapping/>
@@ -11962,111 +10451,348 @@
         <p:spPr/>
         <p:txBody>
           <a:bodyPr>
-            <a:normAutofit fontScale="90000"/>
+            <a:noAutofit/>
           </a:bodyPr>
           <a:lstStyle/>
           <a:p>
             <a:r>
-              <a:rPr lang="en-US" sz="2800" dirty="0" smtClean="0"/>
-              <a:t>Tradeoffs: Comp. </a:t>
-            </a:r>
-            <a:r>
-              <a:rPr lang="en-US" sz="2800" dirty="0" err="1" smtClean="0"/>
-              <a:t>vs</a:t>
-            </a:r>
-            <a:r>
-              <a:rPr lang="en-US" sz="2800" dirty="0" smtClean="0"/>
-              <a:t> </a:t>
-            </a:r>
-            <a:r>
-              <a:rPr lang="en-US" sz="2800" dirty="0" err="1" smtClean="0"/>
-              <a:t>Mem</a:t>
-            </a:r>
-            <a:r>
-              <a:rPr lang="en-US" sz="2800" dirty="0" smtClean="0"/>
-              <a:t>. </a:t>
-            </a:r>
-            <a:r>
-              <a:rPr lang="en-US" sz="2800" dirty="0" err="1" smtClean="0"/>
-              <a:t>vs</a:t>
-            </a:r>
-            <a:r>
-              <a:rPr lang="en-US" sz="2800" dirty="0" smtClean="0"/>
-              <a:t> I/O </a:t>
-            </a:r>
-            <a:r>
-              <a:rPr lang="en-US" sz="2800" dirty="0" err="1" smtClean="0"/>
-              <a:t>vs</a:t>
-            </a:r>
-            <a:r>
-              <a:rPr lang="en-US" sz="2800" dirty="0" smtClean="0"/>
-              <a:t> </a:t>
-            </a:r>
-            <a:r>
-              <a:rPr lang="en-US" sz="2800" dirty="0" err="1" smtClean="0"/>
-              <a:t>DoD</a:t>
-            </a:r>
-            <a:endParaRPr lang="en-US" sz="2800" dirty="0">
-              <a:latin typeface="Arial"/>
-              <a:cs typeface="Arial"/>
-            </a:endParaRPr>
+              <a:rPr lang="en-US" sz="2400" dirty="0" smtClean="0"/>
+              <a:t>BFAST Characterization: I/O Bottleneck</a:t>
+            </a:r>
+            <a:br>
+              <a:rPr lang="en-US" sz="2400" dirty="0" smtClean="0"/>
+            </a:br>
+            <a:endParaRPr lang="en-US" sz="2400" dirty="0"/>
           </a:p>
         </p:txBody>
       </p:sp>
       <p:pic>
         <p:nvPicPr>
-          <p:cNvPr id="22" name="Picture 21" descr="bfast-dare-scaleout.png"/>
+          <p:cNvPr id="4" name="Content Placeholder 3" descr="io-bound.png"/>
           <p:cNvPicPr>
-            <a:picLocks noChangeAspect="1"/>
+            <a:picLocks noGrp="1" noChangeAspect="1"/>
           </p:cNvPicPr>
-          <p:nvPr/>
+          <p:nvPr>
+            <p:ph idx="1"/>
+          </p:nvPr>
         </p:nvPicPr>
         <p:blipFill>
-          <a:blip r:embed="rId3"/>
+          <a:blip r:embed="rId2"/>
+          <a:srcRect t="-76372" b="-76372"/>
           <a:stretch>
             <a:fillRect/>
           </a:stretch>
         </p:blipFill>
         <p:spPr>
           <a:xfrm>
-            <a:off x="1082274" y="1172519"/>
-            <a:ext cx="7809967" cy="3767781"/>
+            <a:off x="872247" y="263714"/>
+            <a:ext cx="7966954" cy="4608884"/>
+          </a:xfrm>
+        </p:spPr>
+      </p:pic>
+      <p:sp>
+        <p:nvSpPr>
+          <p:cNvPr id="5" name="Content Placeholder 4"/>
+          <p:cNvSpPr txBox="1">
+            <a:spLocks/>
+          </p:cNvSpPr>
+          <p:nvPr/>
+        </p:nvSpPr>
+        <p:spPr>
+          <a:xfrm>
+            <a:off x="796047" y="3790480"/>
+            <a:ext cx="7966954" cy="2483320"/>
           </a:xfrm>
           <a:prstGeom prst="rect">
             <a:avLst/>
           </a:prstGeom>
         </p:spPr>
-      </p:pic>
-      <p:pic>
-        <p:nvPicPr>
-          <p:cNvPr id="5" name="Picture 4" descr="file-tx.png"/>
-          <p:cNvPicPr>
-            <a:picLocks noChangeAspect="1"/>
-          </p:cNvPicPr>
-          <p:nvPr/>
-        </p:nvPicPr>
-        <p:blipFill>
-          <a:blip r:embed="rId4"/>
-          <a:stretch>
-            <a:fillRect/>
-          </a:stretch>
-        </p:blipFill>
-        <p:spPr>
-          <a:xfrm>
-            <a:off x="1333499" y="4787900"/>
-            <a:ext cx="5168901" cy="1980845"/>
-          </a:xfrm>
-          <a:prstGeom prst="rect">
-            <a:avLst/>
-          </a:prstGeom>
-        </p:spPr>
-      </p:pic>
+        <p:txBody>
+          <a:bodyPr vert="horz" lIns="91440" tIns="45720" rIns="91440" bIns="45720" rtlCol="0">
+            <a:normAutofit/>
+          </a:bodyPr>
+          <a:lstStyle/>
+          <a:p>
+            <a:pPr marL="342900" marR="0" lvl="0" indent="-342900" algn="l" defTabSz="914400" rtl="0" eaLnBrk="1" fontAlgn="auto" latinLnBrk="0" hangingPunct="1">
+              <a:lnSpc>
+                <a:spcPct val="100000"/>
+              </a:lnSpc>
+              <a:spcBef>
+                <a:spcPts val="2000"/>
+              </a:spcBef>
+              <a:spcAft>
+                <a:spcPts val="0"/>
+              </a:spcAft>
+              <a:buClr>
+                <a:schemeClr val="tx1">
+                  <a:lumMod val="75000"/>
+                  <a:lumOff val="25000"/>
+                </a:schemeClr>
+              </a:buClr>
+              <a:buSzTx/>
+              <a:buFont typeface="Wingdings 2" pitchFamily="18" charset="2"/>
+              <a:buChar char=""/>
+              <a:tabLst/>
+              <a:defRPr/>
+            </a:pPr>
+            <a:r>
+              <a:rPr kumimoji="0" lang="en-US" sz="1800" b="0" i="0" u="none" strike="noStrike" kern="1200" cap="none" spc="0" normalizeH="0" baseline="0" noProof="0" smtClean="0">
+                <a:ln>
+                  <a:noFill/>
+                </a:ln>
+                <a:solidFill>
+                  <a:schemeClr val="tx1">
+                    <a:lumMod val="65000"/>
+                    <a:lumOff val="35000"/>
+                  </a:schemeClr>
+                </a:solidFill>
+                <a:effectLst/>
+                <a:uLnTx/>
+                <a:uFillTx/>
+                <a:latin typeface="+mn-lt"/>
+                <a:ea typeface="+mn-ea"/>
+                <a:cs typeface="+mn-cs"/>
+              </a:rPr>
+              <a:t>FG1-FG3: Number of tasks varies, but each task has constant read-file size</a:t>
+            </a:r>
+          </a:p>
+          <a:p>
+            <a:pPr marL="1035050" marR="0" lvl="2" indent="-349250" algn="l" defTabSz="914400" rtl="0" eaLnBrk="1" fontAlgn="auto" latinLnBrk="0" hangingPunct="1">
+              <a:lnSpc>
+                <a:spcPct val="100000"/>
+              </a:lnSpc>
+              <a:spcBef>
+                <a:spcPts val="600"/>
+              </a:spcBef>
+              <a:spcAft>
+                <a:spcPts val="0"/>
+              </a:spcAft>
+              <a:buClr>
+                <a:schemeClr val="tx1">
+                  <a:lumMod val="75000"/>
+                  <a:lumOff val="25000"/>
+                </a:schemeClr>
+              </a:buClr>
+              <a:buSzTx/>
+              <a:buFont typeface="Arial"/>
+              <a:buChar char="•"/>
+              <a:tabLst/>
+              <a:defRPr/>
+            </a:pPr>
+            <a:r>
+              <a:rPr kumimoji="0" lang="en-US" sz="1800" b="0" i="0" u="none" strike="noStrike" kern="1200" cap="none" spc="0" normalizeH="0" baseline="0" noProof="0" smtClean="0">
+                <a:ln>
+                  <a:noFill/>
+                </a:ln>
+                <a:solidFill>
+                  <a:schemeClr val="tx1">
+                    <a:lumMod val="65000"/>
+                    <a:lumOff val="35000"/>
+                  </a:schemeClr>
+                </a:solidFill>
+                <a:effectLst/>
+                <a:uLnTx/>
+                <a:uFillTx/>
+                <a:latin typeface="+mn-lt"/>
+                <a:ea typeface="+mn-ea"/>
+                <a:cs typeface="+mn-cs"/>
+              </a:rPr>
+              <a:t>Note increase in going from FG1, FG2 and FG3</a:t>
+            </a:r>
+          </a:p>
+          <a:p>
+            <a:pPr marL="1035050" marR="0" lvl="2" indent="-349250" algn="l" defTabSz="914400" rtl="0" eaLnBrk="1" fontAlgn="auto" latinLnBrk="0" hangingPunct="1">
+              <a:lnSpc>
+                <a:spcPct val="100000"/>
+              </a:lnSpc>
+              <a:spcBef>
+                <a:spcPts val="600"/>
+              </a:spcBef>
+              <a:spcAft>
+                <a:spcPts val="0"/>
+              </a:spcAft>
+              <a:buClr>
+                <a:schemeClr val="tx1">
+                  <a:lumMod val="75000"/>
+                  <a:lumOff val="25000"/>
+                </a:schemeClr>
+              </a:buClr>
+              <a:buSzTx/>
+              <a:buFont typeface="Arial"/>
+              <a:buChar char="•"/>
+              <a:tabLst/>
+              <a:defRPr/>
+            </a:pPr>
+            <a:r>
+              <a:rPr kumimoji="0" lang="en-US" sz="1800" b="0" i="0" u="none" strike="noStrike" kern="1200" cap="none" spc="0" normalizeH="0" baseline="0" noProof="0" smtClean="0">
+                <a:ln>
+                  <a:noFill/>
+                </a:ln>
+                <a:solidFill>
+                  <a:schemeClr val="tx1">
+                    <a:lumMod val="65000"/>
+                    <a:lumOff val="35000"/>
+                  </a:schemeClr>
+                </a:solidFill>
+                <a:effectLst/>
+                <a:uLnTx/>
+                <a:uFillTx/>
+                <a:latin typeface="+mn-lt"/>
+                <a:ea typeface="+mn-ea"/>
+                <a:cs typeface="+mn-cs"/>
+              </a:rPr>
+              <a:t>Note Cyder is slower than India</a:t>
+            </a:r>
+          </a:p>
+          <a:p>
+            <a:pPr marL="1035050" marR="0" lvl="2" indent="-349250" algn="l" defTabSz="914400" rtl="0" eaLnBrk="1" fontAlgn="auto" latinLnBrk="0" hangingPunct="1">
+              <a:lnSpc>
+                <a:spcPct val="100000"/>
+              </a:lnSpc>
+              <a:spcBef>
+                <a:spcPts val="600"/>
+              </a:spcBef>
+              <a:spcAft>
+                <a:spcPts val="0"/>
+              </a:spcAft>
+              <a:buClr>
+                <a:schemeClr val="tx1">
+                  <a:lumMod val="75000"/>
+                  <a:lumOff val="25000"/>
+                </a:schemeClr>
+              </a:buClr>
+              <a:buSzTx/>
+              <a:buFont typeface="Arial"/>
+              <a:buChar char="•"/>
+              <a:tabLst/>
+              <a:defRPr/>
+            </a:pPr>
+            <a:r>
+              <a:rPr kumimoji="0" lang="en-US" sz="1800" b="0" i="0" u="none" strike="noStrike" kern="1200" cap="none" spc="0" normalizeH="0" baseline="0" noProof="0" smtClean="0">
+                <a:ln>
+                  <a:noFill/>
+                </a:ln>
+                <a:solidFill>
+                  <a:schemeClr val="tx1">
+                    <a:lumMod val="65000"/>
+                    <a:lumOff val="35000"/>
+                  </a:schemeClr>
+                </a:solidFill>
+                <a:effectLst/>
+                <a:uLnTx/>
+                <a:uFillTx/>
+                <a:latin typeface="+mn-lt"/>
+                <a:ea typeface="+mn-ea"/>
+                <a:cs typeface="+mn-cs"/>
+              </a:rPr>
+              <a:t>Compare FG5 and FG2: coordination cost</a:t>
+            </a:r>
+          </a:p>
+          <a:p>
+            <a:pPr marL="1035050" marR="0" lvl="2" indent="-349250" algn="l" defTabSz="914400" rtl="0" eaLnBrk="1" fontAlgn="auto" latinLnBrk="0" hangingPunct="1">
+              <a:lnSpc>
+                <a:spcPct val="100000"/>
+              </a:lnSpc>
+              <a:spcBef>
+                <a:spcPts val="600"/>
+              </a:spcBef>
+              <a:spcAft>
+                <a:spcPts val="0"/>
+              </a:spcAft>
+              <a:buClr>
+                <a:schemeClr val="tx1">
+                  <a:lumMod val="75000"/>
+                  <a:lumOff val="25000"/>
+                </a:schemeClr>
+              </a:buClr>
+              <a:buSzTx/>
+              <a:buFont typeface="Arial"/>
+              <a:buChar char="•"/>
+              <a:tabLst/>
+              <a:defRPr/>
+            </a:pPr>
+            <a:r>
+              <a:rPr kumimoji="0" lang="en-US" sz="1800" b="0" i="0" u="none" strike="noStrike" kern="1200" cap="none" spc="0" normalizeH="0" baseline="0" noProof="0" smtClean="0">
+                <a:ln>
+                  <a:noFill/>
+                </a:ln>
+                <a:solidFill>
+                  <a:schemeClr val="tx1">
+                    <a:lumMod val="65000"/>
+                    <a:lumOff val="35000"/>
+                  </a:schemeClr>
+                </a:solidFill>
+                <a:effectLst/>
+                <a:uLnTx/>
+                <a:uFillTx/>
+                <a:latin typeface="+mn-lt"/>
+                <a:ea typeface="+mn-ea"/>
+                <a:cs typeface="+mn-cs"/>
+              </a:rPr>
+              <a:t>Compare FG6 and FG3: FG6 I/O bottleneck reduced by distributing tasks</a:t>
+            </a:r>
+            <a:endParaRPr kumimoji="0" lang="en-US" sz="1800" b="0" i="0" u="none" strike="noStrike" kern="1200" cap="none" spc="0" normalizeH="0" baseline="0" noProof="0" smtClean="0">
+              <a:ln>
+                <a:noFill/>
+              </a:ln>
+              <a:solidFill>
+                <a:schemeClr val="tx1">
+                  <a:lumMod val="75000"/>
+                  <a:lumOff val="25000"/>
+                </a:schemeClr>
+              </a:solidFill>
+              <a:effectLst/>
+              <a:uLnTx/>
+              <a:uFillTx/>
+              <a:latin typeface="+mn-lt"/>
+              <a:ea typeface="+mn-ea"/>
+              <a:cs typeface="+mn-cs"/>
+            </a:endParaRPr>
+          </a:p>
+          <a:p>
+            <a:pPr marL="342900" marR="0" lvl="0" indent="-342900" algn="l" defTabSz="914400" rtl="0" eaLnBrk="1" fontAlgn="auto" latinLnBrk="0" hangingPunct="1">
+              <a:lnSpc>
+                <a:spcPct val="100000"/>
+              </a:lnSpc>
+              <a:spcBef>
+                <a:spcPts val="2000"/>
+              </a:spcBef>
+              <a:spcAft>
+                <a:spcPts val="0"/>
+              </a:spcAft>
+              <a:buClr>
+                <a:schemeClr val="tx1">
+                  <a:lumMod val="75000"/>
+                  <a:lumOff val="25000"/>
+                </a:schemeClr>
+              </a:buClr>
+              <a:buSzTx/>
+              <a:buFont typeface="Wingdings 2" pitchFamily="18" charset="2"/>
+              <a:buChar char=""/>
+              <a:tabLst/>
+              <a:defRPr/>
+            </a:pPr>
+            <a:endParaRPr kumimoji="0" lang="en-US" sz="1800" b="0" i="0" u="none" strike="noStrike" kern="1200" cap="none" spc="0" normalizeH="0" baseline="0" noProof="0" dirty="0">
+              <a:ln>
+                <a:noFill/>
+              </a:ln>
+              <a:solidFill>
+                <a:schemeClr val="tx1">
+                  <a:lumMod val="65000"/>
+                  <a:lumOff val="35000"/>
+                </a:schemeClr>
+              </a:solidFill>
+              <a:effectLst/>
+              <a:uLnTx/>
+              <a:uFillTx/>
+              <a:latin typeface="+mn-lt"/>
+              <a:ea typeface="+mn-ea"/>
+              <a:cs typeface="+mn-cs"/>
+            </a:endParaRPr>
+          </a:p>
+        </p:txBody>
+      </p:sp>
     </p:spTree>
-    <p:extLst>
-      <p:ext uri="{BB962C8B-B14F-4D97-AF65-F5344CB8AC3E}">
-        <p14:creationId xmlns:mc="http://schemas.openxmlformats.org/markup-compatibility/2006" xmlns:mv="urn:schemas-microsoft-com:mac:vml" xmlns:p14="http://schemas.microsoft.com/office/powerpoint/2010/main" xmlns:p="http://schemas.openxmlformats.org/presentationml/2006/main" xmlns:r="http://schemas.openxmlformats.org/officeDocument/2006/relationships" xmlns:a="http://schemas.openxmlformats.org/drawingml/2006/main" xmlns="" val="3147052436"/>
-      </p:ext>
-    </p:extLst>
   </p:cSld>
   <p:clrMapOvr>
     <a:masterClrMapping/>
@@ -12110,26 +10836,20 @@
         </p:nvSpPr>
         <p:spPr/>
         <p:txBody>
-          <a:bodyPr>
-            <a:normAutofit/>
-          </a:bodyPr>
+          <a:bodyPr/>
           <a:lstStyle/>
           <a:p>
             <a:r>
-              <a:rPr lang="en-US" sz="2800" dirty="0" smtClean="0"/>
-              <a:t>BFAST: </a:t>
-            </a:r>
-            <a:r>
-              <a:rPr lang="en-US" sz="2800" dirty="0" err="1" smtClean="0"/>
-              <a:t>Characterisation</a:t>
-            </a:r>
-            <a:endParaRPr lang="en-US" sz="2800" dirty="0"/>
+              <a:rPr lang="en-US" smtClean="0"/>
+              <a:t>SAGA – An Overview</a:t>
+            </a:r>
+            <a:endParaRPr lang="en-US" dirty="0"/>
           </a:p>
         </p:txBody>
       </p:sp>
       <p:pic>
         <p:nvPicPr>
-          <p:cNvPr id="4" name="Content Placeholder 3" descr="io-bound.png"/>
+          <p:cNvPr id="4" name="Content Placeholder 3" descr="bigpicture.png"/>
           <p:cNvPicPr>
             <a:picLocks noGrp="1" noChangeAspect="1"/>
           </p:cNvPicPr>
@@ -12139,23 +10859,201 @@
         </p:nvPicPr>
         <p:blipFill>
           <a:blip r:embed="rId2"/>
-          <a:srcRect t="-76372" b="-76372"/>
+          <a:srcRect t="-46344" b="-46344"/>
           <a:stretch>
             <a:fillRect/>
           </a:stretch>
         </p:blipFill>
         <p:spPr>
           <a:xfrm>
-            <a:off x="745247" y="2566616"/>
+            <a:off x="1037347" y="2946400"/>
             <a:ext cx="7966954" cy="4608884"/>
           </a:xfrm>
         </p:spPr>
       </p:pic>
+      <p:sp>
+        <p:nvSpPr>
+          <p:cNvPr id="7" name="Rectangle 6"/>
+          <p:cNvSpPr/>
+          <p:nvPr/>
+        </p:nvSpPr>
+        <p:spPr>
+          <a:xfrm>
+            <a:off x="872247" y="1347589"/>
+            <a:ext cx="8029576" cy="2339102"/>
+          </a:xfrm>
+          <a:prstGeom prst="rect">
+            <a:avLst/>
+          </a:prstGeom>
+        </p:spPr>
+        <p:txBody>
+          <a:bodyPr wrap="square">
+            <a:spAutoFit/>
+          </a:bodyPr>
+          <a:lstStyle/>
+          <a:p>
+            <a:pPr marL="342900" lvl="0" indent="-342900" defTabSz="914400">
+              <a:spcBef>
+                <a:spcPts val="2000"/>
+              </a:spcBef>
+              <a:buClr>
+                <a:prstClr val="black">
+                  <a:lumMod val="75000"/>
+                  <a:lumOff val="25000"/>
+                </a:prstClr>
+              </a:buClr>
+              <a:buFont typeface="Wingdings 2" pitchFamily="18" charset="2"/>
+              <a:buChar char=""/>
+            </a:pPr>
+            <a:r>
+              <a:rPr lang="en-US" sz="1900" dirty="0" smtClean="0">
+                <a:solidFill>
+                  <a:prstClr val="black">
+                    <a:lumMod val="65000"/>
+                    <a:lumOff val="35000"/>
+                  </a:prstClr>
+                </a:solidFill>
+              </a:rPr>
+              <a:t>Simple, integrated, stable, uniform and community-standard </a:t>
+            </a:r>
+          </a:p>
+          <a:p>
+            <a:pPr marL="685800" lvl="1" indent="-336550" defTabSz="914400">
+              <a:spcBef>
+                <a:spcPts val="600"/>
+              </a:spcBef>
+              <a:buClr>
+                <a:prstClr val="black">
+                  <a:lumMod val="95000"/>
+                  <a:lumOff val="5000"/>
+                </a:prstClr>
+              </a:buClr>
+              <a:buFont typeface="Arial"/>
+              <a:buChar char="•"/>
+            </a:pPr>
+            <a:r>
+              <a:rPr lang="en-US" sz="1700" dirty="0" smtClean="0">
+                <a:solidFill>
+                  <a:srgbClr val="21449B"/>
+                </a:solidFill>
+              </a:rPr>
+              <a:t>Simple and Stable: 80:20 restricted scope</a:t>
+            </a:r>
+          </a:p>
+          <a:p>
+            <a:pPr marL="685800" lvl="1" indent="-336550" defTabSz="914400">
+              <a:spcBef>
+                <a:spcPts val="600"/>
+              </a:spcBef>
+              <a:buClr>
+                <a:prstClr val="black">
+                  <a:lumMod val="95000"/>
+                  <a:lumOff val="5000"/>
+                </a:prstClr>
+              </a:buClr>
+              <a:buFont typeface="Arial"/>
+              <a:buChar char="•"/>
+            </a:pPr>
+            <a:r>
+              <a:rPr lang="en-US" sz="1700" dirty="0" smtClean="0">
+                <a:solidFill>
+                  <a:srgbClr val="21449B"/>
+                </a:solidFill>
+              </a:rPr>
+              <a:t>Integrated: Similar semantics &amp; style across primary functional areas</a:t>
+            </a:r>
+          </a:p>
+          <a:p>
+            <a:pPr marL="685800" lvl="1" indent="-336550" defTabSz="914400">
+              <a:spcBef>
+                <a:spcPts val="600"/>
+              </a:spcBef>
+              <a:buClr>
+                <a:prstClr val="black">
+                  <a:lumMod val="95000"/>
+                  <a:lumOff val="5000"/>
+                </a:prstClr>
+              </a:buClr>
+              <a:buFont typeface="Arial"/>
+              <a:buChar char="•"/>
+            </a:pPr>
+            <a:r>
+              <a:rPr lang="en-US" sz="1700" dirty="0" smtClean="0">
+                <a:solidFill>
+                  <a:srgbClr val="21449B"/>
+                </a:solidFill>
+              </a:rPr>
+              <a:t>Uniform: Same interface for different distributed systems</a:t>
+            </a:r>
+          </a:p>
+          <a:p>
+            <a:pPr marL="685800" lvl="1" indent="-336550" defTabSz="914400">
+              <a:spcBef>
+                <a:spcPts val="600"/>
+              </a:spcBef>
+              <a:buClr>
+                <a:prstClr val="black">
+                  <a:lumMod val="95000"/>
+                  <a:lumOff val="5000"/>
+                </a:prstClr>
+              </a:buClr>
+              <a:buFont typeface="Arial"/>
+              <a:buChar char="•"/>
+            </a:pPr>
+            <a:r>
+              <a:rPr lang="en-US" sz="1700" dirty="0" smtClean="0">
+                <a:solidFill>
+                  <a:srgbClr val="21449B"/>
+                </a:solidFill>
+              </a:rPr>
+              <a:t>The building blocks upon which to construct “consistent” higher-levels of functionality and abstractions</a:t>
+            </a:r>
+          </a:p>
+          <a:p>
+            <a:pPr marL="685800" lvl="1" indent="-336550" defTabSz="914400">
+              <a:spcBef>
+                <a:spcPts val="600"/>
+              </a:spcBef>
+              <a:buClr>
+                <a:prstClr val="black">
+                  <a:lumMod val="95000"/>
+                  <a:lumOff val="5000"/>
+                </a:prstClr>
+              </a:buClr>
+              <a:buFont typeface="Arial"/>
+              <a:buChar char="•"/>
+            </a:pPr>
+            <a:r>
+              <a:rPr lang="en-US" sz="1700" dirty="0" smtClean="0">
+                <a:solidFill>
+                  <a:srgbClr val="800000"/>
+                </a:solidFill>
+              </a:rPr>
+              <a:t>OGF-standard, “official” Access  Layer/API of EGI, NSF-XD</a:t>
+            </a:r>
+            <a:endParaRPr lang="en-US" sz="1700" b="1" dirty="0" smtClean="0">
+              <a:solidFill>
+                <a:prstClr val="black">
+                  <a:lumMod val="85000"/>
+                  <a:lumOff val="15000"/>
+                </a:prstClr>
+              </a:solidFill>
+            </a:endParaRPr>
+          </a:p>
+        </p:txBody>
+      </p:sp>
     </p:spTree>
   </p:cSld>
   <p:clrMapOvr>
     <a:masterClrMapping/>
   </p:clrMapOvr>
+  <p:timing>
+    <p:tnLst>
+      <p:par>
+        <p:cTn id="1" dur="indefinite" restart="never" nodeType="tmRoot"/>
+      </p:par>
+    </p:tnLst>
+  </p:timing>
 </p:sld>
 </file>
 

--- a/saga-talks/ecmls11-dare.pptx
+++ b/saga-talks/ecmls11-dare.pptx
@@ -6,7 +6,7 @@
     <p:sldMasterId id="2147483677" r:id="rId2"/>
   </p:sldMasterIdLst>
   <p:notesMasterIdLst>
-    <p:notesMasterId r:id="rId24"/>
+    <p:notesMasterId r:id="rId25"/>
   </p:notesMasterIdLst>
   <p:sldIdLst>
     <p:sldId id="256" r:id="rId3"/>
@@ -23,13 +23,14 @@
     <p:sldId id="791" r:id="rId14"/>
     <p:sldId id="773" r:id="rId15"/>
     <p:sldId id="830" r:id="rId16"/>
-    <p:sldId id="831" r:id="rId17"/>
-    <p:sldId id="817" r:id="rId18"/>
-    <p:sldId id="820" r:id="rId19"/>
-    <p:sldId id="815" r:id="rId20"/>
-    <p:sldId id="816" r:id="rId21"/>
-    <p:sldId id="757" r:id="rId22"/>
-    <p:sldId id="759" r:id="rId23"/>
+    <p:sldId id="838" r:id="rId17"/>
+    <p:sldId id="840" r:id="rId18"/>
+    <p:sldId id="817" r:id="rId19"/>
+    <p:sldId id="820" r:id="rId20"/>
+    <p:sldId id="815" r:id="rId21"/>
+    <p:sldId id="816" r:id="rId22"/>
+    <p:sldId id="757" r:id="rId23"/>
+    <p:sldId id="759" r:id="rId24"/>
   </p:sldIdLst>
   <p:sldSz cx="9144000" cy="6858000" type="screen4x3"/>
   <p:notesSz cx="6858000" cy="9144000"/>
@@ -214,7 +215,7 @@
             <a:fld id="{8E161E8F-4E15-A840-9658-105F9DD3DE22}" type="datetimeFigureOut">
               <a:rPr lang="en-US" smtClean="0"/>
               <a:pPr/>
-              <a:t>6/8/11</a:t>
+              <a:t>7/4/11</a:t>
             </a:fld>
             <a:endParaRPr lang="en-US"/>
           </a:p>
@@ -851,7 +852,7 @@
     </p:spTree>
     <p:extLst>
       <p:ext uri="{BB962C8B-B14F-4D97-AF65-F5344CB8AC3E}">
-        <p14:creationId xmlns="" xmlns:a="http://schemas.openxmlformats.org/drawingml/2006/main" xmlns:r="http://schemas.openxmlformats.org/officeDocument/2006/relationships" xmlns:p="http://schemas.openxmlformats.org/presentationml/2006/main" xmlns:p14="http://schemas.microsoft.com/office/powerpoint/2010/main" xmlns:mv="urn:schemas-microsoft-com:mac:vml" xmlns:mc="http://schemas.openxmlformats.org/markup-compatibility/2006" val="165362159"/>
+        <p14:creationId xmlns:mc="http://schemas.openxmlformats.org/markup-compatibility/2006" xmlns:mv="urn:schemas-microsoft-com:mac:vml" xmlns:p14="http://schemas.microsoft.com/office/powerpoint/2010/main" xmlns:p="http://schemas.openxmlformats.org/presentationml/2006/main" xmlns:r="http://schemas.openxmlformats.org/officeDocument/2006/relationships" xmlns:a="http://schemas.openxmlformats.org/drawingml/2006/main" xmlns="" val="165362159"/>
       </p:ext>
     </p:extLst>
   </p:cSld>
@@ -902,6 +903,99 @@
         </p:nvSpPr>
         <p:spPr/>
         <p:txBody>
+          <a:bodyPr/>
+          <a:lstStyle/>
+          <a:p>
+            <a:r>
+              <a:rPr lang="en-US" dirty="0" smtClean="0"/>
+              <a:t>(JK) Here,</a:t>
+            </a:r>
+            <a:r>
+              <a:rPr lang="en-US" baseline="0" dirty="0" smtClean="0"/>
+              <a:t> upper two tables represent the benefits of task level concurrency and scale-out strategy</a:t>
+            </a:r>
+            <a:endParaRPr lang="en-US" dirty="0"/>
+          </a:p>
+        </p:txBody>
+      </p:sp>
+      <p:sp>
+        <p:nvSpPr>
+          <p:cNvPr id="4" name="Slide Number Placeholder 3"/>
+          <p:cNvSpPr>
+            <a:spLocks noGrp="1"/>
+          </p:cNvSpPr>
+          <p:nvPr>
+            <p:ph type="sldNum" sz="quarter" idx="10"/>
+          </p:nvPr>
+        </p:nvSpPr>
+        <p:spPr/>
+        <p:txBody>
+          <a:bodyPr/>
+          <a:lstStyle/>
+          <a:p>
+            <a:fld id="{8FC6E2D0-3DA8-0A4F-9A90-3E1A8900A569}" type="slidenum">
+              <a:rPr lang="en-US" smtClean="0"/>
+              <a:pPr/>
+              <a:t>16</a:t>
+            </a:fld>
+            <a:endParaRPr lang="en-US" dirty="0"/>
+          </a:p>
+        </p:txBody>
+      </p:sp>
+    </p:spTree>
+    <p:extLst>
+      <p:ext uri="{BB962C8B-B14F-4D97-AF65-F5344CB8AC3E}">
+        <p14:creationId xmlns:mc="http://schemas.openxmlformats.org/markup-compatibility/2006" xmlns:mv="urn:schemas-microsoft-com:mac:vml" xmlns:p14="http://schemas.microsoft.com/office/powerpoint/2010/main" xmlns:p="http://schemas.openxmlformats.org/presentationml/2006/main" xmlns:r="http://schemas.openxmlformats.org/officeDocument/2006/relationships" xmlns:a="http://schemas.openxmlformats.org/drawingml/2006/main" xmlns="" val="165362159"/>
+      </p:ext>
+    </p:extLst>
+  </p:cSld>
+  <p:clrMapOvr>
+    <a:masterClrMapping/>
+  </p:clrMapOvr>
+</p:notes>
+</file>
+
+<file path=ppt/notesSlides/notesSlide6.xml><?xml version="1.0" encoding="utf-8"?>
+<p:notes xmlns:a="http://schemas.openxmlformats.org/drawingml/2006/main" xmlns:r="http://schemas.openxmlformats.org/officeDocument/2006/relationships" xmlns:mc="http://schemas.openxmlformats.org/markup-compatibility/2006" xmlns:mv="urn:schemas-microsoft-com:mac:vml" xmlns:p="http://schemas.openxmlformats.org/presentationml/2006/main" mc:Ignorable="mv" mc:PreserveAttributes="mv:*">
+  <p:cSld>
+    <p:spTree>
+      <p:nvGrpSpPr>
+        <p:cNvPr id="1" name=""/>
+        <p:cNvGrpSpPr/>
+        <p:nvPr/>
+      </p:nvGrpSpPr>
+      <p:grpSpPr>
+        <a:xfrm>
+          <a:off x="0" y="0"/>
+          <a:ext cx="0" cy="0"/>
+          <a:chOff x="0" y="0"/>
+          <a:chExt cx="0" cy="0"/>
+        </a:xfrm>
+      </p:grpSpPr>
+      <p:sp>
+        <p:nvSpPr>
+          <p:cNvPr id="2" name="Slide Image Placeholder 1"/>
+          <p:cNvSpPr>
+            <a:spLocks noGrp="1" noRot="1" noChangeAspect="1"/>
+          </p:cNvSpPr>
+          <p:nvPr>
+            <p:ph type="sldImg"/>
+          </p:nvPr>
+        </p:nvSpPr>
+        <p:spPr/>
+      </p:sp>
+      <p:sp>
+        <p:nvSpPr>
+          <p:cNvPr id="3" name="Notes Placeholder 2"/>
+          <p:cNvSpPr>
+            <a:spLocks noGrp="1"/>
+          </p:cNvSpPr>
+          <p:nvPr>
+            <p:ph type="body" idx="1"/>
+          </p:nvPr>
+        </p:nvSpPr>
+        <p:spPr/>
+        <p:txBody>
           <a:bodyPr>
             <a:normAutofit/>
           </a:bodyPr>
@@ -953,7 +1047,7 @@
             <a:fld id="{D344DA2A-F2F4-D74A-8AEC-1933B33E97E0}" type="slidenum">
               <a:rPr lang="en-US" smtClean="0"/>
               <a:pPr/>
-              <a:t>18</a:t>
+              <a:t>19</a:t>
             </a:fld>
             <a:endParaRPr lang="en-US"/>
           </a:p>
@@ -1193,7 +1287,7 @@
             <a:fld id="{4C4AD4EB-88D0-C141-9474-CCD86A78CB94}" type="datetimeFigureOut">
               <a:rPr lang="en-US" smtClean="0"/>
               <a:pPr/>
-              <a:t>6/8/11</a:t>
+              <a:t>7/4/11</a:t>
             </a:fld>
             <a:endParaRPr lang="en-US" dirty="0"/>
           </a:p>
@@ -1516,7 +1610,7 @@
             <a:fld id="{4C4AD4EB-88D0-C141-9474-CCD86A78CB94}" type="datetimeFigureOut">
               <a:rPr lang="en-US" smtClean="0"/>
               <a:pPr/>
-              <a:t>6/8/11</a:t>
+              <a:t>7/4/11</a:t>
             </a:fld>
             <a:endParaRPr lang="en-US"/>
           </a:p>
@@ -1792,7 +1886,7 @@
             <a:fld id="{4C4AD4EB-88D0-C141-9474-CCD86A78CB94}" type="datetimeFigureOut">
               <a:rPr lang="en-US" smtClean="0"/>
               <a:pPr/>
-              <a:t>6/8/11</a:t>
+              <a:t>7/4/11</a:t>
             </a:fld>
             <a:endParaRPr lang="en-US"/>
           </a:p>
@@ -2084,7 +2178,7 @@
             <a:fld id="{4C4AD4EB-88D0-C141-9474-CCD86A78CB94}" type="datetimeFigureOut">
               <a:rPr lang="en-US" smtClean="0"/>
               <a:pPr/>
-              <a:t>6/8/11</a:t>
+              <a:t>7/4/11</a:t>
             </a:fld>
             <a:endParaRPr lang="en-US"/>
           </a:p>
@@ -2411,7 +2505,7 @@
             <a:fld id="{4C4AD4EB-88D0-C141-9474-CCD86A78CB94}" type="datetimeFigureOut">
               <a:rPr lang="en-US" smtClean="0"/>
               <a:pPr/>
-              <a:t>6/8/11</a:t>
+              <a:t>7/4/11</a:t>
             </a:fld>
             <a:endParaRPr lang="en-US"/>
           </a:p>
@@ -2659,7 +2753,7 @@
             <a:fld id="{4C4AD4EB-88D0-C141-9474-CCD86A78CB94}" type="datetimeFigureOut">
               <a:rPr lang="en-US" smtClean="0"/>
               <a:pPr/>
-              <a:t>6/8/11</a:t>
+              <a:t>7/4/11</a:t>
             </a:fld>
             <a:endParaRPr lang="en-US"/>
           </a:p>
@@ -2836,7 +2930,7 @@
             <a:fld id="{4C4AD4EB-88D0-C141-9474-CCD86A78CB94}" type="datetimeFigureOut">
               <a:rPr lang="en-US" smtClean="0"/>
               <a:pPr/>
-              <a:t>6/8/11</a:t>
+              <a:t>7/4/11</a:t>
             </a:fld>
             <a:endParaRPr lang="en-US"/>
           </a:p>
@@ -3213,7 +3307,7 @@
             <a:fld id="{4C4AD4EB-88D0-C141-9474-CCD86A78CB94}" type="datetimeFigureOut">
               <a:rPr lang="en-US" smtClean="0"/>
               <a:pPr/>
-              <a:t>6/8/11</a:t>
+              <a:t>7/4/11</a:t>
             </a:fld>
             <a:endParaRPr lang="en-US"/>
           </a:p>
@@ -3484,7 +3578,7 @@
             <a:fld id="{4C4AD4EB-88D0-C141-9474-CCD86A78CB94}" type="datetimeFigureOut">
               <a:rPr lang="en-US" smtClean="0"/>
               <a:pPr/>
-              <a:t>6/8/11</a:t>
+              <a:t>7/4/11</a:t>
             </a:fld>
             <a:endParaRPr lang="en-US"/>
           </a:p>
@@ -3792,7 +3886,7 @@
             <a:fld id="{4C4AD4EB-88D0-C141-9474-CCD86A78CB94}" type="datetimeFigureOut">
               <a:rPr lang="en-US" smtClean="0"/>
               <a:pPr/>
-              <a:t>6/8/11</a:t>
+              <a:t>7/4/11</a:t>
             </a:fld>
             <a:endParaRPr lang="en-US"/>
           </a:p>
@@ -4086,7 +4180,7 @@
             <a:fld id="{4C4AD4EB-88D0-C141-9474-CCD86A78CB94}" type="datetimeFigureOut">
               <a:rPr lang="en-US" smtClean="0"/>
               <a:pPr/>
-              <a:t>6/8/11</a:t>
+              <a:t>7/4/11</a:t>
             </a:fld>
             <a:endParaRPr lang="en-US"/>
           </a:p>
@@ -4518,7 +4612,7 @@
             <a:fld id="{4C4AD4EB-88D0-C141-9474-CCD86A78CB94}" type="datetimeFigureOut">
               <a:rPr lang="en-US" smtClean="0"/>
               <a:pPr/>
-              <a:t>6/8/11</a:t>
+              <a:t>7/4/11</a:t>
             </a:fld>
             <a:endParaRPr lang="en-US"/>
           </a:p>
@@ -4866,7 +4960,7 @@
             <a:fld id="{4C4AD4EB-88D0-C141-9474-CCD86A78CB94}" type="datetimeFigureOut">
               <a:rPr lang="en-US" smtClean="0"/>
               <a:pPr/>
-              <a:t>6/8/11</a:t>
+              <a:t>7/4/11</a:t>
             </a:fld>
             <a:endParaRPr lang="en-US"/>
           </a:p>
@@ -4958,7 +5052,7 @@
             <a:fld id="{4C4AD4EB-88D0-C141-9474-CCD86A78CB94}" type="datetimeFigureOut">
               <a:rPr lang="en-US" smtClean="0"/>
               <a:pPr/>
-              <a:t>6/8/11</a:t>
+              <a:t>7/4/11</a:t>
             </a:fld>
             <a:endParaRPr lang="en-US"/>
           </a:p>
@@ -5297,7 +5391,7 @@
             <a:fld id="{4C4AD4EB-88D0-C141-9474-CCD86A78CB94}" type="datetimeFigureOut">
               <a:rPr lang="en-US" smtClean="0"/>
               <a:pPr/>
-              <a:t>6/8/11</a:t>
+              <a:t>7/4/11</a:t>
             </a:fld>
             <a:endParaRPr lang="en-US"/>
           </a:p>
@@ -5511,7 +5605,7 @@
             <a:fld id="{4C4AD4EB-88D0-C141-9474-CCD86A78CB94}" type="datetimeFigureOut">
               <a:rPr lang="en-US" smtClean="0"/>
               <a:pPr/>
-              <a:t>6/8/11</a:t>
+              <a:t>7/4/11</a:t>
             </a:fld>
             <a:endParaRPr lang="en-US"/>
           </a:p>
@@ -6193,7 +6287,7 @@
             <a:fld id="{9CA5C856-D373-2E49-9257-F90004C68B8A}" type="datetimeFigureOut">
               <a:rPr lang="en-US" smtClean="0"/>
               <a:pPr/>
-              <a:t>6/8/11</a:t>
+              <a:t>7/4/11</a:t>
             </a:fld>
             <a:endParaRPr lang="en-US" dirty="0"/>
           </a:p>
@@ -7186,7 +7280,7 @@
     </p:spTree>
     <p:extLst>
       <p:ext uri="{BB962C8B-B14F-4D97-AF65-F5344CB8AC3E}">
-        <p14:creationId xmlns="" xmlns:a="http://schemas.openxmlformats.org/drawingml/2006/main" xmlns:r="http://schemas.openxmlformats.org/officeDocument/2006/relationships" xmlns:p="http://schemas.openxmlformats.org/presentationml/2006/main" xmlns:p14="http://schemas.microsoft.com/office/powerpoint/2010/main" xmlns:mv="urn:schemas-microsoft-com:mac:vml" xmlns:mc="http://schemas.openxmlformats.org/markup-compatibility/2006" val="2144568309"/>
+        <p14:creationId xmlns:mc="http://schemas.openxmlformats.org/markup-compatibility/2006" xmlns:mv="urn:schemas-microsoft-com:mac:vml" xmlns:p14="http://schemas.microsoft.com/office/powerpoint/2010/main" xmlns:p="http://schemas.openxmlformats.org/presentationml/2006/main" xmlns:r="http://schemas.openxmlformats.org/officeDocument/2006/relationships" xmlns:a="http://schemas.openxmlformats.org/drawingml/2006/main" xmlns="" val="2144568309"/>
       </p:ext>
     </p:extLst>
   </p:cSld>
@@ -7347,7 +7441,7 @@
     </p:spTree>
     <p:extLst>
       <p:ext uri="{BB962C8B-B14F-4D97-AF65-F5344CB8AC3E}">
-        <p14:creationId xmlns="" xmlns:a="http://schemas.openxmlformats.org/drawingml/2006/main" xmlns:r="http://schemas.openxmlformats.org/officeDocument/2006/relationships" xmlns:p="http://schemas.openxmlformats.org/presentationml/2006/main" xmlns:p14="http://schemas.microsoft.com/office/powerpoint/2010/main" xmlns:mv="urn:schemas-microsoft-com:mac:vml" xmlns:mc="http://schemas.openxmlformats.org/markup-compatibility/2006" val="647122911"/>
+        <p14:creationId xmlns:mc="http://schemas.openxmlformats.org/markup-compatibility/2006" xmlns:mv="urn:schemas-microsoft-com:mac:vml" xmlns:p14="http://schemas.microsoft.com/office/powerpoint/2010/main" xmlns:p="http://schemas.openxmlformats.org/presentationml/2006/main" xmlns:r="http://schemas.openxmlformats.org/officeDocument/2006/relationships" xmlns:a="http://schemas.openxmlformats.org/drawingml/2006/main" xmlns="" val="647122911"/>
       </p:ext>
     </p:extLst>
   </p:cSld>
@@ -7394,15 +7488,15 @@
         <p:spPr/>
         <p:txBody>
           <a:bodyPr>
-            <a:normAutofit fontScale="90000"/>
+            <a:normAutofit/>
           </a:bodyPr>
           <a:lstStyle/>
           <a:p>
             <a:r>
-              <a:rPr lang="en-US" smtClean="0"/>
+              <a:rPr lang="en-US" sz="2400" dirty="0" smtClean="0"/>
               <a:t>DARE-NGS : Mapping on Scalable Distributed HPC resources</a:t>
             </a:r>
-            <a:endParaRPr lang="en-US" dirty="0"/>
+            <a:endParaRPr lang="en-US" sz="2400" dirty="0"/>
           </a:p>
         </p:txBody>
       </p:sp>
@@ -7443,7 +7537,7 @@
             <a:pPr lvl="1"/>
             <a:r>
               <a:rPr lang="en-US" dirty="0" smtClean="0"/>
-              <a:t>Be sure to not his IO bound</a:t>
+              <a:t>Be sure  this is not IO bound</a:t>
             </a:r>
           </a:p>
           <a:p>
@@ -7497,7 +7591,7 @@
     </p:spTree>
     <p:extLst>
       <p:ext uri="{BB962C8B-B14F-4D97-AF65-F5344CB8AC3E}">
-        <p14:creationId xmlns="" xmlns:a="http://schemas.openxmlformats.org/drawingml/2006/main" xmlns:r="http://schemas.openxmlformats.org/officeDocument/2006/relationships" xmlns:p="http://schemas.openxmlformats.org/presentationml/2006/main" xmlns:p14="http://schemas.microsoft.com/office/powerpoint/2010/main" xmlns:mv="urn:schemas-microsoft-com:mac:vml" xmlns:mc="http://schemas.openxmlformats.org/markup-compatibility/2006" val="3440781938"/>
+        <p14:creationId xmlns:mc="http://schemas.openxmlformats.org/markup-compatibility/2006" xmlns:mv="urn:schemas-microsoft-com:mac:vml" xmlns:p14="http://schemas.microsoft.com/office/powerpoint/2010/main" xmlns:p="http://schemas.openxmlformats.org/presentationml/2006/main" xmlns:r="http://schemas.openxmlformats.org/officeDocument/2006/relationships" xmlns:a="http://schemas.openxmlformats.org/drawingml/2006/main" xmlns="" val="3440781938"/>
       </p:ext>
     </p:extLst>
   </p:cSld>
@@ -7544,54 +7638,101 @@
         <p:spPr/>
         <p:txBody>
           <a:bodyPr>
-            <a:normAutofit fontScale="90000"/>
+            <a:normAutofit/>
           </a:bodyPr>
           <a:lstStyle/>
           <a:p>
             <a:r>
-              <a:rPr lang="en-US" sz="2800" dirty="0" smtClean="0"/>
+              <a:rPr lang="en-US" sz="2400" dirty="0" smtClean="0"/>
               <a:t>Tradeoffs: Comp. </a:t>
             </a:r>
             <a:r>
-              <a:rPr lang="en-US" sz="2800" dirty="0" err="1" smtClean="0"/>
+              <a:rPr lang="en-US" sz="2400" dirty="0" err="1" smtClean="0"/>
               <a:t>vs</a:t>
             </a:r>
             <a:r>
-              <a:rPr lang="en-US" sz="2800" dirty="0" smtClean="0"/>
+              <a:rPr lang="en-US" sz="2400" dirty="0" smtClean="0"/>
               <a:t> </a:t>
             </a:r>
             <a:r>
-              <a:rPr lang="en-US" sz="2800" dirty="0" err="1" smtClean="0"/>
+              <a:rPr lang="en-US" sz="2400" dirty="0" err="1" smtClean="0"/>
               <a:t>Mem</a:t>
             </a:r>
             <a:r>
-              <a:rPr lang="en-US" sz="2800" dirty="0" smtClean="0"/>
+              <a:rPr lang="en-US" sz="2400" dirty="0" smtClean="0"/>
               <a:t>. </a:t>
             </a:r>
             <a:r>
-              <a:rPr lang="en-US" sz="2800" dirty="0" err="1" smtClean="0"/>
+              <a:rPr lang="en-US" sz="2400" dirty="0" err="1" smtClean="0"/>
               <a:t>vs</a:t>
             </a:r>
             <a:r>
-              <a:rPr lang="en-US" sz="2800" dirty="0" smtClean="0"/>
+              <a:rPr lang="en-US" sz="2400" dirty="0" smtClean="0"/>
               <a:t> I/O </a:t>
             </a:r>
             <a:r>
-              <a:rPr lang="en-US" sz="2800" dirty="0" err="1" smtClean="0"/>
+              <a:rPr lang="en-US" sz="2400" dirty="0" err="1" smtClean="0"/>
               <a:t>vs</a:t>
             </a:r>
             <a:r>
-              <a:rPr lang="en-US" sz="2800" dirty="0" smtClean="0"/>
+              <a:rPr lang="en-US" sz="2400" dirty="0" smtClean="0"/>
               <a:t> </a:t>
             </a:r>
             <a:r>
-              <a:rPr lang="en-US" sz="2800" dirty="0" err="1" smtClean="0"/>
+              <a:rPr lang="en-US" sz="2400" dirty="0" err="1" smtClean="0"/>
               <a:t>DoD</a:t>
             </a:r>
-            <a:endParaRPr lang="en-US" sz="2800" dirty="0">
-              <a:latin typeface="Arial"/>
-              <a:cs typeface="Arial"/>
-            </a:endParaRPr>
+            <a:endParaRPr lang="en-US" sz="2400" dirty="0"/>
+          </a:p>
+        </p:txBody>
+      </p:sp>
+      <p:sp>
+        <p:nvSpPr>
+          <p:cNvPr id="7" name="Content Placeholder 6"/>
+          <p:cNvSpPr>
+            <a:spLocks noGrp="1"/>
+          </p:cNvSpPr>
+          <p:nvPr>
+            <p:ph idx="1"/>
+          </p:nvPr>
+        </p:nvSpPr>
+        <p:spPr>
+          <a:xfrm>
+            <a:off x="961146" y="4681636"/>
+            <a:ext cx="7966954" cy="1985864"/>
+          </a:xfrm>
+        </p:spPr>
+        <p:txBody>
+          <a:bodyPr>
+            <a:normAutofit/>
+          </a:bodyPr>
+          <a:lstStyle/>
+          <a:p>
+            <a:r>
+              <a:rPr lang="en-US" dirty="0" smtClean="0"/>
+              <a:t>R3 – average of R1 and R2 </a:t>
+            </a:r>
+          </a:p>
+          <a:p>
+            <a:pPr lvl="1"/>
+            <a:r>
+              <a:rPr lang="en-US" dirty="0" smtClean="0"/>
+              <a:t>Not including Transfer time</a:t>
+            </a:r>
+          </a:p>
+          <a:p>
+            <a:pPr lvl="1"/>
+            <a:r>
+              <a:rPr lang="en-US" dirty="0" smtClean="0"/>
+              <a:t>Coordination time quite small, including R/QB/FG</a:t>
+            </a:r>
+          </a:p>
+          <a:p>
+            <a:r>
+              <a:rPr lang="en-US" dirty="0" smtClean="0"/>
+              <a:t>Similar characteristics for different physical systems</a:t>
+            </a:r>
+            <a:endParaRPr lang="en-US" dirty="0"/>
           </a:p>
         </p:txBody>
       </p:sp>
@@ -7611,32 +7752,8 @@
         </p:blipFill>
         <p:spPr>
           <a:xfrm>
-            <a:off x="1082274" y="1172519"/>
+            <a:off x="650474" y="1013014"/>
             <a:ext cx="7809967" cy="3767781"/>
-          </a:xfrm>
-          <a:prstGeom prst="rect">
-            <a:avLst/>
-          </a:prstGeom>
-        </p:spPr>
-      </p:pic>
-      <p:pic>
-        <p:nvPicPr>
-          <p:cNvPr id="5" name="Picture 4" descr="file-tx.png"/>
-          <p:cNvPicPr>
-            <a:picLocks noChangeAspect="1"/>
-          </p:cNvPicPr>
-          <p:nvPr/>
-        </p:nvPicPr>
-        <p:blipFill>
-          <a:blip r:embed="rId4"/>
-          <a:stretch>
-            <a:fillRect/>
-          </a:stretch>
-        </p:blipFill>
-        <p:spPr>
-          <a:xfrm>
-            <a:off x="1333499" y="4787900"/>
-            <a:ext cx="5168901" cy="1980845"/>
           </a:xfrm>
           <a:prstGeom prst="rect">
             <a:avLst/>
@@ -7646,7 +7763,7 @@
     </p:spTree>
     <p:extLst>
       <p:ext uri="{BB962C8B-B14F-4D97-AF65-F5344CB8AC3E}">
-        <p14:creationId xmlns="" xmlns:a="http://schemas.openxmlformats.org/drawingml/2006/main" xmlns:r="http://schemas.openxmlformats.org/officeDocument/2006/relationships" xmlns:p="http://schemas.openxmlformats.org/presentationml/2006/main" xmlns:p14="http://schemas.microsoft.com/office/powerpoint/2010/main" xmlns:mv="urn:schemas-microsoft-com:mac:vml" xmlns:mc="http://schemas.openxmlformats.org/markup-compatibility/2006" val="3147052436"/>
+        <p14:creationId xmlns:mc="http://schemas.openxmlformats.org/markup-compatibility/2006" xmlns:mv="urn:schemas-microsoft-com:mac:vml" xmlns:p14="http://schemas.microsoft.com/office/powerpoint/2010/main" xmlns:p="http://schemas.openxmlformats.org/presentationml/2006/main" xmlns:r="http://schemas.openxmlformats.org/officeDocument/2006/relationships" xmlns:a="http://schemas.openxmlformats.org/drawingml/2006/main" xmlns="" val="3147052436"/>
       </p:ext>
     </p:extLst>
   </p:cSld>
@@ -7682,7 +7799,7 @@
       </p:grpSpPr>
       <p:sp>
         <p:nvSpPr>
-          <p:cNvPr id="7" name="Title 6"/>
+          <p:cNvPr id="2" name="Title 1"/>
           <p:cNvSpPr>
             <a:spLocks noGrp="1"/>
           </p:cNvSpPr>
@@ -7699,25 +7816,171 @@
           <a:p>
             <a:r>
               <a:rPr lang="en-US" sz="2400" dirty="0" smtClean="0"/>
-              <a:t>Towards Production DCI for NGS Analytics</a:t>
+              <a:t>Tradeoffs: Comp. </a:t>
+            </a:r>
+            <a:r>
+              <a:rPr lang="en-US" sz="2400" dirty="0" err="1" smtClean="0"/>
+              <a:t>vs</a:t>
+            </a:r>
+            <a:r>
+              <a:rPr lang="en-US" sz="2400" dirty="0" smtClean="0"/>
+              <a:t> </a:t>
+            </a:r>
+            <a:r>
+              <a:rPr lang="en-US" sz="2400" dirty="0" err="1" smtClean="0"/>
+              <a:t>Mem</a:t>
+            </a:r>
+            <a:r>
+              <a:rPr lang="en-US" sz="2400" dirty="0" smtClean="0"/>
+              <a:t>. </a:t>
+            </a:r>
+            <a:r>
+              <a:rPr lang="en-US" sz="2400" dirty="0" err="1" smtClean="0"/>
+              <a:t>vs</a:t>
+            </a:r>
+            <a:r>
+              <a:rPr lang="en-US" sz="2400" dirty="0" smtClean="0"/>
+              <a:t> I/O </a:t>
+            </a:r>
+            <a:r>
+              <a:rPr lang="en-US" sz="2400" dirty="0" err="1" smtClean="0"/>
+              <a:t>vs</a:t>
+            </a:r>
+            <a:r>
+              <a:rPr lang="en-US" sz="2400" dirty="0" smtClean="0"/>
+              <a:t> </a:t>
+            </a:r>
+            <a:r>
+              <a:rPr lang="en-US" sz="2400" dirty="0" err="1" smtClean="0"/>
+              <a:t>DoD</a:t>
             </a:r>
             <a:endParaRPr lang="en-US" sz="2400" dirty="0"/>
           </a:p>
         </p:txBody>
       </p:sp>
-      <p:sp>
-        <p:nvSpPr>
-          <p:cNvPr id="8" name="Content Placeholder 7"/>
-          <p:cNvSpPr>
-            <a:spLocks noGrp="1"/>
-          </p:cNvSpPr>
-          <p:nvPr>
-            <p:ph idx="1"/>
-          </p:nvPr>
-        </p:nvSpPr>
+      <p:pic>
+        <p:nvPicPr>
+          <p:cNvPr id="22" name="Picture 21" descr="bfast-dare-scaleout.png"/>
+          <p:cNvPicPr>
+            <a:picLocks noChangeAspect="1"/>
+          </p:cNvPicPr>
+          <p:nvPr/>
+        </p:nvPicPr>
+        <p:blipFill>
+          <a:blip r:embed="rId3"/>
+          <a:stretch>
+            <a:fillRect/>
+          </a:stretch>
+        </p:blipFill>
         <p:spPr>
           <a:xfrm>
-            <a:off x="529346" y="1529880"/>
+            <a:off x="1114424" y="1178114"/>
+            <a:ext cx="5297501" cy="2555686"/>
+          </a:xfrm>
+          <a:prstGeom prst="rect">
+            <a:avLst/>
+          </a:prstGeom>
+        </p:spPr>
+      </p:pic>
+      <p:pic>
+        <p:nvPicPr>
+          <p:cNvPr id="6" name="Picture 5" descr="file-tx.png"/>
+          <p:cNvPicPr>
+            <a:picLocks noChangeAspect="1"/>
+          </p:cNvPicPr>
+          <p:nvPr/>
+        </p:nvPicPr>
+        <p:blipFill>
+          <a:blip r:embed="rId4"/>
+          <a:stretch>
+            <a:fillRect/>
+          </a:stretch>
+        </p:blipFill>
+        <p:spPr>
+          <a:xfrm>
+            <a:off x="1155699" y="3733800"/>
+            <a:ext cx="6893103" cy="2641600"/>
+          </a:xfrm>
+          <a:prstGeom prst="rect">
+            <a:avLst/>
+          </a:prstGeom>
+        </p:spPr>
+      </p:pic>
+    </p:spTree>
+    <p:extLst>
+      <p:ext uri="{BB962C8B-B14F-4D97-AF65-F5344CB8AC3E}">
+        <p14:creationId xmlns:mc="http://schemas.openxmlformats.org/markup-compatibility/2006" xmlns:mv="urn:schemas-microsoft-com:mac:vml" xmlns:p14="http://schemas.microsoft.com/office/powerpoint/2010/main" xmlns:p="http://schemas.openxmlformats.org/presentationml/2006/main" xmlns:r="http://schemas.openxmlformats.org/officeDocument/2006/relationships" xmlns:a="http://schemas.openxmlformats.org/drawingml/2006/main" xmlns="" val="3147052436"/>
+      </p:ext>
+    </p:extLst>
+  </p:cSld>
+  <p:clrMapOvr>
+    <a:masterClrMapping/>
+  </p:clrMapOvr>
+  <p:timing>
+    <p:tnLst>
+      <p:par>
+        <p:cTn id="1" dur="indefinite" restart="never" nodeType="tmRoot"/>
+      </p:par>
+    </p:tnLst>
+  </p:timing>
+</p:sld>
+</file>
+
+<file path=ppt/slides/slide17.xml><?xml version="1.0" encoding="utf-8"?>
+<p:sld xmlns:a="http://schemas.openxmlformats.org/drawingml/2006/main" xmlns:r="http://schemas.openxmlformats.org/officeDocument/2006/relationships" xmlns:mc="http://schemas.openxmlformats.org/markup-compatibility/2006" xmlns:mv="urn:schemas-microsoft-com:mac:vml" xmlns:p="http://schemas.openxmlformats.org/presentationml/2006/main" mc:Ignorable="mv" mc:PreserveAttributes="mv:*">
+  <p:cSld>
+    <p:spTree>
+      <p:nvGrpSpPr>
+        <p:cNvPr id="1" name=""/>
+        <p:cNvGrpSpPr/>
+        <p:nvPr/>
+      </p:nvGrpSpPr>
+      <p:grpSpPr>
+        <a:xfrm>
+          <a:off x="0" y="0"/>
+          <a:ext cx="0" cy="0"/>
+          <a:chOff x="0" y="0"/>
+          <a:chExt cx="0" cy="0"/>
+        </a:xfrm>
+      </p:grpSpPr>
+      <p:sp>
+        <p:nvSpPr>
+          <p:cNvPr id="7" name="Title 6"/>
+          <p:cNvSpPr>
+            <a:spLocks noGrp="1"/>
+          </p:cNvSpPr>
+          <p:nvPr>
+            <p:ph type="title"/>
+          </p:nvPr>
+        </p:nvSpPr>
+        <p:spPr/>
+        <p:txBody>
+          <a:bodyPr>
+            <a:normAutofit/>
+          </a:bodyPr>
+          <a:lstStyle/>
+          <a:p>
+            <a:r>
+              <a:rPr lang="en-US" sz="2400" dirty="0" smtClean="0"/>
+              <a:t>Towards Production DCI for NGS Analytics</a:t>
+            </a:r>
+            <a:endParaRPr lang="en-US" sz="2400" dirty="0"/>
+          </a:p>
+        </p:txBody>
+      </p:sp>
+      <p:sp>
+        <p:nvSpPr>
+          <p:cNvPr id="8" name="Content Placeholder 7"/>
+          <p:cNvSpPr>
+            <a:spLocks noGrp="1"/>
+          </p:cNvSpPr>
+          <p:nvPr>
+            <p:ph idx="1"/>
+          </p:nvPr>
+        </p:nvSpPr>
+        <p:spPr>
+          <a:xfrm>
+            <a:off x="681746" y="1529880"/>
             <a:ext cx="8386053" cy="4608884"/>
           </a:xfrm>
         </p:spPr>
@@ -7737,22 +8000,22 @@
             </a:r>
             <a:r>
               <a:rPr lang="en-US" sz="1700" dirty="0" smtClean="0"/>
-              <a:t> not used for data-intensive applications” (</a:t>
+              <a:t> not used for data-intensive applications” (Fox)</a:t>
+            </a:r>
+          </a:p>
+          <a:p>
+            <a:pPr lvl="1"/>
+            <a:r>
+              <a:rPr lang="en-US" sz="1700" dirty="0" smtClean="0"/>
+              <a:t>Is it just about storage? Or is it about data transfer? High </a:t>
             </a:r>
             <a:r>
               <a:rPr lang="en-US" sz="1700" dirty="0" err="1" smtClean="0"/>
-              <a:t>Fpx</a:t>
+              <a:t>Amdahls</a:t>
             </a:r>
             <a:r>
               <a:rPr lang="en-US" sz="1700" dirty="0" smtClean="0"/>
-              <a:t>)</a:t>
-            </a:r>
-          </a:p>
-          <a:p>
-            <a:pPr lvl="1"/>
-            <a:r>
-              <a:rPr lang="en-US" sz="1700" dirty="0" smtClean="0"/>
-              <a:t>Is it just about storage? Or is it about data transfer?</a:t>
+              <a:t>?</a:t>
             </a:r>
           </a:p>
           <a:p>
@@ -7842,7 +8105,7 @@
 </p:sld>
 </file>
 
-<file path=ppt/slides/slide17.xml><?xml version="1.0" encoding="utf-8"?>
+<file path=ppt/slides/slide18.xml><?xml version="1.0" encoding="utf-8"?>
 <p:sld xmlns:a="http://schemas.openxmlformats.org/drawingml/2006/main" xmlns:r="http://schemas.openxmlformats.org/officeDocument/2006/relationships" xmlns:mc="http://schemas.openxmlformats.org/markup-compatibility/2006" xmlns:mv="urn:schemas-microsoft-com:mac:vml" xmlns:p="http://schemas.openxmlformats.org/presentationml/2006/main" mc:Ignorable="mv" mc:PreserveAttributes="mv:*">
   <p:cSld>
     <p:spTree>
@@ -7964,13 +8227,6 @@
             </a:r>
           </a:p>
           <a:p>
-            <a:pPr lvl="2"/>
-            <a:r>
-              <a:rPr lang="en-US" dirty="0" smtClean="0"/>
-              <a:t>What can we learn from HEP? WMS? </a:t>
-            </a:r>
-          </a:p>
-          <a:p>
             <a:pPr lvl="1"/>
             <a:r>
               <a:rPr lang="en-US" dirty="0" smtClean="0"/>
@@ -8043,30 +8299,6 @@
           </a:p>
         </p:txBody>
       </p:sp>
-      <p:pic>
-        <p:nvPicPr>
-          <p:cNvPr id="8" name="Picture 7" descr="windows_azure_small.jpg"/>
-          <p:cNvPicPr>
-            <a:picLocks noChangeAspect="1"/>
-          </p:cNvPicPr>
-          <p:nvPr/>
-        </p:nvPicPr>
-        <p:blipFill>
-          <a:blip r:embed="rId3"/>
-          <a:stretch>
-            <a:fillRect/>
-          </a:stretch>
-        </p:blipFill>
-        <p:spPr>
-          <a:xfrm>
-            <a:off x="6088538" y="3548661"/>
-            <a:ext cx="694531" cy="474753"/>
-          </a:xfrm>
-          <a:prstGeom prst="rect">
-            <a:avLst/>
-          </a:prstGeom>
-        </p:spPr>
-      </p:pic>
       <p:sp>
         <p:nvSpPr>
           <p:cNvPr id="13" name="Rectangle 12"/>
@@ -8115,7 +8347,7 @@
     </p:spTree>
     <p:extLst>
       <p:ext uri="{BB962C8B-B14F-4D97-AF65-F5344CB8AC3E}">
-        <p14:creationId xmlns="" xmlns:a="http://schemas.openxmlformats.org/drawingml/2006/main" xmlns:r="http://schemas.openxmlformats.org/officeDocument/2006/relationships" xmlns:p="http://schemas.openxmlformats.org/presentationml/2006/main" xmlns:p14="http://schemas.microsoft.com/office/powerpoint/2010/main" xmlns:mv="urn:schemas-microsoft-com:mac:vml" xmlns:mc="http://schemas.openxmlformats.org/markup-compatibility/2006" val="1575295952"/>
+        <p14:creationId xmlns:mc="http://schemas.openxmlformats.org/markup-compatibility/2006" xmlns:mv="urn:schemas-microsoft-com:mac:vml" xmlns:p14="http://schemas.microsoft.com/office/powerpoint/2010/main" xmlns:p="http://schemas.openxmlformats.org/presentationml/2006/main" xmlns:r="http://schemas.openxmlformats.org/officeDocument/2006/relationships" xmlns:a="http://schemas.openxmlformats.org/drawingml/2006/main" xmlns="" val="1575295952"/>
       </p:ext>
     </p:extLst>
   </p:cSld>
@@ -8132,7 +8364,7 @@
 </p:sld>
 </file>
 
-<file path=ppt/slides/slide18.xml><?xml version="1.0" encoding="utf-8"?>
+<file path=ppt/slides/slide19.xml><?xml version="1.0" encoding="utf-8"?>
 <p:sld xmlns:a="http://schemas.openxmlformats.org/drawingml/2006/main" xmlns:r="http://schemas.openxmlformats.org/officeDocument/2006/relationships" xmlns:mc="http://schemas.openxmlformats.org/markup-compatibility/2006" xmlns:mv="urn:schemas-microsoft-com:mac:vml" xmlns:p="http://schemas.openxmlformats.org/presentationml/2006/main" mc:Ignorable="mv" mc:PreserveAttributes="mv:*" show="0">
   <p:cSld>
     <p:spTree>
@@ -8282,185 +8514,6 @@
     <a:masterClrMapping/>
   </p:clrMapOvr>
   <p:transition/>
-  <p:timing>
-    <p:tnLst>
-      <p:par>
-        <p:cTn id="1" dur="indefinite" restart="never" nodeType="tmRoot"/>
-      </p:par>
-    </p:tnLst>
-  </p:timing>
-</p:sld>
-</file>
-
-<file path=ppt/slides/slide19.xml><?xml version="1.0" encoding="utf-8"?>
-<p:sld xmlns:a="http://schemas.openxmlformats.org/drawingml/2006/main" xmlns:r="http://schemas.openxmlformats.org/officeDocument/2006/relationships" xmlns:mc="http://schemas.openxmlformats.org/markup-compatibility/2006" xmlns:mv="urn:schemas-microsoft-com:mac:vml" xmlns:p="http://schemas.openxmlformats.org/presentationml/2006/main" mc:Ignorable="mv" mc:PreserveAttributes="mv:*">
-  <p:cSld>
-    <p:spTree>
-      <p:nvGrpSpPr>
-        <p:cNvPr id="1" name=""/>
-        <p:cNvGrpSpPr/>
-        <p:nvPr/>
-      </p:nvGrpSpPr>
-      <p:grpSpPr>
-        <a:xfrm>
-          <a:off x="0" y="0"/>
-          <a:ext cx="0" cy="0"/>
-          <a:chOff x="0" y="0"/>
-          <a:chExt cx="0" cy="0"/>
-        </a:xfrm>
-      </p:grpSpPr>
-      <p:sp>
-        <p:nvSpPr>
-          <p:cNvPr id="2" name="Title 1"/>
-          <p:cNvSpPr>
-            <a:spLocks noGrp="1"/>
-          </p:cNvSpPr>
-          <p:nvPr>
-            <p:ph type="title"/>
-          </p:nvPr>
-        </p:nvSpPr>
-        <p:spPr/>
-        <p:txBody>
-          <a:bodyPr>
-            <a:normAutofit/>
-          </a:bodyPr>
-          <a:lstStyle/>
-          <a:p>
-            <a:r>
-              <a:rPr lang="en-US" sz="2400" dirty="0" smtClean="0"/>
-              <a:t>What are the Challenges for LS Applications on Clouds?</a:t>
-            </a:r>
-            <a:endParaRPr lang="en-US" sz="2400" dirty="0"/>
-          </a:p>
-        </p:txBody>
-      </p:sp>
-      <p:sp>
-        <p:nvSpPr>
-          <p:cNvPr id="3" name="Content Placeholder 2"/>
-          <p:cNvSpPr>
-            <a:spLocks noGrp="1"/>
-          </p:cNvSpPr>
-          <p:nvPr>
-            <p:ph idx="1"/>
-          </p:nvPr>
-        </p:nvSpPr>
-        <p:spPr/>
-        <p:txBody>
-          <a:bodyPr>
-            <a:noAutofit/>
-          </a:bodyPr>
-          <a:lstStyle/>
-          <a:p>
-            <a:r>
-              <a:rPr lang="en-US" sz="1700" dirty="0" smtClean="0"/>
-              <a:t>Life-Science Applications have</a:t>
-            </a:r>
-          </a:p>
-          <a:p>
-            <a:pPr lvl="1"/>
-            <a:r>
-              <a:rPr lang="en-US" sz="1700" dirty="0" smtClean="0"/>
-              <a:t>Multi-parametric trade-offs exist: </a:t>
-            </a:r>
-            <a:r>
-              <a:rPr lang="en-US" sz="1700" dirty="0" err="1" smtClean="0"/>
-              <a:t>Mem</a:t>
-            </a:r>
-            <a:r>
-              <a:rPr lang="en-US" sz="1700" dirty="0" smtClean="0"/>
-              <a:t> </a:t>
-            </a:r>
-            <a:r>
-              <a:rPr lang="en-US" sz="1700" dirty="0" err="1" smtClean="0"/>
-              <a:t>vs</a:t>
-            </a:r>
-            <a:r>
-              <a:rPr lang="en-US" sz="1700" dirty="0" smtClean="0"/>
-              <a:t> I/O </a:t>
-            </a:r>
-            <a:r>
-              <a:rPr lang="en-US" sz="1700" dirty="0" err="1" smtClean="0"/>
-              <a:t>vs</a:t>
-            </a:r>
-            <a:r>
-              <a:rPr lang="en-US" sz="1700" dirty="0" smtClean="0"/>
-              <a:t> CPU </a:t>
-            </a:r>
-            <a:r>
-              <a:rPr lang="en-US" sz="1700" dirty="0" err="1" smtClean="0"/>
-              <a:t>vs</a:t>
-            </a:r>
-            <a:r>
-              <a:rPr lang="en-US" sz="1700" dirty="0" smtClean="0"/>
-              <a:t>  </a:t>
-            </a:r>
-            <a:r>
-              <a:rPr lang="en-US" sz="1700" dirty="0" err="1" smtClean="0"/>
-              <a:t>DoD</a:t>
-            </a:r>
-            <a:endParaRPr lang="en-US" sz="1700" dirty="0" smtClean="0"/>
-          </a:p>
-          <a:p>
-            <a:pPr lvl="1"/>
-            <a:r>
-              <a:rPr lang="en-US" sz="1700" dirty="0" smtClean="0"/>
-              <a:t>NGS: Sequence length variation</a:t>
-            </a:r>
-          </a:p>
-          <a:p>
-            <a:r>
-              <a:rPr lang="en-US" sz="1700" dirty="0" smtClean="0"/>
-              <a:t>Clouds as the natural CI for DI computing?</a:t>
-            </a:r>
-          </a:p>
-          <a:p>
-            <a:pPr lvl="1"/>
-            <a:r>
-              <a:rPr lang="en-US" sz="1700" dirty="0" smtClean="0"/>
-              <a:t>Need to support  distributed, dynamic loads</a:t>
-            </a:r>
-          </a:p>
-          <a:p>
-            <a:pPr lvl="1"/>
-            <a:r>
-              <a:rPr lang="en-US" sz="1700" dirty="0" smtClean="0"/>
-              <a:t>Is the Cloud data localization model scalable and/or sustainable?</a:t>
-            </a:r>
-          </a:p>
-          <a:p>
-            <a:pPr lvl="2"/>
-            <a:r>
-              <a:rPr lang="en-US" sz="1700" dirty="0" smtClean="0"/>
-              <a:t>Must address: How and when to move compute to data (or vice-versa) in scalable fashion?</a:t>
-            </a:r>
-          </a:p>
-          <a:p>
-            <a:pPr lvl="1"/>
-            <a:r>
-              <a:rPr lang="en-US" sz="1700" dirty="0" smtClean="0"/>
-              <a:t>DA challenges need to be addressed dynamically!</a:t>
-            </a:r>
-          </a:p>
-          <a:p>
-            <a:pPr lvl="2"/>
-            <a:r>
-              <a:rPr lang="en-US" sz="1700" dirty="0" smtClean="0"/>
-              <a:t>Resource Elasticity/Cloudburst + Heterogeneous task-resource binding and need to for application configuration trade-offs</a:t>
-            </a:r>
-          </a:p>
-          <a:p>
-            <a:pPr>
-              <a:buNone/>
-            </a:pPr>
-            <a:endParaRPr lang="en-US" sz="1700" dirty="0" smtClean="0"/>
-          </a:p>
-        </p:txBody>
-      </p:sp>
-    </p:spTree>
-  </p:cSld>
-  <p:clrMapOvr>
-    <a:masterClrMapping/>
-  </p:clrMapOvr>
   <p:timing>
     <p:tnLst>
       <p:par>
@@ -8542,7 +8595,7 @@
             <a:pPr lvl="1"/>
             <a:r>
               <a:rPr lang="en-US" sz="1700" dirty="0" smtClean="0"/>
-              <a:t>Implement NGS alignment analytics for “real” problems</a:t>
+              <a:t>Perform alignment for “real” NGS problems on production DCI</a:t>
             </a:r>
           </a:p>
           <a:p>
@@ -8707,90 +8760,132 @@
         </p:nvSpPr>
         <p:spPr/>
         <p:txBody>
-          <a:bodyPr/>
-          <a:lstStyle/>
-          <a:p>
-            <a:r>
-              <a:rPr lang="en-US" dirty="0" smtClean="0"/>
-              <a:t>Conclusions</a:t>
-            </a:r>
-            <a:endParaRPr lang="en-US" dirty="0"/>
-          </a:p>
-        </p:txBody>
-      </p:sp>
-      <p:sp>
-        <p:nvSpPr>
-          <p:cNvPr id="3" name="Content Placeholder 2"/>
-          <p:cNvSpPr>
-            <a:spLocks noGrp="1"/>
-          </p:cNvSpPr>
-          <p:nvPr>
-            <p:ph idx="1"/>
-          </p:nvPr>
-        </p:nvSpPr>
-        <p:spPr/>
-        <p:txBody>
           <a:bodyPr>
             <a:normAutofit/>
           </a:bodyPr>
           <a:lstStyle/>
           <a:p>
             <a:r>
-              <a:rPr lang="en-US" dirty="0" smtClean="0"/>
-              <a:t>LS Applications – compute and data intensive present broad range of challenges at scale</a:t>
+              <a:rPr lang="en-US" sz="2400" dirty="0" smtClean="0"/>
+              <a:t>What are the Challenges for LS Applications on Clouds?</a:t>
+            </a:r>
+            <a:endParaRPr lang="en-US" sz="2400" dirty="0"/>
+          </a:p>
+        </p:txBody>
+      </p:sp>
+      <p:sp>
+        <p:nvSpPr>
+          <p:cNvPr id="3" name="Content Placeholder 2"/>
+          <p:cNvSpPr>
+            <a:spLocks noGrp="1"/>
+          </p:cNvSpPr>
+          <p:nvPr>
+            <p:ph idx="1"/>
+          </p:nvPr>
+        </p:nvSpPr>
+        <p:spPr/>
+        <p:txBody>
+          <a:bodyPr>
+            <a:noAutofit/>
+          </a:bodyPr>
+          <a:lstStyle/>
+          <a:p>
+            <a:r>
+              <a:rPr lang="en-US" sz="1700" dirty="0" smtClean="0"/>
+              <a:t>Clouds as the natural CI for DI computing?</a:t>
             </a:r>
           </a:p>
           <a:p>
             <a:pPr lvl="1"/>
             <a:r>
-              <a:rPr lang="en-US" dirty="0" smtClean="0"/>
-              <a:t>Have characterized BFAST as an example of alignment that can be used in  production DCI  </a:t>
+              <a:rPr lang="en-US" sz="1700" dirty="0" smtClean="0"/>
+              <a:t>Need to support  distributed, dynamic loads</a:t>
+            </a:r>
+          </a:p>
+          <a:p>
+            <a:pPr lvl="2"/>
+            <a:r>
+              <a:rPr lang="en-US" sz="1700" dirty="0" smtClean="0"/>
+              <a:t>Multi-parametric trade-offs exist: </a:t>
+            </a:r>
+            <a:r>
+              <a:rPr lang="en-US" sz="1700" dirty="0" err="1" smtClean="0"/>
+              <a:t>Mem</a:t>
+            </a:r>
+            <a:r>
+              <a:rPr lang="en-US" sz="1700" dirty="0" smtClean="0"/>
+              <a:t> </a:t>
+            </a:r>
+            <a:r>
+              <a:rPr lang="en-US" sz="1700" dirty="0" err="1" smtClean="0"/>
+              <a:t>vs</a:t>
+            </a:r>
+            <a:r>
+              <a:rPr lang="en-US" sz="1700" dirty="0" smtClean="0"/>
+              <a:t> I/O </a:t>
+            </a:r>
+            <a:r>
+              <a:rPr lang="en-US" sz="1700" dirty="0" err="1" smtClean="0"/>
+              <a:t>vs</a:t>
+            </a:r>
+            <a:r>
+              <a:rPr lang="en-US" sz="1700" dirty="0" smtClean="0"/>
+              <a:t> CPU </a:t>
+            </a:r>
+            <a:r>
+              <a:rPr lang="en-US" sz="1700" dirty="0" err="1" smtClean="0"/>
+              <a:t>vs</a:t>
+            </a:r>
+            <a:r>
+              <a:rPr lang="en-US" sz="1700" dirty="0" smtClean="0"/>
+              <a:t>  </a:t>
+            </a:r>
+            <a:r>
+              <a:rPr lang="en-US" sz="1700" dirty="0" err="1" smtClean="0"/>
+              <a:t>DoD</a:t>
+            </a:r>
+            <a:endParaRPr lang="en-US" sz="1700" dirty="0" smtClean="0"/>
+          </a:p>
+          <a:p>
+            <a:pPr lvl="2"/>
+            <a:r>
+              <a:rPr lang="en-US" sz="1700" dirty="0" smtClean="0"/>
+              <a:t>Sequence length variation</a:t>
             </a:r>
           </a:p>
           <a:p>
             <a:pPr lvl="1"/>
             <a:r>
-              <a:rPr lang="en-US" dirty="0" smtClean="0"/>
-              <a:t>What are the CI challenges of NGS Analytics?</a:t>
+              <a:rPr lang="en-US" sz="1700" dirty="0" smtClean="0"/>
+              <a:t>DA challenges need to be addressed dynamically!</a:t>
             </a:r>
           </a:p>
           <a:p>
             <a:pPr lvl="2"/>
             <a:r>
-              <a:rPr lang="en-US" dirty="0" smtClean="0"/>
-              <a:t>Exploring HTC, HPC-grids and Clouds</a:t>
-            </a:r>
-          </a:p>
-          <a:p>
-            <a:r>
-              <a:rPr lang="en-US" dirty="0" smtClean="0"/>
-              <a:t>DARE-based Gateway</a:t>
+              <a:rPr lang="en-US" sz="1700" dirty="0" smtClean="0"/>
+              <a:t>Resource Elasticity/Cloudburst + Heterogeneous task-resource binding and need for application configuration trade-offs</a:t>
             </a:r>
           </a:p>
           <a:p>
             <a:pPr lvl="1"/>
             <a:r>
-              <a:rPr lang="en-US" dirty="0" smtClean="0"/>
-              <a:t>Extensions to abstractions for dynamic execution and data</a:t>
-            </a:r>
-          </a:p>
-          <a:p>
-            <a:pPr lvl="1"/>
-            <a:r>
-              <a:rPr lang="en-US" dirty="0" smtClean="0"/>
-              <a:t>Need for community provided solution on XD and other production DCI</a:t>
-            </a:r>
-          </a:p>
-          <a:p>
-            <a:pPr lvl="1"/>
-            <a:r>
-              <a:rPr lang="en-US" dirty="0" smtClean="0"/>
-              <a:t>Challenges remain in the scalable provisioning</a:t>
-            </a:r>
-          </a:p>
-          <a:p>
-            <a:pPr lvl="1"/>
-            <a:endParaRPr lang="en-US" dirty="0"/>
+              <a:rPr lang="en-US" sz="1700" dirty="0" smtClean="0"/>
+              <a:t>Is the Cloud data localization model scalable and/or sustainable?</a:t>
+            </a:r>
+          </a:p>
+          <a:p>
+            <a:pPr lvl="2"/>
+            <a:r>
+              <a:rPr lang="en-US" sz="1700" dirty="0" smtClean="0"/>
+              <a:t>Must address: How and when to move compute to data (or vice-versa) in scalable fashion?</a:t>
+            </a:r>
+          </a:p>
+          <a:p>
+            <a:pPr>
+              <a:buNone/>
+            </a:pPr>
+            <a:endParaRPr lang="en-US" sz="1700" dirty="0" smtClean="0"/>
           </a:p>
         </p:txBody>
       </p:sp>
@@ -8842,6 +8937,137 @@
           <a:lstStyle/>
           <a:p>
             <a:r>
+              <a:rPr lang="en-US" dirty="0" smtClean="0"/>
+              <a:t>Conclusions</a:t>
+            </a:r>
+            <a:endParaRPr lang="en-US" dirty="0"/>
+          </a:p>
+        </p:txBody>
+      </p:sp>
+      <p:sp>
+        <p:nvSpPr>
+          <p:cNvPr id="3" name="Content Placeholder 2"/>
+          <p:cNvSpPr>
+            <a:spLocks noGrp="1"/>
+          </p:cNvSpPr>
+          <p:nvPr>
+            <p:ph idx="1"/>
+          </p:nvPr>
+        </p:nvSpPr>
+        <p:spPr/>
+        <p:txBody>
+          <a:bodyPr>
+            <a:normAutofit/>
+          </a:bodyPr>
+          <a:lstStyle/>
+          <a:p>
+            <a:r>
+              <a:rPr lang="en-US" dirty="0" smtClean="0"/>
+              <a:t>LS Applications – compute and data intensive present broad range of challenges at scale</a:t>
+            </a:r>
+          </a:p>
+          <a:p>
+            <a:pPr lvl="1"/>
+            <a:r>
+              <a:rPr lang="en-US" dirty="0" smtClean="0"/>
+              <a:t>Have characterized BFAST as an example of alignment that can be used in  production DCI  </a:t>
+            </a:r>
+          </a:p>
+          <a:p>
+            <a:pPr lvl="1"/>
+            <a:r>
+              <a:rPr lang="en-US" dirty="0" smtClean="0"/>
+              <a:t>What are the CI challenges of NGS Analytics?</a:t>
+            </a:r>
+          </a:p>
+          <a:p>
+            <a:pPr lvl="2"/>
+            <a:r>
+              <a:rPr lang="en-US" dirty="0" smtClean="0"/>
+              <a:t>Exploring HTC, HPC-grids and Clouds</a:t>
+            </a:r>
+          </a:p>
+          <a:p>
+            <a:r>
+              <a:rPr lang="en-US" dirty="0" smtClean="0"/>
+              <a:t>DARE-based Gateway</a:t>
+            </a:r>
+          </a:p>
+          <a:p>
+            <a:pPr lvl="1"/>
+            <a:r>
+              <a:rPr lang="en-US" dirty="0" smtClean="0"/>
+              <a:t>Extensions to abstractions for dynamic execution and data</a:t>
+            </a:r>
+          </a:p>
+          <a:p>
+            <a:pPr lvl="1"/>
+            <a:r>
+              <a:rPr lang="en-US" dirty="0" smtClean="0"/>
+              <a:t>Need for community provided solution on XD and other production DCI</a:t>
+            </a:r>
+          </a:p>
+          <a:p>
+            <a:pPr lvl="1"/>
+            <a:r>
+              <a:rPr lang="en-US" dirty="0" smtClean="0"/>
+              <a:t>Challenges remain in the scalable provisioning</a:t>
+            </a:r>
+          </a:p>
+          <a:p>
+            <a:pPr lvl="1"/>
+            <a:endParaRPr lang="en-US" dirty="0"/>
+          </a:p>
+        </p:txBody>
+      </p:sp>
+    </p:spTree>
+  </p:cSld>
+  <p:clrMapOvr>
+    <a:masterClrMapping/>
+  </p:clrMapOvr>
+  <p:timing>
+    <p:tnLst>
+      <p:par>
+        <p:cTn id="1" dur="indefinite" restart="never" nodeType="tmRoot"/>
+      </p:par>
+    </p:tnLst>
+  </p:timing>
+</p:sld>
+</file>
+
+<file path=ppt/slides/slide22.xml><?xml version="1.0" encoding="utf-8"?>
+<p:sld xmlns:a="http://schemas.openxmlformats.org/drawingml/2006/main" xmlns:r="http://schemas.openxmlformats.org/officeDocument/2006/relationships" xmlns:mc="http://schemas.openxmlformats.org/markup-compatibility/2006" xmlns:mv="urn:schemas-microsoft-com:mac:vml" xmlns:p="http://schemas.openxmlformats.org/presentationml/2006/main" mc:Ignorable="mv" mc:PreserveAttributes="mv:*">
+  <p:cSld>
+    <p:spTree>
+      <p:nvGrpSpPr>
+        <p:cNvPr id="1" name=""/>
+        <p:cNvGrpSpPr/>
+        <p:nvPr/>
+      </p:nvGrpSpPr>
+      <p:grpSpPr>
+        <a:xfrm>
+          <a:off x="0" y="0"/>
+          <a:ext cx="0" cy="0"/>
+          <a:chOff x="0" y="0"/>
+          <a:chExt cx="0" cy="0"/>
+        </a:xfrm>
+      </p:grpSpPr>
+      <p:sp>
+        <p:nvSpPr>
+          <p:cNvPr id="2" name="Title 1"/>
+          <p:cNvSpPr>
+            <a:spLocks noGrp="1"/>
+          </p:cNvSpPr>
+          <p:nvPr>
+            <p:ph type="title"/>
+          </p:nvPr>
+        </p:nvSpPr>
+        <p:spPr/>
+        <p:txBody>
+          <a:bodyPr/>
+          <a:lstStyle/>
+          <a:p>
+            <a:r>
               <a:rPr lang="en-US" smtClean="0"/>
               <a:t>Acknowledgements</a:t>
             </a:r>
@@ -9057,7 +9283,7 @@
           <a:p>
             <a:r>
               <a:rPr lang="en-US" sz="2400" dirty="0" smtClean="0"/>
-              <a:t>NGS Analytics</a:t>
+              <a:t>The case for advanced NGS Analytics</a:t>
             </a:r>
             <a:endParaRPr lang="en-US" sz="2400" dirty="0"/>
           </a:p>
@@ -9271,7 +9497,7 @@
           <a:blip r:embed="rId3">
             <a:extLst>
               <a:ext uri="{28A0092B-C50C-407E-A947-70E740481C1C}">
-                <a14:useLocalDpi xmlns="" xmlns:a="http://schemas.openxmlformats.org/drawingml/2006/main" xmlns:r="http://schemas.openxmlformats.org/officeDocument/2006/relationships" xmlns:p="http://schemas.openxmlformats.org/presentationml/2006/main" xmlns:a14="http://schemas.microsoft.com/office/drawing/2010/main" xmlns:mv="urn:schemas-microsoft-com:mac:vml" xmlns:mc="http://schemas.openxmlformats.org/markup-compatibility/2006"/>
+                <a14:useLocalDpi xmlns:mc="http://schemas.openxmlformats.org/markup-compatibility/2006" xmlns:mv="urn:schemas-microsoft-com:mac:vml" xmlns:a14="http://schemas.microsoft.com/office/drawing/2010/main" xmlns:p="http://schemas.openxmlformats.org/presentationml/2006/main" xmlns:r="http://schemas.openxmlformats.org/officeDocument/2006/relationships" xmlns:a="http://schemas.openxmlformats.org/drawingml/2006/main" xmlns=""/>
               </a:ext>
             </a:extLst>
           </a:blip>
@@ -10140,7 +10366,7 @@
           <a:blip r:embed="rId2">
             <a:extLst>
               <a:ext uri="{28A0092B-C50C-407E-A947-70E740481C1C}">
-                <a14:useLocalDpi xmlns="" xmlns:a="http://schemas.openxmlformats.org/drawingml/2006/main" xmlns:r="http://schemas.openxmlformats.org/officeDocument/2006/relationships" xmlns:p="http://schemas.openxmlformats.org/presentationml/2006/main" xmlns:a14="http://schemas.microsoft.com/office/drawing/2010/main" xmlns:mv="urn:schemas-microsoft-com:mac:vml" xmlns:mc="http://schemas.openxmlformats.org/markup-compatibility/2006"/>
+                <a14:useLocalDpi xmlns:mc="http://schemas.openxmlformats.org/markup-compatibility/2006" xmlns:mv="urn:schemas-microsoft-com:mac:vml" xmlns:a14="http://schemas.microsoft.com/office/drawing/2010/main" xmlns:p="http://schemas.openxmlformats.org/presentationml/2006/main" xmlns:r="http://schemas.openxmlformats.org/officeDocument/2006/relationships" xmlns:a="http://schemas.openxmlformats.org/drawingml/2006/main" xmlns=""/>
               </a:ext>
             </a:extLst>
           </a:blip>
@@ -10252,7 +10478,7 @@
     </p:spTree>
     <p:extLst>
       <p:ext uri="{BB962C8B-B14F-4D97-AF65-F5344CB8AC3E}">
-        <p14:creationId xmlns="" xmlns:a="http://schemas.openxmlformats.org/drawingml/2006/main" xmlns:r="http://schemas.openxmlformats.org/officeDocument/2006/relationships" xmlns:p="http://schemas.openxmlformats.org/presentationml/2006/main" xmlns:p14="http://schemas.microsoft.com/office/powerpoint/2010/main" xmlns:mv="urn:schemas-microsoft-com:mac:vml" xmlns:mc="http://schemas.openxmlformats.org/markup-compatibility/2006" val="4280363161"/>
+        <p14:creationId xmlns:mc="http://schemas.openxmlformats.org/markup-compatibility/2006" xmlns:mv="urn:schemas-microsoft-com:mac:vml" xmlns:p14="http://schemas.microsoft.com/office/powerpoint/2010/main" xmlns:p="http://schemas.openxmlformats.org/presentationml/2006/main" xmlns:r="http://schemas.openxmlformats.org/officeDocument/2006/relationships" xmlns:a="http://schemas.openxmlformats.org/drawingml/2006/main" xmlns="" val="4280363161"/>
       </p:ext>
     </p:extLst>
   </p:cSld>
@@ -10836,14 +11062,16 @@
         </p:nvSpPr>
         <p:spPr/>
         <p:txBody>
-          <a:bodyPr/>
+          <a:bodyPr>
+            <a:normAutofit/>
+          </a:bodyPr>
           <a:lstStyle/>
           <a:p>
             <a:r>
-              <a:rPr lang="en-US" smtClean="0"/>
+              <a:rPr lang="en-US" sz="2800" dirty="0" smtClean="0"/>
               <a:t>SAGA – An Overview</a:t>
             </a:r>
-            <a:endParaRPr lang="en-US" dirty="0"/>
+            <a:endParaRPr lang="en-US" sz="2800" dirty="0"/>
           </a:p>
         </p:txBody>
       </p:sp>
